--- a/docs/IPA/Präsentation/Präsentation.pptx
+++ b/docs/IPA/Präsentation/Präsentation.pptx
@@ -6,6 +6,8 @@
   </p:sldMasterIdLst>
   <p:sldIdLst>
     <p:sldId id="256" r:id="rId2"/>
+    <p:sldId id="257" r:id="rId3"/>
+    <p:sldId id="258" r:id="rId4"/>
   </p:sldIdLst>
   <p:sldSz cx="12192000" cy="6858000"/>
   <p:notesSz cx="6858000" cy="9144000"/>
@@ -104,6 +106,11 @@
       </a:defRPr>
     </a:lvl9pPr>
   </p:defaultTextStyle>
+  <p:extLst>
+    <p:ext uri="{EFAFB233-063F-42B5-8137-9DF3F51BA10A}">
+      <p15:sldGuideLst xmlns:p15="http://schemas.microsoft.com/office/powerpoint/2012/main"/>
+    </p:ext>
+  </p:extLst>
 </p:presentation>
 </file>
 
@@ -3344,54 +3351,242 @@
       </p:grpSpPr>
       <p:sp>
         <p:nvSpPr>
-          <p:cNvPr id="2" name="Titel 1">
-            <a:extLst>
-              <a:ext uri="{FF2B5EF4-FFF2-40B4-BE49-F238E27FC236}">
-                <a16:creationId xmlns:a16="http://schemas.microsoft.com/office/drawing/2014/main" id="{7222C65B-BA2D-4336-9781-32C46335AA41}"/>
-              </a:ext>
-            </a:extLst>
-          </p:cNvPr>
-          <p:cNvSpPr>
-            <a:spLocks noGrp="1"/>
-          </p:cNvSpPr>
-          <p:nvPr>
-            <p:ph type="ctrTitle"/>
-          </p:nvPr>
-        </p:nvSpPr>
-        <p:spPr/>
-        <p:txBody>
-          <a:bodyPr/>
-          <a:lstStyle/>
-          <a:p>
-            <a:endParaRPr lang="de-CH"/>
-          </a:p>
-        </p:txBody>
-      </p:sp>
-      <p:sp>
-        <p:nvSpPr>
-          <p:cNvPr id="3" name="Untertitel 2">
-            <a:extLst>
-              <a:ext uri="{FF2B5EF4-FFF2-40B4-BE49-F238E27FC236}">
-                <a16:creationId xmlns:a16="http://schemas.microsoft.com/office/drawing/2014/main" id="{0A20993D-7A30-4CDA-A524-631311676B75}"/>
-              </a:ext>
-            </a:extLst>
-          </p:cNvPr>
-          <p:cNvSpPr>
-            <a:spLocks noGrp="1"/>
-          </p:cNvSpPr>
-          <p:nvPr>
-            <p:ph type="subTitle" idx="1"/>
-          </p:nvPr>
-        </p:nvSpPr>
-        <p:spPr/>
-        <p:txBody>
-          <a:bodyPr/>
-          <a:lstStyle/>
-          <a:p>
-            <a:endParaRPr lang="de-CH"/>
-          </a:p>
-        </p:txBody>
-      </p:sp>
+          <p:cNvPr id="9" name="Textfeld 8">
+            <a:extLst>
+              <a:ext uri="{FF2B5EF4-FFF2-40B4-BE49-F238E27FC236}">
+                <a16:creationId xmlns:a16="http://schemas.microsoft.com/office/drawing/2014/main" id="{47F5A387-CEE0-4732-A190-239E91D0024D}"/>
+              </a:ext>
+            </a:extLst>
+          </p:cNvPr>
+          <p:cNvSpPr txBox="1"/>
+          <p:nvPr/>
+        </p:nvSpPr>
+        <p:spPr>
+          <a:xfrm>
+            <a:off x="3793126" y="3149159"/>
+            <a:ext cx="4605748" cy="1035027"/>
+          </a:xfrm>
+          <a:prstGeom prst="rect">
+            <a:avLst/>
+          </a:prstGeom>
+          <a:noFill/>
+        </p:spPr>
+        <p:txBody>
+          <a:bodyPr wrap="none" rtlCol="0">
+            <a:spAutoFit/>
+          </a:bodyPr>
+          <a:lstStyle/>
+          <a:p>
+            <a:pPr algn="ctr">
+              <a:spcAft>
+                <a:spcPts val="0"/>
+              </a:spcAft>
+            </a:pPr>
+            <a:r>
+              <a:rPr lang="de-CH" sz="2400" kern="1400" spc="-50" dirty="0">
+                <a:solidFill>
+                  <a:srgbClr val="003399"/>
+                </a:solidFill>
+                <a:latin typeface="MetaPro-Medium" panose="02000503040000020004" pitchFamily="2" charset="0"/>
+                <a:ea typeface="Times New Roman" panose="02020603050405020304" pitchFamily="18" charset="0"/>
+                <a:cs typeface="Times New Roman" panose="02020603050405020304" pitchFamily="18" charset="0"/>
+              </a:rPr>
+              <a:t>Personalplanung für den Helpdesk</a:t>
+            </a:r>
+          </a:p>
+          <a:p>
+            <a:pPr algn="ctr">
+              <a:lnSpc>
+                <a:spcPct val="107000"/>
+              </a:lnSpc>
+              <a:spcAft>
+                <a:spcPts val="0"/>
+              </a:spcAft>
+            </a:pPr>
+            <a:r>
+              <a:rPr lang="de-CH" sz="1600" spc="75" dirty="0">
+                <a:solidFill>
+                  <a:srgbClr val="444444"/>
+                </a:solidFill>
+                <a:latin typeface="MetaPro-Bold" panose="02000503040000020004" pitchFamily="50" charset="0"/>
+                <a:ea typeface="Times New Roman" panose="02020603050405020304" pitchFamily="18" charset="0"/>
+                <a:cs typeface="Times New Roman" panose="02020603050405020304" pitchFamily="18" charset="0"/>
+              </a:rPr>
+              <a:t>Individuelle Praktische Arbeit 2019</a:t>
+            </a:r>
+          </a:p>
+          <a:p>
+            <a:endParaRPr lang="de-CH" dirty="0"/>
+          </a:p>
+        </p:txBody>
+      </p:sp>
+      <p:sp>
+        <p:nvSpPr>
+          <p:cNvPr id="10" name="Textfeld 9">
+            <a:extLst>
+              <a:ext uri="{FF2B5EF4-FFF2-40B4-BE49-F238E27FC236}">
+                <a16:creationId xmlns:a16="http://schemas.microsoft.com/office/drawing/2014/main" id="{8D05FE2B-D4BF-4EFF-B457-DE67708FBB92}"/>
+              </a:ext>
+            </a:extLst>
+          </p:cNvPr>
+          <p:cNvSpPr txBox="1"/>
+          <p:nvPr/>
+        </p:nvSpPr>
+        <p:spPr>
+          <a:xfrm>
+            <a:off x="4648992" y="1975313"/>
+            <a:ext cx="2894017" cy="1446550"/>
+          </a:xfrm>
+          <a:prstGeom prst="rect">
+            <a:avLst/>
+          </a:prstGeom>
+          <a:noFill/>
+        </p:spPr>
+        <p:txBody>
+          <a:bodyPr wrap="square" rtlCol="0">
+            <a:spAutoFit/>
+          </a:bodyPr>
+          <a:lstStyle/>
+          <a:p>
+            <a:r>
+              <a:rPr lang="de-CH" sz="8800" kern="1400" spc="-50" dirty="0">
+                <a:solidFill>
+                  <a:srgbClr val="009EE6"/>
+                </a:solidFill>
+                <a:latin typeface="MetaPro-Medium" panose="02000503040000020004" pitchFamily="2" charset="0"/>
+                <a:ea typeface="Times New Roman" panose="02020603050405020304" pitchFamily="18" charset="0"/>
+                <a:cs typeface="Times New Roman" panose="02020603050405020304" pitchFamily="18" charset="0"/>
+              </a:rPr>
+              <a:t>Pelan</a:t>
+            </a:r>
+            <a:endParaRPr lang="de-CH" sz="8800" dirty="0">
+              <a:solidFill>
+                <a:srgbClr val="009EE6"/>
+              </a:solidFill>
+              <a:latin typeface="MetaPro-Medium" panose="02000503040000020004" pitchFamily="2" charset="0"/>
+            </a:endParaRPr>
+          </a:p>
+        </p:txBody>
+      </p:sp>
+      <p:sp>
+        <p:nvSpPr>
+          <p:cNvPr id="17" name="Textfeld 16">
+            <a:extLst>
+              <a:ext uri="{FF2B5EF4-FFF2-40B4-BE49-F238E27FC236}">
+                <a16:creationId xmlns:a16="http://schemas.microsoft.com/office/drawing/2014/main" id="{E0A84154-7377-4A9F-8E63-9990FD9CF5FF}"/>
+              </a:ext>
+            </a:extLst>
+          </p:cNvPr>
+          <p:cNvSpPr txBox="1"/>
+          <p:nvPr/>
+        </p:nvSpPr>
+        <p:spPr>
+          <a:xfrm>
+            <a:off x="352818" y="6194787"/>
+            <a:ext cx="1820050" cy="276999"/>
+          </a:xfrm>
+          <a:prstGeom prst="rect">
+            <a:avLst/>
+          </a:prstGeom>
+          <a:noFill/>
+        </p:spPr>
+        <p:txBody>
+          <a:bodyPr wrap="none" rtlCol="0">
+            <a:spAutoFit/>
+          </a:bodyPr>
+          <a:lstStyle/>
+          <a:p>
+            <a:r>
+              <a:rPr lang="de-DE" sz="1200" dirty="0">
+                <a:latin typeface="MetaPro-Light" panose="020B0600050302020204" pitchFamily="34" charset="0"/>
+              </a:rPr>
+              <a:t>Elia Reutlinger | </a:t>
+            </a:r>
+            <a:fld id="{DC1B1C05-A8F6-4944-AF49-CB563695569D}" type="datetime1">
+              <a:rPr lang="de-DE" sz="1200" smtClean="0">
+                <a:latin typeface="MetaPro-Light" panose="020B0600050302020204" pitchFamily="34" charset="0"/>
+              </a:rPr>
+              <a:t>11.05.2019</a:t>
+            </a:fld>
+            <a:endParaRPr lang="de-CH" sz="1200" dirty="0">
+              <a:latin typeface="MetaPro-Light" panose="020B0600050302020204" pitchFamily="34" charset="0"/>
+            </a:endParaRPr>
+          </a:p>
+        </p:txBody>
+      </p:sp>
+      <p:pic>
+        <p:nvPicPr>
+          <p:cNvPr id="18" name="Grafik 17">
+            <a:extLst>
+              <a:ext uri="{FF2B5EF4-FFF2-40B4-BE49-F238E27FC236}">
+                <a16:creationId xmlns:a16="http://schemas.microsoft.com/office/drawing/2014/main" id="{1FF1AA7D-82DD-4821-906A-7B354E3DC6A8}"/>
+              </a:ext>
+            </a:extLst>
+          </p:cNvPr>
+          <p:cNvPicPr>
+            <a:picLocks noChangeAspect="1"/>
+          </p:cNvPicPr>
+          <p:nvPr/>
+        </p:nvPicPr>
+        <p:blipFill>
+          <a:blip r:embed="rId2">
+            <a:extLst>
+              <a:ext uri="{28A0092B-C50C-407E-A947-70E740481C1C}">
+                <a14:useLocalDpi xmlns:a14="http://schemas.microsoft.com/office/drawing/2010/main" val="0"/>
+              </a:ext>
+            </a:extLst>
+          </a:blip>
+          <a:stretch>
+            <a:fillRect/>
+          </a:stretch>
+        </p:blipFill>
+        <p:spPr>
+          <a:xfrm>
+            <a:off x="9926611" y="5968478"/>
+            <a:ext cx="1912571" cy="503308"/>
+          </a:xfrm>
+          <a:prstGeom prst="rect">
+            <a:avLst/>
+          </a:prstGeom>
+        </p:spPr>
+      </p:pic>
+      <p:pic>
+        <p:nvPicPr>
+          <p:cNvPr id="19" name="Grafik 18">
+            <a:extLst>
+              <a:ext uri="{FF2B5EF4-FFF2-40B4-BE49-F238E27FC236}">
+                <a16:creationId xmlns:a16="http://schemas.microsoft.com/office/drawing/2014/main" id="{A6EF1A7C-AB6A-47E4-BF5E-489EB61A8A1B}"/>
+              </a:ext>
+            </a:extLst>
+          </p:cNvPr>
+          <p:cNvPicPr/>
+          <p:nvPr/>
+        </p:nvPicPr>
+        <p:blipFill rotWithShape="1">
+          <a:blip r:embed="rId3">
+            <a:extLst>
+              <a:ext uri="{28A0092B-C50C-407E-A947-70E740481C1C}">
+                <a14:useLocalDpi xmlns:a14="http://schemas.microsoft.com/office/drawing/2010/main" val="0"/>
+              </a:ext>
+            </a:extLst>
+          </a:blip>
+          <a:srcRect l="3810" r="4580" b="40683"/>
+          <a:stretch/>
+        </p:blipFill>
+        <p:spPr bwMode="auto">
+          <a:xfrm>
+            <a:off x="0" y="6711949"/>
+            <a:ext cx="12192000" cy="146051"/>
+          </a:xfrm>
+          <a:prstGeom prst="rect">
+            <a:avLst/>
+          </a:prstGeom>
+          <a:noFill/>
+          <a:ln>
+            <a:noFill/>
+          </a:ln>
+        </p:spPr>
+      </p:pic>
     </p:spTree>
     <p:extLst>
       <p:ext uri="{BB962C8B-B14F-4D97-AF65-F5344CB8AC3E}">
@@ -3402,6 +3597,997 @@
   <p:clrMapOvr>
     <a:masterClrMapping/>
   </p:clrMapOvr>
+</p:sld>
+</file>
+
+<file path=ppt/slides/slide2.xml><?xml version="1.0" encoding="utf-8"?>
+<p:sld xmlns:a="http://schemas.openxmlformats.org/drawingml/2006/main" xmlns:r="http://schemas.openxmlformats.org/officeDocument/2006/relationships" xmlns:p="http://schemas.openxmlformats.org/presentationml/2006/main">
+  <p:cSld>
+    <p:spTree>
+      <p:nvGrpSpPr>
+        <p:cNvPr id="1" name=""/>
+        <p:cNvGrpSpPr/>
+        <p:nvPr/>
+      </p:nvGrpSpPr>
+      <p:grpSpPr>
+        <a:xfrm>
+          <a:off x="0" y="0"/>
+          <a:ext cx="0" cy="0"/>
+          <a:chOff x="0" y="0"/>
+          <a:chExt cx="0" cy="0"/>
+        </a:xfrm>
+      </p:grpSpPr>
+      <p:pic>
+        <p:nvPicPr>
+          <p:cNvPr id="8" name="Grafik 7">
+            <a:extLst>
+              <a:ext uri="{FF2B5EF4-FFF2-40B4-BE49-F238E27FC236}">
+                <a16:creationId xmlns:a16="http://schemas.microsoft.com/office/drawing/2014/main" id="{ADCD8697-1FCF-47EA-81CF-51DDEAABDF03}"/>
+              </a:ext>
+            </a:extLst>
+          </p:cNvPr>
+          <p:cNvPicPr/>
+          <p:nvPr/>
+        </p:nvPicPr>
+        <p:blipFill rotWithShape="1">
+          <a:blip r:embed="rId2">
+            <a:extLst>
+              <a:ext uri="{28A0092B-C50C-407E-A947-70E740481C1C}">
+                <a14:useLocalDpi xmlns:a14="http://schemas.microsoft.com/office/drawing/2010/main" val="0"/>
+              </a:ext>
+            </a:extLst>
+          </a:blip>
+          <a:srcRect l="3810" r="4580" b="40683"/>
+          <a:stretch/>
+        </p:blipFill>
+        <p:spPr bwMode="auto">
+          <a:xfrm>
+            <a:off x="0" y="6711949"/>
+            <a:ext cx="12192000" cy="146051"/>
+          </a:xfrm>
+          <a:prstGeom prst="rect">
+            <a:avLst/>
+          </a:prstGeom>
+          <a:noFill/>
+          <a:ln>
+            <a:noFill/>
+          </a:ln>
+        </p:spPr>
+      </p:pic>
+      <p:pic>
+        <p:nvPicPr>
+          <p:cNvPr id="12" name="Grafik 11">
+            <a:extLst>
+              <a:ext uri="{FF2B5EF4-FFF2-40B4-BE49-F238E27FC236}">
+                <a16:creationId xmlns:a16="http://schemas.microsoft.com/office/drawing/2014/main" id="{4277F3D5-167F-4BA2-BDEE-7FBC2BEF527D}"/>
+              </a:ext>
+            </a:extLst>
+          </p:cNvPr>
+          <p:cNvPicPr>
+            <a:picLocks noChangeAspect="1"/>
+          </p:cNvPicPr>
+          <p:nvPr/>
+        </p:nvPicPr>
+        <p:blipFill>
+          <a:blip r:embed="rId3">
+            <a:extLst>
+              <a:ext uri="{28A0092B-C50C-407E-A947-70E740481C1C}">
+                <a14:useLocalDpi xmlns:a14="http://schemas.microsoft.com/office/drawing/2010/main" val="0"/>
+              </a:ext>
+            </a:extLst>
+          </a:blip>
+          <a:stretch>
+            <a:fillRect/>
+          </a:stretch>
+        </p:blipFill>
+        <p:spPr>
+          <a:xfrm>
+            <a:off x="9926611" y="5968478"/>
+            <a:ext cx="1912571" cy="503308"/>
+          </a:xfrm>
+          <a:prstGeom prst="rect">
+            <a:avLst/>
+          </a:prstGeom>
+        </p:spPr>
+      </p:pic>
+      <p:sp>
+        <p:nvSpPr>
+          <p:cNvPr id="4" name="Textfeld 3">
+            <a:extLst>
+              <a:ext uri="{FF2B5EF4-FFF2-40B4-BE49-F238E27FC236}">
+                <a16:creationId xmlns:a16="http://schemas.microsoft.com/office/drawing/2014/main" id="{59576528-BDCE-4B4B-AAAC-96DA04EE5EA0}"/>
+              </a:ext>
+            </a:extLst>
+          </p:cNvPr>
+          <p:cNvSpPr txBox="1"/>
+          <p:nvPr/>
+        </p:nvSpPr>
+        <p:spPr>
+          <a:xfrm>
+            <a:off x="2995787" y="1454417"/>
+            <a:ext cx="6200383" cy="400110"/>
+          </a:xfrm>
+          <a:prstGeom prst="rect">
+            <a:avLst/>
+          </a:prstGeom>
+          <a:noFill/>
+        </p:spPr>
+        <p:txBody>
+          <a:bodyPr wrap="square" rtlCol="0">
+            <a:spAutoFit/>
+          </a:bodyPr>
+          <a:lstStyle/>
+          <a:p>
+            <a:pPr marL="285750" indent="-285750">
+              <a:buFont typeface="Arial" panose="020B0604020202020204" pitchFamily="34" charset="0"/>
+              <a:buChar char="•"/>
+            </a:pPr>
+            <a:r>
+              <a:rPr lang="de-DE" sz="2000" dirty="0">
+                <a:solidFill>
+                  <a:schemeClr val="tx1">
+                    <a:lumMod val="85000"/>
+                    <a:lumOff val="15000"/>
+                  </a:schemeClr>
+                </a:solidFill>
+                <a:latin typeface="Meta Std Normal" panose="020B0504030101020102" pitchFamily="34" charset="0"/>
+              </a:rPr>
+              <a:t>Ursprung &amp; Umgebung</a:t>
+            </a:r>
+          </a:p>
+        </p:txBody>
+      </p:sp>
+      <p:sp>
+        <p:nvSpPr>
+          <p:cNvPr id="19" name="Textfeld 18">
+            <a:extLst>
+              <a:ext uri="{FF2B5EF4-FFF2-40B4-BE49-F238E27FC236}">
+                <a16:creationId xmlns:a16="http://schemas.microsoft.com/office/drawing/2014/main" id="{A6358323-A8D8-4369-B3D4-D3ADD3A36A92}"/>
+              </a:ext>
+            </a:extLst>
+          </p:cNvPr>
+          <p:cNvSpPr txBox="1"/>
+          <p:nvPr/>
+        </p:nvSpPr>
+        <p:spPr>
+          <a:xfrm>
+            <a:off x="2995783" y="1816470"/>
+            <a:ext cx="6755792" cy="400110"/>
+          </a:xfrm>
+          <a:prstGeom prst="rect">
+            <a:avLst/>
+          </a:prstGeom>
+          <a:noFill/>
+        </p:spPr>
+        <p:txBody>
+          <a:bodyPr wrap="square" rtlCol="0">
+            <a:spAutoFit/>
+          </a:bodyPr>
+          <a:lstStyle/>
+          <a:p>
+            <a:r>
+              <a:rPr lang="de-DE" sz="2000" i="1" dirty="0">
+                <a:solidFill>
+                  <a:schemeClr val="tx1">
+                    <a:lumMod val="75000"/>
+                    <a:lumOff val="25000"/>
+                  </a:schemeClr>
+                </a:solidFill>
+                <a:latin typeface="Meta Std Normal" panose="020B0504030101020102" pitchFamily="34" charset="0"/>
+              </a:rPr>
+              <a:t>	</a:t>
+            </a:r>
+            <a:r>
+              <a:rPr lang="de-DE" sz="1600" i="1" dirty="0">
+                <a:solidFill>
+                  <a:schemeClr val="tx1">
+                    <a:lumMod val="75000"/>
+                    <a:lumOff val="25000"/>
+                  </a:schemeClr>
+                </a:solidFill>
+                <a:latin typeface="MetaPro-Light" panose="020B0600050302020204" pitchFamily="34" charset="0"/>
+              </a:rPr>
+              <a:t>Wie entwickelte sich die Idee? Was müsste berücksichtigt werden?</a:t>
+            </a:r>
+            <a:endParaRPr lang="de-DE" sz="2000" i="1" dirty="0">
+              <a:solidFill>
+                <a:schemeClr val="tx1">
+                  <a:lumMod val="75000"/>
+                  <a:lumOff val="25000"/>
+                </a:schemeClr>
+              </a:solidFill>
+              <a:latin typeface="Meta Std Normal" panose="020B0504030101020102" pitchFamily="34" charset="0"/>
+            </a:endParaRPr>
+          </a:p>
+        </p:txBody>
+      </p:sp>
+      <p:sp>
+        <p:nvSpPr>
+          <p:cNvPr id="15" name="Textfeld 14">
+            <a:extLst>
+              <a:ext uri="{FF2B5EF4-FFF2-40B4-BE49-F238E27FC236}">
+                <a16:creationId xmlns:a16="http://schemas.microsoft.com/office/drawing/2014/main" id="{A78CFF66-02E0-4579-9AB3-1C2714806374}"/>
+              </a:ext>
+            </a:extLst>
+          </p:cNvPr>
+          <p:cNvSpPr txBox="1"/>
+          <p:nvPr/>
+        </p:nvSpPr>
+        <p:spPr>
+          <a:xfrm>
+            <a:off x="2995783" y="2578633"/>
+            <a:ext cx="6200383" cy="400110"/>
+          </a:xfrm>
+          <a:prstGeom prst="rect">
+            <a:avLst/>
+          </a:prstGeom>
+          <a:noFill/>
+        </p:spPr>
+        <p:txBody>
+          <a:bodyPr wrap="square" rtlCol="0">
+            <a:spAutoFit/>
+          </a:bodyPr>
+          <a:lstStyle/>
+          <a:p>
+            <a:pPr marL="285750" indent="-285750">
+              <a:buFont typeface="Arial" panose="020B0604020202020204" pitchFamily="34" charset="0"/>
+              <a:buChar char="•"/>
+            </a:pPr>
+            <a:r>
+              <a:rPr lang="de-DE" sz="2000" dirty="0">
+                <a:solidFill>
+                  <a:schemeClr val="tx1">
+                    <a:lumMod val="85000"/>
+                    <a:lumOff val="15000"/>
+                  </a:schemeClr>
+                </a:solidFill>
+                <a:latin typeface="Meta Std Normal" panose="020B0504030101020102" pitchFamily="34" charset="0"/>
+              </a:rPr>
+              <a:t>Realisierung</a:t>
+            </a:r>
+          </a:p>
+        </p:txBody>
+      </p:sp>
+      <p:sp>
+        <p:nvSpPr>
+          <p:cNvPr id="20" name="Textfeld 19">
+            <a:extLst>
+              <a:ext uri="{FF2B5EF4-FFF2-40B4-BE49-F238E27FC236}">
+                <a16:creationId xmlns:a16="http://schemas.microsoft.com/office/drawing/2014/main" id="{C28B2DAF-DC2A-40CD-9FB2-1C666D16AB89}"/>
+              </a:ext>
+            </a:extLst>
+          </p:cNvPr>
+          <p:cNvSpPr txBox="1"/>
+          <p:nvPr/>
+        </p:nvSpPr>
+        <p:spPr>
+          <a:xfrm>
+            <a:off x="2995779" y="2946082"/>
+            <a:ext cx="6200383" cy="400110"/>
+          </a:xfrm>
+          <a:prstGeom prst="rect">
+            <a:avLst/>
+          </a:prstGeom>
+          <a:noFill/>
+        </p:spPr>
+        <p:txBody>
+          <a:bodyPr wrap="square" rtlCol="0">
+            <a:spAutoFit/>
+          </a:bodyPr>
+          <a:lstStyle/>
+          <a:p>
+            <a:r>
+              <a:rPr lang="de-DE" sz="2000" i="1" dirty="0">
+                <a:solidFill>
+                  <a:schemeClr val="tx1">
+                    <a:lumMod val="75000"/>
+                    <a:lumOff val="25000"/>
+                  </a:schemeClr>
+                </a:solidFill>
+                <a:latin typeface="Meta Std Normal" panose="020B0504030101020102" pitchFamily="34" charset="0"/>
+              </a:rPr>
+              <a:t>	</a:t>
+            </a:r>
+            <a:r>
+              <a:rPr lang="de-DE" sz="1600" i="1" dirty="0">
+                <a:solidFill>
+                  <a:schemeClr val="tx1">
+                    <a:lumMod val="75000"/>
+                    <a:lumOff val="25000"/>
+                  </a:schemeClr>
+                </a:solidFill>
+                <a:latin typeface="MetaPro-Light" panose="020B0600050302020204" pitchFamily="34" charset="0"/>
+              </a:rPr>
+              <a:t>Welche Hürden mussten bewältigt werden? Was war das Ziel?</a:t>
+            </a:r>
+            <a:endParaRPr lang="de-DE" sz="2000" i="1" dirty="0">
+              <a:solidFill>
+                <a:schemeClr val="tx1">
+                  <a:lumMod val="75000"/>
+                  <a:lumOff val="25000"/>
+                </a:schemeClr>
+              </a:solidFill>
+              <a:latin typeface="Meta Std Normal" panose="020B0504030101020102" pitchFamily="34" charset="0"/>
+            </a:endParaRPr>
+          </a:p>
+        </p:txBody>
+      </p:sp>
+      <p:sp>
+        <p:nvSpPr>
+          <p:cNvPr id="21" name="Textfeld 20">
+            <a:extLst>
+              <a:ext uri="{FF2B5EF4-FFF2-40B4-BE49-F238E27FC236}">
+                <a16:creationId xmlns:a16="http://schemas.microsoft.com/office/drawing/2014/main" id="{7CD28F71-6880-44F4-9EC4-6F1897DFE100}"/>
+              </a:ext>
+            </a:extLst>
+          </p:cNvPr>
+          <p:cNvSpPr txBox="1"/>
+          <p:nvPr/>
+        </p:nvSpPr>
+        <p:spPr>
+          <a:xfrm>
+            <a:off x="2995787" y="3624611"/>
+            <a:ext cx="6200383" cy="400110"/>
+          </a:xfrm>
+          <a:prstGeom prst="rect">
+            <a:avLst/>
+          </a:prstGeom>
+          <a:noFill/>
+        </p:spPr>
+        <p:txBody>
+          <a:bodyPr wrap="square" rtlCol="0">
+            <a:spAutoFit/>
+          </a:bodyPr>
+          <a:lstStyle/>
+          <a:p>
+            <a:pPr marL="285750" indent="-285750">
+              <a:buFont typeface="Arial" panose="020B0604020202020204" pitchFamily="34" charset="0"/>
+              <a:buChar char="•"/>
+            </a:pPr>
+            <a:r>
+              <a:rPr lang="de-DE" sz="2000" dirty="0">
+                <a:solidFill>
+                  <a:schemeClr val="tx1">
+                    <a:lumMod val="85000"/>
+                    <a:lumOff val="15000"/>
+                  </a:schemeClr>
+                </a:solidFill>
+                <a:latin typeface="Meta Std Normal" panose="020B0504030101020102" pitchFamily="34" charset="0"/>
+              </a:rPr>
+              <a:t>Resultat</a:t>
+            </a:r>
+          </a:p>
+        </p:txBody>
+      </p:sp>
+      <p:sp>
+        <p:nvSpPr>
+          <p:cNvPr id="22" name="Textfeld 21">
+            <a:extLst>
+              <a:ext uri="{FF2B5EF4-FFF2-40B4-BE49-F238E27FC236}">
+                <a16:creationId xmlns:a16="http://schemas.microsoft.com/office/drawing/2014/main" id="{D388C818-46A9-46A3-B3BA-25AE9AFD9CEE}"/>
+              </a:ext>
+            </a:extLst>
+          </p:cNvPr>
+          <p:cNvSpPr txBox="1"/>
+          <p:nvPr/>
+        </p:nvSpPr>
+        <p:spPr>
+          <a:xfrm>
+            <a:off x="2995783" y="3992060"/>
+            <a:ext cx="6200383" cy="400110"/>
+          </a:xfrm>
+          <a:prstGeom prst="rect">
+            <a:avLst/>
+          </a:prstGeom>
+          <a:noFill/>
+        </p:spPr>
+        <p:txBody>
+          <a:bodyPr wrap="square" rtlCol="0">
+            <a:spAutoFit/>
+          </a:bodyPr>
+          <a:lstStyle/>
+          <a:p>
+            <a:r>
+              <a:rPr lang="de-DE" sz="2000" i="1" dirty="0">
+                <a:solidFill>
+                  <a:schemeClr val="tx1">
+                    <a:lumMod val="75000"/>
+                    <a:lumOff val="25000"/>
+                  </a:schemeClr>
+                </a:solidFill>
+                <a:latin typeface="Meta Std Normal" panose="020B0504030101020102" pitchFamily="34" charset="0"/>
+              </a:rPr>
+              <a:t>	</a:t>
+            </a:r>
+            <a:r>
+              <a:rPr lang="de-DE" sz="1600" i="1" dirty="0">
+                <a:solidFill>
+                  <a:schemeClr val="tx1">
+                    <a:lumMod val="75000"/>
+                    <a:lumOff val="25000"/>
+                  </a:schemeClr>
+                </a:solidFill>
+                <a:latin typeface="MetaPro-Light" panose="020B0600050302020204" pitchFamily="34" charset="0"/>
+              </a:rPr>
+              <a:t>Wie ist das Endprodukt? Sind die Anforderungen erfüllt?</a:t>
+            </a:r>
+            <a:endParaRPr lang="de-DE" sz="2000" i="1" dirty="0">
+              <a:solidFill>
+                <a:schemeClr val="tx1">
+                  <a:lumMod val="75000"/>
+                  <a:lumOff val="25000"/>
+                </a:schemeClr>
+              </a:solidFill>
+              <a:latin typeface="Meta Std Normal" panose="020B0504030101020102" pitchFamily="34" charset="0"/>
+            </a:endParaRPr>
+          </a:p>
+        </p:txBody>
+      </p:sp>
+      <p:sp>
+        <p:nvSpPr>
+          <p:cNvPr id="23" name="Textfeld 22">
+            <a:extLst>
+              <a:ext uri="{FF2B5EF4-FFF2-40B4-BE49-F238E27FC236}">
+                <a16:creationId xmlns:a16="http://schemas.microsoft.com/office/drawing/2014/main" id="{50BA6159-800C-409E-9350-B7DBA9E76E62}"/>
+              </a:ext>
+            </a:extLst>
+          </p:cNvPr>
+          <p:cNvSpPr txBox="1"/>
+          <p:nvPr/>
+        </p:nvSpPr>
+        <p:spPr>
+          <a:xfrm>
+            <a:off x="2995787" y="4738807"/>
+            <a:ext cx="6200383" cy="400110"/>
+          </a:xfrm>
+          <a:prstGeom prst="rect">
+            <a:avLst/>
+          </a:prstGeom>
+          <a:noFill/>
+        </p:spPr>
+        <p:txBody>
+          <a:bodyPr wrap="square" rtlCol="0">
+            <a:spAutoFit/>
+          </a:bodyPr>
+          <a:lstStyle/>
+          <a:p>
+            <a:pPr marL="285750" indent="-285750">
+              <a:buFont typeface="Arial" panose="020B0604020202020204" pitchFamily="34" charset="0"/>
+              <a:buChar char="•"/>
+            </a:pPr>
+            <a:r>
+              <a:rPr lang="de-DE" sz="2000" dirty="0">
+                <a:solidFill>
+                  <a:schemeClr val="tx1">
+                    <a:lumMod val="85000"/>
+                    <a:lumOff val="15000"/>
+                  </a:schemeClr>
+                </a:solidFill>
+                <a:latin typeface="Meta Std Normal" panose="020B0504030101020102" pitchFamily="34" charset="0"/>
+              </a:rPr>
+              <a:t>Evaluierung</a:t>
+            </a:r>
+          </a:p>
+        </p:txBody>
+      </p:sp>
+      <p:sp>
+        <p:nvSpPr>
+          <p:cNvPr id="24" name="Textfeld 23">
+            <a:extLst>
+              <a:ext uri="{FF2B5EF4-FFF2-40B4-BE49-F238E27FC236}">
+                <a16:creationId xmlns:a16="http://schemas.microsoft.com/office/drawing/2014/main" id="{E47BC99B-24C2-4C7F-A755-99EAD7190CD1}"/>
+              </a:ext>
+            </a:extLst>
+          </p:cNvPr>
+          <p:cNvSpPr txBox="1"/>
+          <p:nvPr/>
+        </p:nvSpPr>
+        <p:spPr>
+          <a:xfrm>
+            <a:off x="2995783" y="5106256"/>
+            <a:ext cx="6200383" cy="400110"/>
+          </a:xfrm>
+          <a:prstGeom prst="rect">
+            <a:avLst/>
+          </a:prstGeom>
+          <a:noFill/>
+        </p:spPr>
+        <p:txBody>
+          <a:bodyPr wrap="square" rtlCol="0">
+            <a:spAutoFit/>
+          </a:bodyPr>
+          <a:lstStyle/>
+          <a:p>
+            <a:r>
+              <a:rPr lang="de-DE" sz="2000" i="1" dirty="0">
+                <a:solidFill>
+                  <a:schemeClr val="tx1">
+                    <a:lumMod val="75000"/>
+                    <a:lumOff val="25000"/>
+                  </a:schemeClr>
+                </a:solidFill>
+                <a:latin typeface="Meta Std Normal" panose="020B0504030101020102" pitchFamily="34" charset="0"/>
+              </a:rPr>
+              <a:t>	</a:t>
+            </a:r>
+            <a:r>
+              <a:rPr lang="de-DE" sz="1600" i="1" dirty="0">
+                <a:solidFill>
+                  <a:schemeClr val="tx1">
+                    <a:lumMod val="75000"/>
+                    <a:lumOff val="25000"/>
+                  </a:schemeClr>
+                </a:solidFill>
+                <a:latin typeface="MetaPro-Light" panose="020B0600050302020204" pitchFamily="34" charset="0"/>
+              </a:rPr>
+              <a:t>Was könnte verbessert werden?  Wie geht es weiter?</a:t>
+            </a:r>
+            <a:endParaRPr lang="de-DE" sz="2000" i="1" dirty="0">
+              <a:solidFill>
+                <a:schemeClr val="tx1">
+                  <a:lumMod val="75000"/>
+                  <a:lumOff val="25000"/>
+                </a:schemeClr>
+              </a:solidFill>
+              <a:latin typeface="Meta Std Normal" panose="020B0504030101020102" pitchFamily="34" charset="0"/>
+            </a:endParaRPr>
+          </a:p>
+        </p:txBody>
+      </p:sp>
+      <p:sp>
+        <p:nvSpPr>
+          <p:cNvPr id="27" name="Textfeld 26">
+            <a:extLst>
+              <a:ext uri="{FF2B5EF4-FFF2-40B4-BE49-F238E27FC236}">
+                <a16:creationId xmlns:a16="http://schemas.microsoft.com/office/drawing/2014/main" id="{88EEE4E2-F551-47A9-99FB-5DD85CA8A08A}"/>
+              </a:ext>
+            </a:extLst>
+          </p:cNvPr>
+          <p:cNvSpPr txBox="1"/>
+          <p:nvPr/>
+        </p:nvSpPr>
+        <p:spPr>
+          <a:xfrm>
+            <a:off x="352816" y="453347"/>
+            <a:ext cx="11486365" cy="707886"/>
+          </a:xfrm>
+          <a:prstGeom prst="rect">
+            <a:avLst/>
+          </a:prstGeom>
+          <a:noFill/>
+        </p:spPr>
+        <p:txBody>
+          <a:bodyPr wrap="square" rtlCol="0">
+            <a:spAutoFit/>
+          </a:bodyPr>
+          <a:lstStyle/>
+          <a:p>
+            <a:r>
+              <a:rPr lang="de-CH" sz="4000" kern="1400" spc="-50" dirty="0">
+                <a:solidFill>
+                  <a:srgbClr val="003399"/>
+                </a:solidFill>
+                <a:latin typeface="Meta Std Normal" panose="020B0504030101020102" pitchFamily="34" charset="0"/>
+                <a:ea typeface="Times New Roman" panose="02020603050405020304" pitchFamily="18" charset="0"/>
+                <a:cs typeface="Times New Roman" panose="02020603050405020304" pitchFamily="18" charset="0"/>
+              </a:rPr>
+              <a:t>Themen</a:t>
+            </a:r>
+            <a:endParaRPr lang="de-CH" sz="4000" dirty="0">
+              <a:solidFill>
+                <a:srgbClr val="003399"/>
+              </a:solidFill>
+              <a:latin typeface="Meta Std Normal" panose="020B0504030101020102" pitchFamily="34" charset="0"/>
+            </a:endParaRPr>
+          </a:p>
+        </p:txBody>
+      </p:sp>
+    </p:spTree>
+    <p:extLst>
+      <p:ext uri="{BB962C8B-B14F-4D97-AF65-F5344CB8AC3E}">
+        <p14:creationId xmlns:p14="http://schemas.microsoft.com/office/powerpoint/2010/main" val="3114055209"/>
+      </p:ext>
+    </p:extLst>
+  </p:cSld>
+  <p:clrMapOvr>
+    <a:masterClrMapping/>
+  </p:clrMapOvr>
+  <mc:AlternateContent xmlns:mc="http://schemas.openxmlformats.org/markup-compatibility/2006">
+    <mc:Choice xmlns:p14="http://schemas.microsoft.com/office/powerpoint/2010/main" Requires="p14">
+      <p:transition spd="med" p14:dur="700">
+        <p:fade/>
+      </p:transition>
+    </mc:Choice>
+    <mc:Fallback>
+      <p:transition spd="med">
+        <p:fade/>
+      </p:transition>
+    </mc:Fallback>
+  </mc:AlternateContent>
+</p:sld>
+</file>
+
+<file path=ppt/slides/slide3.xml><?xml version="1.0" encoding="utf-8"?>
+<p:sld xmlns:a="http://schemas.openxmlformats.org/drawingml/2006/main" xmlns:r="http://schemas.openxmlformats.org/officeDocument/2006/relationships" xmlns:p="http://schemas.openxmlformats.org/presentationml/2006/main">
+  <p:cSld>
+    <p:spTree>
+      <p:nvGrpSpPr>
+        <p:cNvPr id="1" name=""/>
+        <p:cNvGrpSpPr/>
+        <p:nvPr/>
+      </p:nvGrpSpPr>
+      <p:grpSpPr>
+        <a:xfrm>
+          <a:off x="0" y="0"/>
+          <a:ext cx="0" cy="0"/>
+          <a:chOff x="0" y="0"/>
+          <a:chExt cx="0" cy="0"/>
+        </a:xfrm>
+      </p:grpSpPr>
+      <p:pic>
+        <p:nvPicPr>
+          <p:cNvPr id="8" name="Grafik 7">
+            <a:extLst>
+              <a:ext uri="{FF2B5EF4-FFF2-40B4-BE49-F238E27FC236}">
+                <a16:creationId xmlns:a16="http://schemas.microsoft.com/office/drawing/2014/main" id="{ADCD8697-1FCF-47EA-81CF-51DDEAABDF03}"/>
+              </a:ext>
+            </a:extLst>
+          </p:cNvPr>
+          <p:cNvPicPr/>
+          <p:nvPr/>
+        </p:nvPicPr>
+        <p:blipFill rotWithShape="1">
+          <a:blip r:embed="rId2">
+            <a:extLst>
+              <a:ext uri="{28A0092B-C50C-407E-A947-70E740481C1C}">
+                <a14:useLocalDpi xmlns:a14="http://schemas.microsoft.com/office/drawing/2010/main" val="0"/>
+              </a:ext>
+            </a:extLst>
+          </a:blip>
+          <a:srcRect l="3810" r="4580" b="40683"/>
+          <a:stretch/>
+        </p:blipFill>
+        <p:spPr bwMode="auto">
+          <a:xfrm>
+            <a:off x="0" y="6711949"/>
+            <a:ext cx="12192000" cy="146051"/>
+          </a:xfrm>
+          <a:prstGeom prst="rect">
+            <a:avLst/>
+          </a:prstGeom>
+          <a:noFill/>
+          <a:ln>
+            <a:noFill/>
+          </a:ln>
+        </p:spPr>
+      </p:pic>
+      <p:pic>
+        <p:nvPicPr>
+          <p:cNvPr id="12" name="Grafik 11">
+            <a:extLst>
+              <a:ext uri="{FF2B5EF4-FFF2-40B4-BE49-F238E27FC236}">
+                <a16:creationId xmlns:a16="http://schemas.microsoft.com/office/drawing/2014/main" id="{4277F3D5-167F-4BA2-BDEE-7FBC2BEF527D}"/>
+              </a:ext>
+            </a:extLst>
+          </p:cNvPr>
+          <p:cNvPicPr>
+            <a:picLocks noChangeAspect="1"/>
+          </p:cNvPicPr>
+          <p:nvPr/>
+        </p:nvPicPr>
+        <p:blipFill>
+          <a:blip r:embed="rId3">
+            <a:extLst>
+              <a:ext uri="{28A0092B-C50C-407E-A947-70E740481C1C}">
+                <a14:useLocalDpi xmlns:a14="http://schemas.microsoft.com/office/drawing/2010/main" val="0"/>
+              </a:ext>
+            </a:extLst>
+          </a:blip>
+          <a:stretch>
+            <a:fillRect/>
+          </a:stretch>
+        </p:blipFill>
+        <p:spPr>
+          <a:xfrm>
+            <a:off x="9926611" y="5968478"/>
+            <a:ext cx="1912571" cy="503308"/>
+          </a:xfrm>
+          <a:prstGeom prst="rect">
+            <a:avLst/>
+          </a:prstGeom>
+        </p:spPr>
+      </p:pic>
+      <p:sp>
+        <p:nvSpPr>
+          <p:cNvPr id="4" name="Textfeld 3">
+            <a:extLst>
+              <a:ext uri="{FF2B5EF4-FFF2-40B4-BE49-F238E27FC236}">
+                <a16:creationId xmlns:a16="http://schemas.microsoft.com/office/drawing/2014/main" id="{59576528-BDCE-4B4B-AAAC-96DA04EE5EA0}"/>
+              </a:ext>
+            </a:extLst>
+          </p:cNvPr>
+          <p:cNvSpPr txBox="1"/>
+          <p:nvPr/>
+        </p:nvSpPr>
+        <p:spPr>
+          <a:xfrm>
+            <a:off x="838200" y="130609"/>
+            <a:ext cx="2074069" cy="261610"/>
+          </a:xfrm>
+          <a:prstGeom prst="rect">
+            <a:avLst/>
+          </a:prstGeom>
+          <a:noFill/>
+        </p:spPr>
+        <p:txBody>
+          <a:bodyPr wrap="square" rtlCol="0">
+            <a:spAutoFit/>
+          </a:bodyPr>
+          <a:lstStyle/>
+          <a:p>
+            <a:pPr algn="ctr"/>
+            <a:r>
+              <a:rPr lang="de-DE" sz="1100" dirty="0">
+                <a:solidFill>
+                  <a:srgbClr val="009EE6"/>
+                </a:solidFill>
+                <a:latin typeface="Meta Std Normal" panose="020B0504030101020102" pitchFamily="34" charset="0"/>
+              </a:rPr>
+              <a:t>Ursprung</a:t>
+            </a:r>
+            <a:r>
+              <a:rPr lang="de-DE" sz="1100" dirty="0">
+                <a:solidFill>
+                  <a:schemeClr val="tx1">
+                    <a:lumMod val="50000"/>
+                    <a:lumOff val="50000"/>
+                  </a:schemeClr>
+                </a:solidFill>
+                <a:latin typeface="Meta Std Normal" panose="020B0504030101020102" pitchFamily="34" charset="0"/>
+              </a:rPr>
+              <a:t> &amp; Umgebung</a:t>
+            </a:r>
+          </a:p>
+        </p:txBody>
+      </p:sp>
+      <p:sp>
+        <p:nvSpPr>
+          <p:cNvPr id="15" name="Textfeld 14">
+            <a:extLst>
+              <a:ext uri="{FF2B5EF4-FFF2-40B4-BE49-F238E27FC236}">
+                <a16:creationId xmlns:a16="http://schemas.microsoft.com/office/drawing/2014/main" id="{A78CFF66-02E0-4579-9AB3-1C2714806374}"/>
+              </a:ext>
+            </a:extLst>
+          </p:cNvPr>
+          <p:cNvSpPr txBox="1"/>
+          <p:nvPr/>
+        </p:nvSpPr>
+        <p:spPr>
+          <a:xfrm>
+            <a:off x="3581400" y="130609"/>
+            <a:ext cx="2074069" cy="261610"/>
+          </a:xfrm>
+          <a:prstGeom prst="rect">
+            <a:avLst/>
+          </a:prstGeom>
+          <a:noFill/>
+        </p:spPr>
+        <p:txBody>
+          <a:bodyPr wrap="square" rtlCol="0">
+            <a:spAutoFit/>
+          </a:bodyPr>
+          <a:lstStyle/>
+          <a:p>
+            <a:pPr algn="ctr"/>
+            <a:r>
+              <a:rPr lang="de-DE" sz="1100" dirty="0">
+                <a:solidFill>
+                  <a:schemeClr val="tx1">
+                    <a:lumMod val="50000"/>
+                    <a:lumOff val="50000"/>
+                  </a:schemeClr>
+                </a:solidFill>
+                <a:latin typeface="Meta Std Normal" panose="020B0504030101020102" pitchFamily="34" charset="0"/>
+              </a:rPr>
+              <a:t>Realisierung</a:t>
+            </a:r>
+          </a:p>
+        </p:txBody>
+      </p:sp>
+      <p:sp>
+        <p:nvSpPr>
+          <p:cNvPr id="21" name="Textfeld 20">
+            <a:extLst>
+              <a:ext uri="{FF2B5EF4-FFF2-40B4-BE49-F238E27FC236}">
+                <a16:creationId xmlns:a16="http://schemas.microsoft.com/office/drawing/2014/main" id="{7CD28F71-6880-44F4-9EC4-6F1897DFE100}"/>
+              </a:ext>
+            </a:extLst>
+          </p:cNvPr>
+          <p:cNvSpPr txBox="1"/>
+          <p:nvPr/>
+        </p:nvSpPr>
+        <p:spPr>
+          <a:xfrm>
+            <a:off x="6430565" y="130609"/>
+            <a:ext cx="2074069" cy="261610"/>
+          </a:xfrm>
+          <a:prstGeom prst="rect">
+            <a:avLst/>
+          </a:prstGeom>
+          <a:noFill/>
+        </p:spPr>
+        <p:txBody>
+          <a:bodyPr wrap="square" rtlCol="0">
+            <a:spAutoFit/>
+          </a:bodyPr>
+          <a:lstStyle/>
+          <a:p>
+            <a:pPr algn="ctr"/>
+            <a:r>
+              <a:rPr lang="de-DE" sz="1100" dirty="0">
+                <a:solidFill>
+                  <a:schemeClr val="tx1">
+                    <a:lumMod val="50000"/>
+                    <a:lumOff val="50000"/>
+                  </a:schemeClr>
+                </a:solidFill>
+                <a:latin typeface="Meta Std Normal" panose="020B0504030101020102" pitchFamily="34" charset="0"/>
+              </a:rPr>
+              <a:t>Resultat</a:t>
+            </a:r>
+          </a:p>
+        </p:txBody>
+      </p:sp>
+      <p:sp>
+        <p:nvSpPr>
+          <p:cNvPr id="23" name="Textfeld 22">
+            <a:extLst>
+              <a:ext uri="{FF2B5EF4-FFF2-40B4-BE49-F238E27FC236}">
+                <a16:creationId xmlns:a16="http://schemas.microsoft.com/office/drawing/2014/main" id="{50BA6159-800C-409E-9350-B7DBA9E76E62}"/>
+              </a:ext>
+            </a:extLst>
+          </p:cNvPr>
+          <p:cNvSpPr txBox="1"/>
+          <p:nvPr/>
+        </p:nvSpPr>
+        <p:spPr>
+          <a:xfrm>
+            <a:off x="9279731" y="130609"/>
+            <a:ext cx="2074069" cy="261610"/>
+          </a:xfrm>
+          <a:prstGeom prst="rect">
+            <a:avLst/>
+          </a:prstGeom>
+          <a:noFill/>
+        </p:spPr>
+        <p:txBody>
+          <a:bodyPr wrap="square" rtlCol="0">
+            <a:spAutoFit/>
+          </a:bodyPr>
+          <a:lstStyle/>
+          <a:p>
+            <a:pPr algn="ctr"/>
+            <a:r>
+              <a:rPr lang="de-DE" sz="1100" dirty="0">
+                <a:solidFill>
+                  <a:schemeClr val="tx1">
+                    <a:lumMod val="50000"/>
+                    <a:lumOff val="50000"/>
+                  </a:schemeClr>
+                </a:solidFill>
+                <a:latin typeface="Meta Std Normal" panose="020B0504030101020102" pitchFamily="34" charset="0"/>
+              </a:rPr>
+              <a:t>Evaluierung</a:t>
+            </a:r>
+          </a:p>
+        </p:txBody>
+      </p:sp>
+      <p:pic>
+        <p:nvPicPr>
+          <p:cNvPr id="9" name="Grafik 8" descr="Ein Bild, das Text enthält.&#10;&#10;Automatisch generierte Beschreibung">
+            <a:extLst>
+              <a:ext uri="{FF2B5EF4-FFF2-40B4-BE49-F238E27FC236}">
+                <a16:creationId xmlns:a16="http://schemas.microsoft.com/office/drawing/2014/main" id="{60209206-244C-4B85-A5E4-2305DF6AAC8D}"/>
+              </a:ext>
+            </a:extLst>
+          </p:cNvPr>
+          <p:cNvPicPr>
+            <a:picLocks noChangeAspect="1"/>
+          </p:cNvPicPr>
+          <p:nvPr/>
+        </p:nvPicPr>
+        <p:blipFill>
+          <a:blip r:embed="rId4">
+            <a:extLst>
+              <a:ext uri="{28A0092B-C50C-407E-A947-70E740481C1C}">
+                <a14:useLocalDpi xmlns:a14="http://schemas.microsoft.com/office/drawing/2010/main" val="0"/>
+              </a:ext>
+            </a:extLst>
+          </a:blip>
+          <a:stretch>
+            <a:fillRect/>
+          </a:stretch>
+        </p:blipFill>
+        <p:spPr>
+          <a:xfrm>
+            <a:off x="5058965" y="2391965"/>
+            <a:ext cx="2074069" cy="2074069"/>
+          </a:xfrm>
+          <a:prstGeom prst="rect">
+            <a:avLst/>
+          </a:prstGeom>
+        </p:spPr>
+      </p:pic>
+      <p:sp>
+        <p:nvSpPr>
+          <p:cNvPr id="25" name="Textfeld 24">
+            <a:extLst>
+              <a:ext uri="{FF2B5EF4-FFF2-40B4-BE49-F238E27FC236}">
+                <a16:creationId xmlns:a16="http://schemas.microsoft.com/office/drawing/2014/main" id="{E4E120F9-A2D3-4C29-B52B-3EA6B3D357C6}"/>
+              </a:ext>
+            </a:extLst>
+          </p:cNvPr>
+          <p:cNvSpPr txBox="1"/>
+          <p:nvPr/>
+        </p:nvSpPr>
+        <p:spPr>
+          <a:xfrm>
+            <a:off x="529389" y="453347"/>
+            <a:ext cx="11195385" cy="707886"/>
+          </a:xfrm>
+          <a:prstGeom prst="rect">
+            <a:avLst/>
+          </a:prstGeom>
+          <a:noFill/>
+        </p:spPr>
+        <p:txBody>
+          <a:bodyPr wrap="square" rtlCol="0">
+            <a:spAutoFit/>
+          </a:bodyPr>
+          <a:lstStyle/>
+          <a:p>
+            <a:r>
+              <a:rPr lang="de-CH" sz="4000" kern="1400" spc="-50" dirty="0">
+                <a:solidFill>
+                  <a:srgbClr val="003399"/>
+                </a:solidFill>
+                <a:latin typeface="Meta Std Normal" panose="020B0504030101020102" pitchFamily="34" charset="0"/>
+                <a:ea typeface="Times New Roman" panose="02020603050405020304" pitchFamily="18" charset="0"/>
+                <a:cs typeface="Times New Roman" panose="02020603050405020304" pitchFamily="18" charset="0"/>
+              </a:rPr>
+              <a:t>Ausgangslage</a:t>
+            </a:r>
+            <a:endParaRPr lang="de-CH" sz="4000" dirty="0">
+              <a:solidFill>
+                <a:srgbClr val="003399"/>
+              </a:solidFill>
+              <a:latin typeface="Meta Std Normal" panose="020B0504030101020102" pitchFamily="34" charset="0"/>
+            </a:endParaRPr>
+          </a:p>
+        </p:txBody>
+      </p:sp>
+    </p:spTree>
+    <p:extLst>
+      <p:ext uri="{BB962C8B-B14F-4D97-AF65-F5344CB8AC3E}">
+        <p14:creationId xmlns:p14="http://schemas.microsoft.com/office/powerpoint/2010/main" val="3243100417"/>
+      </p:ext>
+    </p:extLst>
+  </p:cSld>
+  <p:clrMapOvr>
+    <a:masterClrMapping/>
+  </p:clrMapOvr>
+  <mc:AlternateContent xmlns:mc="http://schemas.openxmlformats.org/markup-compatibility/2006">
+    <mc:Choice xmlns:p159="http://schemas.microsoft.com/office/powerpoint/2015/09/main" Requires="p159">
+      <p:transition>
+        <p159:morph option="byObject"/>
+      </p:transition>
+    </mc:Choice>
+    <mc:Fallback>
+      <p:transition>
+        <p:fade/>
+      </p:transition>
+    </mc:Fallback>
+  </mc:AlternateContent>
 </p:sld>
 </file>
 

--- a/docs/IPA/Präsentation/Präsentation.pptx
+++ b/docs/IPA/Präsentation/Präsentation.pptx
@@ -8,6 +8,19 @@
     <p:sldId id="256" r:id="rId2"/>
     <p:sldId id="257" r:id="rId3"/>
     <p:sldId id="258" r:id="rId4"/>
+    <p:sldId id="259" r:id="rId5"/>
+    <p:sldId id="264" r:id="rId6"/>
+    <p:sldId id="260" r:id="rId7"/>
+    <p:sldId id="261" r:id="rId8"/>
+    <p:sldId id="262" r:id="rId9"/>
+    <p:sldId id="263" r:id="rId10"/>
+    <p:sldId id="265" r:id="rId11"/>
+    <p:sldId id="266" r:id="rId12"/>
+    <p:sldId id="268" r:id="rId13"/>
+    <p:sldId id="267" r:id="rId14"/>
+    <p:sldId id="269" r:id="rId15"/>
+    <p:sldId id="270" r:id="rId16"/>
+    <p:sldId id="271" r:id="rId17"/>
   </p:sldIdLst>
   <p:sldSz cx="12192000" cy="6858000"/>
   <p:notesSz cx="6858000" cy="9144000"/>
@@ -3600,6 +3613,6503 @@
 </p:sld>
 </file>
 
+<file path=ppt/slides/slide10.xml><?xml version="1.0" encoding="utf-8"?>
+<p:sld xmlns:a="http://schemas.openxmlformats.org/drawingml/2006/main" xmlns:r="http://schemas.openxmlformats.org/officeDocument/2006/relationships" xmlns:p="http://schemas.openxmlformats.org/presentationml/2006/main">
+  <p:cSld>
+    <p:spTree>
+      <p:nvGrpSpPr>
+        <p:cNvPr id="1" name=""/>
+        <p:cNvGrpSpPr/>
+        <p:nvPr/>
+      </p:nvGrpSpPr>
+      <p:grpSpPr>
+        <a:xfrm>
+          <a:off x="0" y="0"/>
+          <a:ext cx="0" cy="0"/>
+          <a:chOff x="0" y="0"/>
+          <a:chExt cx="0" cy="0"/>
+        </a:xfrm>
+      </p:grpSpPr>
+      <p:sp>
+        <p:nvSpPr>
+          <p:cNvPr id="17" name="Textfeld 16">
+            <a:extLst>
+              <a:ext uri="{FF2B5EF4-FFF2-40B4-BE49-F238E27FC236}">
+                <a16:creationId xmlns:a16="http://schemas.microsoft.com/office/drawing/2014/main" id="{3DF457D7-637C-45F1-B2B4-C8D74F7EB967}"/>
+              </a:ext>
+            </a:extLst>
+          </p:cNvPr>
+          <p:cNvSpPr txBox="1"/>
+          <p:nvPr/>
+        </p:nvSpPr>
+        <p:spPr>
+          <a:xfrm>
+            <a:off x="529389" y="465815"/>
+            <a:ext cx="5566612" cy="707886"/>
+          </a:xfrm>
+          <a:prstGeom prst="rect">
+            <a:avLst/>
+          </a:prstGeom>
+          <a:noFill/>
+        </p:spPr>
+        <p:txBody>
+          <a:bodyPr wrap="square" rtlCol="0">
+            <a:spAutoFit/>
+          </a:bodyPr>
+          <a:lstStyle/>
+          <a:p>
+            <a:r>
+              <a:rPr lang="de-DE" sz="4000" kern="1400" spc="-50" dirty="0">
+                <a:solidFill>
+                  <a:srgbClr val="003399"/>
+                </a:solidFill>
+                <a:latin typeface="Meta Std Normal" panose="020B0504030101020102" pitchFamily="34" charset="0"/>
+                <a:cs typeface="Times New Roman" panose="02020603050405020304" pitchFamily="18" charset="0"/>
+              </a:rPr>
+              <a:t>Aufgabenstellung</a:t>
+            </a:r>
+            <a:endParaRPr lang="de-CH" sz="4000" dirty="0">
+              <a:solidFill>
+                <a:srgbClr val="003399"/>
+              </a:solidFill>
+              <a:latin typeface="Meta Std Normal" panose="020B0504030101020102" pitchFamily="34" charset="0"/>
+            </a:endParaRPr>
+          </a:p>
+        </p:txBody>
+      </p:sp>
+      <p:pic>
+        <p:nvPicPr>
+          <p:cNvPr id="8" name="Grafik 7">
+            <a:extLst>
+              <a:ext uri="{FF2B5EF4-FFF2-40B4-BE49-F238E27FC236}">
+                <a16:creationId xmlns:a16="http://schemas.microsoft.com/office/drawing/2014/main" id="{ADCD8697-1FCF-47EA-81CF-51DDEAABDF03}"/>
+              </a:ext>
+            </a:extLst>
+          </p:cNvPr>
+          <p:cNvPicPr/>
+          <p:nvPr/>
+        </p:nvPicPr>
+        <p:blipFill rotWithShape="1">
+          <a:blip r:embed="rId2">
+            <a:extLst>
+              <a:ext uri="{28A0092B-C50C-407E-A947-70E740481C1C}">
+                <a14:useLocalDpi xmlns:a14="http://schemas.microsoft.com/office/drawing/2010/main" val="0"/>
+              </a:ext>
+            </a:extLst>
+          </a:blip>
+          <a:srcRect l="3810" r="4580" b="40683"/>
+          <a:stretch/>
+        </p:blipFill>
+        <p:spPr bwMode="auto">
+          <a:xfrm>
+            <a:off x="0" y="6711949"/>
+            <a:ext cx="12192000" cy="146051"/>
+          </a:xfrm>
+          <a:prstGeom prst="rect">
+            <a:avLst/>
+          </a:prstGeom>
+          <a:noFill/>
+          <a:ln>
+            <a:noFill/>
+          </a:ln>
+        </p:spPr>
+      </p:pic>
+      <p:pic>
+        <p:nvPicPr>
+          <p:cNvPr id="12" name="Grafik 11">
+            <a:extLst>
+              <a:ext uri="{FF2B5EF4-FFF2-40B4-BE49-F238E27FC236}">
+                <a16:creationId xmlns:a16="http://schemas.microsoft.com/office/drawing/2014/main" id="{4277F3D5-167F-4BA2-BDEE-7FBC2BEF527D}"/>
+              </a:ext>
+            </a:extLst>
+          </p:cNvPr>
+          <p:cNvPicPr>
+            <a:picLocks noChangeAspect="1"/>
+          </p:cNvPicPr>
+          <p:nvPr/>
+        </p:nvPicPr>
+        <p:blipFill>
+          <a:blip r:embed="rId3">
+            <a:extLst>
+              <a:ext uri="{28A0092B-C50C-407E-A947-70E740481C1C}">
+                <a14:useLocalDpi xmlns:a14="http://schemas.microsoft.com/office/drawing/2010/main" val="0"/>
+              </a:ext>
+            </a:extLst>
+          </a:blip>
+          <a:stretch>
+            <a:fillRect/>
+          </a:stretch>
+        </p:blipFill>
+        <p:spPr>
+          <a:xfrm>
+            <a:off x="9926611" y="5968478"/>
+            <a:ext cx="1912571" cy="503308"/>
+          </a:xfrm>
+          <a:prstGeom prst="rect">
+            <a:avLst/>
+          </a:prstGeom>
+        </p:spPr>
+      </p:pic>
+      <p:sp>
+        <p:nvSpPr>
+          <p:cNvPr id="4" name="Textfeld 3">
+            <a:extLst>
+              <a:ext uri="{FF2B5EF4-FFF2-40B4-BE49-F238E27FC236}">
+                <a16:creationId xmlns:a16="http://schemas.microsoft.com/office/drawing/2014/main" id="{59576528-BDCE-4B4B-AAAC-96DA04EE5EA0}"/>
+              </a:ext>
+            </a:extLst>
+          </p:cNvPr>
+          <p:cNvSpPr txBox="1"/>
+          <p:nvPr/>
+        </p:nvSpPr>
+        <p:spPr>
+          <a:xfrm>
+            <a:off x="838200" y="130609"/>
+            <a:ext cx="2074069" cy="261610"/>
+          </a:xfrm>
+          <a:prstGeom prst="rect">
+            <a:avLst/>
+          </a:prstGeom>
+          <a:noFill/>
+        </p:spPr>
+        <p:txBody>
+          <a:bodyPr wrap="square" rtlCol="0">
+            <a:spAutoFit/>
+          </a:bodyPr>
+          <a:lstStyle/>
+          <a:p>
+            <a:pPr algn="ctr"/>
+            <a:r>
+              <a:rPr lang="de-DE" sz="1100" dirty="0">
+                <a:solidFill>
+                  <a:schemeClr val="tx1">
+                    <a:lumMod val="50000"/>
+                    <a:lumOff val="50000"/>
+                  </a:schemeClr>
+                </a:solidFill>
+                <a:latin typeface="Meta Std Normal" panose="020B0504030101020102" pitchFamily="34" charset="0"/>
+              </a:rPr>
+              <a:t>Ursprung &amp; Umgebung</a:t>
+            </a:r>
+          </a:p>
+        </p:txBody>
+      </p:sp>
+      <p:sp>
+        <p:nvSpPr>
+          <p:cNvPr id="15" name="Textfeld 14">
+            <a:extLst>
+              <a:ext uri="{FF2B5EF4-FFF2-40B4-BE49-F238E27FC236}">
+                <a16:creationId xmlns:a16="http://schemas.microsoft.com/office/drawing/2014/main" id="{A78CFF66-02E0-4579-9AB3-1C2714806374}"/>
+              </a:ext>
+            </a:extLst>
+          </p:cNvPr>
+          <p:cNvSpPr txBox="1"/>
+          <p:nvPr/>
+        </p:nvSpPr>
+        <p:spPr>
+          <a:xfrm>
+            <a:off x="3581400" y="130609"/>
+            <a:ext cx="2074069" cy="261610"/>
+          </a:xfrm>
+          <a:prstGeom prst="rect">
+            <a:avLst/>
+          </a:prstGeom>
+          <a:noFill/>
+        </p:spPr>
+        <p:txBody>
+          <a:bodyPr wrap="square" rtlCol="0">
+            <a:spAutoFit/>
+          </a:bodyPr>
+          <a:lstStyle/>
+          <a:p>
+            <a:pPr algn="ctr"/>
+            <a:r>
+              <a:rPr lang="de-DE" sz="1100" dirty="0">
+                <a:solidFill>
+                  <a:srgbClr val="009EE6"/>
+                </a:solidFill>
+                <a:latin typeface="Meta Std Normal" panose="020B0504030101020102" pitchFamily="34" charset="0"/>
+              </a:rPr>
+              <a:t>Realisierung</a:t>
+            </a:r>
+          </a:p>
+        </p:txBody>
+      </p:sp>
+      <p:sp>
+        <p:nvSpPr>
+          <p:cNvPr id="21" name="Textfeld 20">
+            <a:extLst>
+              <a:ext uri="{FF2B5EF4-FFF2-40B4-BE49-F238E27FC236}">
+                <a16:creationId xmlns:a16="http://schemas.microsoft.com/office/drawing/2014/main" id="{7CD28F71-6880-44F4-9EC4-6F1897DFE100}"/>
+              </a:ext>
+            </a:extLst>
+          </p:cNvPr>
+          <p:cNvSpPr txBox="1"/>
+          <p:nvPr/>
+        </p:nvSpPr>
+        <p:spPr>
+          <a:xfrm>
+            <a:off x="6430565" y="130609"/>
+            <a:ext cx="2074069" cy="261610"/>
+          </a:xfrm>
+          <a:prstGeom prst="rect">
+            <a:avLst/>
+          </a:prstGeom>
+          <a:noFill/>
+        </p:spPr>
+        <p:txBody>
+          <a:bodyPr wrap="square" rtlCol="0">
+            <a:spAutoFit/>
+          </a:bodyPr>
+          <a:lstStyle/>
+          <a:p>
+            <a:pPr algn="ctr"/>
+            <a:r>
+              <a:rPr lang="de-DE" sz="1100" dirty="0">
+                <a:solidFill>
+                  <a:schemeClr val="tx1">
+                    <a:lumMod val="50000"/>
+                    <a:lumOff val="50000"/>
+                  </a:schemeClr>
+                </a:solidFill>
+                <a:latin typeface="Meta Std Normal" panose="020B0504030101020102" pitchFamily="34" charset="0"/>
+              </a:rPr>
+              <a:t>Resultat</a:t>
+            </a:r>
+          </a:p>
+        </p:txBody>
+      </p:sp>
+      <p:sp>
+        <p:nvSpPr>
+          <p:cNvPr id="23" name="Textfeld 22">
+            <a:extLst>
+              <a:ext uri="{FF2B5EF4-FFF2-40B4-BE49-F238E27FC236}">
+                <a16:creationId xmlns:a16="http://schemas.microsoft.com/office/drawing/2014/main" id="{50BA6159-800C-409E-9350-B7DBA9E76E62}"/>
+              </a:ext>
+            </a:extLst>
+          </p:cNvPr>
+          <p:cNvSpPr txBox="1"/>
+          <p:nvPr/>
+        </p:nvSpPr>
+        <p:spPr>
+          <a:xfrm>
+            <a:off x="9279731" y="130609"/>
+            <a:ext cx="2074069" cy="261610"/>
+          </a:xfrm>
+          <a:prstGeom prst="rect">
+            <a:avLst/>
+          </a:prstGeom>
+          <a:noFill/>
+        </p:spPr>
+        <p:txBody>
+          <a:bodyPr wrap="square" rtlCol="0">
+            <a:spAutoFit/>
+          </a:bodyPr>
+          <a:lstStyle/>
+          <a:p>
+            <a:pPr algn="ctr"/>
+            <a:r>
+              <a:rPr lang="de-DE" sz="1100" dirty="0">
+                <a:solidFill>
+                  <a:schemeClr val="tx1">
+                    <a:lumMod val="50000"/>
+                    <a:lumOff val="50000"/>
+                  </a:schemeClr>
+                </a:solidFill>
+                <a:latin typeface="Meta Std Normal" panose="020B0504030101020102" pitchFamily="34" charset="0"/>
+              </a:rPr>
+              <a:t>Evaluierung</a:t>
+            </a:r>
+          </a:p>
+        </p:txBody>
+      </p:sp>
+      <p:sp>
+        <p:nvSpPr>
+          <p:cNvPr id="13" name="Textfeld 12">
+            <a:extLst>
+              <a:ext uri="{FF2B5EF4-FFF2-40B4-BE49-F238E27FC236}">
+                <a16:creationId xmlns:a16="http://schemas.microsoft.com/office/drawing/2014/main" id="{499B4BFF-8515-4BDE-96CE-5EEB46E90DE5}"/>
+              </a:ext>
+            </a:extLst>
+          </p:cNvPr>
+          <p:cNvSpPr txBox="1"/>
+          <p:nvPr/>
+        </p:nvSpPr>
+        <p:spPr>
+          <a:xfrm>
+            <a:off x="529388" y="1161233"/>
+            <a:ext cx="5566612" cy="338554"/>
+          </a:xfrm>
+          <a:prstGeom prst="rect">
+            <a:avLst/>
+          </a:prstGeom>
+          <a:noFill/>
+        </p:spPr>
+        <p:txBody>
+          <a:bodyPr wrap="square" rtlCol="0">
+            <a:spAutoFit/>
+          </a:bodyPr>
+          <a:lstStyle/>
+          <a:p>
+            <a:r>
+              <a:rPr lang="de-CH" sz="1600" kern="1400" spc="-50" dirty="0">
+                <a:solidFill>
+                  <a:srgbClr val="009EE6"/>
+                </a:solidFill>
+                <a:latin typeface="Meta Std Normal" panose="020B0504030101020102" pitchFamily="34" charset="0"/>
+                <a:ea typeface="Times New Roman" panose="02020603050405020304" pitchFamily="18" charset="0"/>
+                <a:cs typeface="Times New Roman" panose="02020603050405020304" pitchFamily="18" charset="0"/>
+              </a:rPr>
+              <a:t>Realisierung einer Webanwendung zur Einsatzplanung</a:t>
+            </a:r>
+            <a:endParaRPr lang="de-CH" sz="1600" dirty="0">
+              <a:solidFill>
+                <a:srgbClr val="009EE6"/>
+              </a:solidFill>
+              <a:latin typeface="Meta Std Normal" panose="020B0504030101020102" pitchFamily="34" charset="0"/>
+            </a:endParaRPr>
+          </a:p>
+        </p:txBody>
+      </p:sp>
+      <p:sp>
+        <p:nvSpPr>
+          <p:cNvPr id="16" name="Textfeld 15">
+            <a:extLst>
+              <a:ext uri="{FF2B5EF4-FFF2-40B4-BE49-F238E27FC236}">
+                <a16:creationId xmlns:a16="http://schemas.microsoft.com/office/drawing/2014/main" id="{03C62279-1BF4-4C1F-96C1-9E7C1B917E8C}"/>
+              </a:ext>
+            </a:extLst>
+          </p:cNvPr>
+          <p:cNvSpPr txBox="1"/>
+          <p:nvPr/>
+        </p:nvSpPr>
+        <p:spPr>
+          <a:xfrm>
+            <a:off x="7669814" y="2665552"/>
+            <a:ext cx="4169368" cy="1508105"/>
+          </a:xfrm>
+          <a:prstGeom prst="rect">
+            <a:avLst/>
+          </a:prstGeom>
+          <a:noFill/>
+        </p:spPr>
+        <p:txBody>
+          <a:bodyPr wrap="square" rtlCol="0">
+            <a:spAutoFit/>
+          </a:bodyPr>
+          <a:lstStyle/>
+          <a:p>
+            <a:r>
+              <a:rPr lang="de-DE" sz="2000" dirty="0">
+                <a:solidFill>
+                  <a:schemeClr val="tx1">
+                    <a:lumMod val="95000"/>
+                    <a:lumOff val="5000"/>
+                  </a:schemeClr>
+                </a:solidFill>
+                <a:latin typeface="Meta Std Medium" panose="020B0604030101020102" pitchFamily="34" charset="0"/>
+              </a:rPr>
+              <a:t>Funktionen</a:t>
+            </a:r>
+          </a:p>
+          <a:p>
+            <a:pPr marL="285750" indent="-285750">
+              <a:buFont typeface="Arial" panose="020B0604020202020204" pitchFamily="34" charset="0"/>
+              <a:buChar char="•"/>
+            </a:pPr>
+            <a:r>
+              <a:rPr lang="de-DE" dirty="0">
+                <a:solidFill>
+                  <a:schemeClr val="tx1">
+                    <a:lumMod val="95000"/>
+                    <a:lumOff val="5000"/>
+                  </a:schemeClr>
+                </a:solidFill>
+                <a:latin typeface="MetaPro-Normal" panose="02000503040000020004" pitchFamily="2" charset="0"/>
+              </a:rPr>
+              <a:t>Einsätze darstellen &amp; verwalten</a:t>
+            </a:r>
+          </a:p>
+          <a:p>
+            <a:pPr marL="285750" indent="-285750">
+              <a:buFont typeface="Arial" panose="020B0604020202020204" pitchFamily="34" charset="0"/>
+              <a:buChar char="•"/>
+            </a:pPr>
+            <a:r>
+              <a:rPr lang="de-DE" dirty="0">
+                <a:solidFill>
+                  <a:schemeClr val="tx1">
+                    <a:lumMod val="95000"/>
+                    <a:lumOff val="5000"/>
+                  </a:schemeClr>
+                </a:solidFill>
+                <a:latin typeface="MetaPro-Normal" panose="02000503040000020004" pitchFamily="2" charset="0"/>
+              </a:rPr>
+              <a:t>Schichten &amp; Tageszeiten verwalten</a:t>
+            </a:r>
+          </a:p>
+          <a:p>
+            <a:pPr marL="285750" indent="-285750">
+              <a:buFont typeface="Arial" panose="020B0604020202020204" pitchFamily="34" charset="0"/>
+              <a:buChar char="•"/>
+            </a:pPr>
+            <a:r>
+              <a:rPr lang="de-DE" dirty="0">
+                <a:solidFill>
+                  <a:schemeClr val="tx1">
+                    <a:lumMod val="95000"/>
+                    <a:lumOff val="5000"/>
+                  </a:schemeClr>
+                </a:solidFill>
+                <a:latin typeface="MetaPro-Normal" panose="02000503040000020004" pitchFamily="2" charset="0"/>
+              </a:rPr>
+              <a:t>Sprache anpassen</a:t>
+            </a:r>
+          </a:p>
+          <a:p>
+            <a:pPr marL="285750" indent="-285750">
+              <a:buFont typeface="Arial" panose="020B0604020202020204" pitchFamily="34" charset="0"/>
+              <a:buChar char="•"/>
+            </a:pPr>
+            <a:r>
+              <a:rPr lang="de-DE" dirty="0">
+                <a:solidFill>
+                  <a:schemeClr val="tx1">
+                    <a:lumMod val="95000"/>
+                    <a:lumOff val="5000"/>
+                  </a:schemeClr>
+                </a:solidFill>
+                <a:latin typeface="MetaPro-Normal" panose="02000503040000020004" pitchFamily="2" charset="0"/>
+              </a:rPr>
+              <a:t>Berechtigungen anpassen</a:t>
+            </a:r>
+          </a:p>
+        </p:txBody>
+      </p:sp>
+      <p:pic>
+        <p:nvPicPr>
+          <p:cNvPr id="18" name="Grafik 17">
+            <a:extLst>
+              <a:ext uri="{FF2B5EF4-FFF2-40B4-BE49-F238E27FC236}">
+                <a16:creationId xmlns:a16="http://schemas.microsoft.com/office/drawing/2014/main" id="{E25C420F-DEA3-43D2-8464-B849E3CD76CD}"/>
+              </a:ext>
+            </a:extLst>
+          </p:cNvPr>
+          <p:cNvPicPr>
+            <a:picLocks noChangeAspect="1"/>
+          </p:cNvPicPr>
+          <p:nvPr/>
+        </p:nvPicPr>
+        <p:blipFill rotWithShape="1">
+          <a:blip r:embed="rId4">
+            <a:extLst>
+              <a:ext uri="{28A0092B-C50C-407E-A947-70E740481C1C}">
+                <a14:useLocalDpi xmlns:a14="http://schemas.microsoft.com/office/drawing/2010/main" val="0"/>
+              </a:ext>
+            </a:extLst>
+          </a:blip>
+          <a:srcRect l="2281" t="3232" r="65213" b="32262"/>
+          <a:stretch/>
+        </p:blipFill>
+        <p:spPr>
+          <a:xfrm>
+            <a:off x="763680" y="2875548"/>
+            <a:ext cx="4297178" cy="2883995"/>
+          </a:xfrm>
+          <a:prstGeom prst="rect">
+            <a:avLst/>
+          </a:prstGeom>
+          <a:ln>
+            <a:noFill/>
+          </a:ln>
+          <a:effectLst>
+            <a:softEdge rad="112500"/>
+          </a:effectLst>
+        </p:spPr>
+      </p:pic>
+      <p:sp>
+        <p:nvSpPr>
+          <p:cNvPr id="7" name="Textfeld 6">
+            <a:extLst>
+              <a:ext uri="{FF2B5EF4-FFF2-40B4-BE49-F238E27FC236}">
+                <a16:creationId xmlns:a16="http://schemas.microsoft.com/office/drawing/2014/main" id="{B895A7FF-9C30-4798-A001-357CF54BA9C1}"/>
+              </a:ext>
+            </a:extLst>
+          </p:cNvPr>
+          <p:cNvSpPr txBox="1"/>
+          <p:nvPr/>
+        </p:nvSpPr>
+        <p:spPr>
+          <a:xfrm>
+            <a:off x="1018900" y="1953353"/>
+            <a:ext cx="1503938" cy="461665"/>
+          </a:xfrm>
+          <a:prstGeom prst="rect">
+            <a:avLst/>
+          </a:prstGeom>
+          <a:noFill/>
+        </p:spPr>
+        <p:txBody>
+          <a:bodyPr wrap="none" rtlCol="0">
+            <a:spAutoFit/>
+          </a:bodyPr>
+          <a:lstStyle/>
+          <a:p>
+            <a:pPr algn="ctr"/>
+            <a:r>
+              <a:rPr lang="de-DE" sz="1200" dirty="0">
+                <a:solidFill>
+                  <a:schemeClr val="tx1">
+                    <a:lumMod val="95000"/>
+                    <a:lumOff val="5000"/>
+                  </a:schemeClr>
+                </a:solidFill>
+                <a:latin typeface="MetaPro-Normal" panose="02000503040000020004" pitchFamily="2" charset="0"/>
+              </a:rPr>
+              <a:t>Mehrere Benutzer &amp;</a:t>
+            </a:r>
+          </a:p>
+          <a:p>
+            <a:pPr algn="ctr"/>
+            <a:r>
+              <a:rPr lang="de-CH" sz="1200" dirty="0"/>
+              <a:t>verschiedene Rollen</a:t>
+            </a:r>
+          </a:p>
+        </p:txBody>
+      </p:sp>
+      <p:sp>
+        <p:nvSpPr>
+          <p:cNvPr id="19" name="Textfeld 18">
+            <a:extLst>
+              <a:ext uri="{FF2B5EF4-FFF2-40B4-BE49-F238E27FC236}">
+                <a16:creationId xmlns:a16="http://schemas.microsoft.com/office/drawing/2014/main" id="{DAE311D5-AA31-4695-9DAD-CE1AD9C10AB0}"/>
+              </a:ext>
+            </a:extLst>
+          </p:cNvPr>
+          <p:cNvSpPr txBox="1"/>
+          <p:nvPr/>
+        </p:nvSpPr>
+        <p:spPr>
+          <a:xfrm>
+            <a:off x="4784424" y="2292921"/>
+            <a:ext cx="1311576" cy="461665"/>
+          </a:xfrm>
+          <a:prstGeom prst="rect">
+            <a:avLst/>
+          </a:prstGeom>
+          <a:noFill/>
+        </p:spPr>
+        <p:txBody>
+          <a:bodyPr wrap="none" rtlCol="0">
+            <a:spAutoFit/>
+          </a:bodyPr>
+          <a:lstStyle/>
+          <a:p>
+            <a:pPr algn="ctr"/>
+            <a:r>
+              <a:rPr lang="de-DE" sz="1200" dirty="0">
+                <a:solidFill>
+                  <a:schemeClr val="tx1">
+                    <a:lumMod val="95000"/>
+                    <a:lumOff val="5000"/>
+                  </a:schemeClr>
+                </a:solidFill>
+                <a:latin typeface="MetaPro-Normal" panose="02000503040000020004" pitchFamily="2" charset="0"/>
+              </a:rPr>
+              <a:t>Unterschiedliche</a:t>
+            </a:r>
+          </a:p>
+          <a:p>
+            <a:pPr algn="ctr"/>
+            <a:r>
+              <a:rPr lang="de-DE" sz="1200" dirty="0">
+                <a:solidFill>
+                  <a:schemeClr val="tx1">
+                    <a:lumMod val="95000"/>
+                    <a:lumOff val="5000"/>
+                  </a:schemeClr>
+                </a:solidFill>
+                <a:latin typeface="MetaPro-Normal" panose="02000503040000020004" pitchFamily="2" charset="0"/>
+              </a:rPr>
+              <a:t>Schichten</a:t>
+            </a:r>
+            <a:endParaRPr lang="de-CH" sz="1200" dirty="0"/>
+          </a:p>
+        </p:txBody>
+      </p:sp>
+      <p:sp>
+        <p:nvSpPr>
+          <p:cNvPr id="20" name="Textfeld 19">
+            <a:extLst>
+              <a:ext uri="{FF2B5EF4-FFF2-40B4-BE49-F238E27FC236}">
+                <a16:creationId xmlns:a16="http://schemas.microsoft.com/office/drawing/2014/main" id="{9BD9547F-B617-4C07-9772-EB7D07E1131A}"/>
+              </a:ext>
+            </a:extLst>
+          </p:cNvPr>
+          <p:cNvSpPr txBox="1"/>
+          <p:nvPr/>
+        </p:nvSpPr>
+        <p:spPr>
+          <a:xfrm>
+            <a:off x="5253465" y="4455467"/>
+            <a:ext cx="1029449" cy="461665"/>
+          </a:xfrm>
+          <a:prstGeom prst="rect">
+            <a:avLst/>
+          </a:prstGeom>
+          <a:noFill/>
+        </p:spPr>
+        <p:txBody>
+          <a:bodyPr wrap="none" rtlCol="0">
+            <a:spAutoFit/>
+          </a:bodyPr>
+          <a:lstStyle/>
+          <a:p>
+            <a:pPr algn="ctr"/>
+            <a:r>
+              <a:rPr lang="de-DE" sz="1200" dirty="0">
+                <a:solidFill>
+                  <a:schemeClr val="tx1">
+                    <a:lumMod val="95000"/>
+                    <a:lumOff val="5000"/>
+                  </a:schemeClr>
+                </a:solidFill>
+                <a:latin typeface="MetaPro-Normal" panose="02000503040000020004" pitchFamily="2" charset="0"/>
+              </a:rPr>
+              <a:t>Aufteilung in</a:t>
+            </a:r>
+          </a:p>
+          <a:p>
+            <a:pPr algn="ctr"/>
+            <a:r>
+              <a:rPr lang="de-DE" sz="1200" dirty="0">
+                <a:solidFill>
+                  <a:schemeClr val="tx1">
+                    <a:lumMod val="95000"/>
+                    <a:lumOff val="5000"/>
+                  </a:schemeClr>
+                </a:solidFill>
+                <a:latin typeface="MetaPro-Normal" panose="02000503040000020004" pitchFamily="2" charset="0"/>
+              </a:rPr>
+              <a:t>Tageszeiten</a:t>
+            </a:r>
+            <a:endParaRPr lang="de-CH" sz="1200" dirty="0"/>
+          </a:p>
+        </p:txBody>
+      </p:sp>
+      <p:cxnSp>
+        <p:nvCxnSpPr>
+          <p:cNvPr id="22" name="Gerade Verbindung mit Pfeil 21">
+            <a:extLst>
+              <a:ext uri="{FF2B5EF4-FFF2-40B4-BE49-F238E27FC236}">
+                <a16:creationId xmlns:a16="http://schemas.microsoft.com/office/drawing/2014/main" id="{5E5B5317-561F-4275-B1B2-5E46084184CF}"/>
+              </a:ext>
+            </a:extLst>
+          </p:cNvPr>
+          <p:cNvCxnSpPr>
+            <a:cxnSpLocks/>
+            <a:stCxn id="7" idx="2"/>
+          </p:cNvCxnSpPr>
+          <p:nvPr/>
+        </p:nvCxnSpPr>
+        <p:spPr>
+          <a:xfrm>
+            <a:off x="1770869" y="2415018"/>
+            <a:ext cx="142152" cy="2271282"/>
+          </a:xfrm>
+          <a:prstGeom prst="straightConnector1">
+            <a:avLst/>
+          </a:prstGeom>
+          <a:ln w="38100">
+            <a:solidFill>
+              <a:srgbClr val="003399"/>
+            </a:solidFill>
+            <a:headEnd type="none" w="med" len="med"/>
+            <a:tailEnd type="arrow" w="med" len="med"/>
+          </a:ln>
+        </p:spPr>
+        <p:style>
+          <a:lnRef idx="1">
+            <a:schemeClr val="accent1"/>
+          </a:lnRef>
+          <a:fillRef idx="0">
+            <a:schemeClr val="accent1"/>
+          </a:fillRef>
+          <a:effectRef idx="0">
+            <a:schemeClr val="accent1"/>
+          </a:effectRef>
+          <a:fontRef idx="minor">
+            <a:schemeClr val="tx1"/>
+          </a:fontRef>
+        </p:style>
+      </p:cxnSp>
+      <p:cxnSp>
+        <p:nvCxnSpPr>
+          <p:cNvPr id="24" name="Gerade Verbindung mit Pfeil 23">
+            <a:extLst>
+              <a:ext uri="{FF2B5EF4-FFF2-40B4-BE49-F238E27FC236}">
+                <a16:creationId xmlns:a16="http://schemas.microsoft.com/office/drawing/2014/main" id="{EC02EC92-7662-488B-8BBB-927917DD03B8}"/>
+              </a:ext>
+            </a:extLst>
+          </p:cNvPr>
+          <p:cNvCxnSpPr>
+            <a:cxnSpLocks/>
+            <a:stCxn id="19" idx="1"/>
+          </p:cNvCxnSpPr>
+          <p:nvPr/>
+        </p:nvCxnSpPr>
+        <p:spPr>
+          <a:xfrm flipH="1">
+            <a:off x="3922295" y="2523754"/>
+            <a:ext cx="862129" cy="514220"/>
+          </a:xfrm>
+          <a:prstGeom prst="straightConnector1">
+            <a:avLst/>
+          </a:prstGeom>
+          <a:ln w="38100">
+            <a:solidFill>
+              <a:srgbClr val="003399"/>
+            </a:solidFill>
+            <a:headEnd type="none" w="med" len="med"/>
+            <a:tailEnd type="arrow" w="med" len="med"/>
+          </a:ln>
+        </p:spPr>
+        <p:style>
+          <a:lnRef idx="1">
+            <a:schemeClr val="accent1"/>
+          </a:lnRef>
+          <a:fillRef idx="0">
+            <a:schemeClr val="accent1"/>
+          </a:fillRef>
+          <a:effectRef idx="0">
+            <a:schemeClr val="accent1"/>
+          </a:effectRef>
+          <a:fontRef idx="minor">
+            <a:schemeClr val="tx1"/>
+          </a:fontRef>
+        </p:style>
+      </p:cxnSp>
+      <p:cxnSp>
+        <p:nvCxnSpPr>
+          <p:cNvPr id="27" name="Gerade Verbindung mit Pfeil 26">
+            <a:extLst>
+              <a:ext uri="{FF2B5EF4-FFF2-40B4-BE49-F238E27FC236}">
+                <a16:creationId xmlns:a16="http://schemas.microsoft.com/office/drawing/2014/main" id="{CA5D257A-5E08-4346-B019-68A94C085FF7}"/>
+              </a:ext>
+            </a:extLst>
+          </p:cNvPr>
+          <p:cNvCxnSpPr>
+            <a:cxnSpLocks/>
+            <a:stCxn id="20" idx="1"/>
+          </p:cNvCxnSpPr>
+          <p:nvPr/>
+        </p:nvCxnSpPr>
+        <p:spPr>
+          <a:xfrm flipH="1">
+            <a:off x="3922295" y="4686300"/>
+            <a:ext cx="1331170" cy="52555"/>
+          </a:xfrm>
+          <a:prstGeom prst="straightConnector1">
+            <a:avLst/>
+          </a:prstGeom>
+          <a:ln w="38100">
+            <a:solidFill>
+              <a:srgbClr val="003399"/>
+            </a:solidFill>
+            <a:headEnd type="none" w="med" len="med"/>
+            <a:tailEnd type="arrow" w="med" len="med"/>
+          </a:ln>
+        </p:spPr>
+        <p:style>
+          <a:lnRef idx="1">
+            <a:schemeClr val="accent1"/>
+          </a:lnRef>
+          <a:fillRef idx="0">
+            <a:schemeClr val="accent1"/>
+          </a:fillRef>
+          <a:effectRef idx="0">
+            <a:schemeClr val="accent1"/>
+          </a:effectRef>
+          <a:fontRef idx="minor">
+            <a:schemeClr val="tx1"/>
+          </a:fontRef>
+        </p:style>
+      </p:cxnSp>
+      <p:sp>
+        <p:nvSpPr>
+          <p:cNvPr id="31" name="Textfeld 30">
+            <a:extLst>
+              <a:ext uri="{FF2B5EF4-FFF2-40B4-BE49-F238E27FC236}">
+                <a16:creationId xmlns:a16="http://schemas.microsoft.com/office/drawing/2014/main" id="{B87F7D86-EC13-4501-B50D-D2FC85F5782B}"/>
+              </a:ext>
+            </a:extLst>
+          </p:cNvPr>
+          <p:cNvSpPr txBox="1"/>
+          <p:nvPr/>
+        </p:nvSpPr>
+        <p:spPr>
+          <a:xfrm>
+            <a:off x="6542959" y="3097837"/>
+            <a:ext cx="679897" cy="523220"/>
+          </a:xfrm>
+          <a:prstGeom prst="rect">
+            <a:avLst/>
+          </a:prstGeom>
+          <a:noFill/>
+        </p:spPr>
+        <p:txBody>
+          <a:bodyPr wrap="square" rtlCol="0">
+            <a:spAutoFit/>
+          </a:bodyPr>
+          <a:lstStyle/>
+          <a:p>
+            <a:pPr algn="ctr"/>
+            <a:r>
+              <a:rPr lang="de-DE" sz="2800" dirty="0">
+                <a:solidFill>
+                  <a:schemeClr val="tx1">
+                    <a:lumMod val="95000"/>
+                    <a:lumOff val="5000"/>
+                  </a:schemeClr>
+                </a:solidFill>
+                <a:latin typeface="Meta Std Medium" panose="020B0604030101020102" pitchFamily="34" charset="0"/>
+              </a:rPr>
+              <a:t>=</a:t>
+            </a:r>
+          </a:p>
+        </p:txBody>
+      </p:sp>
+    </p:spTree>
+    <p:extLst>
+      <p:ext uri="{BB962C8B-B14F-4D97-AF65-F5344CB8AC3E}">
+        <p14:creationId xmlns:p14="http://schemas.microsoft.com/office/powerpoint/2010/main" val="4279824319"/>
+      </p:ext>
+    </p:extLst>
+  </p:cSld>
+  <p:clrMapOvr>
+    <a:masterClrMapping/>
+  </p:clrMapOvr>
+  <mc:AlternateContent xmlns:mc="http://schemas.openxmlformats.org/markup-compatibility/2006">
+    <mc:Choice xmlns:p159="http://schemas.microsoft.com/office/powerpoint/2015/09/main" Requires="p159">
+      <p:transition spd="med">
+        <p159:morph option="byWord"/>
+      </p:transition>
+    </mc:Choice>
+    <mc:Fallback>
+      <p:transition spd="med">
+        <p:fade/>
+      </p:transition>
+    </mc:Fallback>
+  </mc:AlternateContent>
+  <p:timing>
+    <p:tnLst>
+      <p:par>
+        <p:cTn id="1" dur="indefinite" restart="never" nodeType="tmRoot">
+          <p:childTnLst>
+            <p:seq concurrent="1" nextAc="seek">
+              <p:cTn id="2" dur="indefinite" nodeType="mainSeq">
+                <p:childTnLst>
+                  <p:par>
+                    <p:cTn id="3" fill="hold">
+                      <p:stCondLst>
+                        <p:cond delay="indefinite"/>
+                      </p:stCondLst>
+                      <p:childTnLst>
+                        <p:par>
+                          <p:cTn id="4" fill="hold">
+                            <p:stCondLst>
+                              <p:cond delay="0"/>
+                            </p:stCondLst>
+                            <p:childTnLst>
+                              <p:par>
+                                <p:cTn id="5" presetID="10" presetClass="entr" presetSubtype="0" fill="hold" grpId="0" nodeType="clickEffect">
+                                  <p:stCondLst>
+                                    <p:cond delay="0"/>
+                                  </p:stCondLst>
+                                  <p:childTnLst>
+                                    <p:set>
+                                      <p:cBhvr>
+                                        <p:cTn id="6" dur="1" fill="hold">
+                                          <p:stCondLst>
+                                            <p:cond delay="0"/>
+                                          </p:stCondLst>
+                                        </p:cTn>
+                                        <p:tgtEl>
+                                          <p:spTgt spid="16"/>
+                                        </p:tgtEl>
+                                        <p:attrNameLst>
+                                          <p:attrName>style.visibility</p:attrName>
+                                        </p:attrNameLst>
+                                      </p:cBhvr>
+                                      <p:to>
+                                        <p:strVal val="visible"/>
+                                      </p:to>
+                                    </p:set>
+                                    <p:animEffect transition="in" filter="fade">
+                                      <p:cBhvr>
+                                        <p:cTn id="7" dur="500"/>
+                                        <p:tgtEl>
+                                          <p:spTgt spid="16"/>
+                                        </p:tgtEl>
+                                      </p:cBhvr>
+                                    </p:animEffect>
+                                  </p:childTnLst>
+                                </p:cTn>
+                              </p:par>
+                              <p:par>
+                                <p:cTn id="8" presetID="10" presetClass="entr" presetSubtype="0" fill="hold" grpId="0" nodeType="withEffect">
+                                  <p:stCondLst>
+                                    <p:cond delay="0"/>
+                                  </p:stCondLst>
+                                  <p:childTnLst>
+                                    <p:set>
+                                      <p:cBhvr>
+                                        <p:cTn id="9" dur="1" fill="hold">
+                                          <p:stCondLst>
+                                            <p:cond delay="0"/>
+                                          </p:stCondLst>
+                                        </p:cTn>
+                                        <p:tgtEl>
+                                          <p:spTgt spid="31"/>
+                                        </p:tgtEl>
+                                        <p:attrNameLst>
+                                          <p:attrName>style.visibility</p:attrName>
+                                        </p:attrNameLst>
+                                      </p:cBhvr>
+                                      <p:to>
+                                        <p:strVal val="visible"/>
+                                      </p:to>
+                                    </p:set>
+                                    <p:animEffect transition="in" filter="fade">
+                                      <p:cBhvr>
+                                        <p:cTn id="10" dur="500"/>
+                                        <p:tgtEl>
+                                          <p:spTgt spid="31"/>
+                                        </p:tgtEl>
+                                      </p:cBhvr>
+                                    </p:animEffect>
+                                  </p:childTnLst>
+                                </p:cTn>
+                              </p:par>
+                            </p:childTnLst>
+                          </p:cTn>
+                        </p:par>
+                      </p:childTnLst>
+                    </p:cTn>
+                  </p:par>
+                </p:childTnLst>
+              </p:cTn>
+              <p:prevCondLst>
+                <p:cond evt="onPrev" delay="0">
+                  <p:tgtEl>
+                    <p:sldTgt/>
+                  </p:tgtEl>
+                </p:cond>
+              </p:prevCondLst>
+              <p:nextCondLst>
+                <p:cond evt="onNext" delay="0">
+                  <p:tgtEl>
+                    <p:sldTgt/>
+                  </p:tgtEl>
+                </p:cond>
+              </p:nextCondLst>
+            </p:seq>
+          </p:childTnLst>
+        </p:cTn>
+      </p:par>
+    </p:tnLst>
+    <p:bldLst>
+      <p:bldP spid="16" grpId="0"/>
+      <p:bldP spid="31" grpId="0"/>
+    </p:bldLst>
+  </p:timing>
+</p:sld>
+</file>
+
+<file path=ppt/slides/slide11.xml><?xml version="1.0" encoding="utf-8"?>
+<p:sld xmlns:a="http://schemas.openxmlformats.org/drawingml/2006/main" xmlns:r="http://schemas.openxmlformats.org/officeDocument/2006/relationships" xmlns:p="http://schemas.openxmlformats.org/presentationml/2006/main">
+  <p:cSld>
+    <p:spTree>
+      <p:nvGrpSpPr>
+        <p:cNvPr id="1" name=""/>
+        <p:cNvGrpSpPr/>
+        <p:nvPr/>
+      </p:nvGrpSpPr>
+      <p:grpSpPr>
+        <a:xfrm>
+          <a:off x="0" y="0"/>
+          <a:ext cx="0" cy="0"/>
+          <a:chOff x="0" y="0"/>
+          <a:chExt cx="0" cy="0"/>
+        </a:xfrm>
+      </p:grpSpPr>
+      <p:sp>
+        <p:nvSpPr>
+          <p:cNvPr id="17" name="Textfeld 16">
+            <a:extLst>
+              <a:ext uri="{FF2B5EF4-FFF2-40B4-BE49-F238E27FC236}">
+                <a16:creationId xmlns:a16="http://schemas.microsoft.com/office/drawing/2014/main" id="{3DF457D7-637C-45F1-B2B4-C8D74F7EB967}"/>
+              </a:ext>
+            </a:extLst>
+          </p:cNvPr>
+          <p:cNvSpPr txBox="1"/>
+          <p:nvPr/>
+        </p:nvSpPr>
+        <p:spPr>
+          <a:xfrm>
+            <a:off x="529389" y="465815"/>
+            <a:ext cx="5566612" cy="707886"/>
+          </a:xfrm>
+          <a:prstGeom prst="rect">
+            <a:avLst/>
+          </a:prstGeom>
+          <a:noFill/>
+        </p:spPr>
+        <p:txBody>
+          <a:bodyPr wrap="square" rtlCol="0">
+            <a:spAutoFit/>
+          </a:bodyPr>
+          <a:lstStyle/>
+          <a:p>
+            <a:r>
+              <a:rPr lang="de-DE" sz="4000" kern="1400" spc="-50" dirty="0">
+                <a:solidFill>
+                  <a:srgbClr val="003399"/>
+                </a:solidFill>
+                <a:latin typeface="Meta Std Normal" panose="020B0504030101020102" pitchFamily="34" charset="0"/>
+                <a:cs typeface="Times New Roman" panose="02020603050405020304" pitchFamily="18" charset="0"/>
+              </a:rPr>
+              <a:t>Aufgabenstellung</a:t>
+            </a:r>
+            <a:endParaRPr lang="de-CH" sz="4000" dirty="0">
+              <a:solidFill>
+                <a:srgbClr val="003399"/>
+              </a:solidFill>
+              <a:latin typeface="Meta Std Normal" panose="020B0504030101020102" pitchFamily="34" charset="0"/>
+            </a:endParaRPr>
+          </a:p>
+        </p:txBody>
+      </p:sp>
+      <p:pic>
+        <p:nvPicPr>
+          <p:cNvPr id="8" name="Grafik 7">
+            <a:extLst>
+              <a:ext uri="{FF2B5EF4-FFF2-40B4-BE49-F238E27FC236}">
+                <a16:creationId xmlns:a16="http://schemas.microsoft.com/office/drawing/2014/main" id="{ADCD8697-1FCF-47EA-81CF-51DDEAABDF03}"/>
+              </a:ext>
+            </a:extLst>
+          </p:cNvPr>
+          <p:cNvPicPr/>
+          <p:nvPr/>
+        </p:nvPicPr>
+        <p:blipFill rotWithShape="1">
+          <a:blip r:embed="rId2">
+            <a:extLst>
+              <a:ext uri="{28A0092B-C50C-407E-A947-70E740481C1C}">
+                <a14:useLocalDpi xmlns:a14="http://schemas.microsoft.com/office/drawing/2010/main" val="0"/>
+              </a:ext>
+            </a:extLst>
+          </a:blip>
+          <a:srcRect l="3810" r="4580" b="40683"/>
+          <a:stretch/>
+        </p:blipFill>
+        <p:spPr bwMode="auto">
+          <a:xfrm>
+            <a:off x="0" y="6711949"/>
+            <a:ext cx="12192000" cy="146051"/>
+          </a:xfrm>
+          <a:prstGeom prst="rect">
+            <a:avLst/>
+          </a:prstGeom>
+          <a:noFill/>
+          <a:ln>
+            <a:noFill/>
+          </a:ln>
+        </p:spPr>
+      </p:pic>
+      <p:pic>
+        <p:nvPicPr>
+          <p:cNvPr id="12" name="Grafik 11">
+            <a:extLst>
+              <a:ext uri="{FF2B5EF4-FFF2-40B4-BE49-F238E27FC236}">
+                <a16:creationId xmlns:a16="http://schemas.microsoft.com/office/drawing/2014/main" id="{4277F3D5-167F-4BA2-BDEE-7FBC2BEF527D}"/>
+              </a:ext>
+            </a:extLst>
+          </p:cNvPr>
+          <p:cNvPicPr>
+            <a:picLocks noChangeAspect="1"/>
+          </p:cNvPicPr>
+          <p:nvPr/>
+        </p:nvPicPr>
+        <p:blipFill>
+          <a:blip r:embed="rId3">
+            <a:extLst>
+              <a:ext uri="{28A0092B-C50C-407E-A947-70E740481C1C}">
+                <a14:useLocalDpi xmlns:a14="http://schemas.microsoft.com/office/drawing/2010/main" val="0"/>
+              </a:ext>
+            </a:extLst>
+          </a:blip>
+          <a:stretch>
+            <a:fillRect/>
+          </a:stretch>
+        </p:blipFill>
+        <p:spPr>
+          <a:xfrm>
+            <a:off x="9926611" y="5968478"/>
+            <a:ext cx="1912571" cy="503308"/>
+          </a:xfrm>
+          <a:prstGeom prst="rect">
+            <a:avLst/>
+          </a:prstGeom>
+        </p:spPr>
+      </p:pic>
+      <p:sp>
+        <p:nvSpPr>
+          <p:cNvPr id="4" name="Textfeld 3">
+            <a:extLst>
+              <a:ext uri="{FF2B5EF4-FFF2-40B4-BE49-F238E27FC236}">
+                <a16:creationId xmlns:a16="http://schemas.microsoft.com/office/drawing/2014/main" id="{59576528-BDCE-4B4B-AAAC-96DA04EE5EA0}"/>
+              </a:ext>
+            </a:extLst>
+          </p:cNvPr>
+          <p:cNvSpPr txBox="1"/>
+          <p:nvPr/>
+        </p:nvSpPr>
+        <p:spPr>
+          <a:xfrm>
+            <a:off x="838200" y="130609"/>
+            <a:ext cx="2074069" cy="261610"/>
+          </a:xfrm>
+          <a:prstGeom prst="rect">
+            <a:avLst/>
+          </a:prstGeom>
+          <a:noFill/>
+        </p:spPr>
+        <p:txBody>
+          <a:bodyPr wrap="square" rtlCol="0">
+            <a:spAutoFit/>
+          </a:bodyPr>
+          <a:lstStyle/>
+          <a:p>
+            <a:pPr algn="ctr"/>
+            <a:r>
+              <a:rPr lang="de-DE" sz="1100" dirty="0">
+                <a:solidFill>
+                  <a:schemeClr val="tx1">
+                    <a:lumMod val="50000"/>
+                    <a:lumOff val="50000"/>
+                  </a:schemeClr>
+                </a:solidFill>
+                <a:latin typeface="Meta Std Normal" panose="020B0504030101020102" pitchFamily="34" charset="0"/>
+              </a:rPr>
+              <a:t>Ursprung &amp; Umgebung</a:t>
+            </a:r>
+          </a:p>
+        </p:txBody>
+      </p:sp>
+      <p:sp>
+        <p:nvSpPr>
+          <p:cNvPr id="15" name="Textfeld 14">
+            <a:extLst>
+              <a:ext uri="{FF2B5EF4-FFF2-40B4-BE49-F238E27FC236}">
+                <a16:creationId xmlns:a16="http://schemas.microsoft.com/office/drawing/2014/main" id="{A78CFF66-02E0-4579-9AB3-1C2714806374}"/>
+              </a:ext>
+            </a:extLst>
+          </p:cNvPr>
+          <p:cNvSpPr txBox="1"/>
+          <p:nvPr/>
+        </p:nvSpPr>
+        <p:spPr>
+          <a:xfrm>
+            <a:off x="3581400" y="130609"/>
+            <a:ext cx="2074069" cy="261610"/>
+          </a:xfrm>
+          <a:prstGeom prst="rect">
+            <a:avLst/>
+          </a:prstGeom>
+          <a:noFill/>
+        </p:spPr>
+        <p:txBody>
+          <a:bodyPr wrap="square" rtlCol="0">
+            <a:spAutoFit/>
+          </a:bodyPr>
+          <a:lstStyle/>
+          <a:p>
+            <a:pPr algn="ctr"/>
+            <a:r>
+              <a:rPr lang="de-DE" sz="1100" dirty="0">
+                <a:solidFill>
+                  <a:srgbClr val="009EE6"/>
+                </a:solidFill>
+                <a:latin typeface="Meta Std Normal" panose="020B0504030101020102" pitchFamily="34" charset="0"/>
+              </a:rPr>
+              <a:t>Realisierung</a:t>
+            </a:r>
+          </a:p>
+        </p:txBody>
+      </p:sp>
+      <p:sp>
+        <p:nvSpPr>
+          <p:cNvPr id="21" name="Textfeld 20">
+            <a:extLst>
+              <a:ext uri="{FF2B5EF4-FFF2-40B4-BE49-F238E27FC236}">
+                <a16:creationId xmlns:a16="http://schemas.microsoft.com/office/drawing/2014/main" id="{7CD28F71-6880-44F4-9EC4-6F1897DFE100}"/>
+              </a:ext>
+            </a:extLst>
+          </p:cNvPr>
+          <p:cNvSpPr txBox="1"/>
+          <p:nvPr/>
+        </p:nvSpPr>
+        <p:spPr>
+          <a:xfrm>
+            <a:off x="6430565" y="130609"/>
+            <a:ext cx="2074069" cy="261610"/>
+          </a:xfrm>
+          <a:prstGeom prst="rect">
+            <a:avLst/>
+          </a:prstGeom>
+          <a:noFill/>
+        </p:spPr>
+        <p:txBody>
+          <a:bodyPr wrap="square" rtlCol="0">
+            <a:spAutoFit/>
+          </a:bodyPr>
+          <a:lstStyle/>
+          <a:p>
+            <a:pPr algn="ctr"/>
+            <a:r>
+              <a:rPr lang="de-DE" sz="1100" dirty="0">
+                <a:solidFill>
+                  <a:schemeClr val="tx1">
+                    <a:lumMod val="50000"/>
+                    <a:lumOff val="50000"/>
+                  </a:schemeClr>
+                </a:solidFill>
+                <a:latin typeface="Meta Std Normal" panose="020B0504030101020102" pitchFamily="34" charset="0"/>
+              </a:rPr>
+              <a:t>Resultat</a:t>
+            </a:r>
+          </a:p>
+        </p:txBody>
+      </p:sp>
+      <p:sp>
+        <p:nvSpPr>
+          <p:cNvPr id="23" name="Textfeld 22">
+            <a:extLst>
+              <a:ext uri="{FF2B5EF4-FFF2-40B4-BE49-F238E27FC236}">
+                <a16:creationId xmlns:a16="http://schemas.microsoft.com/office/drawing/2014/main" id="{50BA6159-800C-409E-9350-B7DBA9E76E62}"/>
+              </a:ext>
+            </a:extLst>
+          </p:cNvPr>
+          <p:cNvSpPr txBox="1"/>
+          <p:nvPr/>
+        </p:nvSpPr>
+        <p:spPr>
+          <a:xfrm>
+            <a:off x="9279731" y="130609"/>
+            <a:ext cx="2074069" cy="261610"/>
+          </a:xfrm>
+          <a:prstGeom prst="rect">
+            <a:avLst/>
+          </a:prstGeom>
+          <a:noFill/>
+        </p:spPr>
+        <p:txBody>
+          <a:bodyPr wrap="square" rtlCol="0">
+            <a:spAutoFit/>
+          </a:bodyPr>
+          <a:lstStyle/>
+          <a:p>
+            <a:pPr algn="ctr"/>
+            <a:r>
+              <a:rPr lang="de-DE" sz="1100" dirty="0">
+                <a:solidFill>
+                  <a:schemeClr val="tx1">
+                    <a:lumMod val="50000"/>
+                    <a:lumOff val="50000"/>
+                  </a:schemeClr>
+                </a:solidFill>
+                <a:latin typeface="Meta Std Normal" panose="020B0504030101020102" pitchFamily="34" charset="0"/>
+              </a:rPr>
+              <a:t>Evaluierung</a:t>
+            </a:r>
+          </a:p>
+        </p:txBody>
+      </p:sp>
+      <p:sp>
+        <p:nvSpPr>
+          <p:cNvPr id="13" name="Textfeld 12">
+            <a:extLst>
+              <a:ext uri="{FF2B5EF4-FFF2-40B4-BE49-F238E27FC236}">
+                <a16:creationId xmlns:a16="http://schemas.microsoft.com/office/drawing/2014/main" id="{499B4BFF-8515-4BDE-96CE-5EEB46E90DE5}"/>
+              </a:ext>
+            </a:extLst>
+          </p:cNvPr>
+          <p:cNvSpPr txBox="1"/>
+          <p:nvPr/>
+        </p:nvSpPr>
+        <p:spPr>
+          <a:xfrm>
+            <a:off x="529388" y="1161233"/>
+            <a:ext cx="5566612" cy="338554"/>
+          </a:xfrm>
+          <a:prstGeom prst="rect">
+            <a:avLst/>
+          </a:prstGeom>
+          <a:noFill/>
+        </p:spPr>
+        <p:txBody>
+          <a:bodyPr wrap="square" rtlCol="0">
+            <a:spAutoFit/>
+          </a:bodyPr>
+          <a:lstStyle/>
+          <a:p>
+            <a:r>
+              <a:rPr lang="de-CH" sz="1600" kern="1400" spc="-50" dirty="0">
+                <a:solidFill>
+                  <a:srgbClr val="009EE6"/>
+                </a:solidFill>
+                <a:latin typeface="Meta Std Normal" panose="020B0504030101020102" pitchFamily="34" charset="0"/>
+                <a:ea typeface="Times New Roman" panose="02020603050405020304" pitchFamily="18" charset="0"/>
+                <a:cs typeface="Times New Roman" panose="02020603050405020304" pitchFamily="18" charset="0"/>
+              </a:rPr>
+              <a:t>Anforderungen und Ziele</a:t>
+            </a:r>
+            <a:endParaRPr lang="de-CH" sz="1600" dirty="0">
+              <a:solidFill>
+                <a:srgbClr val="009EE6"/>
+              </a:solidFill>
+              <a:latin typeface="Meta Std Normal" panose="020B0504030101020102" pitchFamily="34" charset="0"/>
+            </a:endParaRPr>
+          </a:p>
+        </p:txBody>
+      </p:sp>
+      <p:sp>
+        <p:nvSpPr>
+          <p:cNvPr id="16" name="Textfeld 15">
+            <a:extLst>
+              <a:ext uri="{FF2B5EF4-FFF2-40B4-BE49-F238E27FC236}">
+                <a16:creationId xmlns:a16="http://schemas.microsoft.com/office/drawing/2014/main" id="{03C62279-1BF4-4C1F-96C1-9E7C1B917E8C}"/>
+              </a:ext>
+            </a:extLst>
+          </p:cNvPr>
+          <p:cNvSpPr txBox="1"/>
+          <p:nvPr/>
+        </p:nvSpPr>
+        <p:spPr>
+          <a:xfrm>
+            <a:off x="1719068" y="1920894"/>
+            <a:ext cx="4169368" cy="1508105"/>
+          </a:xfrm>
+          <a:prstGeom prst="rect">
+            <a:avLst/>
+          </a:prstGeom>
+          <a:noFill/>
+        </p:spPr>
+        <p:txBody>
+          <a:bodyPr wrap="square" rtlCol="0">
+            <a:spAutoFit/>
+          </a:bodyPr>
+          <a:lstStyle/>
+          <a:p>
+            <a:r>
+              <a:rPr lang="de-DE" sz="2000" dirty="0">
+                <a:solidFill>
+                  <a:schemeClr val="tx1">
+                    <a:lumMod val="95000"/>
+                    <a:lumOff val="5000"/>
+                  </a:schemeClr>
+                </a:solidFill>
+                <a:latin typeface="Meta Std Medium" panose="020B0604030101020102" pitchFamily="34" charset="0"/>
+              </a:rPr>
+              <a:t>Funktionen</a:t>
+            </a:r>
+          </a:p>
+          <a:p>
+            <a:pPr marL="285750" indent="-285750">
+              <a:buFont typeface="Arial" panose="020B0604020202020204" pitchFamily="34" charset="0"/>
+              <a:buChar char="•"/>
+            </a:pPr>
+            <a:r>
+              <a:rPr lang="de-DE" dirty="0">
+                <a:solidFill>
+                  <a:schemeClr val="tx1">
+                    <a:lumMod val="95000"/>
+                    <a:lumOff val="5000"/>
+                  </a:schemeClr>
+                </a:solidFill>
+                <a:latin typeface="MetaPro-Normal" panose="02000503040000020004" pitchFamily="2" charset="0"/>
+              </a:rPr>
+              <a:t>Einsätze darstellen &amp; verwalten</a:t>
+            </a:r>
+          </a:p>
+          <a:p>
+            <a:pPr marL="285750" indent="-285750">
+              <a:buFont typeface="Arial" panose="020B0604020202020204" pitchFamily="34" charset="0"/>
+              <a:buChar char="•"/>
+            </a:pPr>
+            <a:r>
+              <a:rPr lang="de-DE" dirty="0">
+                <a:solidFill>
+                  <a:schemeClr val="tx1">
+                    <a:lumMod val="95000"/>
+                    <a:lumOff val="5000"/>
+                  </a:schemeClr>
+                </a:solidFill>
+                <a:latin typeface="MetaPro-Normal" panose="02000503040000020004" pitchFamily="2" charset="0"/>
+              </a:rPr>
+              <a:t>Schichten &amp; Tageszeiten verwalten</a:t>
+            </a:r>
+          </a:p>
+          <a:p>
+            <a:pPr marL="285750" indent="-285750">
+              <a:buFont typeface="Arial" panose="020B0604020202020204" pitchFamily="34" charset="0"/>
+              <a:buChar char="•"/>
+            </a:pPr>
+            <a:r>
+              <a:rPr lang="de-DE" dirty="0">
+                <a:solidFill>
+                  <a:schemeClr val="tx1">
+                    <a:lumMod val="95000"/>
+                    <a:lumOff val="5000"/>
+                  </a:schemeClr>
+                </a:solidFill>
+                <a:latin typeface="MetaPro-Normal" panose="02000503040000020004" pitchFamily="2" charset="0"/>
+              </a:rPr>
+              <a:t>Sprache anpassen</a:t>
+            </a:r>
+          </a:p>
+          <a:p>
+            <a:pPr marL="285750" indent="-285750">
+              <a:buFont typeface="Arial" panose="020B0604020202020204" pitchFamily="34" charset="0"/>
+              <a:buChar char="•"/>
+            </a:pPr>
+            <a:r>
+              <a:rPr lang="de-DE" dirty="0">
+                <a:solidFill>
+                  <a:schemeClr val="tx1">
+                    <a:lumMod val="95000"/>
+                    <a:lumOff val="5000"/>
+                  </a:schemeClr>
+                </a:solidFill>
+                <a:latin typeface="MetaPro-Normal" panose="02000503040000020004" pitchFamily="2" charset="0"/>
+              </a:rPr>
+              <a:t>Berechtigungen anpassen</a:t>
+            </a:r>
+          </a:p>
+        </p:txBody>
+      </p:sp>
+      <p:sp>
+        <p:nvSpPr>
+          <p:cNvPr id="25" name="Textfeld 24">
+            <a:extLst>
+              <a:ext uri="{FF2B5EF4-FFF2-40B4-BE49-F238E27FC236}">
+                <a16:creationId xmlns:a16="http://schemas.microsoft.com/office/drawing/2014/main" id="{7448B535-9BD3-40E4-AE2A-91158726AD49}"/>
+              </a:ext>
+            </a:extLst>
+          </p:cNvPr>
+          <p:cNvSpPr txBox="1"/>
+          <p:nvPr/>
+        </p:nvSpPr>
+        <p:spPr>
+          <a:xfrm>
+            <a:off x="6557565" y="1920895"/>
+            <a:ext cx="4950996" cy="1508105"/>
+          </a:xfrm>
+          <a:prstGeom prst="rect">
+            <a:avLst/>
+          </a:prstGeom>
+          <a:noFill/>
+        </p:spPr>
+        <p:txBody>
+          <a:bodyPr wrap="square" rtlCol="0">
+            <a:spAutoFit/>
+          </a:bodyPr>
+          <a:lstStyle/>
+          <a:p>
+            <a:r>
+              <a:rPr lang="de-DE" sz="2000" dirty="0">
+                <a:solidFill>
+                  <a:schemeClr val="tx1">
+                    <a:lumMod val="95000"/>
+                    <a:lumOff val="5000"/>
+                  </a:schemeClr>
+                </a:solidFill>
+                <a:latin typeface="Meta Std Medium" panose="020B0604030101020102" pitchFamily="34" charset="0"/>
+              </a:rPr>
+              <a:t>Voraussetzungen</a:t>
+            </a:r>
+          </a:p>
+          <a:p>
+            <a:pPr marL="285750" indent="-285750">
+              <a:buFont typeface="Arial" panose="020B0604020202020204" pitchFamily="34" charset="0"/>
+              <a:buChar char="•"/>
+            </a:pPr>
+            <a:r>
+              <a:rPr lang="de-DE" dirty="0">
+                <a:solidFill>
+                  <a:schemeClr val="tx1">
+                    <a:lumMod val="95000"/>
+                    <a:lumOff val="5000"/>
+                  </a:schemeClr>
+                </a:solidFill>
+                <a:latin typeface="MetaPro-Normal" panose="02000503040000020004" pitchFamily="2" charset="0"/>
+              </a:rPr>
+              <a:t>Berücksichtigung der Firmenstandards</a:t>
+            </a:r>
+          </a:p>
+          <a:p>
+            <a:pPr marL="285750" indent="-285750">
+              <a:buFont typeface="Arial" panose="020B0604020202020204" pitchFamily="34" charset="0"/>
+              <a:buChar char="•"/>
+            </a:pPr>
+            <a:r>
+              <a:rPr lang="de-DE" dirty="0">
+                <a:solidFill>
+                  <a:schemeClr val="tx1">
+                    <a:lumMod val="95000"/>
+                    <a:lumOff val="5000"/>
+                  </a:schemeClr>
+                </a:solidFill>
+                <a:latin typeface="MetaPro-Normal" panose="02000503040000020004" pitchFamily="2" charset="0"/>
+              </a:rPr>
+              <a:t>Mehrsprachigkeit (Deutsch &amp; Englisch)</a:t>
+            </a:r>
+          </a:p>
+          <a:p>
+            <a:pPr marL="285750" indent="-285750">
+              <a:buFont typeface="Arial" panose="020B0604020202020204" pitchFamily="34" charset="0"/>
+              <a:buChar char="•"/>
+            </a:pPr>
+            <a:r>
+              <a:rPr lang="de-DE" dirty="0">
+                <a:solidFill>
+                  <a:schemeClr val="tx1">
+                    <a:lumMod val="95000"/>
+                    <a:lumOff val="5000"/>
+                  </a:schemeClr>
+                </a:solidFill>
+                <a:latin typeface="MetaPro-Normal" panose="02000503040000020004" pitchFamily="2" charset="0"/>
+              </a:rPr>
+              <a:t>Absicherung gegen Sicherheitsrisiken</a:t>
+            </a:r>
+          </a:p>
+          <a:p>
+            <a:pPr marL="285750" indent="-285750">
+              <a:buFont typeface="Arial" panose="020B0604020202020204" pitchFamily="34" charset="0"/>
+              <a:buChar char="•"/>
+            </a:pPr>
+            <a:r>
+              <a:rPr lang="de-DE" dirty="0">
+                <a:solidFill>
+                  <a:schemeClr val="tx1">
+                    <a:lumMod val="95000"/>
+                    <a:lumOff val="5000"/>
+                  </a:schemeClr>
+                </a:solidFill>
+                <a:latin typeface="MetaPro-Normal" panose="02000503040000020004" pitchFamily="2" charset="0"/>
+              </a:rPr>
+              <a:t>Bestmögliche Benutzerfreundlichkeit</a:t>
+            </a:r>
+          </a:p>
+        </p:txBody>
+      </p:sp>
+      <p:sp>
+        <p:nvSpPr>
+          <p:cNvPr id="26" name="Textfeld 25">
+            <a:extLst>
+              <a:ext uri="{FF2B5EF4-FFF2-40B4-BE49-F238E27FC236}">
+                <a16:creationId xmlns:a16="http://schemas.microsoft.com/office/drawing/2014/main" id="{6AAA60EC-EEC3-44E4-86B1-664806029777}"/>
+              </a:ext>
+            </a:extLst>
+          </p:cNvPr>
+          <p:cNvSpPr txBox="1"/>
+          <p:nvPr/>
+        </p:nvSpPr>
+        <p:spPr>
+          <a:xfrm>
+            <a:off x="3145860" y="3758197"/>
+            <a:ext cx="6823409" cy="1508105"/>
+          </a:xfrm>
+          <a:prstGeom prst="rect">
+            <a:avLst/>
+          </a:prstGeom>
+          <a:noFill/>
+        </p:spPr>
+        <p:txBody>
+          <a:bodyPr wrap="square" rtlCol="0">
+            <a:spAutoFit/>
+          </a:bodyPr>
+          <a:lstStyle/>
+          <a:p>
+            <a:r>
+              <a:rPr lang="de-DE" sz="2000" dirty="0">
+                <a:solidFill>
+                  <a:schemeClr val="tx1">
+                    <a:lumMod val="95000"/>
+                    <a:lumOff val="5000"/>
+                  </a:schemeClr>
+                </a:solidFill>
+                <a:latin typeface="Meta Std Medium" panose="020B0604030101020102" pitchFamily="34" charset="0"/>
+              </a:rPr>
+              <a:t>Umsetzung</a:t>
+            </a:r>
+          </a:p>
+          <a:p>
+            <a:pPr marL="285750" indent="-285750">
+              <a:buFont typeface="Arial" panose="020B0604020202020204" pitchFamily="34" charset="0"/>
+              <a:buChar char="•"/>
+            </a:pPr>
+            <a:r>
+              <a:rPr lang="de-DE" dirty="0">
+                <a:solidFill>
+                  <a:schemeClr val="tx1">
+                    <a:lumMod val="95000"/>
+                    <a:lumOff val="5000"/>
+                  </a:schemeClr>
+                </a:solidFill>
+                <a:latin typeface="MetaPro-Normal" panose="02000503040000020004" pitchFamily="2" charset="0"/>
+              </a:rPr>
+              <a:t>Versionsverwaltung mit Git auf GitHub.com</a:t>
+            </a:r>
+          </a:p>
+          <a:p>
+            <a:pPr marL="285750" indent="-285750">
+              <a:buFont typeface="Arial" panose="020B0604020202020204" pitchFamily="34" charset="0"/>
+              <a:buChar char="•"/>
+            </a:pPr>
+            <a:r>
+              <a:rPr lang="de-DE" dirty="0">
+                <a:solidFill>
+                  <a:schemeClr val="tx1">
+                    <a:lumMod val="95000"/>
+                    <a:lumOff val="5000"/>
+                  </a:schemeClr>
+                </a:solidFill>
+                <a:latin typeface="MetaPro-Normal" panose="02000503040000020004" pitchFamily="2" charset="0"/>
+              </a:rPr>
+              <a:t>Verwendung der Projektmethode „Kanban“</a:t>
+            </a:r>
+          </a:p>
+          <a:p>
+            <a:pPr marL="285750" indent="-285750">
+              <a:buFont typeface="Arial" panose="020B0604020202020204" pitchFamily="34" charset="0"/>
+              <a:buChar char="•"/>
+            </a:pPr>
+            <a:r>
+              <a:rPr lang="de-DE" dirty="0">
+                <a:solidFill>
+                  <a:schemeClr val="tx1">
+                    <a:lumMod val="95000"/>
+                    <a:lumOff val="5000"/>
+                  </a:schemeClr>
+                </a:solidFill>
+                <a:latin typeface="MetaPro-Normal" panose="02000503040000020004" pitchFamily="2" charset="0"/>
+              </a:rPr>
+              <a:t>Dokumentierung des Fortschritts durch Issues auf Project-Board</a:t>
+            </a:r>
+          </a:p>
+          <a:p>
+            <a:pPr marL="285750" indent="-285750">
+              <a:buFont typeface="Arial" panose="020B0604020202020204" pitchFamily="34" charset="0"/>
+              <a:buChar char="•"/>
+            </a:pPr>
+            <a:r>
+              <a:rPr lang="de-DE" dirty="0">
+                <a:solidFill>
+                  <a:schemeClr val="tx1">
+                    <a:lumMod val="95000"/>
+                    <a:lumOff val="5000"/>
+                  </a:schemeClr>
+                </a:solidFill>
+                <a:latin typeface="MetaPro-Normal" panose="02000503040000020004" pitchFamily="2" charset="0"/>
+              </a:rPr>
+              <a:t>IPA-Bericht mit Test- und Sicherheitskonzept</a:t>
+            </a:r>
+          </a:p>
+        </p:txBody>
+      </p:sp>
+    </p:spTree>
+    <p:extLst>
+      <p:ext uri="{BB962C8B-B14F-4D97-AF65-F5344CB8AC3E}">
+        <p14:creationId xmlns:p14="http://schemas.microsoft.com/office/powerpoint/2010/main" val="1307434707"/>
+      </p:ext>
+    </p:extLst>
+  </p:cSld>
+  <p:clrMapOvr>
+    <a:masterClrMapping/>
+  </p:clrMapOvr>
+  <mc:AlternateContent xmlns:mc="http://schemas.openxmlformats.org/markup-compatibility/2006">
+    <mc:Choice xmlns:p159="http://schemas.microsoft.com/office/powerpoint/2015/09/main" Requires="p159">
+      <p:transition spd="med">
+        <p159:morph option="byObject"/>
+      </p:transition>
+    </mc:Choice>
+    <mc:Fallback>
+      <p:transition spd="med">
+        <p:fade/>
+      </p:transition>
+    </mc:Fallback>
+  </mc:AlternateContent>
+</p:sld>
+</file>
+
+<file path=ppt/slides/slide12.xml><?xml version="1.0" encoding="utf-8"?>
+<p:sld xmlns:a="http://schemas.openxmlformats.org/drawingml/2006/main" xmlns:r="http://schemas.openxmlformats.org/officeDocument/2006/relationships" xmlns:p="http://schemas.openxmlformats.org/presentationml/2006/main">
+  <p:cSld>
+    <p:spTree>
+      <p:nvGrpSpPr>
+        <p:cNvPr id="1" name=""/>
+        <p:cNvGrpSpPr/>
+        <p:nvPr/>
+      </p:nvGrpSpPr>
+      <p:grpSpPr>
+        <a:xfrm>
+          <a:off x="0" y="0"/>
+          <a:ext cx="0" cy="0"/>
+          <a:chOff x="0" y="0"/>
+          <a:chExt cx="0" cy="0"/>
+        </a:xfrm>
+      </p:grpSpPr>
+      <p:sp>
+        <p:nvSpPr>
+          <p:cNvPr id="17" name="Textfeld 16">
+            <a:extLst>
+              <a:ext uri="{FF2B5EF4-FFF2-40B4-BE49-F238E27FC236}">
+                <a16:creationId xmlns:a16="http://schemas.microsoft.com/office/drawing/2014/main" id="{3DF457D7-637C-45F1-B2B4-C8D74F7EB967}"/>
+              </a:ext>
+            </a:extLst>
+          </p:cNvPr>
+          <p:cNvSpPr txBox="1"/>
+          <p:nvPr/>
+        </p:nvSpPr>
+        <p:spPr>
+          <a:xfrm>
+            <a:off x="529389" y="465815"/>
+            <a:ext cx="5566612" cy="707886"/>
+          </a:xfrm>
+          <a:prstGeom prst="rect">
+            <a:avLst/>
+          </a:prstGeom>
+          <a:noFill/>
+        </p:spPr>
+        <p:txBody>
+          <a:bodyPr wrap="square" rtlCol="0">
+            <a:spAutoFit/>
+          </a:bodyPr>
+          <a:lstStyle/>
+          <a:p>
+            <a:r>
+              <a:rPr lang="de-DE" sz="4000" kern="1400" spc="-50" dirty="0">
+                <a:solidFill>
+                  <a:srgbClr val="003399"/>
+                </a:solidFill>
+                <a:latin typeface="Meta Std Normal" panose="020B0504030101020102" pitchFamily="34" charset="0"/>
+                <a:cs typeface="Times New Roman" panose="02020603050405020304" pitchFamily="18" charset="0"/>
+              </a:rPr>
+              <a:t>Aufgabenstellung</a:t>
+            </a:r>
+            <a:endParaRPr lang="de-CH" sz="4000" dirty="0">
+              <a:solidFill>
+                <a:srgbClr val="003399"/>
+              </a:solidFill>
+              <a:latin typeface="Meta Std Normal" panose="020B0504030101020102" pitchFamily="34" charset="0"/>
+            </a:endParaRPr>
+          </a:p>
+        </p:txBody>
+      </p:sp>
+      <p:pic>
+        <p:nvPicPr>
+          <p:cNvPr id="8" name="Grafik 7">
+            <a:extLst>
+              <a:ext uri="{FF2B5EF4-FFF2-40B4-BE49-F238E27FC236}">
+                <a16:creationId xmlns:a16="http://schemas.microsoft.com/office/drawing/2014/main" id="{ADCD8697-1FCF-47EA-81CF-51DDEAABDF03}"/>
+              </a:ext>
+            </a:extLst>
+          </p:cNvPr>
+          <p:cNvPicPr/>
+          <p:nvPr/>
+        </p:nvPicPr>
+        <p:blipFill rotWithShape="1">
+          <a:blip r:embed="rId2">
+            <a:extLst>
+              <a:ext uri="{28A0092B-C50C-407E-A947-70E740481C1C}">
+                <a14:useLocalDpi xmlns:a14="http://schemas.microsoft.com/office/drawing/2010/main" val="0"/>
+              </a:ext>
+            </a:extLst>
+          </a:blip>
+          <a:srcRect l="3810" r="4580" b="40683"/>
+          <a:stretch/>
+        </p:blipFill>
+        <p:spPr bwMode="auto">
+          <a:xfrm>
+            <a:off x="0" y="6711949"/>
+            <a:ext cx="12192000" cy="146051"/>
+          </a:xfrm>
+          <a:prstGeom prst="rect">
+            <a:avLst/>
+          </a:prstGeom>
+          <a:noFill/>
+          <a:ln>
+            <a:noFill/>
+          </a:ln>
+        </p:spPr>
+      </p:pic>
+      <p:pic>
+        <p:nvPicPr>
+          <p:cNvPr id="12" name="Grafik 11">
+            <a:extLst>
+              <a:ext uri="{FF2B5EF4-FFF2-40B4-BE49-F238E27FC236}">
+                <a16:creationId xmlns:a16="http://schemas.microsoft.com/office/drawing/2014/main" id="{4277F3D5-167F-4BA2-BDEE-7FBC2BEF527D}"/>
+              </a:ext>
+            </a:extLst>
+          </p:cNvPr>
+          <p:cNvPicPr>
+            <a:picLocks noChangeAspect="1"/>
+          </p:cNvPicPr>
+          <p:nvPr/>
+        </p:nvPicPr>
+        <p:blipFill>
+          <a:blip r:embed="rId3">
+            <a:extLst>
+              <a:ext uri="{28A0092B-C50C-407E-A947-70E740481C1C}">
+                <a14:useLocalDpi xmlns:a14="http://schemas.microsoft.com/office/drawing/2010/main" val="0"/>
+              </a:ext>
+            </a:extLst>
+          </a:blip>
+          <a:stretch>
+            <a:fillRect/>
+          </a:stretch>
+        </p:blipFill>
+        <p:spPr>
+          <a:xfrm>
+            <a:off x="9926611" y="5968478"/>
+            <a:ext cx="1912571" cy="503308"/>
+          </a:xfrm>
+          <a:prstGeom prst="rect">
+            <a:avLst/>
+          </a:prstGeom>
+        </p:spPr>
+      </p:pic>
+      <p:sp>
+        <p:nvSpPr>
+          <p:cNvPr id="4" name="Textfeld 3">
+            <a:extLst>
+              <a:ext uri="{FF2B5EF4-FFF2-40B4-BE49-F238E27FC236}">
+                <a16:creationId xmlns:a16="http://schemas.microsoft.com/office/drawing/2014/main" id="{59576528-BDCE-4B4B-AAAC-96DA04EE5EA0}"/>
+              </a:ext>
+            </a:extLst>
+          </p:cNvPr>
+          <p:cNvSpPr txBox="1"/>
+          <p:nvPr/>
+        </p:nvSpPr>
+        <p:spPr>
+          <a:xfrm>
+            <a:off x="838200" y="130609"/>
+            <a:ext cx="2074069" cy="261610"/>
+          </a:xfrm>
+          <a:prstGeom prst="rect">
+            <a:avLst/>
+          </a:prstGeom>
+          <a:noFill/>
+        </p:spPr>
+        <p:txBody>
+          <a:bodyPr wrap="square" rtlCol="0">
+            <a:spAutoFit/>
+          </a:bodyPr>
+          <a:lstStyle/>
+          <a:p>
+            <a:pPr algn="ctr"/>
+            <a:r>
+              <a:rPr lang="de-DE" sz="1100" dirty="0">
+                <a:solidFill>
+                  <a:schemeClr val="tx1">
+                    <a:lumMod val="50000"/>
+                    <a:lumOff val="50000"/>
+                  </a:schemeClr>
+                </a:solidFill>
+                <a:latin typeface="Meta Std Normal" panose="020B0504030101020102" pitchFamily="34" charset="0"/>
+              </a:rPr>
+              <a:t>Ursprung &amp; Umgebung</a:t>
+            </a:r>
+          </a:p>
+        </p:txBody>
+      </p:sp>
+      <p:sp>
+        <p:nvSpPr>
+          <p:cNvPr id="15" name="Textfeld 14">
+            <a:extLst>
+              <a:ext uri="{FF2B5EF4-FFF2-40B4-BE49-F238E27FC236}">
+                <a16:creationId xmlns:a16="http://schemas.microsoft.com/office/drawing/2014/main" id="{A78CFF66-02E0-4579-9AB3-1C2714806374}"/>
+              </a:ext>
+            </a:extLst>
+          </p:cNvPr>
+          <p:cNvSpPr txBox="1"/>
+          <p:nvPr/>
+        </p:nvSpPr>
+        <p:spPr>
+          <a:xfrm>
+            <a:off x="3581400" y="130609"/>
+            <a:ext cx="2074069" cy="261610"/>
+          </a:xfrm>
+          <a:prstGeom prst="rect">
+            <a:avLst/>
+          </a:prstGeom>
+          <a:noFill/>
+        </p:spPr>
+        <p:txBody>
+          <a:bodyPr wrap="square" rtlCol="0">
+            <a:spAutoFit/>
+          </a:bodyPr>
+          <a:lstStyle/>
+          <a:p>
+            <a:pPr algn="ctr"/>
+            <a:r>
+              <a:rPr lang="de-DE" sz="1100" dirty="0">
+                <a:solidFill>
+                  <a:srgbClr val="009EE6"/>
+                </a:solidFill>
+                <a:latin typeface="Meta Std Normal" panose="020B0504030101020102" pitchFamily="34" charset="0"/>
+              </a:rPr>
+              <a:t>Realisierung</a:t>
+            </a:r>
+          </a:p>
+        </p:txBody>
+      </p:sp>
+      <p:sp>
+        <p:nvSpPr>
+          <p:cNvPr id="21" name="Textfeld 20">
+            <a:extLst>
+              <a:ext uri="{FF2B5EF4-FFF2-40B4-BE49-F238E27FC236}">
+                <a16:creationId xmlns:a16="http://schemas.microsoft.com/office/drawing/2014/main" id="{7CD28F71-6880-44F4-9EC4-6F1897DFE100}"/>
+              </a:ext>
+            </a:extLst>
+          </p:cNvPr>
+          <p:cNvSpPr txBox="1"/>
+          <p:nvPr/>
+        </p:nvSpPr>
+        <p:spPr>
+          <a:xfrm>
+            <a:off x="6430565" y="130609"/>
+            <a:ext cx="2074069" cy="261610"/>
+          </a:xfrm>
+          <a:prstGeom prst="rect">
+            <a:avLst/>
+          </a:prstGeom>
+          <a:noFill/>
+        </p:spPr>
+        <p:txBody>
+          <a:bodyPr wrap="square" rtlCol="0">
+            <a:spAutoFit/>
+          </a:bodyPr>
+          <a:lstStyle/>
+          <a:p>
+            <a:pPr algn="ctr"/>
+            <a:r>
+              <a:rPr lang="de-DE" sz="1100" dirty="0">
+                <a:solidFill>
+                  <a:schemeClr val="tx1">
+                    <a:lumMod val="50000"/>
+                    <a:lumOff val="50000"/>
+                  </a:schemeClr>
+                </a:solidFill>
+                <a:latin typeface="Meta Std Normal" panose="020B0504030101020102" pitchFamily="34" charset="0"/>
+              </a:rPr>
+              <a:t>Resultat</a:t>
+            </a:r>
+          </a:p>
+        </p:txBody>
+      </p:sp>
+      <p:sp>
+        <p:nvSpPr>
+          <p:cNvPr id="23" name="Textfeld 22">
+            <a:extLst>
+              <a:ext uri="{FF2B5EF4-FFF2-40B4-BE49-F238E27FC236}">
+                <a16:creationId xmlns:a16="http://schemas.microsoft.com/office/drawing/2014/main" id="{50BA6159-800C-409E-9350-B7DBA9E76E62}"/>
+              </a:ext>
+            </a:extLst>
+          </p:cNvPr>
+          <p:cNvSpPr txBox="1"/>
+          <p:nvPr/>
+        </p:nvSpPr>
+        <p:spPr>
+          <a:xfrm>
+            <a:off x="9279731" y="130609"/>
+            <a:ext cx="2074069" cy="261610"/>
+          </a:xfrm>
+          <a:prstGeom prst="rect">
+            <a:avLst/>
+          </a:prstGeom>
+          <a:noFill/>
+        </p:spPr>
+        <p:txBody>
+          <a:bodyPr wrap="square" rtlCol="0">
+            <a:spAutoFit/>
+          </a:bodyPr>
+          <a:lstStyle/>
+          <a:p>
+            <a:pPr algn="ctr"/>
+            <a:r>
+              <a:rPr lang="de-DE" sz="1100" dirty="0">
+                <a:solidFill>
+                  <a:schemeClr val="tx1">
+                    <a:lumMod val="50000"/>
+                    <a:lumOff val="50000"/>
+                  </a:schemeClr>
+                </a:solidFill>
+                <a:latin typeface="Meta Std Normal" panose="020B0504030101020102" pitchFamily="34" charset="0"/>
+              </a:rPr>
+              <a:t>Evaluierung</a:t>
+            </a:r>
+          </a:p>
+        </p:txBody>
+      </p:sp>
+      <p:sp>
+        <p:nvSpPr>
+          <p:cNvPr id="13" name="Textfeld 12">
+            <a:extLst>
+              <a:ext uri="{FF2B5EF4-FFF2-40B4-BE49-F238E27FC236}">
+                <a16:creationId xmlns:a16="http://schemas.microsoft.com/office/drawing/2014/main" id="{499B4BFF-8515-4BDE-96CE-5EEB46E90DE5}"/>
+              </a:ext>
+            </a:extLst>
+          </p:cNvPr>
+          <p:cNvSpPr txBox="1"/>
+          <p:nvPr/>
+        </p:nvSpPr>
+        <p:spPr>
+          <a:xfrm>
+            <a:off x="529388" y="1161233"/>
+            <a:ext cx="5566612" cy="338554"/>
+          </a:xfrm>
+          <a:prstGeom prst="rect">
+            <a:avLst/>
+          </a:prstGeom>
+          <a:noFill/>
+        </p:spPr>
+        <p:txBody>
+          <a:bodyPr wrap="square" rtlCol="0">
+            <a:spAutoFit/>
+          </a:bodyPr>
+          <a:lstStyle/>
+          <a:p>
+            <a:r>
+              <a:rPr lang="de-CH" sz="1600" kern="1400" spc="-50" dirty="0">
+                <a:solidFill>
+                  <a:srgbClr val="009EE6"/>
+                </a:solidFill>
+                <a:latin typeface="Meta Std Normal" panose="020B0504030101020102" pitchFamily="34" charset="0"/>
+                <a:ea typeface="Times New Roman" panose="02020603050405020304" pitchFamily="18" charset="0"/>
+                <a:cs typeface="Times New Roman" panose="02020603050405020304" pitchFamily="18" charset="0"/>
+              </a:rPr>
+              <a:t>Szenarios der gesamten Anwendung</a:t>
+            </a:r>
+            <a:endParaRPr lang="de-CH" sz="1600" dirty="0">
+              <a:solidFill>
+                <a:srgbClr val="009EE6"/>
+              </a:solidFill>
+              <a:latin typeface="Meta Std Normal" panose="020B0504030101020102" pitchFamily="34" charset="0"/>
+            </a:endParaRPr>
+          </a:p>
+        </p:txBody>
+      </p:sp>
+      <p:sp>
+        <p:nvSpPr>
+          <p:cNvPr id="16" name="Textfeld 15">
+            <a:extLst>
+              <a:ext uri="{FF2B5EF4-FFF2-40B4-BE49-F238E27FC236}">
+                <a16:creationId xmlns:a16="http://schemas.microsoft.com/office/drawing/2014/main" id="{03C62279-1BF4-4C1F-96C1-9E7C1B917E8C}"/>
+              </a:ext>
+            </a:extLst>
+          </p:cNvPr>
+          <p:cNvSpPr txBox="1"/>
+          <p:nvPr/>
+        </p:nvSpPr>
+        <p:spPr>
+          <a:xfrm>
+            <a:off x="683439" y="1591668"/>
+            <a:ext cx="4169368" cy="1261884"/>
+          </a:xfrm>
+          <a:prstGeom prst="rect">
+            <a:avLst/>
+          </a:prstGeom>
+          <a:noFill/>
+        </p:spPr>
+        <p:txBody>
+          <a:bodyPr wrap="square" rtlCol="0">
+            <a:spAutoFit/>
+          </a:bodyPr>
+          <a:lstStyle/>
+          <a:p>
+            <a:r>
+              <a:rPr lang="de-DE" sz="2000" dirty="0">
+                <a:solidFill>
+                  <a:schemeClr val="tx1">
+                    <a:lumMod val="95000"/>
+                    <a:lumOff val="5000"/>
+                  </a:schemeClr>
+                </a:solidFill>
+                <a:latin typeface="Meta Std Medium" panose="020B0604030101020102" pitchFamily="34" charset="0"/>
+              </a:rPr>
+              <a:t>Funktionen</a:t>
+            </a:r>
+          </a:p>
+          <a:p>
+            <a:pPr marL="285750" indent="-285750">
+              <a:buFont typeface="Arial" panose="020B0604020202020204" pitchFamily="34" charset="0"/>
+              <a:buChar char="•"/>
+            </a:pPr>
+            <a:r>
+              <a:rPr lang="de-DE" sz="1400" dirty="0">
+                <a:solidFill>
+                  <a:schemeClr val="tx1">
+                    <a:lumMod val="95000"/>
+                    <a:lumOff val="5000"/>
+                  </a:schemeClr>
+                </a:solidFill>
+                <a:latin typeface="MetaPro-Normal" panose="02000503040000020004" pitchFamily="2" charset="0"/>
+              </a:rPr>
+              <a:t>Einsätze darstellen &amp; verwalten</a:t>
+            </a:r>
+          </a:p>
+          <a:p>
+            <a:pPr marL="285750" indent="-285750">
+              <a:buFont typeface="Arial" panose="020B0604020202020204" pitchFamily="34" charset="0"/>
+              <a:buChar char="•"/>
+            </a:pPr>
+            <a:r>
+              <a:rPr lang="de-DE" sz="1400" dirty="0">
+                <a:solidFill>
+                  <a:schemeClr val="tx1">
+                    <a:lumMod val="95000"/>
+                    <a:lumOff val="5000"/>
+                  </a:schemeClr>
+                </a:solidFill>
+                <a:latin typeface="MetaPro-Normal" panose="02000503040000020004" pitchFamily="2" charset="0"/>
+              </a:rPr>
+              <a:t>Schichten &amp; Tageszeiten verwalten</a:t>
+            </a:r>
+          </a:p>
+          <a:p>
+            <a:pPr marL="285750" indent="-285750">
+              <a:buFont typeface="Arial" panose="020B0604020202020204" pitchFamily="34" charset="0"/>
+              <a:buChar char="•"/>
+            </a:pPr>
+            <a:r>
+              <a:rPr lang="de-DE" sz="1400" dirty="0">
+                <a:solidFill>
+                  <a:schemeClr val="tx1">
+                    <a:lumMod val="95000"/>
+                    <a:lumOff val="5000"/>
+                  </a:schemeClr>
+                </a:solidFill>
+                <a:latin typeface="MetaPro-Normal" panose="02000503040000020004" pitchFamily="2" charset="0"/>
+              </a:rPr>
+              <a:t>Sprache anpassen</a:t>
+            </a:r>
+          </a:p>
+          <a:p>
+            <a:pPr marL="285750" indent="-285750">
+              <a:buFont typeface="Arial" panose="020B0604020202020204" pitchFamily="34" charset="0"/>
+              <a:buChar char="•"/>
+            </a:pPr>
+            <a:r>
+              <a:rPr lang="de-DE" sz="1400" dirty="0">
+                <a:solidFill>
+                  <a:schemeClr val="tx1">
+                    <a:lumMod val="95000"/>
+                    <a:lumOff val="5000"/>
+                  </a:schemeClr>
+                </a:solidFill>
+                <a:latin typeface="MetaPro-Normal" panose="02000503040000020004" pitchFamily="2" charset="0"/>
+              </a:rPr>
+              <a:t>Berechtigungen anpassen</a:t>
+            </a:r>
+          </a:p>
+        </p:txBody>
+      </p:sp>
+      <p:sp>
+        <p:nvSpPr>
+          <p:cNvPr id="25" name="Textfeld 24">
+            <a:extLst>
+              <a:ext uri="{FF2B5EF4-FFF2-40B4-BE49-F238E27FC236}">
+                <a16:creationId xmlns:a16="http://schemas.microsoft.com/office/drawing/2014/main" id="{7448B535-9BD3-40E4-AE2A-91158726AD49}"/>
+              </a:ext>
+            </a:extLst>
+          </p:cNvPr>
+          <p:cNvSpPr txBox="1"/>
+          <p:nvPr/>
+        </p:nvSpPr>
+        <p:spPr>
+          <a:xfrm>
+            <a:off x="683439" y="2967082"/>
+            <a:ext cx="4950996" cy="1261884"/>
+          </a:xfrm>
+          <a:prstGeom prst="rect">
+            <a:avLst/>
+          </a:prstGeom>
+          <a:noFill/>
+        </p:spPr>
+        <p:txBody>
+          <a:bodyPr wrap="square" rtlCol="0">
+            <a:spAutoFit/>
+          </a:bodyPr>
+          <a:lstStyle/>
+          <a:p>
+            <a:r>
+              <a:rPr lang="de-DE" sz="2000" dirty="0">
+                <a:solidFill>
+                  <a:schemeClr val="tx1">
+                    <a:lumMod val="95000"/>
+                    <a:lumOff val="5000"/>
+                  </a:schemeClr>
+                </a:solidFill>
+                <a:latin typeface="Meta Std Medium" panose="020B0604030101020102" pitchFamily="34" charset="0"/>
+              </a:rPr>
+              <a:t>Voraussetzungen</a:t>
+            </a:r>
+          </a:p>
+          <a:p>
+            <a:pPr marL="285750" indent="-285750">
+              <a:buFont typeface="Arial" panose="020B0604020202020204" pitchFamily="34" charset="0"/>
+              <a:buChar char="•"/>
+            </a:pPr>
+            <a:r>
+              <a:rPr lang="de-DE" sz="1400" dirty="0">
+                <a:solidFill>
+                  <a:schemeClr val="tx1">
+                    <a:lumMod val="95000"/>
+                    <a:lumOff val="5000"/>
+                  </a:schemeClr>
+                </a:solidFill>
+                <a:latin typeface="MetaPro-Normal" panose="02000503040000020004" pitchFamily="2" charset="0"/>
+              </a:rPr>
+              <a:t>Berücksichtigung der Firmenstandards</a:t>
+            </a:r>
+          </a:p>
+          <a:p>
+            <a:pPr marL="285750" indent="-285750">
+              <a:buFont typeface="Arial" panose="020B0604020202020204" pitchFamily="34" charset="0"/>
+              <a:buChar char="•"/>
+            </a:pPr>
+            <a:r>
+              <a:rPr lang="de-DE" sz="1400" dirty="0">
+                <a:solidFill>
+                  <a:schemeClr val="tx1">
+                    <a:lumMod val="95000"/>
+                    <a:lumOff val="5000"/>
+                  </a:schemeClr>
+                </a:solidFill>
+                <a:latin typeface="MetaPro-Normal" panose="02000503040000020004" pitchFamily="2" charset="0"/>
+              </a:rPr>
+              <a:t>Mehrsprachigkeit (Deutsch &amp; Englisch)</a:t>
+            </a:r>
+          </a:p>
+          <a:p>
+            <a:pPr marL="285750" indent="-285750">
+              <a:buFont typeface="Arial" panose="020B0604020202020204" pitchFamily="34" charset="0"/>
+              <a:buChar char="•"/>
+            </a:pPr>
+            <a:r>
+              <a:rPr lang="de-DE" sz="1400" dirty="0">
+                <a:solidFill>
+                  <a:schemeClr val="tx1">
+                    <a:lumMod val="95000"/>
+                    <a:lumOff val="5000"/>
+                  </a:schemeClr>
+                </a:solidFill>
+                <a:latin typeface="MetaPro-Normal" panose="02000503040000020004" pitchFamily="2" charset="0"/>
+              </a:rPr>
+              <a:t>Absicherung gegen Sicherheitsrisiken</a:t>
+            </a:r>
+          </a:p>
+          <a:p>
+            <a:pPr marL="285750" indent="-285750">
+              <a:buFont typeface="Arial" panose="020B0604020202020204" pitchFamily="34" charset="0"/>
+              <a:buChar char="•"/>
+            </a:pPr>
+            <a:r>
+              <a:rPr lang="de-DE" sz="1400" dirty="0">
+                <a:solidFill>
+                  <a:schemeClr val="tx1">
+                    <a:lumMod val="95000"/>
+                    <a:lumOff val="5000"/>
+                  </a:schemeClr>
+                </a:solidFill>
+                <a:latin typeface="MetaPro-Normal" panose="02000503040000020004" pitchFamily="2" charset="0"/>
+              </a:rPr>
+              <a:t>Bestmögliche Benutzerfreundlichkeit</a:t>
+            </a:r>
+          </a:p>
+        </p:txBody>
+      </p:sp>
+      <p:sp>
+        <p:nvSpPr>
+          <p:cNvPr id="26" name="Textfeld 25">
+            <a:extLst>
+              <a:ext uri="{FF2B5EF4-FFF2-40B4-BE49-F238E27FC236}">
+                <a16:creationId xmlns:a16="http://schemas.microsoft.com/office/drawing/2014/main" id="{6AAA60EC-EEC3-44E4-86B1-664806029777}"/>
+              </a:ext>
+            </a:extLst>
+          </p:cNvPr>
+          <p:cNvSpPr txBox="1"/>
+          <p:nvPr/>
+        </p:nvSpPr>
+        <p:spPr>
+          <a:xfrm>
+            <a:off x="683439" y="4342497"/>
+            <a:ext cx="6823409" cy="1261884"/>
+          </a:xfrm>
+          <a:prstGeom prst="rect">
+            <a:avLst/>
+          </a:prstGeom>
+          <a:noFill/>
+        </p:spPr>
+        <p:txBody>
+          <a:bodyPr wrap="square" rtlCol="0">
+            <a:spAutoFit/>
+          </a:bodyPr>
+          <a:lstStyle/>
+          <a:p>
+            <a:r>
+              <a:rPr lang="de-DE" sz="2000" dirty="0">
+                <a:solidFill>
+                  <a:schemeClr val="tx1">
+                    <a:lumMod val="95000"/>
+                    <a:lumOff val="5000"/>
+                  </a:schemeClr>
+                </a:solidFill>
+                <a:latin typeface="Meta Std Medium" panose="020B0604030101020102" pitchFamily="34" charset="0"/>
+              </a:rPr>
+              <a:t>Umsetzung</a:t>
+            </a:r>
+          </a:p>
+          <a:p>
+            <a:pPr marL="285750" indent="-285750">
+              <a:buFont typeface="Arial" panose="020B0604020202020204" pitchFamily="34" charset="0"/>
+              <a:buChar char="•"/>
+            </a:pPr>
+            <a:r>
+              <a:rPr lang="de-DE" sz="1400" dirty="0">
+                <a:solidFill>
+                  <a:schemeClr val="tx1">
+                    <a:lumMod val="95000"/>
+                    <a:lumOff val="5000"/>
+                  </a:schemeClr>
+                </a:solidFill>
+                <a:latin typeface="MetaPro-Normal" panose="02000503040000020004" pitchFamily="2" charset="0"/>
+              </a:rPr>
+              <a:t>Versionsverwaltung mit Git auf GitHub.com</a:t>
+            </a:r>
+          </a:p>
+          <a:p>
+            <a:pPr marL="285750" indent="-285750">
+              <a:buFont typeface="Arial" panose="020B0604020202020204" pitchFamily="34" charset="0"/>
+              <a:buChar char="•"/>
+            </a:pPr>
+            <a:r>
+              <a:rPr lang="de-DE" sz="1400" dirty="0">
+                <a:solidFill>
+                  <a:schemeClr val="tx1">
+                    <a:lumMod val="95000"/>
+                    <a:lumOff val="5000"/>
+                  </a:schemeClr>
+                </a:solidFill>
+                <a:latin typeface="MetaPro-Normal" panose="02000503040000020004" pitchFamily="2" charset="0"/>
+              </a:rPr>
+              <a:t>Verwendung der Projektmethode „Kanban“</a:t>
+            </a:r>
+          </a:p>
+          <a:p>
+            <a:pPr marL="285750" indent="-285750">
+              <a:buFont typeface="Arial" panose="020B0604020202020204" pitchFamily="34" charset="0"/>
+              <a:buChar char="•"/>
+            </a:pPr>
+            <a:r>
+              <a:rPr lang="de-DE" sz="1400" dirty="0">
+                <a:solidFill>
+                  <a:schemeClr val="tx1">
+                    <a:lumMod val="95000"/>
+                    <a:lumOff val="5000"/>
+                  </a:schemeClr>
+                </a:solidFill>
+                <a:latin typeface="MetaPro-Normal" panose="02000503040000020004" pitchFamily="2" charset="0"/>
+              </a:rPr>
+              <a:t>Dokumentierung des Fortschritts durch Issues auf Project-Board</a:t>
+            </a:r>
+          </a:p>
+          <a:p>
+            <a:pPr marL="285750" indent="-285750">
+              <a:buFont typeface="Arial" panose="020B0604020202020204" pitchFamily="34" charset="0"/>
+              <a:buChar char="•"/>
+            </a:pPr>
+            <a:r>
+              <a:rPr lang="de-DE" sz="1400" dirty="0">
+                <a:solidFill>
+                  <a:schemeClr val="tx1">
+                    <a:lumMod val="95000"/>
+                    <a:lumOff val="5000"/>
+                  </a:schemeClr>
+                </a:solidFill>
+                <a:latin typeface="MetaPro-Normal" panose="02000503040000020004" pitchFamily="2" charset="0"/>
+              </a:rPr>
+              <a:t>IPA-Bericht mit Test- und Sicherheitskonzept</a:t>
+            </a:r>
+          </a:p>
+        </p:txBody>
+      </p:sp>
+      <p:pic>
+        <p:nvPicPr>
+          <p:cNvPr id="3" name="Grafik 2" descr="Ein Bild, das Text, Karte enthält.&#10;&#10;Automatisch generierte Beschreibung">
+            <a:extLst>
+              <a:ext uri="{FF2B5EF4-FFF2-40B4-BE49-F238E27FC236}">
+                <a16:creationId xmlns:a16="http://schemas.microsoft.com/office/drawing/2014/main" id="{D55A57AD-DEC1-4E26-9142-2AEC3CF8136D}"/>
+              </a:ext>
+            </a:extLst>
+          </p:cNvPr>
+          <p:cNvPicPr>
+            <a:picLocks noChangeAspect="1"/>
+          </p:cNvPicPr>
+          <p:nvPr/>
+        </p:nvPicPr>
+        <p:blipFill>
+          <a:blip r:embed="rId4">
+            <a:extLst>
+              <a:ext uri="{28A0092B-C50C-407E-A947-70E740481C1C}">
+                <a14:useLocalDpi xmlns:a14="http://schemas.microsoft.com/office/drawing/2010/main" val="0"/>
+              </a:ext>
+            </a:extLst>
+          </a:blip>
+          <a:stretch>
+            <a:fillRect/>
+          </a:stretch>
+        </p:blipFill>
+        <p:spPr>
+          <a:xfrm>
+            <a:off x="6232075" y="465815"/>
+            <a:ext cx="5430536" cy="5394787"/>
+          </a:xfrm>
+          <a:prstGeom prst="rect">
+            <a:avLst/>
+          </a:prstGeom>
+        </p:spPr>
+      </p:pic>
+    </p:spTree>
+    <p:extLst>
+      <p:ext uri="{BB962C8B-B14F-4D97-AF65-F5344CB8AC3E}">
+        <p14:creationId xmlns:p14="http://schemas.microsoft.com/office/powerpoint/2010/main" val="665582637"/>
+      </p:ext>
+    </p:extLst>
+  </p:cSld>
+  <p:clrMapOvr>
+    <a:masterClrMapping/>
+  </p:clrMapOvr>
+  <mc:AlternateContent xmlns:mc="http://schemas.openxmlformats.org/markup-compatibility/2006">
+    <mc:Choice xmlns:p159="http://schemas.microsoft.com/office/powerpoint/2015/09/main" Requires="p159">
+      <p:transition>
+        <p159:morph option="byObject"/>
+      </p:transition>
+    </mc:Choice>
+    <mc:Fallback>
+      <p:transition>
+        <p:fade/>
+      </p:transition>
+    </mc:Fallback>
+  </mc:AlternateContent>
+</p:sld>
+</file>
+
+<file path=ppt/slides/slide13.xml><?xml version="1.0" encoding="utf-8"?>
+<p:sld xmlns:a="http://schemas.openxmlformats.org/drawingml/2006/main" xmlns:r="http://schemas.openxmlformats.org/officeDocument/2006/relationships" xmlns:p="http://schemas.openxmlformats.org/presentationml/2006/main">
+  <p:cSld>
+    <p:spTree>
+      <p:nvGrpSpPr>
+        <p:cNvPr id="1" name=""/>
+        <p:cNvGrpSpPr/>
+        <p:nvPr/>
+      </p:nvGrpSpPr>
+      <p:grpSpPr>
+        <a:xfrm>
+          <a:off x="0" y="0"/>
+          <a:ext cx="0" cy="0"/>
+          <a:chOff x="0" y="0"/>
+          <a:chExt cx="0" cy="0"/>
+        </a:xfrm>
+      </p:grpSpPr>
+      <p:sp>
+        <p:nvSpPr>
+          <p:cNvPr id="17" name="Textfeld 16">
+            <a:extLst>
+              <a:ext uri="{FF2B5EF4-FFF2-40B4-BE49-F238E27FC236}">
+                <a16:creationId xmlns:a16="http://schemas.microsoft.com/office/drawing/2014/main" id="{3DF457D7-637C-45F1-B2B4-C8D74F7EB967}"/>
+              </a:ext>
+            </a:extLst>
+          </p:cNvPr>
+          <p:cNvSpPr txBox="1"/>
+          <p:nvPr/>
+        </p:nvSpPr>
+        <p:spPr>
+          <a:xfrm>
+            <a:off x="529389" y="465815"/>
+            <a:ext cx="5566612" cy="707886"/>
+          </a:xfrm>
+          <a:prstGeom prst="rect">
+            <a:avLst/>
+          </a:prstGeom>
+          <a:noFill/>
+        </p:spPr>
+        <p:txBody>
+          <a:bodyPr wrap="square" rtlCol="0">
+            <a:spAutoFit/>
+          </a:bodyPr>
+          <a:lstStyle/>
+          <a:p>
+            <a:r>
+              <a:rPr lang="de-DE" sz="4000" kern="1400" spc="-50" dirty="0">
+                <a:solidFill>
+                  <a:srgbClr val="003399"/>
+                </a:solidFill>
+                <a:latin typeface="Meta Std Normal" panose="020B0504030101020102" pitchFamily="34" charset="0"/>
+                <a:cs typeface="Times New Roman" panose="02020603050405020304" pitchFamily="18" charset="0"/>
+              </a:rPr>
+              <a:t>Umsetzung</a:t>
+            </a:r>
+            <a:endParaRPr lang="de-CH" sz="4000" dirty="0">
+              <a:solidFill>
+                <a:srgbClr val="003399"/>
+              </a:solidFill>
+              <a:latin typeface="Meta Std Normal" panose="020B0504030101020102" pitchFamily="34" charset="0"/>
+            </a:endParaRPr>
+          </a:p>
+        </p:txBody>
+      </p:sp>
+      <p:pic>
+        <p:nvPicPr>
+          <p:cNvPr id="8" name="Grafik 7">
+            <a:extLst>
+              <a:ext uri="{FF2B5EF4-FFF2-40B4-BE49-F238E27FC236}">
+                <a16:creationId xmlns:a16="http://schemas.microsoft.com/office/drawing/2014/main" id="{ADCD8697-1FCF-47EA-81CF-51DDEAABDF03}"/>
+              </a:ext>
+            </a:extLst>
+          </p:cNvPr>
+          <p:cNvPicPr/>
+          <p:nvPr/>
+        </p:nvPicPr>
+        <p:blipFill rotWithShape="1">
+          <a:blip r:embed="rId2">
+            <a:extLst>
+              <a:ext uri="{28A0092B-C50C-407E-A947-70E740481C1C}">
+                <a14:useLocalDpi xmlns:a14="http://schemas.microsoft.com/office/drawing/2010/main" val="0"/>
+              </a:ext>
+            </a:extLst>
+          </a:blip>
+          <a:srcRect l="3810" r="4580" b="40683"/>
+          <a:stretch/>
+        </p:blipFill>
+        <p:spPr bwMode="auto">
+          <a:xfrm>
+            <a:off x="0" y="6711949"/>
+            <a:ext cx="12192000" cy="146051"/>
+          </a:xfrm>
+          <a:prstGeom prst="rect">
+            <a:avLst/>
+          </a:prstGeom>
+          <a:noFill/>
+          <a:ln>
+            <a:noFill/>
+          </a:ln>
+        </p:spPr>
+      </p:pic>
+      <p:pic>
+        <p:nvPicPr>
+          <p:cNvPr id="12" name="Grafik 11">
+            <a:extLst>
+              <a:ext uri="{FF2B5EF4-FFF2-40B4-BE49-F238E27FC236}">
+                <a16:creationId xmlns:a16="http://schemas.microsoft.com/office/drawing/2014/main" id="{4277F3D5-167F-4BA2-BDEE-7FBC2BEF527D}"/>
+              </a:ext>
+            </a:extLst>
+          </p:cNvPr>
+          <p:cNvPicPr>
+            <a:picLocks noChangeAspect="1"/>
+          </p:cNvPicPr>
+          <p:nvPr/>
+        </p:nvPicPr>
+        <p:blipFill>
+          <a:blip r:embed="rId3">
+            <a:extLst>
+              <a:ext uri="{28A0092B-C50C-407E-A947-70E740481C1C}">
+                <a14:useLocalDpi xmlns:a14="http://schemas.microsoft.com/office/drawing/2010/main" val="0"/>
+              </a:ext>
+            </a:extLst>
+          </a:blip>
+          <a:stretch>
+            <a:fillRect/>
+          </a:stretch>
+        </p:blipFill>
+        <p:spPr>
+          <a:xfrm>
+            <a:off x="9926611" y="5968478"/>
+            <a:ext cx="1912571" cy="503308"/>
+          </a:xfrm>
+          <a:prstGeom prst="rect">
+            <a:avLst/>
+          </a:prstGeom>
+        </p:spPr>
+      </p:pic>
+      <p:sp>
+        <p:nvSpPr>
+          <p:cNvPr id="4" name="Textfeld 3">
+            <a:extLst>
+              <a:ext uri="{FF2B5EF4-FFF2-40B4-BE49-F238E27FC236}">
+                <a16:creationId xmlns:a16="http://schemas.microsoft.com/office/drawing/2014/main" id="{59576528-BDCE-4B4B-AAAC-96DA04EE5EA0}"/>
+              </a:ext>
+            </a:extLst>
+          </p:cNvPr>
+          <p:cNvSpPr txBox="1"/>
+          <p:nvPr/>
+        </p:nvSpPr>
+        <p:spPr>
+          <a:xfrm>
+            <a:off x="838200" y="130609"/>
+            <a:ext cx="2074069" cy="261610"/>
+          </a:xfrm>
+          <a:prstGeom prst="rect">
+            <a:avLst/>
+          </a:prstGeom>
+          <a:noFill/>
+        </p:spPr>
+        <p:txBody>
+          <a:bodyPr wrap="square" rtlCol="0">
+            <a:spAutoFit/>
+          </a:bodyPr>
+          <a:lstStyle/>
+          <a:p>
+            <a:pPr algn="ctr"/>
+            <a:r>
+              <a:rPr lang="de-DE" sz="1100" dirty="0">
+                <a:solidFill>
+                  <a:schemeClr val="tx1">
+                    <a:lumMod val="50000"/>
+                    <a:lumOff val="50000"/>
+                  </a:schemeClr>
+                </a:solidFill>
+                <a:latin typeface="Meta Std Normal" panose="020B0504030101020102" pitchFamily="34" charset="0"/>
+              </a:rPr>
+              <a:t>Ursprung &amp; Umgebung</a:t>
+            </a:r>
+          </a:p>
+        </p:txBody>
+      </p:sp>
+      <p:sp>
+        <p:nvSpPr>
+          <p:cNvPr id="15" name="Textfeld 14">
+            <a:extLst>
+              <a:ext uri="{FF2B5EF4-FFF2-40B4-BE49-F238E27FC236}">
+                <a16:creationId xmlns:a16="http://schemas.microsoft.com/office/drawing/2014/main" id="{A78CFF66-02E0-4579-9AB3-1C2714806374}"/>
+              </a:ext>
+            </a:extLst>
+          </p:cNvPr>
+          <p:cNvSpPr txBox="1"/>
+          <p:nvPr/>
+        </p:nvSpPr>
+        <p:spPr>
+          <a:xfrm>
+            <a:off x="3581400" y="130609"/>
+            <a:ext cx="2074069" cy="261610"/>
+          </a:xfrm>
+          <a:prstGeom prst="rect">
+            <a:avLst/>
+          </a:prstGeom>
+          <a:noFill/>
+        </p:spPr>
+        <p:txBody>
+          <a:bodyPr wrap="square" rtlCol="0">
+            <a:spAutoFit/>
+          </a:bodyPr>
+          <a:lstStyle/>
+          <a:p>
+            <a:pPr algn="ctr"/>
+            <a:r>
+              <a:rPr lang="de-DE" sz="1100" dirty="0">
+                <a:solidFill>
+                  <a:srgbClr val="009EE6"/>
+                </a:solidFill>
+                <a:latin typeface="Meta Std Normal" panose="020B0504030101020102" pitchFamily="34" charset="0"/>
+              </a:rPr>
+              <a:t>Realisierung</a:t>
+            </a:r>
+          </a:p>
+        </p:txBody>
+      </p:sp>
+      <p:sp>
+        <p:nvSpPr>
+          <p:cNvPr id="21" name="Textfeld 20">
+            <a:extLst>
+              <a:ext uri="{FF2B5EF4-FFF2-40B4-BE49-F238E27FC236}">
+                <a16:creationId xmlns:a16="http://schemas.microsoft.com/office/drawing/2014/main" id="{7CD28F71-6880-44F4-9EC4-6F1897DFE100}"/>
+              </a:ext>
+            </a:extLst>
+          </p:cNvPr>
+          <p:cNvSpPr txBox="1"/>
+          <p:nvPr/>
+        </p:nvSpPr>
+        <p:spPr>
+          <a:xfrm>
+            <a:off x="6430565" y="130609"/>
+            <a:ext cx="2074069" cy="261610"/>
+          </a:xfrm>
+          <a:prstGeom prst="rect">
+            <a:avLst/>
+          </a:prstGeom>
+          <a:noFill/>
+        </p:spPr>
+        <p:txBody>
+          <a:bodyPr wrap="square" rtlCol="0">
+            <a:spAutoFit/>
+          </a:bodyPr>
+          <a:lstStyle/>
+          <a:p>
+            <a:pPr algn="ctr"/>
+            <a:r>
+              <a:rPr lang="de-DE" sz="1100" dirty="0">
+                <a:solidFill>
+                  <a:schemeClr val="tx1">
+                    <a:lumMod val="50000"/>
+                    <a:lumOff val="50000"/>
+                  </a:schemeClr>
+                </a:solidFill>
+                <a:latin typeface="Meta Std Normal" panose="020B0504030101020102" pitchFamily="34" charset="0"/>
+              </a:rPr>
+              <a:t>Resultat</a:t>
+            </a:r>
+          </a:p>
+        </p:txBody>
+      </p:sp>
+      <p:sp>
+        <p:nvSpPr>
+          <p:cNvPr id="23" name="Textfeld 22">
+            <a:extLst>
+              <a:ext uri="{FF2B5EF4-FFF2-40B4-BE49-F238E27FC236}">
+                <a16:creationId xmlns:a16="http://schemas.microsoft.com/office/drawing/2014/main" id="{50BA6159-800C-409E-9350-B7DBA9E76E62}"/>
+              </a:ext>
+            </a:extLst>
+          </p:cNvPr>
+          <p:cNvSpPr txBox="1"/>
+          <p:nvPr/>
+        </p:nvSpPr>
+        <p:spPr>
+          <a:xfrm>
+            <a:off x="9279731" y="130609"/>
+            <a:ext cx="2074069" cy="261610"/>
+          </a:xfrm>
+          <a:prstGeom prst="rect">
+            <a:avLst/>
+          </a:prstGeom>
+          <a:noFill/>
+        </p:spPr>
+        <p:txBody>
+          <a:bodyPr wrap="square" rtlCol="0">
+            <a:spAutoFit/>
+          </a:bodyPr>
+          <a:lstStyle/>
+          <a:p>
+            <a:pPr algn="ctr"/>
+            <a:r>
+              <a:rPr lang="de-DE" sz="1100" dirty="0">
+                <a:solidFill>
+                  <a:schemeClr val="tx1">
+                    <a:lumMod val="50000"/>
+                    <a:lumOff val="50000"/>
+                  </a:schemeClr>
+                </a:solidFill>
+                <a:latin typeface="Meta Std Normal" panose="020B0504030101020102" pitchFamily="34" charset="0"/>
+              </a:rPr>
+              <a:t>Evaluierung</a:t>
+            </a:r>
+          </a:p>
+        </p:txBody>
+      </p:sp>
+      <p:sp>
+        <p:nvSpPr>
+          <p:cNvPr id="13" name="Textfeld 12">
+            <a:extLst>
+              <a:ext uri="{FF2B5EF4-FFF2-40B4-BE49-F238E27FC236}">
+                <a16:creationId xmlns:a16="http://schemas.microsoft.com/office/drawing/2014/main" id="{499B4BFF-8515-4BDE-96CE-5EEB46E90DE5}"/>
+              </a:ext>
+            </a:extLst>
+          </p:cNvPr>
+          <p:cNvSpPr txBox="1"/>
+          <p:nvPr/>
+        </p:nvSpPr>
+        <p:spPr>
+          <a:xfrm>
+            <a:off x="529388" y="1161233"/>
+            <a:ext cx="5566612" cy="338554"/>
+          </a:xfrm>
+          <a:prstGeom prst="rect">
+            <a:avLst/>
+          </a:prstGeom>
+          <a:noFill/>
+        </p:spPr>
+        <p:txBody>
+          <a:bodyPr wrap="square" rtlCol="0">
+            <a:spAutoFit/>
+          </a:bodyPr>
+          <a:lstStyle/>
+          <a:p>
+            <a:r>
+              <a:rPr lang="de-DE" sz="1600" dirty="0">
+                <a:solidFill>
+                  <a:srgbClr val="009EE6"/>
+                </a:solidFill>
+                <a:latin typeface="Meta Std Normal" panose="020B0504030101020102" pitchFamily="34" charset="0"/>
+              </a:rPr>
+              <a:t>Abhängigkeiten, Werkzeuge und Hilfsmittel</a:t>
+            </a:r>
+            <a:endParaRPr lang="de-CH" sz="1600" dirty="0">
+              <a:solidFill>
+                <a:srgbClr val="009EE6"/>
+              </a:solidFill>
+              <a:latin typeface="Meta Std Normal" panose="020B0504030101020102" pitchFamily="34" charset="0"/>
+            </a:endParaRPr>
+          </a:p>
+        </p:txBody>
+      </p:sp>
+      <p:pic>
+        <p:nvPicPr>
+          <p:cNvPr id="11" name="Grafik 10">
+            <a:extLst>
+              <a:ext uri="{FF2B5EF4-FFF2-40B4-BE49-F238E27FC236}">
+                <a16:creationId xmlns:a16="http://schemas.microsoft.com/office/drawing/2014/main" id="{6024EE0D-50B1-4237-8313-BEB5C2622DB7}"/>
+              </a:ext>
+            </a:extLst>
+          </p:cNvPr>
+          <p:cNvPicPr>
+            <a:picLocks noChangeAspect="1"/>
+          </p:cNvPicPr>
+          <p:nvPr/>
+        </p:nvPicPr>
+        <p:blipFill>
+          <a:blip r:embed="rId4">
+            <a:extLst>
+              <a:ext uri="{28A0092B-C50C-407E-A947-70E740481C1C}">
+                <a14:useLocalDpi xmlns:a14="http://schemas.microsoft.com/office/drawing/2010/main" val="0"/>
+              </a:ext>
+            </a:extLst>
+          </a:blip>
+          <a:stretch>
+            <a:fillRect/>
+          </a:stretch>
+        </p:blipFill>
+        <p:spPr>
+          <a:xfrm>
+            <a:off x="7336142" y="1264025"/>
+            <a:ext cx="914248" cy="799967"/>
+          </a:xfrm>
+          <a:prstGeom prst="rect">
+            <a:avLst/>
+          </a:prstGeom>
+        </p:spPr>
+      </p:pic>
+      <p:pic>
+        <p:nvPicPr>
+          <p:cNvPr id="18" name="Grafik 17" descr="Ein Bild, das Objekt enthält.&#10;&#10;Automatisch generierte Beschreibung">
+            <a:extLst>
+              <a:ext uri="{FF2B5EF4-FFF2-40B4-BE49-F238E27FC236}">
+                <a16:creationId xmlns:a16="http://schemas.microsoft.com/office/drawing/2014/main" id="{2ECECCFA-A77A-4DA1-80F2-67E1BA092706}"/>
+              </a:ext>
+            </a:extLst>
+          </p:cNvPr>
+          <p:cNvPicPr>
+            <a:picLocks noChangeAspect="1"/>
+          </p:cNvPicPr>
+          <p:nvPr/>
+        </p:nvPicPr>
+        <p:blipFill rotWithShape="1">
+          <a:blip r:embed="rId5">
+            <a:extLst>
+              <a:ext uri="{28A0092B-C50C-407E-A947-70E740481C1C}">
+                <a14:useLocalDpi xmlns:a14="http://schemas.microsoft.com/office/drawing/2010/main" val="0"/>
+              </a:ext>
+            </a:extLst>
+          </a:blip>
+          <a:srcRect r="68250"/>
+          <a:stretch/>
+        </p:blipFill>
+        <p:spPr>
+          <a:xfrm>
+            <a:off x="9589061" y="3026385"/>
+            <a:ext cx="1280485" cy="1436765"/>
+          </a:xfrm>
+          <a:prstGeom prst="rect">
+            <a:avLst/>
+          </a:prstGeom>
+        </p:spPr>
+      </p:pic>
+      <p:pic>
+        <p:nvPicPr>
+          <p:cNvPr id="24" name="Grafik 23">
+            <a:extLst>
+              <a:ext uri="{FF2B5EF4-FFF2-40B4-BE49-F238E27FC236}">
+                <a16:creationId xmlns:a16="http://schemas.microsoft.com/office/drawing/2014/main" id="{8DEE45F3-D85C-4018-AC29-2BBF50F80F1A}"/>
+              </a:ext>
+            </a:extLst>
+          </p:cNvPr>
+          <p:cNvPicPr>
+            <a:picLocks noChangeAspect="1"/>
+          </p:cNvPicPr>
+          <p:nvPr/>
+        </p:nvPicPr>
+        <p:blipFill>
+          <a:blip r:embed="rId6">
+            <a:extLst>
+              <a:ext uri="{28A0092B-C50C-407E-A947-70E740481C1C}">
+                <a14:useLocalDpi xmlns:a14="http://schemas.microsoft.com/office/drawing/2010/main" val="0"/>
+              </a:ext>
+            </a:extLst>
+          </a:blip>
+          <a:stretch>
+            <a:fillRect/>
+          </a:stretch>
+        </p:blipFill>
+        <p:spPr>
+          <a:xfrm>
+            <a:off x="5050142" y="2708978"/>
+            <a:ext cx="2286000" cy="1285875"/>
+          </a:xfrm>
+          <a:prstGeom prst="rect">
+            <a:avLst/>
+          </a:prstGeom>
+        </p:spPr>
+      </p:pic>
+      <p:pic>
+        <p:nvPicPr>
+          <p:cNvPr id="28" name="Grafik 27">
+            <a:extLst>
+              <a:ext uri="{FF2B5EF4-FFF2-40B4-BE49-F238E27FC236}">
+                <a16:creationId xmlns:a16="http://schemas.microsoft.com/office/drawing/2014/main" id="{167ABF93-1942-41FC-A1F2-E8996F91378E}"/>
+              </a:ext>
+            </a:extLst>
+          </p:cNvPr>
+          <p:cNvPicPr>
+            <a:picLocks noChangeAspect="1"/>
+          </p:cNvPicPr>
+          <p:nvPr/>
+        </p:nvPicPr>
+        <p:blipFill>
+          <a:blip r:embed="rId7">
+            <a:extLst>
+              <a:ext uri="{28A0092B-C50C-407E-A947-70E740481C1C}">
+                <a14:useLocalDpi xmlns:a14="http://schemas.microsoft.com/office/drawing/2010/main" val="0"/>
+              </a:ext>
+            </a:extLst>
+          </a:blip>
+          <a:stretch>
+            <a:fillRect/>
+          </a:stretch>
+        </p:blipFill>
+        <p:spPr>
+          <a:xfrm>
+            <a:off x="6693489" y="4652752"/>
+            <a:ext cx="1776976" cy="628731"/>
+          </a:xfrm>
+          <a:prstGeom prst="rect">
+            <a:avLst/>
+          </a:prstGeom>
+        </p:spPr>
+      </p:pic>
+      <p:sp>
+        <p:nvSpPr>
+          <p:cNvPr id="29" name="Textfeld 28">
+            <a:extLst>
+              <a:ext uri="{FF2B5EF4-FFF2-40B4-BE49-F238E27FC236}">
+                <a16:creationId xmlns:a16="http://schemas.microsoft.com/office/drawing/2014/main" id="{160CDBE4-A803-49BD-AEC1-AC291FA00A60}"/>
+              </a:ext>
+            </a:extLst>
+          </p:cNvPr>
+          <p:cNvSpPr txBox="1"/>
+          <p:nvPr/>
+        </p:nvSpPr>
+        <p:spPr>
+          <a:xfrm>
+            <a:off x="2475596" y="4681791"/>
+            <a:ext cx="1105565" cy="369332"/>
+          </a:xfrm>
+          <a:prstGeom prst="rect">
+            <a:avLst/>
+          </a:prstGeom>
+          <a:noFill/>
+        </p:spPr>
+        <p:txBody>
+          <a:bodyPr wrap="square" rtlCol="0">
+            <a:spAutoFit/>
+          </a:bodyPr>
+          <a:lstStyle/>
+          <a:p>
+            <a:pPr algn="ctr"/>
+            <a:r>
+              <a:rPr lang="de-DE" dirty="0">
+                <a:solidFill>
+                  <a:schemeClr val="tx1">
+                    <a:lumMod val="95000"/>
+                    <a:lumOff val="5000"/>
+                  </a:schemeClr>
+                </a:solidFill>
+                <a:latin typeface="Meta Std Medium" panose="020B0604030101020102" pitchFamily="34" charset="0"/>
+              </a:rPr>
+              <a:t>Vue.js</a:t>
+            </a:r>
+            <a:endParaRPr lang="de-CH" dirty="0"/>
+          </a:p>
+        </p:txBody>
+      </p:sp>
+      <p:sp>
+        <p:nvSpPr>
+          <p:cNvPr id="30" name="Textfeld 29">
+            <a:extLst>
+              <a:ext uri="{FF2B5EF4-FFF2-40B4-BE49-F238E27FC236}">
+                <a16:creationId xmlns:a16="http://schemas.microsoft.com/office/drawing/2014/main" id="{5A40D6D2-9587-4460-A348-81195AA91BE1}"/>
+              </a:ext>
+            </a:extLst>
+          </p:cNvPr>
+          <p:cNvSpPr txBox="1"/>
+          <p:nvPr/>
+        </p:nvSpPr>
+        <p:spPr>
+          <a:xfrm>
+            <a:off x="7240484" y="2063992"/>
+            <a:ext cx="1105565" cy="369332"/>
+          </a:xfrm>
+          <a:prstGeom prst="rect">
+            <a:avLst/>
+          </a:prstGeom>
+          <a:noFill/>
+        </p:spPr>
+        <p:txBody>
+          <a:bodyPr wrap="square" rtlCol="0">
+            <a:spAutoFit/>
+          </a:bodyPr>
+          <a:lstStyle/>
+          <a:p>
+            <a:pPr algn="ctr"/>
+            <a:r>
+              <a:rPr lang="de-DE" dirty="0">
+                <a:solidFill>
+                  <a:schemeClr val="tx1">
+                    <a:lumMod val="95000"/>
+                    <a:lumOff val="5000"/>
+                  </a:schemeClr>
+                </a:solidFill>
+                <a:latin typeface="Meta Std Medium" panose="020B0604030101020102" pitchFamily="34" charset="0"/>
+              </a:rPr>
+              <a:t>i18n</a:t>
+            </a:r>
+            <a:endParaRPr lang="de-CH" dirty="0"/>
+          </a:p>
+        </p:txBody>
+      </p:sp>
+      <p:sp>
+        <p:nvSpPr>
+          <p:cNvPr id="31" name="Textfeld 30">
+            <a:extLst>
+              <a:ext uri="{FF2B5EF4-FFF2-40B4-BE49-F238E27FC236}">
+                <a16:creationId xmlns:a16="http://schemas.microsoft.com/office/drawing/2014/main" id="{AD2162CD-A686-4A8D-914C-A41344C75B75}"/>
+              </a:ext>
+            </a:extLst>
+          </p:cNvPr>
+          <p:cNvSpPr txBox="1"/>
+          <p:nvPr/>
+        </p:nvSpPr>
+        <p:spPr>
+          <a:xfrm>
+            <a:off x="9676520" y="2657053"/>
+            <a:ext cx="1105565" cy="369332"/>
+          </a:xfrm>
+          <a:prstGeom prst="rect">
+            <a:avLst/>
+          </a:prstGeom>
+          <a:noFill/>
+        </p:spPr>
+        <p:txBody>
+          <a:bodyPr wrap="square" rtlCol="0">
+            <a:spAutoFit/>
+          </a:bodyPr>
+          <a:lstStyle/>
+          <a:p>
+            <a:pPr algn="ctr"/>
+            <a:r>
+              <a:rPr lang="de-DE" dirty="0">
+                <a:solidFill>
+                  <a:schemeClr val="tx1">
+                    <a:lumMod val="95000"/>
+                    <a:lumOff val="5000"/>
+                  </a:schemeClr>
+                </a:solidFill>
+                <a:latin typeface="Meta Std Medium" panose="020B0604030101020102" pitchFamily="34" charset="0"/>
+              </a:rPr>
+              <a:t>Vuetify</a:t>
+            </a:r>
+            <a:endParaRPr lang="de-CH" dirty="0"/>
+          </a:p>
+        </p:txBody>
+      </p:sp>
+      <p:sp>
+        <p:nvSpPr>
+          <p:cNvPr id="32" name="Textfeld 31">
+            <a:extLst>
+              <a:ext uri="{FF2B5EF4-FFF2-40B4-BE49-F238E27FC236}">
+                <a16:creationId xmlns:a16="http://schemas.microsoft.com/office/drawing/2014/main" id="{C0F9A1F1-07A3-4EEF-A8B9-5A28A51FAC93}"/>
+              </a:ext>
+            </a:extLst>
+          </p:cNvPr>
+          <p:cNvSpPr txBox="1"/>
+          <p:nvPr/>
+        </p:nvSpPr>
+        <p:spPr>
+          <a:xfrm>
+            <a:off x="2759911" y="1746370"/>
+            <a:ext cx="1105565" cy="276999"/>
+          </a:xfrm>
+          <a:prstGeom prst="rect">
+            <a:avLst/>
+          </a:prstGeom>
+          <a:noFill/>
+        </p:spPr>
+        <p:txBody>
+          <a:bodyPr wrap="square" rtlCol="0">
+            <a:spAutoFit/>
+          </a:bodyPr>
+          <a:lstStyle/>
+          <a:p>
+            <a:pPr algn="ctr"/>
+            <a:r>
+              <a:rPr lang="de-DE" sz="1200" dirty="0">
+                <a:solidFill>
+                  <a:schemeClr val="tx1">
+                    <a:lumMod val="75000"/>
+                    <a:lumOff val="25000"/>
+                  </a:schemeClr>
+                </a:solidFill>
+                <a:latin typeface="Meta Std Medium" panose="020B0604030101020102" pitchFamily="34" charset="0"/>
+              </a:rPr>
+              <a:t>Vue-router</a:t>
+            </a:r>
+            <a:endParaRPr lang="de-CH" sz="1200" dirty="0">
+              <a:solidFill>
+                <a:schemeClr val="tx1">
+                  <a:lumMod val="75000"/>
+                  <a:lumOff val="25000"/>
+                </a:schemeClr>
+              </a:solidFill>
+            </a:endParaRPr>
+          </a:p>
+        </p:txBody>
+      </p:sp>
+      <p:sp>
+        <p:nvSpPr>
+          <p:cNvPr id="33" name="Textfeld 32">
+            <a:extLst>
+              <a:ext uri="{FF2B5EF4-FFF2-40B4-BE49-F238E27FC236}">
+                <a16:creationId xmlns:a16="http://schemas.microsoft.com/office/drawing/2014/main" id="{4981FD28-A6C3-4046-936E-239E7C1651C1}"/>
+              </a:ext>
+            </a:extLst>
+          </p:cNvPr>
+          <p:cNvSpPr txBox="1"/>
+          <p:nvPr/>
+        </p:nvSpPr>
+        <p:spPr>
+          <a:xfrm>
+            <a:off x="4990435" y="2063992"/>
+            <a:ext cx="1440130" cy="276999"/>
+          </a:xfrm>
+          <a:prstGeom prst="rect">
+            <a:avLst/>
+          </a:prstGeom>
+          <a:noFill/>
+        </p:spPr>
+        <p:txBody>
+          <a:bodyPr wrap="square" rtlCol="0">
+            <a:spAutoFit/>
+          </a:bodyPr>
+          <a:lstStyle/>
+          <a:p>
+            <a:pPr algn="ctr"/>
+            <a:r>
+              <a:rPr lang="de-DE" sz="1200" dirty="0">
+                <a:solidFill>
+                  <a:schemeClr val="tx1">
+                    <a:lumMod val="75000"/>
+                    <a:lumOff val="25000"/>
+                  </a:schemeClr>
+                </a:solidFill>
+                <a:latin typeface="Meta Std Medium" panose="020B0604030101020102" pitchFamily="34" charset="0"/>
+              </a:rPr>
+              <a:t>Vue-notification</a:t>
+            </a:r>
+            <a:endParaRPr lang="de-CH" sz="1200" dirty="0">
+              <a:solidFill>
+                <a:schemeClr val="tx1">
+                  <a:lumMod val="75000"/>
+                  <a:lumOff val="25000"/>
+                </a:schemeClr>
+              </a:solidFill>
+            </a:endParaRPr>
+          </a:p>
+        </p:txBody>
+      </p:sp>
+      <p:sp>
+        <p:nvSpPr>
+          <p:cNvPr id="34" name="Textfeld 33">
+            <a:extLst>
+              <a:ext uri="{FF2B5EF4-FFF2-40B4-BE49-F238E27FC236}">
+                <a16:creationId xmlns:a16="http://schemas.microsoft.com/office/drawing/2014/main" id="{B91A55AE-945A-44AB-B4D7-4F3C333AB981}"/>
+              </a:ext>
+            </a:extLst>
+          </p:cNvPr>
+          <p:cNvSpPr txBox="1"/>
+          <p:nvPr/>
+        </p:nvSpPr>
+        <p:spPr>
+          <a:xfrm>
+            <a:off x="4330077" y="4210775"/>
+            <a:ext cx="1440130" cy="276999"/>
+          </a:xfrm>
+          <a:prstGeom prst="rect">
+            <a:avLst/>
+          </a:prstGeom>
+          <a:noFill/>
+        </p:spPr>
+        <p:txBody>
+          <a:bodyPr wrap="square" rtlCol="0">
+            <a:spAutoFit/>
+          </a:bodyPr>
+          <a:lstStyle/>
+          <a:p>
+            <a:pPr algn="ctr"/>
+            <a:r>
+              <a:rPr lang="de-DE" sz="1200" dirty="0">
+                <a:solidFill>
+                  <a:schemeClr val="tx1">
+                    <a:lumMod val="75000"/>
+                    <a:lumOff val="25000"/>
+                  </a:schemeClr>
+                </a:solidFill>
+                <a:latin typeface="Meta Std Medium" panose="020B0604030101020102" pitchFamily="34" charset="0"/>
+              </a:rPr>
+              <a:t>Vuex</a:t>
+            </a:r>
+            <a:endParaRPr lang="de-CH" sz="1200" dirty="0">
+              <a:solidFill>
+                <a:schemeClr val="tx1">
+                  <a:lumMod val="75000"/>
+                  <a:lumOff val="25000"/>
+                </a:schemeClr>
+              </a:solidFill>
+            </a:endParaRPr>
+          </a:p>
+        </p:txBody>
+      </p:sp>
+      <p:sp>
+        <p:nvSpPr>
+          <p:cNvPr id="35" name="Textfeld 34">
+            <a:extLst>
+              <a:ext uri="{FF2B5EF4-FFF2-40B4-BE49-F238E27FC236}">
+                <a16:creationId xmlns:a16="http://schemas.microsoft.com/office/drawing/2014/main" id="{D5684798-AC03-4E17-BBFF-87D48E6AB4D9}"/>
+              </a:ext>
+            </a:extLst>
+          </p:cNvPr>
+          <p:cNvSpPr txBox="1"/>
+          <p:nvPr/>
+        </p:nvSpPr>
+        <p:spPr>
+          <a:xfrm>
+            <a:off x="3764885" y="5031970"/>
+            <a:ext cx="1440130" cy="276999"/>
+          </a:xfrm>
+          <a:prstGeom prst="rect">
+            <a:avLst/>
+          </a:prstGeom>
+          <a:noFill/>
+        </p:spPr>
+        <p:txBody>
+          <a:bodyPr wrap="square" rtlCol="0">
+            <a:spAutoFit/>
+          </a:bodyPr>
+          <a:lstStyle/>
+          <a:p>
+            <a:pPr algn="ctr"/>
+            <a:r>
+              <a:rPr lang="de-DE" sz="1200" dirty="0">
+                <a:solidFill>
+                  <a:schemeClr val="tx1">
+                    <a:lumMod val="75000"/>
+                    <a:lumOff val="25000"/>
+                  </a:schemeClr>
+                </a:solidFill>
+                <a:latin typeface="Meta Std Medium" panose="020B0604030101020102" pitchFamily="34" charset="0"/>
+              </a:rPr>
+              <a:t>Axios</a:t>
+            </a:r>
+            <a:endParaRPr lang="de-CH" sz="1200" dirty="0">
+              <a:solidFill>
+                <a:schemeClr val="tx1">
+                  <a:lumMod val="75000"/>
+                  <a:lumOff val="25000"/>
+                </a:schemeClr>
+              </a:solidFill>
+            </a:endParaRPr>
+          </a:p>
+        </p:txBody>
+      </p:sp>
+      <p:sp>
+        <p:nvSpPr>
+          <p:cNvPr id="36" name="Textfeld 35">
+            <a:extLst>
+              <a:ext uri="{FF2B5EF4-FFF2-40B4-BE49-F238E27FC236}">
+                <a16:creationId xmlns:a16="http://schemas.microsoft.com/office/drawing/2014/main" id="{25FA4F30-DE56-4E3F-85BA-42D4BE8B2010}"/>
+              </a:ext>
+            </a:extLst>
+          </p:cNvPr>
+          <p:cNvSpPr txBox="1"/>
+          <p:nvPr/>
+        </p:nvSpPr>
+        <p:spPr>
+          <a:xfrm>
+            <a:off x="7698847" y="3744767"/>
+            <a:ext cx="1440130" cy="276999"/>
+          </a:xfrm>
+          <a:prstGeom prst="rect">
+            <a:avLst/>
+          </a:prstGeom>
+          <a:noFill/>
+        </p:spPr>
+        <p:txBody>
+          <a:bodyPr wrap="square" rtlCol="0">
+            <a:spAutoFit/>
+          </a:bodyPr>
+          <a:lstStyle/>
+          <a:p>
+            <a:pPr algn="ctr"/>
+            <a:r>
+              <a:rPr lang="de-DE" sz="1200" dirty="0">
+                <a:solidFill>
+                  <a:schemeClr val="tx1">
+                    <a:lumMod val="75000"/>
+                    <a:lumOff val="25000"/>
+                  </a:schemeClr>
+                </a:solidFill>
+                <a:latin typeface="Meta Std Medium" panose="020B0604030101020102" pitchFamily="34" charset="0"/>
+              </a:rPr>
+              <a:t>Js-cookie</a:t>
+            </a:r>
+            <a:endParaRPr lang="de-CH" sz="1200" dirty="0">
+              <a:solidFill>
+                <a:schemeClr val="tx1">
+                  <a:lumMod val="75000"/>
+                  <a:lumOff val="25000"/>
+                </a:schemeClr>
+              </a:solidFill>
+            </a:endParaRPr>
+          </a:p>
+        </p:txBody>
+      </p:sp>
+      <p:sp>
+        <p:nvSpPr>
+          <p:cNvPr id="37" name="Textfeld 36">
+            <a:extLst>
+              <a:ext uri="{FF2B5EF4-FFF2-40B4-BE49-F238E27FC236}">
+                <a16:creationId xmlns:a16="http://schemas.microsoft.com/office/drawing/2014/main" id="{7AB7C4E4-71CA-4509-8D3C-811C03A74CAD}"/>
+              </a:ext>
+            </a:extLst>
+          </p:cNvPr>
+          <p:cNvSpPr txBox="1"/>
+          <p:nvPr/>
+        </p:nvSpPr>
+        <p:spPr>
+          <a:xfrm>
+            <a:off x="1053004" y="5285938"/>
+            <a:ext cx="1440130" cy="276999"/>
+          </a:xfrm>
+          <a:prstGeom prst="rect">
+            <a:avLst/>
+          </a:prstGeom>
+          <a:noFill/>
+        </p:spPr>
+        <p:txBody>
+          <a:bodyPr wrap="square" rtlCol="0">
+            <a:spAutoFit/>
+          </a:bodyPr>
+          <a:lstStyle/>
+          <a:p>
+            <a:pPr algn="ctr"/>
+            <a:r>
+              <a:rPr lang="de-DE" sz="1200" dirty="0">
+                <a:solidFill>
+                  <a:schemeClr val="tx1">
+                    <a:lumMod val="75000"/>
+                    <a:lumOff val="25000"/>
+                  </a:schemeClr>
+                </a:solidFill>
+                <a:latin typeface="Meta Std Medium" panose="020B0604030101020102" pitchFamily="34" charset="0"/>
+              </a:rPr>
+              <a:t>Vue-color</a:t>
+            </a:r>
+            <a:endParaRPr lang="de-CH" sz="1200" dirty="0">
+              <a:solidFill>
+                <a:schemeClr val="tx1">
+                  <a:lumMod val="75000"/>
+                  <a:lumOff val="25000"/>
+                </a:schemeClr>
+              </a:solidFill>
+            </a:endParaRPr>
+          </a:p>
+        </p:txBody>
+      </p:sp>
+      <p:sp>
+        <p:nvSpPr>
+          <p:cNvPr id="38" name="Textfeld 37">
+            <a:extLst>
+              <a:ext uri="{FF2B5EF4-FFF2-40B4-BE49-F238E27FC236}">
+                <a16:creationId xmlns:a16="http://schemas.microsoft.com/office/drawing/2014/main" id="{A4CB8FE7-1FEF-4C11-83F5-A6F52BA51140}"/>
+              </a:ext>
+            </a:extLst>
+          </p:cNvPr>
+          <p:cNvSpPr txBox="1"/>
+          <p:nvPr/>
+        </p:nvSpPr>
+        <p:spPr>
+          <a:xfrm>
+            <a:off x="5050142" y="5673179"/>
+            <a:ext cx="1440130" cy="276999"/>
+          </a:xfrm>
+          <a:prstGeom prst="rect">
+            <a:avLst/>
+          </a:prstGeom>
+          <a:noFill/>
+        </p:spPr>
+        <p:txBody>
+          <a:bodyPr wrap="square" rtlCol="0">
+            <a:spAutoFit/>
+          </a:bodyPr>
+          <a:lstStyle/>
+          <a:p>
+            <a:pPr algn="ctr"/>
+            <a:r>
+              <a:rPr lang="de-DE" sz="1200" dirty="0">
+                <a:solidFill>
+                  <a:schemeClr val="tx1">
+                    <a:lumMod val="75000"/>
+                    <a:lumOff val="25000"/>
+                  </a:schemeClr>
+                </a:solidFill>
+                <a:latin typeface="Meta Std Medium" panose="020B0604030101020102" pitchFamily="34" charset="0"/>
+              </a:rPr>
+              <a:t>PWA</a:t>
+            </a:r>
+            <a:endParaRPr lang="de-CH" sz="1200" dirty="0">
+              <a:solidFill>
+                <a:schemeClr val="tx1">
+                  <a:lumMod val="75000"/>
+                  <a:lumOff val="25000"/>
+                </a:schemeClr>
+              </a:solidFill>
+            </a:endParaRPr>
+          </a:p>
+        </p:txBody>
+      </p:sp>
+      <p:sp>
+        <p:nvSpPr>
+          <p:cNvPr id="39" name="Textfeld 38">
+            <a:extLst>
+              <a:ext uri="{FF2B5EF4-FFF2-40B4-BE49-F238E27FC236}">
+                <a16:creationId xmlns:a16="http://schemas.microsoft.com/office/drawing/2014/main" id="{0A59AD17-3962-440B-B66D-C4E173A6C41C}"/>
+              </a:ext>
+            </a:extLst>
+          </p:cNvPr>
+          <p:cNvSpPr txBox="1"/>
+          <p:nvPr/>
+        </p:nvSpPr>
+        <p:spPr>
+          <a:xfrm>
+            <a:off x="10015260" y="1475479"/>
+            <a:ext cx="1440130" cy="276999"/>
+          </a:xfrm>
+          <a:prstGeom prst="rect">
+            <a:avLst/>
+          </a:prstGeom>
+          <a:noFill/>
+        </p:spPr>
+        <p:txBody>
+          <a:bodyPr wrap="square" rtlCol="0">
+            <a:spAutoFit/>
+          </a:bodyPr>
+          <a:lstStyle/>
+          <a:p>
+            <a:pPr algn="ctr"/>
+            <a:r>
+              <a:rPr lang="de-DE" sz="1200" dirty="0">
+                <a:solidFill>
+                  <a:schemeClr val="tx1">
+                    <a:lumMod val="75000"/>
+                    <a:lumOff val="25000"/>
+                  </a:schemeClr>
+                </a:solidFill>
+                <a:latin typeface="Meta Std Medium" panose="020B0604030101020102" pitchFamily="34" charset="0"/>
+              </a:rPr>
+              <a:t>Material Icons</a:t>
+            </a:r>
+            <a:endParaRPr lang="de-CH" sz="1200" dirty="0">
+              <a:solidFill>
+                <a:schemeClr val="tx1">
+                  <a:lumMod val="75000"/>
+                  <a:lumOff val="25000"/>
+                </a:schemeClr>
+              </a:solidFill>
+            </a:endParaRPr>
+          </a:p>
+        </p:txBody>
+      </p:sp>
+      <p:sp>
+        <p:nvSpPr>
+          <p:cNvPr id="40" name="Textfeld 39">
+            <a:extLst>
+              <a:ext uri="{FF2B5EF4-FFF2-40B4-BE49-F238E27FC236}">
+                <a16:creationId xmlns:a16="http://schemas.microsoft.com/office/drawing/2014/main" id="{B7679953-A565-464D-BCAD-501DE4986EF7}"/>
+              </a:ext>
+            </a:extLst>
+          </p:cNvPr>
+          <p:cNvSpPr txBox="1"/>
+          <p:nvPr/>
+        </p:nvSpPr>
+        <p:spPr>
+          <a:xfrm>
+            <a:off x="9023950" y="2139891"/>
+            <a:ext cx="1440130" cy="276999"/>
+          </a:xfrm>
+          <a:prstGeom prst="rect">
+            <a:avLst/>
+          </a:prstGeom>
+          <a:noFill/>
+        </p:spPr>
+        <p:txBody>
+          <a:bodyPr wrap="square" rtlCol="0">
+            <a:spAutoFit/>
+          </a:bodyPr>
+          <a:lstStyle/>
+          <a:p>
+            <a:pPr algn="ctr"/>
+            <a:r>
+              <a:rPr lang="de-DE" sz="1200" dirty="0">
+                <a:solidFill>
+                  <a:schemeClr val="tx1">
+                    <a:lumMod val="75000"/>
+                    <a:lumOff val="25000"/>
+                  </a:schemeClr>
+                </a:solidFill>
+                <a:latin typeface="Meta Std Medium" panose="020B0604030101020102" pitchFamily="34" charset="0"/>
+              </a:rPr>
+              <a:t>Animate.css</a:t>
+            </a:r>
+            <a:endParaRPr lang="de-CH" sz="1200" dirty="0">
+              <a:solidFill>
+                <a:schemeClr val="tx1">
+                  <a:lumMod val="75000"/>
+                  <a:lumOff val="25000"/>
+                </a:schemeClr>
+              </a:solidFill>
+            </a:endParaRPr>
+          </a:p>
+        </p:txBody>
+      </p:sp>
+      <p:sp>
+        <p:nvSpPr>
+          <p:cNvPr id="41" name="Textfeld 40">
+            <a:extLst>
+              <a:ext uri="{FF2B5EF4-FFF2-40B4-BE49-F238E27FC236}">
+                <a16:creationId xmlns:a16="http://schemas.microsoft.com/office/drawing/2014/main" id="{5160D21B-05D2-4DF0-AD6D-7D0F45F7C6A3}"/>
+              </a:ext>
+            </a:extLst>
+          </p:cNvPr>
+          <p:cNvSpPr txBox="1"/>
+          <p:nvPr/>
+        </p:nvSpPr>
+        <p:spPr>
+          <a:xfrm>
+            <a:off x="8956455" y="4953348"/>
+            <a:ext cx="1440130" cy="276999"/>
+          </a:xfrm>
+          <a:prstGeom prst="rect">
+            <a:avLst/>
+          </a:prstGeom>
+          <a:noFill/>
+        </p:spPr>
+        <p:txBody>
+          <a:bodyPr wrap="square" rtlCol="0">
+            <a:spAutoFit/>
+          </a:bodyPr>
+          <a:lstStyle/>
+          <a:p>
+            <a:pPr algn="ctr"/>
+            <a:r>
+              <a:rPr lang="de-DE" sz="1200" dirty="0">
+                <a:solidFill>
+                  <a:schemeClr val="tx1">
+                    <a:lumMod val="75000"/>
+                    <a:lumOff val="25000"/>
+                  </a:schemeClr>
+                </a:solidFill>
+                <a:latin typeface="Meta Std Medium" panose="020B0604030101020102" pitchFamily="34" charset="0"/>
+              </a:rPr>
+              <a:t>Babel</a:t>
+            </a:r>
+            <a:endParaRPr lang="de-CH" sz="1200" dirty="0">
+              <a:solidFill>
+                <a:schemeClr val="tx1">
+                  <a:lumMod val="75000"/>
+                  <a:lumOff val="25000"/>
+                </a:schemeClr>
+              </a:solidFill>
+            </a:endParaRPr>
+          </a:p>
+        </p:txBody>
+      </p:sp>
+      <p:sp>
+        <p:nvSpPr>
+          <p:cNvPr id="42" name="Textfeld 41">
+            <a:extLst>
+              <a:ext uri="{FF2B5EF4-FFF2-40B4-BE49-F238E27FC236}">
+                <a16:creationId xmlns:a16="http://schemas.microsoft.com/office/drawing/2014/main" id="{3F2833EF-92E1-4753-A63A-FA23A263739B}"/>
+              </a:ext>
+            </a:extLst>
+          </p:cNvPr>
+          <p:cNvSpPr txBox="1"/>
+          <p:nvPr/>
+        </p:nvSpPr>
+        <p:spPr>
+          <a:xfrm>
+            <a:off x="417036" y="2146795"/>
+            <a:ext cx="1440130" cy="276999"/>
+          </a:xfrm>
+          <a:prstGeom prst="rect">
+            <a:avLst/>
+          </a:prstGeom>
+          <a:noFill/>
+        </p:spPr>
+        <p:txBody>
+          <a:bodyPr wrap="square" rtlCol="0">
+            <a:spAutoFit/>
+          </a:bodyPr>
+          <a:lstStyle/>
+          <a:p>
+            <a:pPr algn="ctr"/>
+            <a:r>
+              <a:rPr lang="de-DE" sz="1200" dirty="0">
+                <a:solidFill>
+                  <a:schemeClr val="tx1">
+                    <a:lumMod val="75000"/>
+                    <a:lumOff val="25000"/>
+                  </a:schemeClr>
+                </a:solidFill>
+                <a:latin typeface="Meta Std Medium" panose="020B0604030101020102" pitchFamily="34" charset="0"/>
+              </a:rPr>
+              <a:t>esLint</a:t>
+            </a:r>
+            <a:endParaRPr lang="de-CH" sz="1200" dirty="0">
+              <a:solidFill>
+                <a:schemeClr val="tx1">
+                  <a:lumMod val="75000"/>
+                  <a:lumOff val="25000"/>
+                </a:schemeClr>
+              </a:solidFill>
+            </a:endParaRPr>
+          </a:p>
+        </p:txBody>
+      </p:sp>
+      <p:pic>
+        <p:nvPicPr>
+          <p:cNvPr id="44" name="Grafik 43">
+            <a:extLst>
+              <a:ext uri="{FF2B5EF4-FFF2-40B4-BE49-F238E27FC236}">
+                <a16:creationId xmlns:a16="http://schemas.microsoft.com/office/drawing/2014/main" id="{A211A23C-B6FE-4A85-AEBD-2ED0B56E4D4C}"/>
+              </a:ext>
+            </a:extLst>
+          </p:cNvPr>
+          <p:cNvPicPr>
+            <a:picLocks noChangeAspect="1"/>
+          </p:cNvPicPr>
+          <p:nvPr/>
+        </p:nvPicPr>
+        <p:blipFill>
+          <a:blip r:embed="rId8">
+            <a:extLst>
+              <a:ext uri="{28A0092B-C50C-407E-A947-70E740481C1C}">
+                <a14:useLocalDpi xmlns:a14="http://schemas.microsoft.com/office/drawing/2010/main" val="0"/>
+              </a:ext>
+            </a:extLst>
+          </a:blip>
+          <a:stretch>
+            <a:fillRect/>
+          </a:stretch>
+        </p:blipFill>
+        <p:spPr>
+          <a:xfrm>
+            <a:off x="1847075" y="2391503"/>
+            <a:ext cx="2362606" cy="2362606"/>
+          </a:xfrm>
+          <a:prstGeom prst="rect">
+            <a:avLst/>
+          </a:prstGeom>
+        </p:spPr>
+      </p:pic>
+    </p:spTree>
+    <p:extLst>
+      <p:ext uri="{BB962C8B-B14F-4D97-AF65-F5344CB8AC3E}">
+        <p14:creationId xmlns:p14="http://schemas.microsoft.com/office/powerpoint/2010/main" val="374092857"/>
+      </p:ext>
+    </p:extLst>
+  </p:cSld>
+  <p:clrMapOvr>
+    <a:masterClrMapping/>
+  </p:clrMapOvr>
+  <mc:AlternateContent xmlns:mc="http://schemas.openxmlformats.org/markup-compatibility/2006">
+    <mc:Choice xmlns:p159="http://schemas.microsoft.com/office/powerpoint/2015/09/main" Requires="p159">
+      <p:transition xmlns:p14="http://schemas.microsoft.com/office/powerpoint/2010/main" spd="slow" p14:dur="2000">
+        <p159:morph option="byObject"/>
+      </p:transition>
+    </mc:Choice>
+    <mc:Fallback>
+      <p:transition spd="slow">
+        <p:fade/>
+      </p:transition>
+    </mc:Fallback>
+  </mc:AlternateContent>
+  <p:timing>
+    <p:tnLst>
+      <p:par>
+        <p:cTn id="1" dur="indefinite" restart="never" nodeType="tmRoot">
+          <p:childTnLst>
+            <p:seq concurrent="1" nextAc="seek">
+              <p:cTn id="2" dur="indefinite" nodeType="mainSeq">
+                <p:childTnLst>
+                  <p:par>
+                    <p:cTn id="3" fill="hold">
+                      <p:stCondLst>
+                        <p:cond delay="indefinite"/>
+                      </p:stCondLst>
+                      <p:childTnLst>
+                        <p:par>
+                          <p:cTn id="4" fill="hold">
+                            <p:stCondLst>
+                              <p:cond delay="0"/>
+                            </p:stCondLst>
+                            <p:childTnLst>
+                              <p:par>
+                                <p:cTn id="5" presetID="53" presetClass="entr" presetSubtype="16" fill="hold" grpId="0" nodeType="clickEffect">
+                                  <p:stCondLst>
+                                    <p:cond delay="0"/>
+                                  </p:stCondLst>
+                                  <p:childTnLst>
+                                    <p:set>
+                                      <p:cBhvr>
+                                        <p:cTn id="6" dur="1" fill="hold">
+                                          <p:stCondLst>
+                                            <p:cond delay="0"/>
+                                          </p:stCondLst>
+                                        </p:cTn>
+                                        <p:tgtEl>
+                                          <p:spTgt spid="42"/>
+                                        </p:tgtEl>
+                                        <p:attrNameLst>
+                                          <p:attrName>style.visibility</p:attrName>
+                                        </p:attrNameLst>
+                                      </p:cBhvr>
+                                      <p:to>
+                                        <p:strVal val="visible"/>
+                                      </p:to>
+                                    </p:set>
+                                    <p:anim calcmode="lin" valueType="num">
+                                      <p:cBhvr>
+                                        <p:cTn id="7" dur="250" fill="hold"/>
+                                        <p:tgtEl>
+                                          <p:spTgt spid="42"/>
+                                        </p:tgtEl>
+                                        <p:attrNameLst>
+                                          <p:attrName>ppt_w</p:attrName>
+                                        </p:attrNameLst>
+                                      </p:cBhvr>
+                                      <p:tavLst>
+                                        <p:tav tm="0">
+                                          <p:val>
+                                            <p:fltVal val="0"/>
+                                          </p:val>
+                                        </p:tav>
+                                        <p:tav tm="100000">
+                                          <p:val>
+                                            <p:strVal val="#ppt_w"/>
+                                          </p:val>
+                                        </p:tav>
+                                      </p:tavLst>
+                                    </p:anim>
+                                    <p:anim calcmode="lin" valueType="num">
+                                      <p:cBhvr>
+                                        <p:cTn id="8" dur="250" fill="hold"/>
+                                        <p:tgtEl>
+                                          <p:spTgt spid="42"/>
+                                        </p:tgtEl>
+                                        <p:attrNameLst>
+                                          <p:attrName>ppt_h</p:attrName>
+                                        </p:attrNameLst>
+                                      </p:cBhvr>
+                                      <p:tavLst>
+                                        <p:tav tm="0">
+                                          <p:val>
+                                            <p:fltVal val="0"/>
+                                          </p:val>
+                                        </p:tav>
+                                        <p:tav tm="100000">
+                                          <p:val>
+                                            <p:strVal val="#ppt_h"/>
+                                          </p:val>
+                                        </p:tav>
+                                      </p:tavLst>
+                                    </p:anim>
+                                    <p:animEffect transition="in" filter="fade">
+                                      <p:cBhvr>
+                                        <p:cTn id="9" dur="250"/>
+                                        <p:tgtEl>
+                                          <p:spTgt spid="42"/>
+                                        </p:tgtEl>
+                                      </p:cBhvr>
+                                    </p:animEffect>
+                                  </p:childTnLst>
+                                </p:cTn>
+                              </p:par>
+                            </p:childTnLst>
+                          </p:cTn>
+                        </p:par>
+                        <p:par>
+                          <p:cTn id="10" fill="hold">
+                            <p:stCondLst>
+                              <p:cond delay="500"/>
+                            </p:stCondLst>
+                            <p:childTnLst>
+                              <p:par>
+                                <p:cTn id="11" presetID="53" presetClass="entr" presetSubtype="16" fill="hold" grpId="0" nodeType="afterEffect">
+                                  <p:stCondLst>
+                                    <p:cond delay="0"/>
+                                  </p:stCondLst>
+                                  <p:childTnLst>
+                                    <p:set>
+                                      <p:cBhvr>
+                                        <p:cTn id="12" dur="1" fill="hold">
+                                          <p:stCondLst>
+                                            <p:cond delay="0"/>
+                                          </p:stCondLst>
+                                        </p:cTn>
+                                        <p:tgtEl>
+                                          <p:spTgt spid="38"/>
+                                        </p:tgtEl>
+                                        <p:attrNameLst>
+                                          <p:attrName>style.visibility</p:attrName>
+                                        </p:attrNameLst>
+                                      </p:cBhvr>
+                                      <p:to>
+                                        <p:strVal val="visible"/>
+                                      </p:to>
+                                    </p:set>
+                                    <p:anim calcmode="lin" valueType="num">
+                                      <p:cBhvr>
+                                        <p:cTn id="13" dur="250" fill="hold"/>
+                                        <p:tgtEl>
+                                          <p:spTgt spid="38"/>
+                                        </p:tgtEl>
+                                        <p:attrNameLst>
+                                          <p:attrName>ppt_w</p:attrName>
+                                        </p:attrNameLst>
+                                      </p:cBhvr>
+                                      <p:tavLst>
+                                        <p:tav tm="0">
+                                          <p:val>
+                                            <p:fltVal val="0"/>
+                                          </p:val>
+                                        </p:tav>
+                                        <p:tav tm="100000">
+                                          <p:val>
+                                            <p:strVal val="#ppt_w"/>
+                                          </p:val>
+                                        </p:tav>
+                                      </p:tavLst>
+                                    </p:anim>
+                                    <p:anim calcmode="lin" valueType="num">
+                                      <p:cBhvr>
+                                        <p:cTn id="14" dur="250" fill="hold"/>
+                                        <p:tgtEl>
+                                          <p:spTgt spid="38"/>
+                                        </p:tgtEl>
+                                        <p:attrNameLst>
+                                          <p:attrName>ppt_h</p:attrName>
+                                        </p:attrNameLst>
+                                      </p:cBhvr>
+                                      <p:tavLst>
+                                        <p:tav tm="0">
+                                          <p:val>
+                                            <p:fltVal val="0"/>
+                                          </p:val>
+                                        </p:tav>
+                                        <p:tav tm="100000">
+                                          <p:val>
+                                            <p:strVal val="#ppt_h"/>
+                                          </p:val>
+                                        </p:tav>
+                                      </p:tavLst>
+                                    </p:anim>
+                                    <p:animEffect transition="in" filter="fade">
+                                      <p:cBhvr>
+                                        <p:cTn id="15" dur="250"/>
+                                        <p:tgtEl>
+                                          <p:spTgt spid="38"/>
+                                        </p:tgtEl>
+                                      </p:cBhvr>
+                                    </p:animEffect>
+                                  </p:childTnLst>
+                                </p:cTn>
+                              </p:par>
+                            </p:childTnLst>
+                          </p:cTn>
+                        </p:par>
+                        <p:par>
+                          <p:cTn id="16" fill="hold">
+                            <p:stCondLst>
+                              <p:cond delay="750"/>
+                            </p:stCondLst>
+                            <p:childTnLst>
+                              <p:par>
+                                <p:cTn id="17" presetID="53" presetClass="entr" presetSubtype="16" fill="hold" grpId="0" nodeType="afterEffect">
+                                  <p:stCondLst>
+                                    <p:cond delay="0"/>
+                                  </p:stCondLst>
+                                  <p:childTnLst>
+                                    <p:set>
+                                      <p:cBhvr>
+                                        <p:cTn id="18" dur="1" fill="hold">
+                                          <p:stCondLst>
+                                            <p:cond delay="0"/>
+                                          </p:stCondLst>
+                                        </p:cTn>
+                                        <p:tgtEl>
+                                          <p:spTgt spid="41"/>
+                                        </p:tgtEl>
+                                        <p:attrNameLst>
+                                          <p:attrName>style.visibility</p:attrName>
+                                        </p:attrNameLst>
+                                      </p:cBhvr>
+                                      <p:to>
+                                        <p:strVal val="visible"/>
+                                      </p:to>
+                                    </p:set>
+                                    <p:anim calcmode="lin" valueType="num">
+                                      <p:cBhvr>
+                                        <p:cTn id="19" dur="250" fill="hold"/>
+                                        <p:tgtEl>
+                                          <p:spTgt spid="41"/>
+                                        </p:tgtEl>
+                                        <p:attrNameLst>
+                                          <p:attrName>ppt_w</p:attrName>
+                                        </p:attrNameLst>
+                                      </p:cBhvr>
+                                      <p:tavLst>
+                                        <p:tav tm="0">
+                                          <p:val>
+                                            <p:fltVal val="0"/>
+                                          </p:val>
+                                        </p:tav>
+                                        <p:tav tm="100000">
+                                          <p:val>
+                                            <p:strVal val="#ppt_w"/>
+                                          </p:val>
+                                        </p:tav>
+                                      </p:tavLst>
+                                    </p:anim>
+                                    <p:anim calcmode="lin" valueType="num">
+                                      <p:cBhvr>
+                                        <p:cTn id="20" dur="250" fill="hold"/>
+                                        <p:tgtEl>
+                                          <p:spTgt spid="41"/>
+                                        </p:tgtEl>
+                                        <p:attrNameLst>
+                                          <p:attrName>ppt_h</p:attrName>
+                                        </p:attrNameLst>
+                                      </p:cBhvr>
+                                      <p:tavLst>
+                                        <p:tav tm="0">
+                                          <p:val>
+                                            <p:fltVal val="0"/>
+                                          </p:val>
+                                        </p:tav>
+                                        <p:tav tm="100000">
+                                          <p:val>
+                                            <p:strVal val="#ppt_h"/>
+                                          </p:val>
+                                        </p:tav>
+                                      </p:tavLst>
+                                    </p:anim>
+                                    <p:animEffect transition="in" filter="fade">
+                                      <p:cBhvr>
+                                        <p:cTn id="21" dur="250"/>
+                                        <p:tgtEl>
+                                          <p:spTgt spid="41"/>
+                                        </p:tgtEl>
+                                      </p:cBhvr>
+                                    </p:animEffect>
+                                  </p:childTnLst>
+                                </p:cTn>
+                              </p:par>
+                            </p:childTnLst>
+                          </p:cTn>
+                        </p:par>
+                        <p:par>
+                          <p:cTn id="22" fill="hold">
+                            <p:stCondLst>
+                              <p:cond delay="1000"/>
+                            </p:stCondLst>
+                            <p:childTnLst>
+                              <p:par>
+                                <p:cTn id="23" presetID="53" presetClass="entr" presetSubtype="16" fill="hold" grpId="0" nodeType="afterEffect">
+                                  <p:stCondLst>
+                                    <p:cond delay="0"/>
+                                  </p:stCondLst>
+                                  <p:childTnLst>
+                                    <p:set>
+                                      <p:cBhvr>
+                                        <p:cTn id="24" dur="1" fill="hold">
+                                          <p:stCondLst>
+                                            <p:cond delay="0"/>
+                                          </p:stCondLst>
+                                        </p:cTn>
+                                        <p:tgtEl>
+                                          <p:spTgt spid="33"/>
+                                        </p:tgtEl>
+                                        <p:attrNameLst>
+                                          <p:attrName>style.visibility</p:attrName>
+                                        </p:attrNameLst>
+                                      </p:cBhvr>
+                                      <p:to>
+                                        <p:strVal val="visible"/>
+                                      </p:to>
+                                    </p:set>
+                                    <p:anim calcmode="lin" valueType="num">
+                                      <p:cBhvr>
+                                        <p:cTn id="25" dur="250" fill="hold"/>
+                                        <p:tgtEl>
+                                          <p:spTgt spid="33"/>
+                                        </p:tgtEl>
+                                        <p:attrNameLst>
+                                          <p:attrName>ppt_w</p:attrName>
+                                        </p:attrNameLst>
+                                      </p:cBhvr>
+                                      <p:tavLst>
+                                        <p:tav tm="0">
+                                          <p:val>
+                                            <p:fltVal val="0"/>
+                                          </p:val>
+                                        </p:tav>
+                                        <p:tav tm="100000">
+                                          <p:val>
+                                            <p:strVal val="#ppt_w"/>
+                                          </p:val>
+                                        </p:tav>
+                                      </p:tavLst>
+                                    </p:anim>
+                                    <p:anim calcmode="lin" valueType="num">
+                                      <p:cBhvr>
+                                        <p:cTn id="26" dur="250" fill="hold"/>
+                                        <p:tgtEl>
+                                          <p:spTgt spid="33"/>
+                                        </p:tgtEl>
+                                        <p:attrNameLst>
+                                          <p:attrName>ppt_h</p:attrName>
+                                        </p:attrNameLst>
+                                      </p:cBhvr>
+                                      <p:tavLst>
+                                        <p:tav tm="0">
+                                          <p:val>
+                                            <p:fltVal val="0"/>
+                                          </p:val>
+                                        </p:tav>
+                                        <p:tav tm="100000">
+                                          <p:val>
+                                            <p:strVal val="#ppt_h"/>
+                                          </p:val>
+                                        </p:tav>
+                                      </p:tavLst>
+                                    </p:anim>
+                                    <p:animEffect transition="in" filter="fade">
+                                      <p:cBhvr>
+                                        <p:cTn id="27" dur="250"/>
+                                        <p:tgtEl>
+                                          <p:spTgt spid="33"/>
+                                        </p:tgtEl>
+                                      </p:cBhvr>
+                                    </p:animEffect>
+                                  </p:childTnLst>
+                                </p:cTn>
+                              </p:par>
+                            </p:childTnLst>
+                          </p:cTn>
+                        </p:par>
+                        <p:par>
+                          <p:cTn id="28" fill="hold">
+                            <p:stCondLst>
+                              <p:cond delay="1250"/>
+                            </p:stCondLst>
+                            <p:childTnLst>
+                              <p:par>
+                                <p:cTn id="29" presetID="53" presetClass="entr" presetSubtype="16" fill="hold" grpId="0" nodeType="afterEffect">
+                                  <p:stCondLst>
+                                    <p:cond delay="0"/>
+                                  </p:stCondLst>
+                                  <p:childTnLst>
+                                    <p:set>
+                                      <p:cBhvr>
+                                        <p:cTn id="30" dur="1" fill="hold">
+                                          <p:stCondLst>
+                                            <p:cond delay="0"/>
+                                          </p:stCondLst>
+                                        </p:cTn>
+                                        <p:tgtEl>
+                                          <p:spTgt spid="37"/>
+                                        </p:tgtEl>
+                                        <p:attrNameLst>
+                                          <p:attrName>style.visibility</p:attrName>
+                                        </p:attrNameLst>
+                                      </p:cBhvr>
+                                      <p:to>
+                                        <p:strVal val="visible"/>
+                                      </p:to>
+                                    </p:set>
+                                    <p:anim calcmode="lin" valueType="num">
+                                      <p:cBhvr>
+                                        <p:cTn id="31" dur="250" fill="hold"/>
+                                        <p:tgtEl>
+                                          <p:spTgt spid="37"/>
+                                        </p:tgtEl>
+                                        <p:attrNameLst>
+                                          <p:attrName>ppt_w</p:attrName>
+                                        </p:attrNameLst>
+                                      </p:cBhvr>
+                                      <p:tavLst>
+                                        <p:tav tm="0">
+                                          <p:val>
+                                            <p:fltVal val="0"/>
+                                          </p:val>
+                                        </p:tav>
+                                        <p:tav tm="100000">
+                                          <p:val>
+                                            <p:strVal val="#ppt_w"/>
+                                          </p:val>
+                                        </p:tav>
+                                      </p:tavLst>
+                                    </p:anim>
+                                    <p:anim calcmode="lin" valueType="num">
+                                      <p:cBhvr>
+                                        <p:cTn id="32" dur="250" fill="hold"/>
+                                        <p:tgtEl>
+                                          <p:spTgt spid="37"/>
+                                        </p:tgtEl>
+                                        <p:attrNameLst>
+                                          <p:attrName>ppt_h</p:attrName>
+                                        </p:attrNameLst>
+                                      </p:cBhvr>
+                                      <p:tavLst>
+                                        <p:tav tm="0">
+                                          <p:val>
+                                            <p:fltVal val="0"/>
+                                          </p:val>
+                                        </p:tav>
+                                        <p:tav tm="100000">
+                                          <p:val>
+                                            <p:strVal val="#ppt_h"/>
+                                          </p:val>
+                                        </p:tav>
+                                      </p:tavLst>
+                                    </p:anim>
+                                    <p:animEffect transition="in" filter="fade">
+                                      <p:cBhvr>
+                                        <p:cTn id="33" dur="250"/>
+                                        <p:tgtEl>
+                                          <p:spTgt spid="37"/>
+                                        </p:tgtEl>
+                                      </p:cBhvr>
+                                    </p:animEffect>
+                                  </p:childTnLst>
+                                </p:cTn>
+                              </p:par>
+                            </p:childTnLst>
+                          </p:cTn>
+                        </p:par>
+                        <p:par>
+                          <p:cTn id="34" fill="hold">
+                            <p:stCondLst>
+                              <p:cond delay="1500"/>
+                            </p:stCondLst>
+                            <p:childTnLst>
+                              <p:par>
+                                <p:cTn id="35" presetID="53" presetClass="entr" presetSubtype="16" fill="hold" grpId="0" nodeType="afterEffect">
+                                  <p:stCondLst>
+                                    <p:cond delay="0"/>
+                                  </p:stCondLst>
+                                  <p:childTnLst>
+                                    <p:set>
+                                      <p:cBhvr>
+                                        <p:cTn id="36" dur="1" fill="hold">
+                                          <p:stCondLst>
+                                            <p:cond delay="0"/>
+                                          </p:stCondLst>
+                                        </p:cTn>
+                                        <p:tgtEl>
+                                          <p:spTgt spid="35"/>
+                                        </p:tgtEl>
+                                        <p:attrNameLst>
+                                          <p:attrName>style.visibility</p:attrName>
+                                        </p:attrNameLst>
+                                      </p:cBhvr>
+                                      <p:to>
+                                        <p:strVal val="visible"/>
+                                      </p:to>
+                                    </p:set>
+                                    <p:anim calcmode="lin" valueType="num">
+                                      <p:cBhvr>
+                                        <p:cTn id="37" dur="250" fill="hold"/>
+                                        <p:tgtEl>
+                                          <p:spTgt spid="35"/>
+                                        </p:tgtEl>
+                                        <p:attrNameLst>
+                                          <p:attrName>ppt_w</p:attrName>
+                                        </p:attrNameLst>
+                                      </p:cBhvr>
+                                      <p:tavLst>
+                                        <p:tav tm="0">
+                                          <p:val>
+                                            <p:fltVal val="0"/>
+                                          </p:val>
+                                        </p:tav>
+                                        <p:tav tm="100000">
+                                          <p:val>
+                                            <p:strVal val="#ppt_w"/>
+                                          </p:val>
+                                        </p:tav>
+                                      </p:tavLst>
+                                    </p:anim>
+                                    <p:anim calcmode="lin" valueType="num">
+                                      <p:cBhvr>
+                                        <p:cTn id="38" dur="250" fill="hold"/>
+                                        <p:tgtEl>
+                                          <p:spTgt spid="35"/>
+                                        </p:tgtEl>
+                                        <p:attrNameLst>
+                                          <p:attrName>ppt_h</p:attrName>
+                                        </p:attrNameLst>
+                                      </p:cBhvr>
+                                      <p:tavLst>
+                                        <p:tav tm="0">
+                                          <p:val>
+                                            <p:fltVal val="0"/>
+                                          </p:val>
+                                        </p:tav>
+                                        <p:tav tm="100000">
+                                          <p:val>
+                                            <p:strVal val="#ppt_h"/>
+                                          </p:val>
+                                        </p:tav>
+                                      </p:tavLst>
+                                    </p:anim>
+                                    <p:animEffect transition="in" filter="fade">
+                                      <p:cBhvr>
+                                        <p:cTn id="39" dur="250"/>
+                                        <p:tgtEl>
+                                          <p:spTgt spid="35"/>
+                                        </p:tgtEl>
+                                      </p:cBhvr>
+                                    </p:animEffect>
+                                  </p:childTnLst>
+                                </p:cTn>
+                              </p:par>
+                            </p:childTnLst>
+                          </p:cTn>
+                        </p:par>
+                        <p:par>
+                          <p:cTn id="40" fill="hold">
+                            <p:stCondLst>
+                              <p:cond delay="1750"/>
+                            </p:stCondLst>
+                            <p:childTnLst>
+                              <p:par>
+                                <p:cTn id="41" presetID="53" presetClass="entr" presetSubtype="16" fill="hold" grpId="0" nodeType="afterEffect">
+                                  <p:stCondLst>
+                                    <p:cond delay="0"/>
+                                  </p:stCondLst>
+                                  <p:childTnLst>
+                                    <p:set>
+                                      <p:cBhvr>
+                                        <p:cTn id="42" dur="1" fill="hold">
+                                          <p:stCondLst>
+                                            <p:cond delay="0"/>
+                                          </p:stCondLst>
+                                        </p:cTn>
+                                        <p:tgtEl>
+                                          <p:spTgt spid="36"/>
+                                        </p:tgtEl>
+                                        <p:attrNameLst>
+                                          <p:attrName>style.visibility</p:attrName>
+                                        </p:attrNameLst>
+                                      </p:cBhvr>
+                                      <p:to>
+                                        <p:strVal val="visible"/>
+                                      </p:to>
+                                    </p:set>
+                                    <p:anim calcmode="lin" valueType="num">
+                                      <p:cBhvr>
+                                        <p:cTn id="43" dur="250" fill="hold"/>
+                                        <p:tgtEl>
+                                          <p:spTgt spid="36"/>
+                                        </p:tgtEl>
+                                        <p:attrNameLst>
+                                          <p:attrName>ppt_w</p:attrName>
+                                        </p:attrNameLst>
+                                      </p:cBhvr>
+                                      <p:tavLst>
+                                        <p:tav tm="0">
+                                          <p:val>
+                                            <p:fltVal val="0"/>
+                                          </p:val>
+                                        </p:tav>
+                                        <p:tav tm="100000">
+                                          <p:val>
+                                            <p:strVal val="#ppt_w"/>
+                                          </p:val>
+                                        </p:tav>
+                                      </p:tavLst>
+                                    </p:anim>
+                                    <p:anim calcmode="lin" valueType="num">
+                                      <p:cBhvr>
+                                        <p:cTn id="44" dur="250" fill="hold"/>
+                                        <p:tgtEl>
+                                          <p:spTgt spid="36"/>
+                                        </p:tgtEl>
+                                        <p:attrNameLst>
+                                          <p:attrName>ppt_h</p:attrName>
+                                        </p:attrNameLst>
+                                      </p:cBhvr>
+                                      <p:tavLst>
+                                        <p:tav tm="0">
+                                          <p:val>
+                                            <p:fltVal val="0"/>
+                                          </p:val>
+                                        </p:tav>
+                                        <p:tav tm="100000">
+                                          <p:val>
+                                            <p:strVal val="#ppt_h"/>
+                                          </p:val>
+                                        </p:tav>
+                                      </p:tavLst>
+                                    </p:anim>
+                                    <p:animEffect transition="in" filter="fade">
+                                      <p:cBhvr>
+                                        <p:cTn id="45" dur="250"/>
+                                        <p:tgtEl>
+                                          <p:spTgt spid="36"/>
+                                        </p:tgtEl>
+                                      </p:cBhvr>
+                                    </p:animEffect>
+                                  </p:childTnLst>
+                                </p:cTn>
+                              </p:par>
+                            </p:childTnLst>
+                          </p:cTn>
+                        </p:par>
+                        <p:par>
+                          <p:cTn id="46" fill="hold">
+                            <p:stCondLst>
+                              <p:cond delay="2000"/>
+                            </p:stCondLst>
+                            <p:childTnLst>
+                              <p:par>
+                                <p:cTn id="47" presetID="53" presetClass="entr" presetSubtype="16" fill="hold" grpId="0" nodeType="afterEffect">
+                                  <p:stCondLst>
+                                    <p:cond delay="0"/>
+                                  </p:stCondLst>
+                                  <p:childTnLst>
+                                    <p:set>
+                                      <p:cBhvr>
+                                        <p:cTn id="48" dur="1" fill="hold">
+                                          <p:stCondLst>
+                                            <p:cond delay="0"/>
+                                          </p:stCondLst>
+                                        </p:cTn>
+                                        <p:tgtEl>
+                                          <p:spTgt spid="34"/>
+                                        </p:tgtEl>
+                                        <p:attrNameLst>
+                                          <p:attrName>style.visibility</p:attrName>
+                                        </p:attrNameLst>
+                                      </p:cBhvr>
+                                      <p:to>
+                                        <p:strVal val="visible"/>
+                                      </p:to>
+                                    </p:set>
+                                    <p:anim calcmode="lin" valueType="num">
+                                      <p:cBhvr>
+                                        <p:cTn id="49" dur="250" fill="hold"/>
+                                        <p:tgtEl>
+                                          <p:spTgt spid="34"/>
+                                        </p:tgtEl>
+                                        <p:attrNameLst>
+                                          <p:attrName>ppt_w</p:attrName>
+                                        </p:attrNameLst>
+                                      </p:cBhvr>
+                                      <p:tavLst>
+                                        <p:tav tm="0">
+                                          <p:val>
+                                            <p:fltVal val="0"/>
+                                          </p:val>
+                                        </p:tav>
+                                        <p:tav tm="100000">
+                                          <p:val>
+                                            <p:strVal val="#ppt_w"/>
+                                          </p:val>
+                                        </p:tav>
+                                      </p:tavLst>
+                                    </p:anim>
+                                    <p:anim calcmode="lin" valueType="num">
+                                      <p:cBhvr>
+                                        <p:cTn id="50" dur="250" fill="hold"/>
+                                        <p:tgtEl>
+                                          <p:spTgt spid="34"/>
+                                        </p:tgtEl>
+                                        <p:attrNameLst>
+                                          <p:attrName>ppt_h</p:attrName>
+                                        </p:attrNameLst>
+                                      </p:cBhvr>
+                                      <p:tavLst>
+                                        <p:tav tm="0">
+                                          <p:val>
+                                            <p:fltVal val="0"/>
+                                          </p:val>
+                                        </p:tav>
+                                        <p:tav tm="100000">
+                                          <p:val>
+                                            <p:strVal val="#ppt_h"/>
+                                          </p:val>
+                                        </p:tav>
+                                      </p:tavLst>
+                                    </p:anim>
+                                    <p:animEffect transition="in" filter="fade">
+                                      <p:cBhvr>
+                                        <p:cTn id="51" dur="250"/>
+                                        <p:tgtEl>
+                                          <p:spTgt spid="34"/>
+                                        </p:tgtEl>
+                                      </p:cBhvr>
+                                    </p:animEffect>
+                                  </p:childTnLst>
+                                </p:cTn>
+                              </p:par>
+                            </p:childTnLst>
+                          </p:cTn>
+                        </p:par>
+                        <p:par>
+                          <p:cTn id="52" fill="hold">
+                            <p:stCondLst>
+                              <p:cond delay="2250"/>
+                            </p:stCondLst>
+                            <p:childTnLst>
+                              <p:par>
+                                <p:cTn id="53" presetID="53" presetClass="entr" presetSubtype="16" fill="hold" grpId="0" nodeType="afterEffect">
+                                  <p:stCondLst>
+                                    <p:cond delay="0"/>
+                                  </p:stCondLst>
+                                  <p:childTnLst>
+                                    <p:set>
+                                      <p:cBhvr>
+                                        <p:cTn id="54" dur="1" fill="hold">
+                                          <p:stCondLst>
+                                            <p:cond delay="0"/>
+                                          </p:stCondLst>
+                                        </p:cTn>
+                                        <p:tgtEl>
+                                          <p:spTgt spid="39"/>
+                                        </p:tgtEl>
+                                        <p:attrNameLst>
+                                          <p:attrName>style.visibility</p:attrName>
+                                        </p:attrNameLst>
+                                      </p:cBhvr>
+                                      <p:to>
+                                        <p:strVal val="visible"/>
+                                      </p:to>
+                                    </p:set>
+                                    <p:anim calcmode="lin" valueType="num">
+                                      <p:cBhvr>
+                                        <p:cTn id="55" dur="250" fill="hold"/>
+                                        <p:tgtEl>
+                                          <p:spTgt spid="39"/>
+                                        </p:tgtEl>
+                                        <p:attrNameLst>
+                                          <p:attrName>ppt_w</p:attrName>
+                                        </p:attrNameLst>
+                                      </p:cBhvr>
+                                      <p:tavLst>
+                                        <p:tav tm="0">
+                                          <p:val>
+                                            <p:fltVal val="0"/>
+                                          </p:val>
+                                        </p:tav>
+                                        <p:tav tm="100000">
+                                          <p:val>
+                                            <p:strVal val="#ppt_w"/>
+                                          </p:val>
+                                        </p:tav>
+                                      </p:tavLst>
+                                    </p:anim>
+                                    <p:anim calcmode="lin" valueType="num">
+                                      <p:cBhvr>
+                                        <p:cTn id="56" dur="250" fill="hold"/>
+                                        <p:tgtEl>
+                                          <p:spTgt spid="39"/>
+                                        </p:tgtEl>
+                                        <p:attrNameLst>
+                                          <p:attrName>ppt_h</p:attrName>
+                                        </p:attrNameLst>
+                                      </p:cBhvr>
+                                      <p:tavLst>
+                                        <p:tav tm="0">
+                                          <p:val>
+                                            <p:fltVal val="0"/>
+                                          </p:val>
+                                        </p:tav>
+                                        <p:tav tm="100000">
+                                          <p:val>
+                                            <p:strVal val="#ppt_h"/>
+                                          </p:val>
+                                        </p:tav>
+                                      </p:tavLst>
+                                    </p:anim>
+                                    <p:animEffect transition="in" filter="fade">
+                                      <p:cBhvr>
+                                        <p:cTn id="57" dur="250"/>
+                                        <p:tgtEl>
+                                          <p:spTgt spid="39"/>
+                                        </p:tgtEl>
+                                      </p:cBhvr>
+                                    </p:animEffect>
+                                  </p:childTnLst>
+                                </p:cTn>
+                              </p:par>
+                            </p:childTnLst>
+                          </p:cTn>
+                        </p:par>
+                        <p:par>
+                          <p:cTn id="58" fill="hold">
+                            <p:stCondLst>
+                              <p:cond delay="2500"/>
+                            </p:stCondLst>
+                            <p:childTnLst>
+                              <p:par>
+                                <p:cTn id="59" presetID="53" presetClass="entr" presetSubtype="16" fill="hold" grpId="0" nodeType="afterEffect">
+                                  <p:stCondLst>
+                                    <p:cond delay="0"/>
+                                  </p:stCondLst>
+                                  <p:childTnLst>
+                                    <p:set>
+                                      <p:cBhvr>
+                                        <p:cTn id="60" dur="1" fill="hold">
+                                          <p:stCondLst>
+                                            <p:cond delay="0"/>
+                                          </p:stCondLst>
+                                        </p:cTn>
+                                        <p:tgtEl>
+                                          <p:spTgt spid="32"/>
+                                        </p:tgtEl>
+                                        <p:attrNameLst>
+                                          <p:attrName>style.visibility</p:attrName>
+                                        </p:attrNameLst>
+                                      </p:cBhvr>
+                                      <p:to>
+                                        <p:strVal val="visible"/>
+                                      </p:to>
+                                    </p:set>
+                                    <p:anim calcmode="lin" valueType="num">
+                                      <p:cBhvr>
+                                        <p:cTn id="61" dur="250" fill="hold"/>
+                                        <p:tgtEl>
+                                          <p:spTgt spid="32"/>
+                                        </p:tgtEl>
+                                        <p:attrNameLst>
+                                          <p:attrName>ppt_w</p:attrName>
+                                        </p:attrNameLst>
+                                      </p:cBhvr>
+                                      <p:tavLst>
+                                        <p:tav tm="0">
+                                          <p:val>
+                                            <p:fltVal val="0"/>
+                                          </p:val>
+                                        </p:tav>
+                                        <p:tav tm="100000">
+                                          <p:val>
+                                            <p:strVal val="#ppt_w"/>
+                                          </p:val>
+                                        </p:tav>
+                                      </p:tavLst>
+                                    </p:anim>
+                                    <p:anim calcmode="lin" valueType="num">
+                                      <p:cBhvr>
+                                        <p:cTn id="62" dur="250" fill="hold"/>
+                                        <p:tgtEl>
+                                          <p:spTgt spid="32"/>
+                                        </p:tgtEl>
+                                        <p:attrNameLst>
+                                          <p:attrName>ppt_h</p:attrName>
+                                        </p:attrNameLst>
+                                      </p:cBhvr>
+                                      <p:tavLst>
+                                        <p:tav tm="0">
+                                          <p:val>
+                                            <p:fltVal val="0"/>
+                                          </p:val>
+                                        </p:tav>
+                                        <p:tav tm="100000">
+                                          <p:val>
+                                            <p:strVal val="#ppt_h"/>
+                                          </p:val>
+                                        </p:tav>
+                                      </p:tavLst>
+                                    </p:anim>
+                                    <p:animEffect transition="in" filter="fade">
+                                      <p:cBhvr>
+                                        <p:cTn id="63" dur="250"/>
+                                        <p:tgtEl>
+                                          <p:spTgt spid="32"/>
+                                        </p:tgtEl>
+                                      </p:cBhvr>
+                                    </p:animEffect>
+                                  </p:childTnLst>
+                                </p:cTn>
+                              </p:par>
+                            </p:childTnLst>
+                          </p:cTn>
+                        </p:par>
+                        <p:par>
+                          <p:cTn id="64" fill="hold">
+                            <p:stCondLst>
+                              <p:cond delay="2750"/>
+                            </p:stCondLst>
+                            <p:childTnLst>
+                              <p:par>
+                                <p:cTn id="65" presetID="53" presetClass="entr" presetSubtype="16" fill="hold" grpId="0" nodeType="afterEffect">
+                                  <p:stCondLst>
+                                    <p:cond delay="0"/>
+                                  </p:stCondLst>
+                                  <p:childTnLst>
+                                    <p:set>
+                                      <p:cBhvr>
+                                        <p:cTn id="66" dur="1" fill="hold">
+                                          <p:stCondLst>
+                                            <p:cond delay="0"/>
+                                          </p:stCondLst>
+                                        </p:cTn>
+                                        <p:tgtEl>
+                                          <p:spTgt spid="40"/>
+                                        </p:tgtEl>
+                                        <p:attrNameLst>
+                                          <p:attrName>style.visibility</p:attrName>
+                                        </p:attrNameLst>
+                                      </p:cBhvr>
+                                      <p:to>
+                                        <p:strVal val="visible"/>
+                                      </p:to>
+                                    </p:set>
+                                    <p:anim calcmode="lin" valueType="num">
+                                      <p:cBhvr>
+                                        <p:cTn id="67" dur="250" fill="hold"/>
+                                        <p:tgtEl>
+                                          <p:spTgt spid="40"/>
+                                        </p:tgtEl>
+                                        <p:attrNameLst>
+                                          <p:attrName>ppt_w</p:attrName>
+                                        </p:attrNameLst>
+                                      </p:cBhvr>
+                                      <p:tavLst>
+                                        <p:tav tm="0">
+                                          <p:val>
+                                            <p:fltVal val="0"/>
+                                          </p:val>
+                                        </p:tav>
+                                        <p:tav tm="100000">
+                                          <p:val>
+                                            <p:strVal val="#ppt_w"/>
+                                          </p:val>
+                                        </p:tav>
+                                      </p:tavLst>
+                                    </p:anim>
+                                    <p:anim calcmode="lin" valueType="num">
+                                      <p:cBhvr>
+                                        <p:cTn id="68" dur="250" fill="hold"/>
+                                        <p:tgtEl>
+                                          <p:spTgt spid="40"/>
+                                        </p:tgtEl>
+                                        <p:attrNameLst>
+                                          <p:attrName>ppt_h</p:attrName>
+                                        </p:attrNameLst>
+                                      </p:cBhvr>
+                                      <p:tavLst>
+                                        <p:tav tm="0">
+                                          <p:val>
+                                            <p:fltVal val="0"/>
+                                          </p:val>
+                                        </p:tav>
+                                        <p:tav tm="100000">
+                                          <p:val>
+                                            <p:strVal val="#ppt_h"/>
+                                          </p:val>
+                                        </p:tav>
+                                      </p:tavLst>
+                                    </p:anim>
+                                    <p:animEffect transition="in" filter="fade">
+                                      <p:cBhvr>
+                                        <p:cTn id="69" dur="250"/>
+                                        <p:tgtEl>
+                                          <p:spTgt spid="40"/>
+                                        </p:tgtEl>
+                                      </p:cBhvr>
+                                    </p:animEffect>
+                                  </p:childTnLst>
+                                </p:cTn>
+                              </p:par>
+                            </p:childTnLst>
+                          </p:cTn>
+                        </p:par>
+                      </p:childTnLst>
+                    </p:cTn>
+                  </p:par>
+                </p:childTnLst>
+              </p:cTn>
+              <p:prevCondLst>
+                <p:cond evt="onPrev" delay="0">
+                  <p:tgtEl>
+                    <p:sldTgt/>
+                  </p:tgtEl>
+                </p:cond>
+              </p:prevCondLst>
+              <p:nextCondLst>
+                <p:cond evt="onNext" delay="0">
+                  <p:tgtEl>
+                    <p:sldTgt/>
+                  </p:tgtEl>
+                </p:cond>
+              </p:nextCondLst>
+            </p:seq>
+          </p:childTnLst>
+        </p:cTn>
+      </p:par>
+    </p:tnLst>
+    <p:bldLst>
+      <p:bldP spid="32" grpId="0"/>
+      <p:bldP spid="33" grpId="0"/>
+      <p:bldP spid="34" grpId="0"/>
+      <p:bldP spid="35" grpId="0"/>
+      <p:bldP spid="36" grpId="0"/>
+      <p:bldP spid="37" grpId="0"/>
+      <p:bldP spid="38" grpId="0"/>
+      <p:bldP spid="39" grpId="0"/>
+      <p:bldP spid="40" grpId="0"/>
+      <p:bldP spid="41" grpId="0"/>
+      <p:bldP spid="42" grpId="0"/>
+    </p:bldLst>
+  </p:timing>
+</p:sld>
+</file>
+
+<file path=ppt/slides/slide14.xml><?xml version="1.0" encoding="utf-8"?>
+<p:sld xmlns:a="http://schemas.openxmlformats.org/drawingml/2006/main" xmlns:r="http://schemas.openxmlformats.org/officeDocument/2006/relationships" xmlns:p="http://schemas.openxmlformats.org/presentationml/2006/main">
+  <p:cSld>
+    <p:spTree>
+      <p:nvGrpSpPr>
+        <p:cNvPr id="1" name=""/>
+        <p:cNvGrpSpPr/>
+        <p:nvPr/>
+      </p:nvGrpSpPr>
+      <p:grpSpPr>
+        <a:xfrm>
+          <a:off x="0" y="0"/>
+          <a:ext cx="0" cy="0"/>
+          <a:chOff x="0" y="0"/>
+          <a:chExt cx="0" cy="0"/>
+        </a:xfrm>
+      </p:grpSpPr>
+      <p:sp>
+        <p:nvSpPr>
+          <p:cNvPr id="17" name="Textfeld 16">
+            <a:extLst>
+              <a:ext uri="{FF2B5EF4-FFF2-40B4-BE49-F238E27FC236}">
+                <a16:creationId xmlns:a16="http://schemas.microsoft.com/office/drawing/2014/main" id="{3DF457D7-637C-45F1-B2B4-C8D74F7EB967}"/>
+              </a:ext>
+            </a:extLst>
+          </p:cNvPr>
+          <p:cNvSpPr txBox="1"/>
+          <p:nvPr/>
+        </p:nvSpPr>
+        <p:spPr>
+          <a:xfrm>
+            <a:off x="529389" y="465815"/>
+            <a:ext cx="5566612" cy="707886"/>
+          </a:xfrm>
+          <a:prstGeom prst="rect">
+            <a:avLst/>
+          </a:prstGeom>
+          <a:noFill/>
+        </p:spPr>
+        <p:txBody>
+          <a:bodyPr wrap="square" rtlCol="0">
+            <a:spAutoFit/>
+          </a:bodyPr>
+          <a:lstStyle/>
+          <a:p>
+            <a:r>
+              <a:rPr lang="de-DE" sz="4000" kern="1400" spc="-50" dirty="0">
+                <a:solidFill>
+                  <a:srgbClr val="003399"/>
+                </a:solidFill>
+                <a:latin typeface="Meta Std Normal" panose="020B0504030101020102" pitchFamily="34" charset="0"/>
+                <a:cs typeface="Times New Roman" panose="02020603050405020304" pitchFamily="18" charset="0"/>
+              </a:rPr>
+              <a:t>Umsetzung</a:t>
+            </a:r>
+            <a:endParaRPr lang="de-CH" sz="4000" dirty="0">
+              <a:solidFill>
+                <a:srgbClr val="003399"/>
+              </a:solidFill>
+              <a:latin typeface="Meta Std Normal" panose="020B0504030101020102" pitchFamily="34" charset="0"/>
+            </a:endParaRPr>
+          </a:p>
+        </p:txBody>
+      </p:sp>
+      <p:pic>
+        <p:nvPicPr>
+          <p:cNvPr id="8" name="Grafik 7">
+            <a:extLst>
+              <a:ext uri="{FF2B5EF4-FFF2-40B4-BE49-F238E27FC236}">
+                <a16:creationId xmlns:a16="http://schemas.microsoft.com/office/drawing/2014/main" id="{ADCD8697-1FCF-47EA-81CF-51DDEAABDF03}"/>
+              </a:ext>
+            </a:extLst>
+          </p:cNvPr>
+          <p:cNvPicPr/>
+          <p:nvPr/>
+        </p:nvPicPr>
+        <p:blipFill rotWithShape="1">
+          <a:blip r:embed="rId2">
+            <a:extLst>
+              <a:ext uri="{28A0092B-C50C-407E-A947-70E740481C1C}">
+                <a14:useLocalDpi xmlns:a14="http://schemas.microsoft.com/office/drawing/2010/main" val="0"/>
+              </a:ext>
+            </a:extLst>
+          </a:blip>
+          <a:srcRect l="3810" r="4580" b="40683"/>
+          <a:stretch/>
+        </p:blipFill>
+        <p:spPr bwMode="auto">
+          <a:xfrm>
+            <a:off x="0" y="6711949"/>
+            <a:ext cx="12192000" cy="146051"/>
+          </a:xfrm>
+          <a:prstGeom prst="rect">
+            <a:avLst/>
+          </a:prstGeom>
+          <a:noFill/>
+          <a:ln>
+            <a:noFill/>
+          </a:ln>
+        </p:spPr>
+      </p:pic>
+      <p:pic>
+        <p:nvPicPr>
+          <p:cNvPr id="12" name="Grafik 11">
+            <a:extLst>
+              <a:ext uri="{FF2B5EF4-FFF2-40B4-BE49-F238E27FC236}">
+                <a16:creationId xmlns:a16="http://schemas.microsoft.com/office/drawing/2014/main" id="{4277F3D5-167F-4BA2-BDEE-7FBC2BEF527D}"/>
+              </a:ext>
+            </a:extLst>
+          </p:cNvPr>
+          <p:cNvPicPr>
+            <a:picLocks noChangeAspect="1"/>
+          </p:cNvPicPr>
+          <p:nvPr/>
+        </p:nvPicPr>
+        <p:blipFill>
+          <a:blip r:embed="rId3">
+            <a:extLst>
+              <a:ext uri="{28A0092B-C50C-407E-A947-70E740481C1C}">
+                <a14:useLocalDpi xmlns:a14="http://schemas.microsoft.com/office/drawing/2010/main" val="0"/>
+              </a:ext>
+            </a:extLst>
+          </a:blip>
+          <a:stretch>
+            <a:fillRect/>
+          </a:stretch>
+        </p:blipFill>
+        <p:spPr>
+          <a:xfrm>
+            <a:off x="9926611" y="5968478"/>
+            <a:ext cx="1912571" cy="503308"/>
+          </a:xfrm>
+          <a:prstGeom prst="rect">
+            <a:avLst/>
+          </a:prstGeom>
+        </p:spPr>
+      </p:pic>
+      <p:sp>
+        <p:nvSpPr>
+          <p:cNvPr id="4" name="Textfeld 3">
+            <a:extLst>
+              <a:ext uri="{FF2B5EF4-FFF2-40B4-BE49-F238E27FC236}">
+                <a16:creationId xmlns:a16="http://schemas.microsoft.com/office/drawing/2014/main" id="{59576528-BDCE-4B4B-AAAC-96DA04EE5EA0}"/>
+              </a:ext>
+            </a:extLst>
+          </p:cNvPr>
+          <p:cNvSpPr txBox="1"/>
+          <p:nvPr/>
+        </p:nvSpPr>
+        <p:spPr>
+          <a:xfrm>
+            <a:off x="838200" y="130609"/>
+            <a:ext cx="2074069" cy="261610"/>
+          </a:xfrm>
+          <a:prstGeom prst="rect">
+            <a:avLst/>
+          </a:prstGeom>
+          <a:noFill/>
+        </p:spPr>
+        <p:txBody>
+          <a:bodyPr wrap="square" rtlCol="0">
+            <a:spAutoFit/>
+          </a:bodyPr>
+          <a:lstStyle/>
+          <a:p>
+            <a:pPr algn="ctr"/>
+            <a:r>
+              <a:rPr lang="de-DE" sz="1100" dirty="0">
+                <a:solidFill>
+                  <a:schemeClr val="tx1">
+                    <a:lumMod val="50000"/>
+                    <a:lumOff val="50000"/>
+                  </a:schemeClr>
+                </a:solidFill>
+                <a:latin typeface="Meta Std Normal" panose="020B0504030101020102" pitchFamily="34" charset="0"/>
+              </a:rPr>
+              <a:t>Ursprung &amp; Umgebung</a:t>
+            </a:r>
+          </a:p>
+        </p:txBody>
+      </p:sp>
+      <p:sp>
+        <p:nvSpPr>
+          <p:cNvPr id="15" name="Textfeld 14">
+            <a:extLst>
+              <a:ext uri="{FF2B5EF4-FFF2-40B4-BE49-F238E27FC236}">
+                <a16:creationId xmlns:a16="http://schemas.microsoft.com/office/drawing/2014/main" id="{A78CFF66-02E0-4579-9AB3-1C2714806374}"/>
+              </a:ext>
+            </a:extLst>
+          </p:cNvPr>
+          <p:cNvSpPr txBox="1"/>
+          <p:nvPr/>
+        </p:nvSpPr>
+        <p:spPr>
+          <a:xfrm>
+            <a:off x="3581400" y="130609"/>
+            <a:ext cx="2074069" cy="261610"/>
+          </a:xfrm>
+          <a:prstGeom prst="rect">
+            <a:avLst/>
+          </a:prstGeom>
+          <a:noFill/>
+        </p:spPr>
+        <p:txBody>
+          <a:bodyPr wrap="square" rtlCol="0">
+            <a:spAutoFit/>
+          </a:bodyPr>
+          <a:lstStyle/>
+          <a:p>
+            <a:pPr algn="ctr"/>
+            <a:r>
+              <a:rPr lang="de-DE" sz="1100" dirty="0">
+                <a:solidFill>
+                  <a:srgbClr val="009EE6"/>
+                </a:solidFill>
+                <a:latin typeface="Meta Std Normal" panose="020B0504030101020102" pitchFamily="34" charset="0"/>
+              </a:rPr>
+              <a:t>Realisierung</a:t>
+            </a:r>
+          </a:p>
+        </p:txBody>
+      </p:sp>
+      <p:sp>
+        <p:nvSpPr>
+          <p:cNvPr id="21" name="Textfeld 20">
+            <a:extLst>
+              <a:ext uri="{FF2B5EF4-FFF2-40B4-BE49-F238E27FC236}">
+                <a16:creationId xmlns:a16="http://schemas.microsoft.com/office/drawing/2014/main" id="{7CD28F71-6880-44F4-9EC4-6F1897DFE100}"/>
+              </a:ext>
+            </a:extLst>
+          </p:cNvPr>
+          <p:cNvSpPr txBox="1"/>
+          <p:nvPr/>
+        </p:nvSpPr>
+        <p:spPr>
+          <a:xfrm>
+            <a:off x="6430565" y="130609"/>
+            <a:ext cx="2074069" cy="261610"/>
+          </a:xfrm>
+          <a:prstGeom prst="rect">
+            <a:avLst/>
+          </a:prstGeom>
+          <a:noFill/>
+        </p:spPr>
+        <p:txBody>
+          <a:bodyPr wrap="square" rtlCol="0">
+            <a:spAutoFit/>
+          </a:bodyPr>
+          <a:lstStyle/>
+          <a:p>
+            <a:pPr algn="ctr"/>
+            <a:r>
+              <a:rPr lang="de-DE" sz="1100" dirty="0">
+                <a:solidFill>
+                  <a:schemeClr val="tx1">
+                    <a:lumMod val="50000"/>
+                    <a:lumOff val="50000"/>
+                  </a:schemeClr>
+                </a:solidFill>
+                <a:latin typeface="Meta Std Normal" panose="020B0504030101020102" pitchFamily="34" charset="0"/>
+              </a:rPr>
+              <a:t>Resultat</a:t>
+            </a:r>
+          </a:p>
+        </p:txBody>
+      </p:sp>
+      <p:sp>
+        <p:nvSpPr>
+          <p:cNvPr id="23" name="Textfeld 22">
+            <a:extLst>
+              <a:ext uri="{FF2B5EF4-FFF2-40B4-BE49-F238E27FC236}">
+                <a16:creationId xmlns:a16="http://schemas.microsoft.com/office/drawing/2014/main" id="{50BA6159-800C-409E-9350-B7DBA9E76E62}"/>
+              </a:ext>
+            </a:extLst>
+          </p:cNvPr>
+          <p:cNvSpPr txBox="1"/>
+          <p:nvPr/>
+        </p:nvSpPr>
+        <p:spPr>
+          <a:xfrm>
+            <a:off x="9279731" y="130609"/>
+            <a:ext cx="2074069" cy="261610"/>
+          </a:xfrm>
+          <a:prstGeom prst="rect">
+            <a:avLst/>
+          </a:prstGeom>
+          <a:noFill/>
+        </p:spPr>
+        <p:txBody>
+          <a:bodyPr wrap="square" rtlCol="0">
+            <a:spAutoFit/>
+          </a:bodyPr>
+          <a:lstStyle/>
+          <a:p>
+            <a:pPr algn="ctr"/>
+            <a:r>
+              <a:rPr lang="de-DE" sz="1100" dirty="0">
+                <a:solidFill>
+                  <a:schemeClr val="tx1">
+                    <a:lumMod val="50000"/>
+                    <a:lumOff val="50000"/>
+                  </a:schemeClr>
+                </a:solidFill>
+                <a:latin typeface="Meta Std Normal" panose="020B0504030101020102" pitchFamily="34" charset="0"/>
+              </a:rPr>
+              <a:t>Evaluierung</a:t>
+            </a:r>
+          </a:p>
+        </p:txBody>
+      </p:sp>
+      <p:sp>
+        <p:nvSpPr>
+          <p:cNvPr id="13" name="Textfeld 12">
+            <a:extLst>
+              <a:ext uri="{FF2B5EF4-FFF2-40B4-BE49-F238E27FC236}">
+                <a16:creationId xmlns:a16="http://schemas.microsoft.com/office/drawing/2014/main" id="{499B4BFF-8515-4BDE-96CE-5EEB46E90DE5}"/>
+              </a:ext>
+            </a:extLst>
+          </p:cNvPr>
+          <p:cNvSpPr txBox="1"/>
+          <p:nvPr/>
+        </p:nvSpPr>
+        <p:spPr>
+          <a:xfrm>
+            <a:off x="529388" y="1161233"/>
+            <a:ext cx="5566612" cy="338554"/>
+          </a:xfrm>
+          <a:prstGeom prst="rect">
+            <a:avLst/>
+          </a:prstGeom>
+          <a:noFill/>
+        </p:spPr>
+        <p:txBody>
+          <a:bodyPr wrap="square" rtlCol="0">
+            <a:spAutoFit/>
+          </a:bodyPr>
+          <a:lstStyle/>
+          <a:p>
+            <a:r>
+              <a:rPr lang="de-DE" sz="1600" dirty="0">
+                <a:solidFill>
+                  <a:srgbClr val="009EE6"/>
+                </a:solidFill>
+                <a:latin typeface="Meta Std Normal" panose="020B0504030101020102" pitchFamily="34" charset="0"/>
+              </a:rPr>
+              <a:t>Unterschiedliche Ansichten</a:t>
+            </a:r>
+            <a:endParaRPr lang="de-CH" sz="1600" dirty="0">
+              <a:solidFill>
+                <a:srgbClr val="009EE6"/>
+              </a:solidFill>
+              <a:latin typeface="Meta Std Normal" panose="020B0504030101020102" pitchFamily="34" charset="0"/>
+            </a:endParaRPr>
+          </a:p>
+        </p:txBody>
+      </p:sp>
+      <p:pic>
+        <p:nvPicPr>
+          <p:cNvPr id="43" name="Grafik 42" descr="Ein Bild, das Text, Karte enthält.&#10;&#10;Automatisch generierte Beschreibung">
+            <a:extLst>
+              <a:ext uri="{FF2B5EF4-FFF2-40B4-BE49-F238E27FC236}">
+                <a16:creationId xmlns:a16="http://schemas.microsoft.com/office/drawing/2014/main" id="{3190D90A-9469-4720-AA46-DAE55D83B186}"/>
+              </a:ext>
+            </a:extLst>
+          </p:cNvPr>
+          <p:cNvPicPr>
+            <a:picLocks noChangeAspect="1"/>
+          </p:cNvPicPr>
+          <p:nvPr/>
+        </p:nvPicPr>
+        <p:blipFill>
+          <a:blip r:embed="rId4">
+            <a:extLst>
+              <a:ext uri="{28A0092B-C50C-407E-A947-70E740481C1C}">
+                <a14:useLocalDpi xmlns:a14="http://schemas.microsoft.com/office/drawing/2010/main" val="0"/>
+              </a:ext>
+            </a:extLst>
+          </a:blip>
+          <a:stretch>
+            <a:fillRect/>
+          </a:stretch>
+        </p:blipFill>
+        <p:spPr>
+          <a:xfrm>
+            <a:off x="529388" y="1569652"/>
+            <a:ext cx="4931612" cy="4899148"/>
+          </a:xfrm>
+          <a:prstGeom prst="rect">
+            <a:avLst/>
+          </a:prstGeom>
+        </p:spPr>
+      </p:pic>
+      <p:sp>
+        <p:nvSpPr>
+          <p:cNvPr id="45" name="Textfeld 44">
+            <a:extLst>
+              <a:ext uri="{FF2B5EF4-FFF2-40B4-BE49-F238E27FC236}">
+                <a16:creationId xmlns:a16="http://schemas.microsoft.com/office/drawing/2014/main" id="{C6C4F479-2860-47FA-91BC-845C33BB8930}"/>
+              </a:ext>
+            </a:extLst>
+          </p:cNvPr>
+          <p:cNvSpPr txBox="1"/>
+          <p:nvPr/>
+        </p:nvSpPr>
+        <p:spPr>
+          <a:xfrm>
+            <a:off x="7874000" y="1633771"/>
+            <a:ext cx="3216067" cy="3708708"/>
+          </a:xfrm>
+          <a:prstGeom prst="rect">
+            <a:avLst/>
+          </a:prstGeom>
+          <a:noFill/>
+        </p:spPr>
+        <p:txBody>
+          <a:bodyPr wrap="square" rtlCol="0">
+            <a:spAutoFit/>
+          </a:bodyPr>
+          <a:lstStyle/>
+          <a:p>
+            <a:pPr>
+              <a:lnSpc>
+                <a:spcPct val="200000"/>
+              </a:lnSpc>
+            </a:pPr>
+            <a:endParaRPr lang="de-DE" sz="2000" dirty="0">
+              <a:solidFill>
+                <a:schemeClr val="tx1">
+                  <a:lumMod val="95000"/>
+                  <a:lumOff val="5000"/>
+                </a:schemeClr>
+              </a:solidFill>
+              <a:latin typeface="MetaPro-Normal" panose="02000503040000020004" pitchFamily="2" charset="0"/>
+            </a:endParaRPr>
+          </a:p>
+          <a:p>
+            <a:pPr marL="285750" indent="-285750">
+              <a:lnSpc>
+                <a:spcPct val="200000"/>
+              </a:lnSpc>
+              <a:buFont typeface="Wingdings" panose="05000000000000000000" pitchFamily="2" charset="2"/>
+              <a:buChar char="§"/>
+            </a:pPr>
+            <a:r>
+              <a:rPr lang="de-DE" sz="2000" dirty="0">
+                <a:solidFill>
+                  <a:schemeClr val="tx1">
+                    <a:lumMod val="95000"/>
+                    <a:lumOff val="5000"/>
+                  </a:schemeClr>
+                </a:solidFill>
+                <a:latin typeface="MetaPro-Normal" panose="02000503040000020004" pitchFamily="2" charset="0"/>
+              </a:rPr>
+              <a:t>Plan-Einstellungen</a:t>
+            </a:r>
+          </a:p>
+          <a:p>
+            <a:pPr marL="285750" indent="-285750">
+              <a:lnSpc>
+                <a:spcPct val="200000"/>
+              </a:lnSpc>
+              <a:buFont typeface="Wingdings" panose="05000000000000000000" pitchFamily="2" charset="2"/>
+              <a:buChar char="§"/>
+            </a:pPr>
+            <a:r>
+              <a:rPr lang="de-DE" sz="2000" dirty="0">
+                <a:solidFill>
+                  <a:schemeClr val="tx1">
+                    <a:lumMod val="95000"/>
+                    <a:lumOff val="5000"/>
+                  </a:schemeClr>
+                </a:solidFill>
+                <a:latin typeface="MetaPro-Normal" panose="02000503040000020004" pitchFamily="2" charset="0"/>
+              </a:rPr>
+              <a:t>Einstellungen</a:t>
+            </a:r>
+          </a:p>
+          <a:p>
+            <a:pPr marL="285750" indent="-285750">
+              <a:lnSpc>
+                <a:spcPct val="200000"/>
+              </a:lnSpc>
+              <a:buFont typeface="Wingdings" panose="05000000000000000000" pitchFamily="2" charset="2"/>
+              <a:buChar char="§"/>
+            </a:pPr>
+            <a:r>
+              <a:rPr lang="de-DE" sz="2000" dirty="0">
+                <a:solidFill>
+                  <a:schemeClr val="tx1">
+                    <a:lumMod val="95000"/>
+                    <a:lumOff val="5000"/>
+                  </a:schemeClr>
+                </a:solidFill>
+                <a:latin typeface="MetaPro-Medium" panose="02000503040000020004" pitchFamily="2" charset="0"/>
+              </a:rPr>
+              <a:t> </a:t>
+            </a:r>
+          </a:p>
+          <a:p>
+            <a:pPr marL="285750" indent="-285750">
+              <a:lnSpc>
+                <a:spcPct val="200000"/>
+              </a:lnSpc>
+              <a:buFont typeface="Wingdings" panose="05000000000000000000" pitchFamily="2" charset="2"/>
+              <a:buChar char="§"/>
+            </a:pPr>
+            <a:r>
+              <a:rPr lang="de-DE" sz="2000" dirty="0">
+                <a:solidFill>
+                  <a:schemeClr val="tx1">
+                    <a:lumMod val="95000"/>
+                    <a:lumOff val="5000"/>
+                  </a:schemeClr>
+                </a:solidFill>
+                <a:latin typeface="MetaPro-Normal" panose="02000503040000020004" pitchFamily="2" charset="0"/>
+              </a:rPr>
+              <a:t>Dashboard</a:t>
+            </a:r>
+          </a:p>
+          <a:p>
+            <a:pPr>
+              <a:lnSpc>
+                <a:spcPct val="200000"/>
+              </a:lnSpc>
+            </a:pPr>
+            <a:r>
+              <a:rPr lang="de-DE" sz="2000" i="1" dirty="0">
+                <a:solidFill>
+                  <a:schemeClr val="tx1">
+                    <a:lumMod val="95000"/>
+                    <a:lumOff val="5000"/>
+                  </a:schemeClr>
+                </a:solidFill>
+                <a:latin typeface="MetaPro-Normal" panose="02000503040000020004" pitchFamily="2" charset="0"/>
+              </a:rPr>
+              <a:t>+  Support</a:t>
+            </a:r>
+          </a:p>
+        </p:txBody>
+      </p:sp>
+      <p:cxnSp>
+        <p:nvCxnSpPr>
+          <p:cNvPr id="46" name="Gerade Verbindung mit Pfeil 45">
+            <a:extLst>
+              <a:ext uri="{FF2B5EF4-FFF2-40B4-BE49-F238E27FC236}">
+                <a16:creationId xmlns:a16="http://schemas.microsoft.com/office/drawing/2014/main" id="{57B96ABC-04D2-437E-938C-57BF2BD6E69F}"/>
+              </a:ext>
+            </a:extLst>
+          </p:cNvPr>
+          <p:cNvCxnSpPr>
+            <a:cxnSpLocks/>
+          </p:cNvCxnSpPr>
+          <p:nvPr/>
+        </p:nvCxnSpPr>
+        <p:spPr>
+          <a:xfrm flipV="1">
+            <a:off x="3632200" y="4552950"/>
+            <a:ext cx="4083050" cy="1289960"/>
+          </a:xfrm>
+          <a:prstGeom prst="straightConnector1">
+            <a:avLst/>
+          </a:prstGeom>
+          <a:ln w="28575">
+            <a:solidFill>
+              <a:srgbClr val="009EE6"/>
+            </a:solidFill>
+            <a:prstDash val="sysDash"/>
+            <a:headEnd type="none" w="med" len="med"/>
+            <a:tailEnd type="arrow" w="med" len="med"/>
+          </a:ln>
+          <a:effectLst>
+            <a:outerShdw blurRad="50800" dist="38100" algn="l" rotWithShape="0">
+              <a:prstClr val="black">
+                <a:alpha val="40000"/>
+              </a:prstClr>
+            </a:outerShdw>
+          </a:effectLst>
+        </p:spPr>
+        <p:style>
+          <a:lnRef idx="1">
+            <a:schemeClr val="accent1"/>
+          </a:lnRef>
+          <a:fillRef idx="0">
+            <a:schemeClr val="accent1"/>
+          </a:fillRef>
+          <a:effectRef idx="0">
+            <a:schemeClr val="accent1"/>
+          </a:effectRef>
+          <a:fontRef idx="minor">
+            <a:schemeClr val="tx1"/>
+          </a:fontRef>
+        </p:style>
+      </p:cxnSp>
+      <p:cxnSp>
+        <p:nvCxnSpPr>
+          <p:cNvPr id="47" name="Gerade Verbindung mit Pfeil 46">
+            <a:extLst>
+              <a:ext uri="{FF2B5EF4-FFF2-40B4-BE49-F238E27FC236}">
+                <a16:creationId xmlns:a16="http://schemas.microsoft.com/office/drawing/2014/main" id="{CA3F53DE-59E3-4455-A046-E4C30CB86416}"/>
+              </a:ext>
+            </a:extLst>
+          </p:cNvPr>
+          <p:cNvCxnSpPr>
+            <a:cxnSpLocks/>
+          </p:cNvCxnSpPr>
+          <p:nvPr/>
+        </p:nvCxnSpPr>
+        <p:spPr>
+          <a:xfrm flipV="1">
+            <a:off x="3632200" y="4035730"/>
+            <a:ext cx="4038600" cy="1560238"/>
+          </a:xfrm>
+          <a:prstGeom prst="straightConnector1">
+            <a:avLst/>
+          </a:prstGeom>
+          <a:ln w="28575">
+            <a:solidFill>
+              <a:srgbClr val="009EE6"/>
+            </a:solidFill>
+            <a:prstDash val="solid"/>
+            <a:headEnd type="none" w="med" len="med"/>
+            <a:tailEnd type="arrow" w="med" len="med"/>
+          </a:ln>
+          <a:effectLst>
+            <a:outerShdw blurRad="50800" dist="38100" dir="13500000" algn="br" rotWithShape="0">
+              <a:prstClr val="black">
+                <a:alpha val="40000"/>
+              </a:prstClr>
+            </a:outerShdw>
+          </a:effectLst>
+        </p:spPr>
+        <p:style>
+          <a:lnRef idx="1">
+            <a:schemeClr val="accent1"/>
+          </a:lnRef>
+          <a:fillRef idx="0">
+            <a:schemeClr val="accent1"/>
+          </a:fillRef>
+          <a:effectRef idx="0">
+            <a:schemeClr val="accent1"/>
+          </a:effectRef>
+          <a:fontRef idx="minor">
+            <a:schemeClr val="tx1"/>
+          </a:fontRef>
+        </p:style>
+      </p:cxnSp>
+      <p:cxnSp>
+        <p:nvCxnSpPr>
+          <p:cNvPr id="48" name="Gerade Verbindung mit Pfeil 47">
+            <a:extLst>
+              <a:ext uri="{FF2B5EF4-FFF2-40B4-BE49-F238E27FC236}">
+                <a16:creationId xmlns:a16="http://schemas.microsoft.com/office/drawing/2014/main" id="{4FB817DE-3156-47F6-98ED-5672B0867F8F}"/>
+              </a:ext>
+            </a:extLst>
+          </p:cNvPr>
+          <p:cNvCxnSpPr>
+            <a:cxnSpLocks/>
+          </p:cNvCxnSpPr>
+          <p:nvPr/>
+        </p:nvCxnSpPr>
+        <p:spPr>
+          <a:xfrm>
+            <a:off x="5194300" y="3869909"/>
+            <a:ext cx="2476500" cy="0"/>
+          </a:xfrm>
+          <a:prstGeom prst="straightConnector1">
+            <a:avLst/>
+          </a:prstGeom>
+          <a:ln w="28575">
+            <a:solidFill>
+              <a:srgbClr val="009EE6"/>
+            </a:solidFill>
+            <a:prstDash val="solid"/>
+            <a:headEnd type="none" w="med" len="med"/>
+            <a:tailEnd type="arrow" w="med" len="med"/>
+          </a:ln>
+          <a:effectLst>
+            <a:outerShdw blurRad="50800" dist="38100" dir="13500000" algn="br" rotWithShape="0">
+              <a:prstClr val="black">
+                <a:alpha val="40000"/>
+              </a:prstClr>
+            </a:outerShdw>
+          </a:effectLst>
+        </p:spPr>
+        <p:style>
+          <a:lnRef idx="1">
+            <a:schemeClr val="accent1"/>
+          </a:lnRef>
+          <a:fillRef idx="0">
+            <a:schemeClr val="accent1"/>
+          </a:fillRef>
+          <a:effectRef idx="0">
+            <a:schemeClr val="accent1"/>
+          </a:effectRef>
+          <a:fontRef idx="minor">
+            <a:schemeClr val="tx1"/>
+          </a:fontRef>
+        </p:style>
+      </p:cxnSp>
+      <p:cxnSp>
+        <p:nvCxnSpPr>
+          <p:cNvPr id="53" name="Gerade Verbindung mit Pfeil 52">
+            <a:extLst>
+              <a:ext uri="{FF2B5EF4-FFF2-40B4-BE49-F238E27FC236}">
+                <a16:creationId xmlns:a16="http://schemas.microsoft.com/office/drawing/2014/main" id="{B6B1BE60-1654-4531-BDED-8C05DB0324D8}"/>
+              </a:ext>
+            </a:extLst>
+          </p:cNvPr>
+          <p:cNvCxnSpPr>
+            <a:cxnSpLocks/>
+          </p:cNvCxnSpPr>
+          <p:nvPr/>
+        </p:nvCxnSpPr>
+        <p:spPr>
+          <a:xfrm flipV="1">
+            <a:off x="4927600" y="3479276"/>
+            <a:ext cx="2743200" cy="1336574"/>
+          </a:xfrm>
+          <a:prstGeom prst="straightConnector1">
+            <a:avLst/>
+          </a:prstGeom>
+          <a:ln w="28575">
+            <a:solidFill>
+              <a:srgbClr val="009EE6"/>
+            </a:solidFill>
+            <a:prstDash val="solid"/>
+            <a:headEnd type="none" w="med" len="med"/>
+            <a:tailEnd type="arrow" w="med" len="med"/>
+          </a:ln>
+          <a:effectLst>
+            <a:outerShdw blurRad="50800" dist="38100" dir="13500000" algn="br" rotWithShape="0">
+              <a:prstClr val="black">
+                <a:alpha val="40000"/>
+              </a:prstClr>
+            </a:outerShdw>
+          </a:effectLst>
+        </p:spPr>
+        <p:style>
+          <a:lnRef idx="1">
+            <a:schemeClr val="accent1"/>
+          </a:lnRef>
+          <a:fillRef idx="0">
+            <a:schemeClr val="accent1"/>
+          </a:fillRef>
+          <a:effectRef idx="0">
+            <a:schemeClr val="accent1"/>
+          </a:effectRef>
+          <a:fontRef idx="minor">
+            <a:schemeClr val="tx1"/>
+          </a:fontRef>
+        </p:style>
+      </p:cxnSp>
+      <p:cxnSp>
+        <p:nvCxnSpPr>
+          <p:cNvPr id="56" name="Gerade Verbindung mit Pfeil 55">
+            <a:extLst>
+              <a:ext uri="{FF2B5EF4-FFF2-40B4-BE49-F238E27FC236}">
+                <a16:creationId xmlns:a16="http://schemas.microsoft.com/office/drawing/2014/main" id="{083EA503-035E-481D-BD6E-8E92BBB81C69}"/>
+              </a:ext>
+            </a:extLst>
+          </p:cNvPr>
+          <p:cNvCxnSpPr>
+            <a:cxnSpLocks/>
+          </p:cNvCxnSpPr>
+          <p:nvPr/>
+        </p:nvCxnSpPr>
+        <p:spPr>
+          <a:xfrm>
+            <a:off x="3194050" y="2195205"/>
+            <a:ext cx="4476750" cy="963520"/>
+          </a:xfrm>
+          <a:prstGeom prst="straightConnector1">
+            <a:avLst/>
+          </a:prstGeom>
+          <a:ln w="28575">
+            <a:solidFill>
+              <a:srgbClr val="009EE6"/>
+            </a:solidFill>
+            <a:prstDash val="solid"/>
+            <a:headEnd type="none" w="med" len="med"/>
+            <a:tailEnd type="arrow" w="med" len="med"/>
+          </a:ln>
+          <a:effectLst>
+            <a:outerShdw blurRad="50800" dist="38100" dir="13500000" algn="br" rotWithShape="0">
+              <a:prstClr val="black">
+                <a:alpha val="40000"/>
+              </a:prstClr>
+            </a:outerShdw>
+          </a:effectLst>
+        </p:spPr>
+        <p:style>
+          <a:lnRef idx="1">
+            <a:schemeClr val="accent1"/>
+          </a:lnRef>
+          <a:fillRef idx="0">
+            <a:schemeClr val="accent1"/>
+          </a:fillRef>
+          <a:effectRef idx="0">
+            <a:schemeClr val="accent1"/>
+          </a:effectRef>
+          <a:fontRef idx="minor">
+            <a:schemeClr val="tx1"/>
+          </a:fontRef>
+        </p:style>
+      </p:cxnSp>
+      <p:cxnSp>
+        <p:nvCxnSpPr>
+          <p:cNvPr id="59" name="Gerade Verbindung mit Pfeil 58">
+            <a:extLst>
+              <a:ext uri="{FF2B5EF4-FFF2-40B4-BE49-F238E27FC236}">
+                <a16:creationId xmlns:a16="http://schemas.microsoft.com/office/drawing/2014/main" id="{2AF50625-9040-4694-BB6B-006A9FEBFC39}"/>
+              </a:ext>
+            </a:extLst>
+          </p:cNvPr>
+          <p:cNvCxnSpPr>
+            <a:cxnSpLocks/>
+          </p:cNvCxnSpPr>
+          <p:nvPr/>
+        </p:nvCxnSpPr>
+        <p:spPr>
+          <a:xfrm flipV="1">
+            <a:off x="4349750" y="2673611"/>
+            <a:ext cx="3365500" cy="327259"/>
+          </a:xfrm>
+          <a:prstGeom prst="straightConnector1">
+            <a:avLst/>
+          </a:prstGeom>
+          <a:ln w="28575">
+            <a:solidFill>
+              <a:srgbClr val="009EE6"/>
+            </a:solidFill>
+            <a:prstDash val="solid"/>
+            <a:headEnd type="none" w="med" len="med"/>
+            <a:tailEnd type="arrow" w="med" len="med"/>
+          </a:ln>
+          <a:effectLst>
+            <a:outerShdw blurRad="50800" dist="38100" dir="13500000" algn="br" rotWithShape="0">
+              <a:prstClr val="black">
+                <a:alpha val="40000"/>
+              </a:prstClr>
+            </a:outerShdw>
+          </a:effectLst>
+        </p:spPr>
+        <p:style>
+          <a:lnRef idx="1">
+            <a:schemeClr val="accent1"/>
+          </a:lnRef>
+          <a:fillRef idx="0">
+            <a:schemeClr val="accent1"/>
+          </a:fillRef>
+          <a:effectRef idx="0">
+            <a:schemeClr val="accent1"/>
+          </a:effectRef>
+          <a:fontRef idx="minor">
+            <a:schemeClr val="tx1"/>
+          </a:fontRef>
+        </p:style>
+      </p:cxnSp>
+      <p:sp>
+        <p:nvSpPr>
+          <p:cNvPr id="63" name="Textfeld 62">
+            <a:extLst>
+              <a:ext uri="{FF2B5EF4-FFF2-40B4-BE49-F238E27FC236}">
+                <a16:creationId xmlns:a16="http://schemas.microsoft.com/office/drawing/2014/main" id="{AA1BBE34-DC48-4F9E-BD73-C1FEC2031FA3}"/>
+              </a:ext>
+            </a:extLst>
+          </p:cNvPr>
+          <p:cNvSpPr txBox="1"/>
+          <p:nvPr/>
+        </p:nvSpPr>
+        <p:spPr>
+          <a:xfrm>
+            <a:off x="7874000" y="3461538"/>
+            <a:ext cx="3216067" cy="630942"/>
+          </a:xfrm>
+          <a:prstGeom prst="rect">
+            <a:avLst/>
+          </a:prstGeom>
+          <a:noFill/>
+        </p:spPr>
+        <p:txBody>
+          <a:bodyPr wrap="square" rtlCol="0">
+            <a:spAutoFit/>
+          </a:bodyPr>
+          <a:lstStyle/>
+          <a:p>
+            <a:pPr>
+              <a:lnSpc>
+                <a:spcPct val="200000"/>
+              </a:lnSpc>
+            </a:pPr>
+            <a:r>
+              <a:rPr lang="de-DE" sz="2000" dirty="0">
+                <a:solidFill>
+                  <a:schemeClr val="tx1">
+                    <a:lumMod val="95000"/>
+                    <a:lumOff val="5000"/>
+                  </a:schemeClr>
+                </a:solidFill>
+                <a:latin typeface="MetaPro-Medium" panose="02000503040000020004" pitchFamily="2" charset="0"/>
+              </a:rPr>
+              <a:t>     Dienstplan</a:t>
+            </a:r>
+          </a:p>
+        </p:txBody>
+      </p:sp>
+    </p:spTree>
+    <p:extLst>
+      <p:ext uri="{BB962C8B-B14F-4D97-AF65-F5344CB8AC3E}">
+        <p14:creationId xmlns:p14="http://schemas.microsoft.com/office/powerpoint/2010/main" val="1249475066"/>
+      </p:ext>
+    </p:extLst>
+  </p:cSld>
+  <p:clrMapOvr>
+    <a:masterClrMapping/>
+  </p:clrMapOvr>
+  <mc:AlternateContent xmlns:mc="http://schemas.openxmlformats.org/markup-compatibility/2006">
+    <mc:Choice xmlns:p159="http://schemas.microsoft.com/office/powerpoint/2015/09/main" Requires="p159">
+      <p:transition>
+        <p159:morph option="byObject"/>
+      </p:transition>
+    </mc:Choice>
+    <mc:Fallback>
+      <p:transition>
+        <p:fade/>
+      </p:transition>
+    </mc:Fallback>
+  </mc:AlternateContent>
+</p:sld>
+</file>
+
+<file path=ppt/slides/slide15.xml><?xml version="1.0" encoding="utf-8"?>
+<p:sld xmlns:a="http://schemas.openxmlformats.org/drawingml/2006/main" xmlns:r="http://schemas.openxmlformats.org/officeDocument/2006/relationships" xmlns:p="http://schemas.openxmlformats.org/presentationml/2006/main">
+  <p:cSld>
+    <p:spTree>
+      <p:nvGrpSpPr>
+        <p:cNvPr id="1" name=""/>
+        <p:cNvGrpSpPr/>
+        <p:nvPr/>
+      </p:nvGrpSpPr>
+      <p:grpSpPr>
+        <a:xfrm>
+          <a:off x="0" y="0"/>
+          <a:ext cx="0" cy="0"/>
+          <a:chOff x="0" y="0"/>
+          <a:chExt cx="0" cy="0"/>
+        </a:xfrm>
+      </p:grpSpPr>
+      <p:sp>
+        <p:nvSpPr>
+          <p:cNvPr id="17" name="Textfeld 16">
+            <a:extLst>
+              <a:ext uri="{FF2B5EF4-FFF2-40B4-BE49-F238E27FC236}">
+                <a16:creationId xmlns:a16="http://schemas.microsoft.com/office/drawing/2014/main" id="{3DF457D7-637C-45F1-B2B4-C8D74F7EB967}"/>
+              </a:ext>
+            </a:extLst>
+          </p:cNvPr>
+          <p:cNvSpPr txBox="1"/>
+          <p:nvPr/>
+        </p:nvSpPr>
+        <p:spPr>
+          <a:xfrm>
+            <a:off x="529389" y="465815"/>
+            <a:ext cx="5566612" cy="707886"/>
+          </a:xfrm>
+          <a:prstGeom prst="rect">
+            <a:avLst/>
+          </a:prstGeom>
+          <a:noFill/>
+        </p:spPr>
+        <p:txBody>
+          <a:bodyPr wrap="square" rtlCol="0">
+            <a:spAutoFit/>
+          </a:bodyPr>
+          <a:lstStyle/>
+          <a:p>
+            <a:r>
+              <a:rPr lang="de-DE" sz="4000" kern="1400" spc="-50" dirty="0">
+                <a:solidFill>
+                  <a:srgbClr val="003399"/>
+                </a:solidFill>
+                <a:latin typeface="Meta Std Normal" panose="020B0504030101020102" pitchFamily="34" charset="0"/>
+                <a:cs typeface="Times New Roman" panose="02020603050405020304" pitchFamily="18" charset="0"/>
+              </a:rPr>
+              <a:t>Umsetzung</a:t>
+            </a:r>
+            <a:endParaRPr lang="de-CH" sz="4000" dirty="0">
+              <a:solidFill>
+                <a:srgbClr val="003399"/>
+              </a:solidFill>
+              <a:latin typeface="Meta Std Normal" panose="020B0504030101020102" pitchFamily="34" charset="0"/>
+            </a:endParaRPr>
+          </a:p>
+        </p:txBody>
+      </p:sp>
+      <p:pic>
+        <p:nvPicPr>
+          <p:cNvPr id="8" name="Grafik 7">
+            <a:extLst>
+              <a:ext uri="{FF2B5EF4-FFF2-40B4-BE49-F238E27FC236}">
+                <a16:creationId xmlns:a16="http://schemas.microsoft.com/office/drawing/2014/main" id="{ADCD8697-1FCF-47EA-81CF-51DDEAABDF03}"/>
+              </a:ext>
+            </a:extLst>
+          </p:cNvPr>
+          <p:cNvPicPr/>
+          <p:nvPr/>
+        </p:nvPicPr>
+        <p:blipFill rotWithShape="1">
+          <a:blip r:embed="rId2">
+            <a:extLst>
+              <a:ext uri="{28A0092B-C50C-407E-A947-70E740481C1C}">
+                <a14:useLocalDpi xmlns:a14="http://schemas.microsoft.com/office/drawing/2010/main" val="0"/>
+              </a:ext>
+            </a:extLst>
+          </a:blip>
+          <a:srcRect l="3810" r="4580" b="40683"/>
+          <a:stretch/>
+        </p:blipFill>
+        <p:spPr bwMode="auto">
+          <a:xfrm>
+            <a:off x="0" y="6711949"/>
+            <a:ext cx="12192000" cy="146051"/>
+          </a:xfrm>
+          <a:prstGeom prst="rect">
+            <a:avLst/>
+          </a:prstGeom>
+          <a:noFill/>
+          <a:ln>
+            <a:noFill/>
+          </a:ln>
+        </p:spPr>
+      </p:pic>
+      <p:pic>
+        <p:nvPicPr>
+          <p:cNvPr id="12" name="Grafik 11">
+            <a:extLst>
+              <a:ext uri="{FF2B5EF4-FFF2-40B4-BE49-F238E27FC236}">
+                <a16:creationId xmlns:a16="http://schemas.microsoft.com/office/drawing/2014/main" id="{4277F3D5-167F-4BA2-BDEE-7FBC2BEF527D}"/>
+              </a:ext>
+            </a:extLst>
+          </p:cNvPr>
+          <p:cNvPicPr>
+            <a:picLocks noChangeAspect="1"/>
+          </p:cNvPicPr>
+          <p:nvPr/>
+        </p:nvPicPr>
+        <p:blipFill>
+          <a:blip r:embed="rId3">
+            <a:extLst>
+              <a:ext uri="{28A0092B-C50C-407E-A947-70E740481C1C}">
+                <a14:useLocalDpi xmlns:a14="http://schemas.microsoft.com/office/drawing/2010/main" val="0"/>
+              </a:ext>
+            </a:extLst>
+          </a:blip>
+          <a:stretch>
+            <a:fillRect/>
+          </a:stretch>
+        </p:blipFill>
+        <p:spPr>
+          <a:xfrm>
+            <a:off x="9926611" y="5968478"/>
+            <a:ext cx="1912571" cy="503308"/>
+          </a:xfrm>
+          <a:prstGeom prst="rect">
+            <a:avLst/>
+          </a:prstGeom>
+        </p:spPr>
+      </p:pic>
+      <p:sp>
+        <p:nvSpPr>
+          <p:cNvPr id="4" name="Textfeld 3">
+            <a:extLst>
+              <a:ext uri="{FF2B5EF4-FFF2-40B4-BE49-F238E27FC236}">
+                <a16:creationId xmlns:a16="http://schemas.microsoft.com/office/drawing/2014/main" id="{59576528-BDCE-4B4B-AAAC-96DA04EE5EA0}"/>
+              </a:ext>
+            </a:extLst>
+          </p:cNvPr>
+          <p:cNvSpPr txBox="1"/>
+          <p:nvPr/>
+        </p:nvSpPr>
+        <p:spPr>
+          <a:xfrm>
+            <a:off x="838200" y="130609"/>
+            <a:ext cx="2074069" cy="261610"/>
+          </a:xfrm>
+          <a:prstGeom prst="rect">
+            <a:avLst/>
+          </a:prstGeom>
+          <a:noFill/>
+        </p:spPr>
+        <p:txBody>
+          <a:bodyPr wrap="square" rtlCol="0">
+            <a:spAutoFit/>
+          </a:bodyPr>
+          <a:lstStyle/>
+          <a:p>
+            <a:pPr algn="ctr"/>
+            <a:r>
+              <a:rPr lang="de-DE" sz="1100" dirty="0">
+                <a:solidFill>
+                  <a:schemeClr val="tx1">
+                    <a:lumMod val="50000"/>
+                    <a:lumOff val="50000"/>
+                  </a:schemeClr>
+                </a:solidFill>
+                <a:latin typeface="Meta Std Normal" panose="020B0504030101020102" pitchFamily="34" charset="0"/>
+              </a:rPr>
+              <a:t>Ursprung &amp; Umgebung</a:t>
+            </a:r>
+          </a:p>
+        </p:txBody>
+      </p:sp>
+      <p:sp>
+        <p:nvSpPr>
+          <p:cNvPr id="15" name="Textfeld 14">
+            <a:extLst>
+              <a:ext uri="{FF2B5EF4-FFF2-40B4-BE49-F238E27FC236}">
+                <a16:creationId xmlns:a16="http://schemas.microsoft.com/office/drawing/2014/main" id="{A78CFF66-02E0-4579-9AB3-1C2714806374}"/>
+              </a:ext>
+            </a:extLst>
+          </p:cNvPr>
+          <p:cNvSpPr txBox="1"/>
+          <p:nvPr/>
+        </p:nvSpPr>
+        <p:spPr>
+          <a:xfrm>
+            <a:off x="3581400" y="130609"/>
+            <a:ext cx="2074069" cy="261610"/>
+          </a:xfrm>
+          <a:prstGeom prst="rect">
+            <a:avLst/>
+          </a:prstGeom>
+          <a:noFill/>
+        </p:spPr>
+        <p:txBody>
+          <a:bodyPr wrap="square" rtlCol="0">
+            <a:spAutoFit/>
+          </a:bodyPr>
+          <a:lstStyle/>
+          <a:p>
+            <a:pPr algn="ctr"/>
+            <a:r>
+              <a:rPr lang="de-DE" sz="1100" dirty="0">
+                <a:solidFill>
+                  <a:srgbClr val="009EE6"/>
+                </a:solidFill>
+                <a:latin typeface="Meta Std Normal" panose="020B0504030101020102" pitchFamily="34" charset="0"/>
+              </a:rPr>
+              <a:t>Realisierung</a:t>
+            </a:r>
+          </a:p>
+        </p:txBody>
+      </p:sp>
+      <p:sp>
+        <p:nvSpPr>
+          <p:cNvPr id="21" name="Textfeld 20">
+            <a:extLst>
+              <a:ext uri="{FF2B5EF4-FFF2-40B4-BE49-F238E27FC236}">
+                <a16:creationId xmlns:a16="http://schemas.microsoft.com/office/drawing/2014/main" id="{7CD28F71-6880-44F4-9EC4-6F1897DFE100}"/>
+              </a:ext>
+            </a:extLst>
+          </p:cNvPr>
+          <p:cNvSpPr txBox="1"/>
+          <p:nvPr/>
+        </p:nvSpPr>
+        <p:spPr>
+          <a:xfrm>
+            <a:off x="6430565" y="130609"/>
+            <a:ext cx="2074069" cy="261610"/>
+          </a:xfrm>
+          <a:prstGeom prst="rect">
+            <a:avLst/>
+          </a:prstGeom>
+          <a:noFill/>
+        </p:spPr>
+        <p:txBody>
+          <a:bodyPr wrap="square" rtlCol="0">
+            <a:spAutoFit/>
+          </a:bodyPr>
+          <a:lstStyle/>
+          <a:p>
+            <a:pPr algn="ctr"/>
+            <a:r>
+              <a:rPr lang="de-DE" sz="1100" dirty="0">
+                <a:solidFill>
+                  <a:schemeClr val="tx1">
+                    <a:lumMod val="50000"/>
+                    <a:lumOff val="50000"/>
+                  </a:schemeClr>
+                </a:solidFill>
+                <a:latin typeface="Meta Std Normal" panose="020B0504030101020102" pitchFamily="34" charset="0"/>
+              </a:rPr>
+              <a:t>Resultat</a:t>
+            </a:r>
+          </a:p>
+        </p:txBody>
+      </p:sp>
+      <p:sp>
+        <p:nvSpPr>
+          <p:cNvPr id="23" name="Textfeld 22">
+            <a:extLst>
+              <a:ext uri="{FF2B5EF4-FFF2-40B4-BE49-F238E27FC236}">
+                <a16:creationId xmlns:a16="http://schemas.microsoft.com/office/drawing/2014/main" id="{50BA6159-800C-409E-9350-B7DBA9E76E62}"/>
+              </a:ext>
+            </a:extLst>
+          </p:cNvPr>
+          <p:cNvSpPr txBox="1"/>
+          <p:nvPr/>
+        </p:nvSpPr>
+        <p:spPr>
+          <a:xfrm>
+            <a:off x="9279731" y="130609"/>
+            <a:ext cx="2074069" cy="261610"/>
+          </a:xfrm>
+          <a:prstGeom prst="rect">
+            <a:avLst/>
+          </a:prstGeom>
+          <a:noFill/>
+        </p:spPr>
+        <p:txBody>
+          <a:bodyPr wrap="square" rtlCol="0">
+            <a:spAutoFit/>
+          </a:bodyPr>
+          <a:lstStyle/>
+          <a:p>
+            <a:pPr algn="ctr"/>
+            <a:r>
+              <a:rPr lang="de-DE" sz="1100" dirty="0">
+                <a:solidFill>
+                  <a:schemeClr val="tx1">
+                    <a:lumMod val="50000"/>
+                    <a:lumOff val="50000"/>
+                  </a:schemeClr>
+                </a:solidFill>
+                <a:latin typeface="Meta Std Normal" panose="020B0504030101020102" pitchFamily="34" charset="0"/>
+              </a:rPr>
+              <a:t>Evaluierung</a:t>
+            </a:r>
+          </a:p>
+        </p:txBody>
+      </p:sp>
+      <p:sp>
+        <p:nvSpPr>
+          <p:cNvPr id="63" name="Textfeld 62">
+            <a:extLst>
+              <a:ext uri="{FF2B5EF4-FFF2-40B4-BE49-F238E27FC236}">
+                <a16:creationId xmlns:a16="http://schemas.microsoft.com/office/drawing/2014/main" id="{AA1BBE34-DC48-4F9E-BD73-C1FEC2031FA3}"/>
+              </a:ext>
+            </a:extLst>
+          </p:cNvPr>
+          <p:cNvSpPr txBox="1"/>
+          <p:nvPr/>
+        </p:nvSpPr>
+        <p:spPr>
+          <a:xfrm>
+            <a:off x="529387" y="993862"/>
+            <a:ext cx="3216067" cy="506870"/>
+          </a:xfrm>
+          <a:prstGeom prst="rect">
+            <a:avLst/>
+          </a:prstGeom>
+          <a:noFill/>
+        </p:spPr>
+        <p:txBody>
+          <a:bodyPr wrap="square" rtlCol="0">
+            <a:spAutoFit/>
+          </a:bodyPr>
+          <a:lstStyle/>
+          <a:p>
+            <a:pPr>
+              <a:lnSpc>
+                <a:spcPct val="200000"/>
+              </a:lnSpc>
+            </a:pPr>
+            <a:r>
+              <a:rPr lang="de-DE" sz="1600" dirty="0">
+                <a:solidFill>
+                  <a:srgbClr val="009EE6"/>
+                </a:solidFill>
+                <a:latin typeface="Meta Std Normal" panose="020B0504030101020102" pitchFamily="34" charset="0"/>
+              </a:rPr>
+              <a:t>Dienstplan</a:t>
+            </a:r>
+          </a:p>
+        </p:txBody>
+      </p:sp>
+      <p:pic>
+        <p:nvPicPr>
+          <p:cNvPr id="3" name="Grafik 2" descr="Ein Bild, das Screenshot, Elektronik enthält.&#10;&#10;Automatisch generierte Beschreibung">
+            <a:extLst>
+              <a:ext uri="{FF2B5EF4-FFF2-40B4-BE49-F238E27FC236}">
+                <a16:creationId xmlns:a16="http://schemas.microsoft.com/office/drawing/2014/main" id="{4B54C89F-3A99-480C-B791-54B46B57995E}"/>
+              </a:ext>
+            </a:extLst>
+          </p:cNvPr>
+          <p:cNvPicPr>
+            <a:picLocks noChangeAspect="1"/>
+          </p:cNvPicPr>
+          <p:nvPr/>
+        </p:nvPicPr>
+        <p:blipFill>
+          <a:blip r:embed="rId4">
+            <a:extLst>
+              <a:ext uri="{28A0092B-C50C-407E-A947-70E740481C1C}">
+                <a14:useLocalDpi xmlns:a14="http://schemas.microsoft.com/office/drawing/2010/main" val="0"/>
+              </a:ext>
+            </a:extLst>
+          </a:blip>
+          <a:stretch>
+            <a:fillRect/>
+          </a:stretch>
+        </p:blipFill>
+        <p:spPr>
+          <a:xfrm>
+            <a:off x="1060784" y="1787798"/>
+            <a:ext cx="10070431" cy="3562892"/>
+          </a:xfrm>
+          <a:prstGeom prst="rect">
+            <a:avLst/>
+          </a:prstGeom>
+        </p:spPr>
+      </p:pic>
+    </p:spTree>
+    <p:extLst>
+      <p:ext uri="{BB962C8B-B14F-4D97-AF65-F5344CB8AC3E}">
+        <p14:creationId xmlns:p14="http://schemas.microsoft.com/office/powerpoint/2010/main" val="3971077207"/>
+      </p:ext>
+    </p:extLst>
+  </p:cSld>
+  <p:clrMapOvr>
+    <a:masterClrMapping/>
+  </p:clrMapOvr>
+  <mc:AlternateContent xmlns:mc="http://schemas.openxmlformats.org/markup-compatibility/2006">
+    <mc:Choice xmlns:p159="http://schemas.microsoft.com/office/powerpoint/2015/09/main" Requires="p159">
+      <p:transition spd="med">
+        <p159:morph option="byObject"/>
+      </p:transition>
+    </mc:Choice>
+    <mc:Fallback>
+      <p:transition spd="med">
+        <p:fade/>
+      </p:transition>
+    </mc:Fallback>
+  </mc:AlternateContent>
+</p:sld>
+</file>
+
+<file path=ppt/slides/slide16.xml><?xml version="1.0" encoding="utf-8"?>
+<p:sld xmlns:a="http://schemas.openxmlformats.org/drawingml/2006/main" xmlns:r="http://schemas.openxmlformats.org/officeDocument/2006/relationships" xmlns:p="http://schemas.openxmlformats.org/presentationml/2006/main">
+  <p:cSld>
+    <p:spTree>
+      <p:nvGrpSpPr>
+        <p:cNvPr id="1" name=""/>
+        <p:cNvGrpSpPr/>
+        <p:nvPr/>
+      </p:nvGrpSpPr>
+      <p:grpSpPr>
+        <a:xfrm>
+          <a:off x="0" y="0"/>
+          <a:ext cx="0" cy="0"/>
+          <a:chOff x="0" y="0"/>
+          <a:chExt cx="0" cy="0"/>
+        </a:xfrm>
+      </p:grpSpPr>
+      <p:sp>
+        <p:nvSpPr>
+          <p:cNvPr id="17" name="Textfeld 16">
+            <a:extLst>
+              <a:ext uri="{FF2B5EF4-FFF2-40B4-BE49-F238E27FC236}">
+                <a16:creationId xmlns:a16="http://schemas.microsoft.com/office/drawing/2014/main" id="{3DF457D7-637C-45F1-B2B4-C8D74F7EB967}"/>
+              </a:ext>
+            </a:extLst>
+          </p:cNvPr>
+          <p:cNvSpPr txBox="1"/>
+          <p:nvPr/>
+        </p:nvSpPr>
+        <p:spPr>
+          <a:xfrm>
+            <a:off x="529389" y="465815"/>
+            <a:ext cx="6707606" cy="707886"/>
+          </a:xfrm>
+          <a:prstGeom prst="rect">
+            <a:avLst/>
+          </a:prstGeom>
+          <a:noFill/>
+        </p:spPr>
+        <p:txBody>
+          <a:bodyPr wrap="square" rtlCol="0">
+            <a:spAutoFit/>
+          </a:bodyPr>
+          <a:lstStyle/>
+          <a:p>
+            <a:r>
+              <a:rPr lang="de-DE" sz="4000" kern="1400" spc="-50" dirty="0">
+                <a:solidFill>
+                  <a:srgbClr val="003399"/>
+                </a:solidFill>
+                <a:latin typeface="Meta Std Normal" panose="020B0504030101020102" pitchFamily="34" charset="0"/>
+                <a:cs typeface="Times New Roman" panose="02020603050405020304" pitchFamily="18" charset="0"/>
+              </a:rPr>
+              <a:t>Demo</a:t>
+            </a:r>
+            <a:endParaRPr lang="de-CH" sz="4000" dirty="0">
+              <a:solidFill>
+                <a:srgbClr val="003399"/>
+              </a:solidFill>
+              <a:latin typeface="Meta Std Normal" panose="020B0504030101020102" pitchFamily="34" charset="0"/>
+            </a:endParaRPr>
+          </a:p>
+        </p:txBody>
+      </p:sp>
+      <p:pic>
+        <p:nvPicPr>
+          <p:cNvPr id="8" name="Grafik 7">
+            <a:extLst>
+              <a:ext uri="{FF2B5EF4-FFF2-40B4-BE49-F238E27FC236}">
+                <a16:creationId xmlns:a16="http://schemas.microsoft.com/office/drawing/2014/main" id="{ADCD8697-1FCF-47EA-81CF-51DDEAABDF03}"/>
+              </a:ext>
+            </a:extLst>
+          </p:cNvPr>
+          <p:cNvPicPr/>
+          <p:nvPr/>
+        </p:nvPicPr>
+        <p:blipFill rotWithShape="1">
+          <a:blip r:embed="rId2">
+            <a:extLst>
+              <a:ext uri="{28A0092B-C50C-407E-A947-70E740481C1C}">
+                <a14:useLocalDpi xmlns:a14="http://schemas.microsoft.com/office/drawing/2010/main" val="0"/>
+              </a:ext>
+            </a:extLst>
+          </a:blip>
+          <a:srcRect l="3810" r="4580" b="40683"/>
+          <a:stretch/>
+        </p:blipFill>
+        <p:spPr bwMode="auto">
+          <a:xfrm>
+            <a:off x="0" y="6711949"/>
+            <a:ext cx="12192000" cy="146051"/>
+          </a:xfrm>
+          <a:prstGeom prst="rect">
+            <a:avLst/>
+          </a:prstGeom>
+          <a:noFill/>
+          <a:ln>
+            <a:noFill/>
+          </a:ln>
+        </p:spPr>
+      </p:pic>
+      <p:pic>
+        <p:nvPicPr>
+          <p:cNvPr id="12" name="Grafik 11">
+            <a:extLst>
+              <a:ext uri="{FF2B5EF4-FFF2-40B4-BE49-F238E27FC236}">
+                <a16:creationId xmlns:a16="http://schemas.microsoft.com/office/drawing/2014/main" id="{4277F3D5-167F-4BA2-BDEE-7FBC2BEF527D}"/>
+              </a:ext>
+            </a:extLst>
+          </p:cNvPr>
+          <p:cNvPicPr>
+            <a:picLocks noChangeAspect="1"/>
+          </p:cNvPicPr>
+          <p:nvPr/>
+        </p:nvPicPr>
+        <p:blipFill>
+          <a:blip r:embed="rId3">
+            <a:extLst>
+              <a:ext uri="{28A0092B-C50C-407E-A947-70E740481C1C}">
+                <a14:useLocalDpi xmlns:a14="http://schemas.microsoft.com/office/drawing/2010/main" val="0"/>
+              </a:ext>
+            </a:extLst>
+          </a:blip>
+          <a:stretch>
+            <a:fillRect/>
+          </a:stretch>
+        </p:blipFill>
+        <p:spPr>
+          <a:xfrm>
+            <a:off x="9926611" y="5968478"/>
+            <a:ext cx="1912571" cy="503308"/>
+          </a:xfrm>
+          <a:prstGeom prst="rect">
+            <a:avLst/>
+          </a:prstGeom>
+        </p:spPr>
+      </p:pic>
+      <p:sp>
+        <p:nvSpPr>
+          <p:cNvPr id="4" name="Textfeld 3">
+            <a:extLst>
+              <a:ext uri="{FF2B5EF4-FFF2-40B4-BE49-F238E27FC236}">
+                <a16:creationId xmlns:a16="http://schemas.microsoft.com/office/drawing/2014/main" id="{59576528-BDCE-4B4B-AAAC-96DA04EE5EA0}"/>
+              </a:ext>
+            </a:extLst>
+          </p:cNvPr>
+          <p:cNvSpPr txBox="1"/>
+          <p:nvPr/>
+        </p:nvSpPr>
+        <p:spPr>
+          <a:xfrm>
+            <a:off x="838200" y="130609"/>
+            <a:ext cx="2074069" cy="261610"/>
+          </a:xfrm>
+          <a:prstGeom prst="rect">
+            <a:avLst/>
+          </a:prstGeom>
+          <a:noFill/>
+        </p:spPr>
+        <p:txBody>
+          <a:bodyPr wrap="square" rtlCol="0">
+            <a:spAutoFit/>
+          </a:bodyPr>
+          <a:lstStyle/>
+          <a:p>
+            <a:pPr algn="ctr"/>
+            <a:r>
+              <a:rPr lang="de-DE" sz="1100" dirty="0">
+                <a:solidFill>
+                  <a:schemeClr val="tx1">
+                    <a:lumMod val="50000"/>
+                    <a:lumOff val="50000"/>
+                  </a:schemeClr>
+                </a:solidFill>
+                <a:latin typeface="Meta Std Normal" panose="020B0504030101020102" pitchFamily="34" charset="0"/>
+              </a:rPr>
+              <a:t>Ursprung &amp; Umgebung</a:t>
+            </a:r>
+          </a:p>
+        </p:txBody>
+      </p:sp>
+      <p:sp>
+        <p:nvSpPr>
+          <p:cNvPr id="15" name="Textfeld 14">
+            <a:extLst>
+              <a:ext uri="{FF2B5EF4-FFF2-40B4-BE49-F238E27FC236}">
+                <a16:creationId xmlns:a16="http://schemas.microsoft.com/office/drawing/2014/main" id="{A78CFF66-02E0-4579-9AB3-1C2714806374}"/>
+              </a:ext>
+            </a:extLst>
+          </p:cNvPr>
+          <p:cNvSpPr txBox="1"/>
+          <p:nvPr/>
+        </p:nvSpPr>
+        <p:spPr>
+          <a:xfrm>
+            <a:off x="3581400" y="130609"/>
+            <a:ext cx="2074069" cy="261610"/>
+          </a:xfrm>
+          <a:prstGeom prst="rect">
+            <a:avLst/>
+          </a:prstGeom>
+          <a:noFill/>
+        </p:spPr>
+        <p:txBody>
+          <a:bodyPr wrap="square" rtlCol="0">
+            <a:spAutoFit/>
+          </a:bodyPr>
+          <a:lstStyle/>
+          <a:p>
+            <a:pPr algn="ctr"/>
+            <a:r>
+              <a:rPr lang="de-DE" sz="1100" dirty="0">
+                <a:solidFill>
+                  <a:schemeClr val="tx1">
+                    <a:lumMod val="50000"/>
+                    <a:lumOff val="50000"/>
+                  </a:schemeClr>
+                </a:solidFill>
+                <a:latin typeface="Meta Std Normal" panose="020B0504030101020102" pitchFamily="34" charset="0"/>
+              </a:rPr>
+              <a:t>Realisierung</a:t>
+            </a:r>
+          </a:p>
+        </p:txBody>
+      </p:sp>
+      <p:sp>
+        <p:nvSpPr>
+          <p:cNvPr id="21" name="Textfeld 20">
+            <a:extLst>
+              <a:ext uri="{FF2B5EF4-FFF2-40B4-BE49-F238E27FC236}">
+                <a16:creationId xmlns:a16="http://schemas.microsoft.com/office/drawing/2014/main" id="{7CD28F71-6880-44F4-9EC4-6F1897DFE100}"/>
+              </a:ext>
+            </a:extLst>
+          </p:cNvPr>
+          <p:cNvSpPr txBox="1"/>
+          <p:nvPr/>
+        </p:nvSpPr>
+        <p:spPr>
+          <a:xfrm>
+            <a:off x="6430565" y="130609"/>
+            <a:ext cx="2074069" cy="261610"/>
+          </a:xfrm>
+          <a:prstGeom prst="rect">
+            <a:avLst/>
+          </a:prstGeom>
+          <a:noFill/>
+        </p:spPr>
+        <p:txBody>
+          <a:bodyPr wrap="square" rtlCol="0">
+            <a:spAutoFit/>
+          </a:bodyPr>
+          <a:lstStyle/>
+          <a:p>
+            <a:pPr algn="ctr"/>
+            <a:r>
+              <a:rPr lang="de-DE" sz="1100" dirty="0">
+                <a:solidFill>
+                  <a:srgbClr val="009EE6"/>
+                </a:solidFill>
+                <a:latin typeface="Meta Std Normal" panose="020B0504030101020102" pitchFamily="34" charset="0"/>
+              </a:rPr>
+              <a:t>Resultat</a:t>
+            </a:r>
+          </a:p>
+        </p:txBody>
+      </p:sp>
+      <p:sp>
+        <p:nvSpPr>
+          <p:cNvPr id="23" name="Textfeld 22">
+            <a:extLst>
+              <a:ext uri="{FF2B5EF4-FFF2-40B4-BE49-F238E27FC236}">
+                <a16:creationId xmlns:a16="http://schemas.microsoft.com/office/drawing/2014/main" id="{50BA6159-800C-409E-9350-B7DBA9E76E62}"/>
+              </a:ext>
+            </a:extLst>
+          </p:cNvPr>
+          <p:cNvSpPr txBox="1"/>
+          <p:nvPr/>
+        </p:nvSpPr>
+        <p:spPr>
+          <a:xfrm>
+            <a:off x="9279731" y="130609"/>
+            <a:ext cx="2074069" cy="261610"/>
+          </a:xfrm>
+          <a:prstGeom prst="rect">
+            <a:avLst/>
+          </a:prstGeom>
+          <a:noFill/>
+        </p:spPr>
+        <p:txBody>
+          <a:bodyPr wrap="square" rtlCol="0">
+            <a:spAutoFit/>
+          </a:bodyPr>
+          <a:lstStyle/>
+          <a:p>
+            <a:pPr algn="ctr"/>
+            <a:r>
+              <a:rPr lang="de-DE" sz="1100" dirty="0">
+                <a:solidFill>
+                  <a:schemeClr val="tx1">
+                    <a:lumMod val="50000"/>
+                    <a:lumOff val="50000"/>
+                  </a:schemeClr>
+                </a:solidFill>
+                <a:latin typeface="Meta Std Normal" panose="020B0504030101020102" pitchFamily="34" charset="0"/>
+              </a:rPr>
+              <a:t>Evaluierung</a:t>
+            </a:r>
+          </a:p>
+        </p:txBody>
+      </p:sp>
+    </p:spTree>
+    <p:extLst>
+      <p:ext uri="{BB962C8B-B14F-4D97-AF65-F5344CB8AC3E}">
+        <p14:creationId xmlns:p14="http://schemas.microsoft.com/office/powerpoint/2010/main" val="1121706379"/>
+      </p:ext>
+    </p:extLst>
+  </p:cSld>
+  <p:clrMapOvr>
+    <a:masterClrMapping/>
+  </p:clrMapOvr>
+  <mc:AlternateContent xmlns:mc="http://schemas.openxmlformats.org/markup-compatibility/2006">
+    <mc:Choice xmlns:p159="http://schemas.microsoft.com/office/powerpoint/2015/09/main" Requires="p159">
+      <p:transition spd="med">
+        <p159:morph option="byObject"/>
+      </p:transition>
+    </mc:Choice>
+    <mc:Fallback>
+      <p:transition spd="med">
+        <p:fade/>
+      </p:transition>
+    </mc:Fallback>
+  </mc:AlternateContent>
+</p:sld>
+</file>
+
 <file path=ppt/slides/slide2.xml><?xml version="1.0" encoding="utf-8"?>
 <p:sld xmlns:a="http://schemas.openxmlformats.org/drawingml/2006/main" xmlns:r="http://schemas.openxmlformats.org/officeDocument/2006/relationships" xmlns:p="http://schemas.openxmlformats.org/presentationml/2006/main">
   <p:cSld>
@@ -4136,10 +10646,10 @@
       </p:sp>
       <p:sp>
         <p:nvSpPr>
-          <p:cNvPr id="27" name="Textfeld 26">
-            <a:extLst>
-              <a:ext uri="{FF2B5EF4-FFF2-40B4-BE49-F238E27FC236}">
-                <a16:creationId xmlns:a16="http://schemas.microsoft.com/office/drawing/2014/main" id="{88EEE4E2-F551-47A9-99FB-5DD85CA8A08A}"/>
+          <p:cNvPr id="13" name="Textfeld 12">
+            <a:extLst>
+              <a:ext uri="{FF2B5EF4-FFF2-40B4-BE49-F238E27FC236}">
+                <a16:creationId xmlns:a16="http://schemas.microsoft.com/office/drawing/2014/main" id="{B584F133-9E7E-42E8-B894-C0D136BCDB3E}"/>
               </a:ext>
             </a:extLst>
           </p:cNvPr>
@@ -4148,8 +10658,8 @@
         </p:nvSpPr>
         <p:spPr>
           <a:xfrm>
-            <a:off x="352816" y="453347"/>
-            <a:ext cx="11486365" cy="707886"/>
+            <a:off x="529389" y="453347"/>
+            <a:ext cx="5566611" cy="707886"/>
           </a:xfrm>
           <a:prstGeom prst="rect">
             <a:avLst/>
@@ -4194,12 +10704,12 @@
   </p:clrMapOvr>
   <mc:AlternateContent xmlns:mc="http://schemas.openxmlformats.org/markup-compatibility/2006">
     <mc:Choice xmlns:p14="http://schemas.microsoft.com/office/powerpoint/2010/main" Requires="p14">
-      <p:transition spd="med" p14:dur="700">
+      <p:transition p14:dur="250">
         <p:fade/>
       </p:transition>
     </mc:Choice>
     <mc:Fallback>
-      <p:transition spd="med">
+      <p:transition>
         <p:fade/>
       </p:transition>
     </mc:Fallback>
@@ -4510,8 +11020,8 @@
         </p:blipFill>
         <p:spPr>
           <a:xfrm>
-            <a:off x="5058965" y="2391965"/>
-            <a:ext cx="2074069" cy="2074069"/>
+            <a:off x="10473693" y="632382"/>
+            <a:ext cx="758111" cy="758111"/>
           </a:xfrm>
           <a:prstGeom prst="rect">
             <a:avLst/>
@@ -4533,7 +11043,7 @@
         <p:spPr>
           <a:xfrm>
             <a:off x="529389" y="453347"/>
-            <a:ext cx="11195385" cy="707886"/>
+            <a:ext cx="5566611" cy="707886"/>
           </a:xfrm>
           <a:prstGeom prst="rect">
             <a:avLst/>
@@ -4563,6 +11073,363 @@
               </a:solidFill>
               <a:latin typeface="Meta Std Normal" panose="020B0504030101020102" pitchFamily="34" charset="0"/>
             </a:endParaRPr>
+          </a:p>
+        </p:txBody>
+      </p:sp>
+      <p:sp>
+        <p:nvSpPr>
+          <p:cNvPr id="10" name="Textfeld 9">
+            <a:extLst>
+              <a:ext uri="{FF2B5EF4-FFF2-40B4-BE49-F238E27FC236}">
+                <a16:creationId xmlns:a16="http://schemas.microsoft.com/office/drawing/2014/main" id="{A737536B-B34F-4EB0-B9C3-22565707D376}"/>
+              </a:ext>
+            </a:extLst>
+          </p:cNvPr>
+          <p:cNvSpPr txBox="1"/>
+          <p:nvPr/>
+        </p:nvSpPr>
+        <p:spPr>
+          <a:xfrm>
+            <a:off x="529388" y="1161233"/>
+            <a:ext cx="5566612" cy="338554"/>
+          </a:xfrm>
+          <a:prstGeom prst="rect">
+            <a:avLst/>
+          </a:prstGeom>
+          <a:noFill/>
+        </p:spPr>
+        <p:txBody>
+          <a:bodyPr wrap="square" rtlCol="0">
+            <a:spAutoFit/>
+          </a:bodyPr>
+          <a:lstStyle/>
+          <a:p>
+            <a:r>
+              <a:rPr lang="de-CH" sz="1600" kern="1400" spc="-50" dirty="0">
+                <a:solidFill>
+                  <a:srgbClr val="009EE6"/>
+                </a:solidFill>
+                <a:latin typeface="Meta Std Normal" panose="020B0504030101020102" pitchFamily="34" charset="0"/>
+                <a:ea typeface="Times New Roman" panose="02020603050405020304" pitchFamily="18" charset="0"/>
+                <a:cs typeface="Times New Roman" panose="02020603050405020304" pitchFamily="18" charset="0"/>
+              </a:rPr>
+              <a:t>Corporate IT Helpdesk</a:t>
+            </a:r>
+            <a:endParaRPr lang="de-CH" sz="1600" dirty="0">
+              <a:solidFill>
+                <a:srgbClr val="009EE6"/>
+              </a:solidFill>
+              <a:latin typeface="Meta Std Normal" panose="020B0504030101020102" pitchFamily="34" charset="0"/>
+            </a:endParaRPr>
+          </a:p>
+        </p:txBody>
+      </p:sp>
+      <p:sp>
+        <p:nvSpPr>
+          <p:cNvPr id="2" name="Textfeld 1">
+            <a:extLst>
+              <a:ext uri="{FF2B5EF4-FFF2-40B4-BE49-F238E27FC236}">
+                <a16:creationId xmlns:a16="http://schemas.microsoft.com/office/drawing/2014/main" id="{6102C854-78B9-44EB-88BD-0F622D305FDB}"/>
+              </a:ext>
+            </a:extLst>
+          </p:cNvPr>
+          <p:cNvSpPr txBox="1"/>
+          <p:nvPr/>
+        </p:nvSpPr>
+        <p:spPr>
+          <a:xfrm>
+            <a:off x="4373172" y="1786134"/>
+            <a:ext cx="3445656" cy="1508105"/>
+          </a:xfrm>
+          <a:prstGeom prst="rect">
+            <a:avLst/>
+          </a:prstGeom>
+          <a:noFill/>
+        </p:spPr>
+        <p:txBody>
+          <a:bodyPr wrap="square" rtlCol="0">
+            <a:spAutoFit/>
+          </a:bodyPr>
+          <a:lstStyle/>
+          <a:p>
+            <a:r>
+              <a:rPr lang="de-DE" sz="2000" dirty="0">
+                <a:solidFill>
+                  <a:schemeClr val="tx1">
+                    <a:lumMod val="95000"/>
+                    <a:lumOff val="5000"/>
+                  </a:schemeClr>
+                </a:solidFill>
+                <a:latin typeface="Meta Std Medium" panose="020B0604030101020102" pitchFamily="34" charset="0"/>
+              </a:rPr>
+              <a:t>Tätigkeiten</a:t>
+            </a:r>
+          </a:p>
+          <a:p>
+            <a:pPr marL="285750" indent="-285750">
+              <a:buFont typeface="Arial" panose="020B0604020202020204" pitchFamily="34" charset="0"/>
+              <a:buChar char="•"/>
+            </a:pPr>
+            <a:r>
+              <a:rPr lang="de-DE" dirty="0">
+                <a:solidFill>
+                  <a:schemeClr val="tx1">
+                    <a:lumMod val="95000"/>
+                    <a:lumOff val="5000"/>
+                  </a:schemeClr>
+                </a:solidFill>
+                <a:latin typeface="MetaPro-Normal" panose="02000503040000020004" pitchFamily="2" charset="0"/>
+              </a:rPr>
+              <a:t>Telefonsupport</a:t>
+            </a:r>
+          </a:p>
+          <a:p>
+            <a:pPr marL="285750" indent="-285750">
+              <a:buFont typeface="Arial" panose="020B0604020202020204" pitchFamily="34" charset="0"/>
+              <a:buChar char="•"/>
+            </a:pPr>
+            <a:r>
+              <a:rPr lang="de-DE" dirty="0">
+                <a:solidFill>
+                  <a:schemeClr val="tx1">
+                    <a:lumMod val="95000"/>
+                    <a:lumOff val="5000"/>
+                  </a:schemeClr>
+                </a:solidFill>
+                <a:latin typeface="MetaPro-Normal" panose="02000503040000020004" pitchFamily="2" charset="0"/>
+              </a:rPr>
+              <a:t>Vor-Ort Support</a:t>
+            </a:r>
+          </a:p>
+          <a:p>
+            <a:pPr marL="285750" indent="-285750">
+              <a:buFont typeface="Arial" panose="020B0604020202020204" pitchFamily="34" charset="0"/>
+              <a:buChar char="•"/>
+            </a:pPr>
+            <a:r>
+              <a:rPr lang="de-DE" dirty="0">
+                <a:solidFill>
+                  <a:schemeClr val="tx1">
+                    <a:lumMod val="95000"/>
+                    <a:lumOff val="5000"/>
+                  </a:schemeClr>
+                </a:solidFill>
+                <a:latin typeface="MetaPro-Normal" panose="02000503040000020004" pitchFamily="2" charset="0"/>
+              </a:rPr>
+              <a:t>Software &amp; Hardware Rollouts</a:t>
+            </a:r>
+          </a:p>
+          <a:p>
+            <a:pPr marL="285750" indent="-285750">
+              <a:buFont typeface="Arial" panose="020B0604020202020204" pitchFamily="34" charset="0"/>
+              <a:buChar char="•"/>
+            </a:pPr>
+            <a:r>
+              <a:rPr lang="de-DE" dirty="0">
+                <a:solidFill>
+                  <a:schemeClr val="tx1">
+                    <a:lumMod val="95000"/>
+                    <a:lumOff val="5000"/>
+                  </a:schemeClr>
+                </a:solidFill>
+                <a:latin typeface="MetaPro-Normal" panose="02000503040000020004" pitchFamily="2" charset="0"/>
+              </a:rPr>
+              <a:t>Viele weitere Projekte</a:t>
+            </a:r>
+          </a:p>
+        </p:txBody>
+      </p:sp>
+      <p:sp>
+        <p:nvSpPr>
+          <p:cNvPr id="13" name="Textfeld 12">
+            <a:extLst>
+              <a:ext uri="{FF2B5EF4-FFF2-40B4-BE49-F238E27FC236}">
+                <a16:creationId xmlns:a16="http://schemas.microsoft.com/office/drawing/2014/main" id="{D231CCD1-3820-4580-B37C-D33EFF84CDD3}"/>
+              </a:ext>
+            </a:extLst>
+          </p:cNvPr>
+          <p:cNvSpPr txBox="1"/>
+          <p:nvPr/>
+        </p:nvSpPr>
+        <p:spPr>
+          <a:xfrm>
+            <a:off x="2840441" y="3740516"/>
+            <a:ext cx="3445656" cy="954107"/>
+          </a:xfrm>
+          <a:prstGeom prst="rect">
+            <a:avLst/>
+          </a:prstGeom>
+          <a:noFill/>
+        </p:spPr>
+        <p:txBody>
+          <a:bodyPr wrap="square" rtlCol="0">
+            <a:spAutoFit/>
+          </a:bodyPr>
+          <a:lstStyle/>
+          <a:p>
+            <a:r>
+              <a:rPr lang="de-DE" sz="2000" dirty="0">
+                <a:solidFill>
+                  <a:schemeClr val="tx1">
+                    <a:lumMod val="95000"/>
+                    <a:lumOff val="5000"/>
+                  </a:schemeClr>
+                </a:solidFill>
+                <a:latin typeface="Meta Std Medium" panose="020B0604030101020102" pitchFamily="34" charset="0"/>
+              </a:rPr>
+              <a:t>Ressourcen</a:t>
+            </a:r>
+            <a:endParaRPr lang="de-DE" dirty="0">
+              <a:solidFill>
+                <a:schemeClr val="tx1">
+                  <a:lumMod val="95000"/>
+                  <a:lumOff val="5000"/>
+                </a:schemeClr>
+              </a:solidFill>
+              <a:latin typeface="MetaPro-Normal" panose="02000503040000020004" pitchFamily="2" charset="0"/>
+            </a:endParaRPr>
+          </a:p>
+          <a:p>
+            <a:pPr marL="285750" indent="-285750">
+              <a:buFont typeface="Arial" panose="020B0604020202020204" pitchFamily="34" charset="0"/>
+              <a:buChar char="•"/>
+            </a:pPr>
+            <a:r>
+              <a:rPr lang="de-DE" dirty="0">
+                <a:solidFill>
+                  <a:schemeClr val="tx1">
+                    <a:lumMod val="95000"/>
+                    <a:lumOff val="5000"/>
+                  </a:schemeClr>
+                </a:solidFill>
+                <a:latin typeface="MetaPro-Normal" panose="02000503040000020004" pitchFamily="2" charset="0"/>
+              </a:rPr>
+              <a:t>30 Mitarbeiter</a:t>
+            </a:r>
+          </a:p>
+          <a:p>
+            <a:pPr marL="285750" indent="-285750">
+              <a:buFont typeface="Arial" panose="020B0604020202020204" pitchFamily="34" charset="0"/>
+              <a:buChar char="•"/>
+            </a:pPr>
+            <a:r>
+              <a:rPr lang="de-DE" dirty="0">
+                <a:solidFill>
+                  <a:schemeClr val="tx1">
+                    <a:lumMod val="95000"/>
+                    <a:lumOff val="5000"/>
+                  </a:schemeClr>
+                </a:solidFill>
+                <a:latin typeface="MetaPro-Normal" panose="02000503040000020004" pitchFamily="2" charset="0"/>
+              </a:rPr>
+              <a:t>3 Teamleiter</a:t>
+            </a:r>
+          </a:p>
+        </p:txBody>
+      </p:sp>
+      <p:sp>
+        <p:nvSpPr>
+          <p:cNvPr id="14" name="Textfeld 13">
+            <a:extLst>
+              <a:ext uri="{FF2B5EF4-FFF2-40B4-BE49-F238E27FC236}">
+                <a16:creationId xmlns:a16="http://schemas.microsoft.com/office/drawing/2014/main" id="{7E796B21-4C76-41D1-BE7F-BAD77158D01A}"/>
+              </a:ext>
+            </a:extLst>
+          </p:cNvPr>
+          <p:cNvSpPr txBox="1"/>
+          <p:nvPr/>
+        </p:nvSpPr>
+        <p:spPr>
+          <a:xfrm>
+            <a:off x="6748072" y="3707554"/>
+            <a:ext cx="3445656" cy="1231106"/>
+          </a:xfrm>
+          <a:prstGeom prst="rect">
+            <a:avLst/>
+          </a:prstGeom>
+          <a:noFill/>
+        </p:spPr>
+        <p:txBody>
+          <a:bodyPr wrap="square" rtlCol="0">
+            <a:spAutoFit/>
+          </a:bodyPr>
+          <a:lstStyle/>
+          <a:p>
+            <a:r>
+              <a:rPr lang="de-DE" sz="2000" dirty="0">
+                <a:solidFill>
+                  <a:schemeClr val="tx1">
+                    <a:lumMod val="95000"/>
+                    <a:lumOff val="5000"/>
+                  </a:schemeClr>
+                </a:solidFill>
+                <a:latin typeface="Meta Std Medium" panose="020B0604030101020102" pitchFamily="34" charset="0"/>
+              </a:rPr>
+              <a:t>Planung</a:t>
+            </a:r>
+            <a:endParaRPr lang="de-DE" dirty="0">
+              <a:solidFill>
+                <a:schemeClr val="tx1">
+                  <a:lumMod val="95000"/>
+                  <a:lumOff val="5000"/>
+                </a:schemeClr>
+              </a:solidFill>
+              <a:latin typeface="MetaPro-Normal" panose="02000503040000020004" pitchFamily="2" charset="0"/>
+            </a:endParaRPr>
+          </a:p>
+          <a:p>
+            <a:pPr marL="285750" indent="-285750">
+              <a:buFont typeface="Arial" panose="020B0604020202020204" pitchFamily="34" charset="0"/>
+              <a:buChar char="•"/>
+            </a:pPr>
+            <a:r>
+              <a:rPr lang="de-DE" dirty="0">
+                <a:solidFill>
+                  <a:schemeClr val="tx1">
+                    <a:lumMod val="95000"/>
+                    <a:lumOff val="5000"/>
+                  </a:schemeClr>
+                </a:solidFill>
+                <a:latin typeface="MetaPro-Normal" panose="02000503040000020004" pitchFamily="2" charset="0"/>
+              </a:rPr>
+              <a:t>Unterschiedliche Schichten</a:t>
+            </a:r>
+          </a:p>
+          <a:p>
+            <a:pPr marL="285750" indent="-285750">
+              <a:buFont typeface="Arial" panose="020B0604020202020204" pitchFamily="34" charset="0"/>
+              <a:buChar char="•"/>
+            </a:pPr>
+            <a:r>
+              <a:rPr lang="de-DE" dirty="0">
+                <a:solidFill>
+                  <a:schemeClr val="tx1">
+                    <a:lumMod val="95000"/>
+                    <a:lumOff val="5000"/>
+                  </a:schemeClr>
+                </a:solidFill>
+                <a:latin typeface="MetaPro-Normal" panose="02000503040000020004" pitchFamily="2" charset="0"/>
+              </a:rPr>
+              <a:t>Mehrere Zeiträume</a:t>
+            </a:r>
+          </a:p>
+          <a:p>
+            <a:pPr marL="285750" indent="-285750">
+              <a:buFont typeface="Arial" panose="020B0604020202020204" pitchFamily="34" charset="0"/>
+              <a:buChar char="•"/>
+            </a:pPr>
+            <a:r>
+              <a:rPr lang="de-DE" u="sng" dirty="0">
+                <a:solidFill>
+                  <a:schemeClr val="tx1">
+                    <a:lumMod val="95000"/>
+                    <a:lumOff val="5000"/>
+                  </a:schemeClr>
+                </a:solidFill>
+                <a:latin typeface="MetaPro-Normal" panose="02000503040000020004" pitchFamily="2" charset="0"/>
+              </a:rPr>
+              <a:t>Eine Excel-Tabelle</a:t>
+            </a:r>
           </a:p>
         </p:txBody>
       </p:sp>
@@ -4580,6 +11447,3037 @@
     <mc:Choice xmlns:p159="http://schemas.microsoft.com/office/powerpoint/2015/09/main" Requires="p159">
       <p:transition>
         <p159:morph option="byObject"/>
+      </p:transition>
+    </mc:Choice>
+    <mc:Fallback>
+      <p:transition>
+        <p:fade/>
+      </p:transition>
+    </mc:Fallback>
+  </mc:AlternateContent>
+  <p:timing>
+    <p:tnLst>
+      <p:par>
+        <p:cTn id="1" dur="indefinite" restart="never" nodeType="tmRoot">
+          <p:childTnLst>
+            <p:seq concurrent="1" nextAc="seek">
+              <p:cTn id="2" dur="indefinite" nodeType="mainSeq">
+                <p:childTnLst>
+                  <p:par>
+                    <p:cTn id="3" fill="hold">
+                      <p:stCondLst>
+                        <p:cond delay="indefinite"/>
+                      </p:stCondLst>
+                      <p:childTnLst>
+                        <p:par>
+                          <p:cTn id="4" fill="hold">
+                            <p:stCondLst>
+                              <p:cond delay="0"/>
+                            </p:stCondLst>
+                            <p:childTnLst>
+                              <p:par>
+                                <p:cTn id="5" presetID="10" presetClass="entr" presetSubtype="0" fill="hold" grpId="0" nodeType="clickEffect">
+                                  <p:stCondLst>
+                                    <p:cond delay="0"/>
+                                  </p:stCondLst>
+                                  <p:childTnLst>
+                                    <p:set>
+                                      <p:cBhvr>
+                                        <p:cTn id="6" dur="1" fill="hold">
+                                          <p:stCondLst>
+                                            <p:cond delay="0"/>
+                                          </p:stCondLst>
+                                        </p:cTn>
+                                        <p:tgtEl>
+                                          <p:spTgt spid="2"/>
+                                        </p:tgtEl>
+                                        <p:attrNameLst>
+                                          <p:attrName>style.visibility</p:attrName>
+                                        </p:attrNameLst>
+                                      </p:cBhvr>
+                                      <p:to>
+                                        <p:strVal val="visible"/>
+                                      </p:to>
+                                    </p:set>
+                                    <p:animEffect transition="in" filter="fade">
+                                      <p:cBhvr>
+                                        <p:cTn id="7" dur="500"/>
+                                        <p:tgtEl>
+                                          <p:spTgt spid="2"/>
+                                        </p:tgtEl>
+                                      </p:cBhvr>
+                                    </p:animEffect>
+                                  </p:childTnLst>
+                                </p:cTn>
+                              </p:par>
+                            </p:childTnLst>
+                          </p:cTn>
+                        </p:par>
+                      </p:childTnLst>
+                    </p:cTn>
+                  </p:par>
+                  <p:par>
+                    <p:cTn id="8" fill="hold">
+                      <p:stCondLst>
+                        <p:cond delay="indefinite"/>
+                      </p:stCondLst>
+                      <p:childTnLst>
+                        <p:par>
+                          <p:cTn id="9" fill="hold">
+                            <p:stCondLst>
+                              <p:cond delay="0"/>
+                            </p:stCondLst>
+                            <p:childTnLst>
+                              <p:par>
+                                <p:cTn id="10" presetID="10" presetClass="entr" presetSubtype="0" fill="hold" grpId="0" nodeType="clickEffect">
+                                  <p:stCondLst>
+                                    <p:cond delay="0"/>
+                                  </p:stCondLst>
+                                  <p:childTnLst>
+                                    <p:set>
+                                      <p:cBhvr>
+                                        <p:cTn id="11" dur="1" fill="hold">
+                                          <p:stCondLst>
+                                            <p:cond delay="0"/>
+                                          </p:stCondLst>
+                                        </p:cTn>
+                                        <p:tgtEl>
+                                          <p:spTgt spid="13"/>
+                                        </p:tgtEl>
+                                        <p:attrNameLst>
+                                          <p:attrName>style.visibility</p:attrName>
+                                        </p:attrNameLst>
+                                      </p:cBhvr>
+                                      <p:to>
+                                        <p:strVal val="visible"/>
+                                      </p:to>
+                                    </p:set>
+                                    <p:animEffect transition="in" filter="fade">
+                                      <p:cBhvr>
+                                        <p:cTn id="12" dur="500"/>
+                                        <p:tgtEl>
+                                          <p:spTgt spid="13"/>
+                                        </p:tgtEl>
+                                      </p:cBhvr>
+                                    </p:animEffect>
+                                  </p:childTnLst>
+                                </p:cTn>
+                              </p:par>
+                            </p:childTnLst>
+                          </p:cTn>
+                        </p:par>
+                      </p:childTnLst>
+                    </p:cTn>
+                  </p:par>
+                  <p:par>
+                    <p:cTn id="13" fill="hold">
+                      <p:stCondLst>
+                        <p:cond delay="indefinite"/>
+                      </p:stCondLst>
+                      <p:childTnLst>
+                        <p:par>
+                          <p:cTn id="14" fill="hold">
+                            <p:stCondLst>
+                              <p:cond delay="0"/>
+                            </p:stCondLst>
+                            <p:childTnLst>
+                              <p:par>
+                                <p:cTn id="15" presetID="10" presetClass="entr" presetSubtype="0" fill="hold" grpId="0" nodeType="clickEffect">
+                                  <p:stCondLst>
+                                    <p:cond delay="0"/>
+                                  </p:stCondLst>
+                                  <p:childTnLst>
+                                    <p:set>
+                                      <p:cBhvr>
+                                        <p:cTn id="16" dur="1" fill="hold">
+                                          <p:stCondLst>
+                                            <p:cond delay="0"/>
+                                          </p:stCondLst>
+                                        </p:cTn>
+                                        <p:tgtEl>
+                                          <p:spTgt spid="14"/>
+                                        </p:tgtEl>
+                                        <p:attrNameLst>
+                                          <p:attrName>style.visibility</p:attrName>
+                                        </p:attrNameLst>
+                                      </p:cBhvr>
+                                      <p:to>
+                                        <p:strVal val="visible"/>
+                                      </p:to>
+                                    </p:set>
+                                    <p:animEffect transition="in" filter="fade">
+                                      <p:cBhvr>
+                                        <p:cTn id="17" dur="500"/>
+                                        <p:tgtEl>
+                                          <p:spTgt spid="14"/>
+                                        </p:tgtEl>
+                                      </p:cBhvr>
+                                    </p:animEffect>
+                                  </p:childTnLst>
+                                </p:cTn>
+                              </p:par>
+                              <p:par>
+                                <p:cTn id="18" presetID="10" presetClass="entr" presetSubtype="0" fill="hold" nodeType="withEffect">
+                                  <p:stCondLst>
+                                    <p:cond delay="0"/>
+                                  </p:stCondLst>
+                                  <p:childTnLst>
+                                    <p:set>
+                                      <p:cBhvr>
+                                        <p:cTn id="19" dur="1" fill="hold">
+                                          <p:stCondLst>
+                                            <p:cond delay="0"/>
+                                          </p:stCondLst>
+                                        </p:cTn>
+                                        <p:tgtEl>
+                                          <p:spTgt spid="9"/>
+                                        </p:tgtEl>
+                                        <p:attrNameLst>
+                                          <p:attrName>style.visibility</p:attrName>
+                                        </p:attrNameLst>
+                                      </p:cBhvr>
+                                      <p:to>
+                                        <p:strVal val="visible"/>
+                                      </p:to>
+                                    </p:set>
+                                    <p:animEffect transition="in" filter="fade">
+                                      <p:cBhvr>
+                                        <p:cTn id="20" dur="500"/>
+                                        <p:tgtEl>
+                                          <p:spTgt spid="9"/>
+                                        </p:tgtEl>
+                                      </p:cBhvr>
+                                    </p:animEffect>
+                                  </p:childTnLst>
+                                </p:cTn>
+                              </p:par>
+                            </p:childTnLst>
+                          </p:cTn>
+                        </p:par>
+                      </p:childTnLst>
+                    </p:cTn>
+                  </p:par>
+                </p:childTnLst>
+              </p:cTn>
+              <p:prevCondLst>
+                <p:cond evt="onPrev" delay="0">
+                  <p:tgtEl>
+                    <p:sldTgt/>
+                  </p:tgtEl>
+                </p:cond>
+              </p:prevCondLst>
+              <p:nextCondLst>
+                <p:cond evt="onNext" delay="0">
+                  <p:tgtEl>
+                    <p:sldTgt/>
+                  </p:tgtEl>
+                </p:cond>
+              </p:nextCondLst>
+            </p:seq>
+          </p:childTnLst>
+        </p:cTn>
+      </p:par>
+    </p:tnLst>
+    <p:bldLst>
+      <p:bldP spid="2" grpId="0"/>
+      <p:bldP spid="13" grpId="0"/>
+      <p:bldP spid="14" grpId="0"/>
+    </p:bldLst>
+  </p:timing>
+</p:sld>
+</file>
+
+<file path=ppt/slides/slide4.xml><?xml version="1.0" encoding="utf-8"?>
+<p:sld xmlns:a="http://schemas.openxmlformats.org/drawingml/2006/main" xmlns:r="http://schemas.openxmlformats.org/officeDocument/2006/relationships" xmlns:p="http://schemas.openxmlformats.org/presentationml/2006/main">
+  <p:cSld>
+    <p:spTree>
+      <p:nvGrpSpPr>
+        <p:cNvPr id="1" name=""/>
+        <p:cNvGrpSpPr/>
+        <p:nvPr/>
+      </p:nvGrpSpPr>
+      <p:grpSpPr>
+        <a:xfrm>
+          <a:off x="0" y="0"/>
+          <a:ext cx="0" cy="0"/>
+          <a:chOff x="0" y="0"/>
+          <a:chExt cx="0" cy="0"/>
+        </a:xfrm>
+      </p:grpSpPr>
+      <p:pic>
+        <p:nvPicPr>
+          <p:cNvPr id="8" name="Grafik 7">
+            <a:extLst>
+              <a:ext uri="{FF2B5EF4-FFF2-40B4-BE49-F238E27FC236}">
+                <a16:creationId xmlns:a16="http://schemas.microsoft.com/office/drawing/2014/main" id="{ADCD8697-1FCF-47EA-81CF-51DDEAABDF03}"/>
+              </a:ext>
+            </a:extLst>
+          </p:cNvPr>
+          <p:cNvPicPr/>
+          <p:nvPr/>
+        </p:nvPicPr>
+        <p:blipFill rotWithShape="1">
+          <a:blip r:embed="rId2">
+            <a:extLst>
+              <a:ext uri="{28A0092B-C50C-407E-A947-70E740481C1C}">
+                <a14:useLocalDpi xmlns:a14="http://schemas.microsoft.com/office/drawing/2010/main" val="0"/>
+              </a:ext>
+            </a:extLst>
+          </a:blip>
+          <a:srcRect l="3810" r="4580" b="40683"/>
+          <a:stretch/>
+        </p:blipFill>
+        <p:spPr bwMode="auto">
+          <a:xfrm>
+            <a:off x="0" y="6711949"/>
+            <a:ext cx="12192000" cy="146051"/>
+          </a:xfrm>
+          <a:prstGeom prst="rect">
+            <a:avLst/>
+          </a:prstGeom>
+          <a:noFill/>
+          <a:ln>
+            <a:noFill/>
+          </a:ln>
+        </p:spPr>
+      </p:pic>
+      <p:pic>
+        <p:nvPicPr>
+          <p:cNvPr id="12" name="Grafik 11">
+            <a:extLst>
+              <a:ext uri="{FF2B5EF4-FFF2-40B4-BE49-F238E27FC236}">
+                <a16:creationId xmlns:a16="http://schemas.microsoft.com/office/drawing/2014/main" id="{4277F3D5-167F-4BA2-BDEE-7FBC2BEF527D}"/>
+              </a:ext>
+            </a:extLst>
+          </p:cNvPr>
+          <p:cNvPicPr>
+            <a:picLocks noChangeAspect="1"/>
+          </p:cNvPicPr>
+          <p:nvPr/>
+        </p:nvPicPr>
+        <p:blipFill>
+          <a:blip r:embed="rId3">
+            <a:extLst>
+              <a:ext uri="{28A0092B-C50C-407E-A947-70E740481C1C}">
+                <a14:useLocalDpi xmlns:a14="http://schemas.microsoft.com/office/drawing/2010/main" val="0"/>
+              </a:ext>
+            </a:extLst>
+          </a:blip>
+          <a:stretch>
+            <a:fillRect/>
+          </a:stretch>
+        </p:blipFill>
+        <p:spPr>
+          <a:xfrm>
+            <a:off x="9926611" y="5968478"/>
+            <a:ext cx="1912571" cy="503308"/>
+          </a:xfrm>
+          <a:prstGeom prst="rect">
+            <a:avLst/>
+          </a:prstGeom>
+        </p:spPr>
+      </p:pic>
+      <p:sp>
+        <p:nvSpPr>
+          <p:cNvPr id="4" name="Textfeld 3">
+            <a:extLst>
+              <a:ext uri="{FF2B5EF4-FFF2-40B4-BE49-F238E27FC236}">
+                <a16:creationId xmlns:a16="http://schemas.microsoft.com/office/drawing/2014/main" id="{59576528-BDCE-4B4B-AAAC-96DA04EE5EA0}"/>
+              </a:ext>
+            </a:extLst>
+          </p:cNvPr>
+          <p:cNvSpPr txBox="1"/>
+          <p:nvPr/>
+        </p:nvSpPr>
+        <p:spPr>
+          <a:xfrm>
+            <a:off x="838200" y="130609"/>
+            <a:ext cx="2074069" cy="261610"/>
+          </a:xfrm>
+          <a:prstGeom prst="rect">
+            <a:avLst/>
+          </a:prstGeom>
+          <a:noFill/>
+        </p:spPr>
+        <p:txBody>
+          <a:bodyPr wrap="square" rtlCol="0">
+            <a:spAutoFit/>
+          </a:bodyPr>
+          <a:lstStyle/>
+          <a:p>
+            <a:pPr algn="ctr"/>
+            <a:r>
+              <a:rPr lang="de-DE" sz="1100" dirty="0">
+                <a:solidFill>
+                  <a:srgbClr val="009EE6"/>
+                </a:solidFill>
+                <a:latin typeface="Meta Std Normal" panose="020B0504030101020102" pitchFamily="34" charset="0"/>
+              </a:rPr>
+              <a:t>Ursprung</a:t>
+            </a:r>
+            <a:r>
+              <a:rPr lang="de-DE" sz="1100" dirty="0">
+                <a:solidFill>
+                  <a:schemeClr val="tx1">
+                    <a:lumMod val="50000"/>
+                    <a:lumOff val="50000"/>
+                  </a:schemeClr>
+                </a:solidFill>
+                <a:latin typeface="Meta Std Normal" panose="020B0504030101020102" pitchFamily="34" charset="0"/>
+              </a:rPr>
+              <a:t> &amp; Umgebung</a:t>
+            </a:r>
+          </a:p>
+        </p:txBody>
+      </p:sp>
+      <p:sp>
+        <p:nvSpPr>
+          <p:cNvPr id="15" name="Textfeld 14">
+            <a:extLst>
+              <a:ext uri="{FF2B5EF4-FFF2-40B4-BE49-F238E27FC236}">
+                <a16:creationId xmlns:a16="http://schemas.microsoft.com/office/drawing/2014/main" id="{A78CFF66-02E0-4579-9AB3-1C2714806374}"/>
+              </a:ext>
+            </a:extLst>
+          </p:cNvPr>
+          <p:cNvSpPr txBox="1"/>
+          <p:nvPr/>
+        </p:nvSpPr>
+        <p:spPr>
+          <a:xfrm>
+            <a:off x="3581400" y="130609"/>
+            <a:ext cx="2074069" cy="261610"/>
+          </a:xfrm>
+          <a:prstGeom prst="rect">
+            <a:avLst/>
+          </a:prstGeom>
+          <a:noFill/>
+        </p:spPr>
+        <p:txBody>
+          <a:bodyPr wrap="square" rtlCol="0">
+            <a:spAutoFit/>
+          </a:bodyPr>
+          <a:lstStyle/>
+          <a:p>
+            <a:pPr algn="ctr"/>
+            <a:r>
+              <a:rPr lang="de-DE" sz="1100" dirty="0">
+                <a:solidFill>
+                  <a:schemeClr val="tx1">
+                    <a:lumMod val="50000"/>
+                    <a:lumOff val="50000"/>
+                  </a:schemeClr>
+                </a:solidFill>
+                <a:latin typeface="Meta Std Normal" panose="020B0504030101020102" pitchFamily="34" charset="0"/>
+              </a:rPr>
+              <a:t>Realisierung</a:t>
+            </a:r>
+          </a:p>
+        </p:txBody>
+      </p:sp>
+      <p:sp>
+        <p:nvSpPr>
+          <p:cNvPr id="21" name="Textfeld 20">
+            <a:extLst>
+              <a:ext uri="{FF2B5EF4-FFF2-40B4-BE49-F238E27FC236}">
+                <a16:creationId xmlns:a16="http://schemas.microsoft.com/office/drawing/2014/main" id="{7CD28F71-6880-44F4-9EC4-6F1897DFE100}"/>
+              </a:ext>
+            </a:extLst>
+          </p:cNvPr>
+          <p:cNvSpPr txBox="1"/>
+          <p:nvPr/>
+        </p:nvSpPr>
+        <p:spPr>
+          <a:xfrm>
+            <a:off x="6430565" y="130609"/>
+            <a:ext cx="2074069" cy="261610"/>
+          </a:xfrm>
+          <a:prstGeom prst="rect">
+            <a:avLst/>
+          </a:prstGeom>
+          <a:noFill/>
+        </p:spPr>
+        <p:txBody>
+          <a:bodyPr wrap="square" rtlCol="0">
+            <a:spAutoFit/>
+          </a:bodyPr>
+          <a:lstStyle/>
+          <a:p>
+            <a:pPr algn="ctr"/>
+            <a:r>
+              <a:rPr lang="de-DE" sz="1100" dirty="0">
+                <a:solidFill>
+                  <a:schemeClr val="tx1">
+                    <a:lumMod val="50000"/>
+                    <a:lumOff val="50000"/>
+                  </a:schemeClr>
+                </a:solidFill>
+                <a:latin typeface="Meta Std Normal" panose="020B0504030101020102" pitchFamily="34" charset="0"/>
+              </a:rPr>
+              <a:t>Resultat</a:t>
+            </a:r>
+          </a:p>
+        </p:txBody>
+      </p:sp>
+      <p:sp>
+        <p:nvSpPr>
+          <p:cNvPr id="23" name="Textfeld 22">
+            <a:extLst>
+              <a:ext uri="{FF2B5EF4-FFF2-40B4-BE49-F238E27FC236}">
+                <a16:creationId xmlns:a16="http://schemas.microsoft.com/office/drawing/2014/main" id="{50BA6159-800C-409E-9350-B7DBA9E76E62}"/>
+              </a:ext>
+            </a:extLst>
+          </p:cNvPr>
+          <p:cNvSpPr txBox="1"/>
+          <p:nvPr/>
+        </p:nvSpPr>
+        <p:spPr>
+          <a:xfrm>
+            <a:off x="9279731" y="130609"/>
+            <a:ext cx="2074069" cy="261610"/>
+          </a:xfrm>
+          <a:prstGeom prst="rect">
+            <a:avLst/>
+          </a:prstGeom>
+          <a:noFill/>
+        </p:spPr>
+        <p:txBody>
+          <a:bodyPr wrap="square" rtlCol="0">
+            <a:spAutoFit/>
+          </a:bodyPr>
+          <a:lstStyle/>
+          <a:p>
+            <a:pPr algn="ctr"/>
+            <a:r>
+              <a:rPr lang="de-DE" sz="1100" dirty="0">
+                <a:solidFill>
+                  <a:schemeClr val="tx1">
+                    <a:lumMod val="50000"/>
+                    <a:lumOff val="50000"/>
+                  </a:schemeClr>
+                </a:solidFill>
+                <a:latin typeface="Meta Std Normal" panose="020B0504030101020102" pitchFamily="34" charset="0"/>
+              </a:rPr>
+              <a:t>Evaluierung</a:t>
+            </a:r>
+          </a:p>
+        </p:txBody>
+      </p:sp>
+      <p:pic>
+        <p:nvPicPr>
+          <p:cNvPr id="9" name="Grafik 8" descr="Ein Bild, das Text enthält.&#10;&#10;Automatisch generierte Beschreibung">
+            <a:extLst>
+              <a:ext uri="{FF2B5EF4-FFF2-40B4-BE49-F238E27FC236}">
+                <a16:creationId xmlns:a16="http://schemas.microsoft.com/office/drawing/2014/main" id="{60209206-244C-4B85-A5E4-2305DF6AAC8D}"/>
+              </a:ext>
+            </a:extLst>
+          </p:cNvPr>
+          <p:cNvPicPr>
+            <a:picLocks noChangeAspect="1"/>
+          </p:cNvPicPr>
+          <p:nvPr/>
+        </p:nvPicPr>
+        <p:blipFill>
+          <a:blip r:embed="rId4">
+            <a:extLst>
+              <a:ext uri="{28A0092B-C50C-407E-A947-70E740481C1C}">
+                <a14:useLocalDpi xmlns:a14="http://schemas.microsoft.com/office/drawing/2010/main" val="0"/>
+              </a:ext>
+            </a:extLst>
+          </a:blip>
+          <a:stretch>
+            <a:fillRect/>
+          </a:stretch>
+        </p:blipFill>
+        <p:spPr>
+          <a:xfrm>
+            <a:off x="10910646" y="519404"/>
+            <a:ext cx="443154" cy="443154"/>
+          </a:xfrm>
+          <a:prstGeom prst="rect">
+            <a:avLst/>
+          </a:prstGeom>
+        </p:spPr>
+      </p:pic>
+      <p:sp>
+        <p:nvSpPr>
+          <p:cNvPr id="25" name="Textfeld 24">
+            <a:extLst>
+              <a:ext uri="{FF2B5EF4-FFF2-40B4-BE49-F238E27FC236}">
+                <a16:creationId xmlns:a16="http://schemas.microsoft.com/office/drawing/2014/main" id="{E4E120F9-A2D3-4C29-B52B-3EA6B3D357C6}"/>
+              </a:ext>
+            </a:extLst>
+          </p:cNvPr>
+          <p:cNvSpPr txBox="1"/>
+          <p:nvPr/>
+        </p:nvSpPr>
+        <p:spPr>
+          <a:xfrm>
+            <a:off x="529389" y="491447"/>
+            <a:ext cx="5566611" cy="400110"/>
+          </a:xfrm>
+          <a:prstGeom prst="rect">
+            <a:avLst/>
+          </a:prstGeom>
+          <a:noFill/>
+        </p:spPr>
+        <p:txBody>
+          <a:bodyPr wrap="square" rtlCol="0">
+            <a:spAutoFit/>
+          </a:bodyPr>
+          <a:lstStyle/>
+          <a:p>
+            <a:r>
+              <a:rPr lang="de-CH" sz="2000" kern="1400" spc="-50" dirty="0">
+                <a:solidFill>
+                  <a:srgbClr val="003399"/>
+                </a:solidFill>
+                <a:latin typeface="Meta Std Normal" panose="020B0504030101020102" pitchFamily="34" charset="0"/>
+                <a:ea typeface="Times New Roman" panose="02020603050405020304" pitchFamily="18" charset="0"/>
+                <a:cs typeface="Times New Roman" panose="02020603050405020304" pitchFamily="18" charset="0"/>
+              </a:rPr>
+              <a:t>Ausgangslage</a:t>
+            </a:r>
+            <a:endParaRPr lang="de-CH" sz="2000" dirty="0">
+              <a:solidFill>
+                <a:srgbClr val="003399"/>
+              </a:solidFill>
+              <a:latin typeface="Meta Std Normal" panose="020B0504030101020102" pitchFamily="34" charset="0"/>
+            </a:endParaRPr>
+          </a:p>
+        </p:txBody>
+      </p:sp>
+      <p:pic>
+        <p:nvPicPr>
+          <p:cNvPr id="5" name="Grafik 4">
+            <a:extLst>
+              <a:ext uri="{FF2B5EF4-FFF2-40B4-BE49-F238E27FC236}">
+                <a16:creationId xmlns:a16="http://schemas.microsoft.com/office/drawing/2014/main" id="{FB32A7BF-DE7D-4E3F-856E-68D919A51475}"/>
+              </a:ext>
+            </a:extLst>
+          </p:cNvPr>
+          <p:cNvPicPr>
+            <a:picLocks noChangeAspect="1"/>
+          </p:cNvPicPr>
+          <p:nvPr/>
+        </p:nvPicPr>
+        <p:blipFill>
+          <a:blip r:embed="rId5">
+            <a:extLst>
+              <a:ext uri="{28A0092B-C50C-407E-A947-70E740481C1C}">
+                <a14:useLocalDpi xmlns:a14="http://schemas.microsoft.com/office/drawing/2010/main" val="0"/>
+              </a:ext>
+            </a:extLst>
+          </a:blip>
+          <a:stretch>
+            <a:fillRect/>
+          </a:stretch>
+        </p:blipFill>
+        <p:spPr>
+          <a:xfrm>
+            <a:off x="391215" y="1250989"/>
+            <a:ext cx="11409570" cy="3858719"/>
+          </a:xfrm>
+          <a:prstGeom prst="rect">
+            <a:avLst/>
+          </a:prstGeom>
+        </p:spPr>
+      </p:pic>
+    </p:spTree>
+    <p:extLst>
+      <p:ext uri="{BB962C8B-B14F-4D97-AF65-F5344CB8AC3E}">
+        <p14:creationId xmlns:p14="http://schemas.microsoft.com/office/powerpoint/2010/main" val="59435013"/>
+      </p:ext>
+    </p:extLst>
+  </p:cSld>
+  <p:clrMapOvr>
+    <a:masterClrMapping/>
+  </p:clrMapOvr>
+  <mc:AlternateContent xmlns:mc="http://schemas.openxmlformats.org/markup-compatibility/2006">
+    <mc:Choice xmlns:p159="http://schemas.microsoft.com/office/powerpoint/2015/09/main" Requires="p159">
+      <p:transition xmlns:p14="http://schemas.microsoft.com/office/powerpoint/2010/main" p14:dur="250">
+        <p159:morph option="byObject"/>
+      </p:transition>
+    </mc:Choice>
+    <mc:Fallback>
+      <p:transition>
+        <p:fade/>
+      </p:transition>
+    </mc:Fallback>
+  </mc:AlternateContent>
+</p:sld>
+</file>
+
+<file path=ppt/slides/slide5.xml><?xml version="1.0" encoding="utf-8"?>
+<p:sld xmlns:a="http://schemas.openxmlformats.org/drawingml/2006/main" xmlns:r="http://schemas.openxmlformats.org/officeDocument/2006/relationships" xmlns:p="http://schemas.openxmlformats.org/presentationml/2006/main">
+  <p:cSld>
+    <p:spTree>
+      <p:nvGrpSpPr>
+        <p:cNvPr id="1" name=""/>
+        <p:cNvGrpSpPr/>
+        <p:nvPr/>
+      </p:nvGrpSpPr>
+      <p:grpSpPr>
+        <a:xfrm>
+          <a:off x="0" y="0"/>
+          <a:ext cx="0" cy="0"/>
+          <a:chOff x="0" y="0"/>
+          <a:chExt cx="0" cy="0"/>
+        </a:xfrm>
+      </p:grpSpPr>
+      <p:pic>
+        <p:nvPicPr>
+          <p:cNvPr id="8" name="Grafik 7">
+            <a:extLst>
+              <a:ext uri="{FF2B5EF4-FFF2-40B4-BE49-F238E27FC236}">
+                <a16:creationId xmlns:a16="http://schemas.microsoft.com/office/drawing/2014/main" id="{ADCD8697-1FCF-47EA-81CF-51DDEAABDF03}"/>
+              </a:ext>
+            </a:extLst>
+          </p:cNvPr>
+          <p:cNvPicPr/>
+          <p:nvPr/>
+        </p:nvPicPr>
+        <p:blipFill rotWithShape="1">
+          <a:blip r:embed="rId2">
+            <a:extLst>
+              <a:ext uri="{28A0092B-C50C-407E-A947-70E740481C1C}">
+                <a14:useLocalDpi xmlns:a14="http://schemas.microsoft.com/office/drawing/2010/main" val="0"/>
+              </a:ext>
+            </a:extLst>
+          </a:blip>
+          <a:srcRect l="3810" r="4580" b="40683"/>
+          <a:stretch/>
+        </p:blipFill>
+        <p:spPr bwMode="auto">
+          <a:xfrm>
+            <a:off x="0" y="6711949"/>
+            <a:ext cx="12192000" cy="146051"/>
+          </a:xfrm>
+          <a:prstGeom prst="rect">
+            <a:avLst/>
+          </a:prstGeom>
+          <a:noFill/>
+          <a:ln>
+            <a:noFill/>
+          </a:ln>
+        </p:spPr>
+      </p:pic>
+      <p:pic>
+        <p:nvPicPr>
+          <p:cNvPr id="12" name="Grafik 11">
+            <a:extLst>
+              <a:ext uri="{FF2B5EF4-FFF2-40B4-BE49-F238E27FC236}">
+                <a16:creationId xmlns:a16="http://schemas.microsoft.com/office/drawing/2014/main" id="{4277F3D5-167F-4BA2-BDEE-7FBC2BEF527D}"/>
+              </a:ext>
+            </a:extLst>
+          </p:cNvPr>
+          <p:cNvPicPr>
+            <a:picLocks noChangeAspect="1"/>
+          </p:cNvPicPr>
+          <p:nvPr/>
+        </p:nvPicPr>
+        <p:blipFill>
+          <a:blip r:embed="rId3">
+            <a:extLst>
+              <a:ext uri="{28A0092B-C50C-407E-A947-70E740481C1C}">
+                <a14:useLocalDpi xmlns:a14="http://schemas.microsoft.com/office/drawing/2010/main" val="0"/>
+              </a:ext>
+            </a:extLst>
+          </a:blip>
+          <a:stretch>
+            <a:fillRect/>
+          </a:stretch>
+        </p:blipFill>
+        <p:spPr>
+          <a:xfrm>
+            <a:off x="9926611" y="5968478"/>
+            <a:ext cx="1912571" cy="503308"/>
+          </a:xfrm>
+          <a:prstGeom prst="rect">
+            <a:avLst/>
+          </a:prstGeom>
+        </p:spPr>
+      </p:pic>
+      <p:sp>
+        <p:nvSpPr>
+          <p:cNvPr id="4" name="Textfeld 3">
+            <a:extLst>
+              <a:ext uri="{FF2B5EF4-FFF2-40B4-BE49-F238E27FC236}">
+                <a16:creationId xmlns:a16="http://schemas.microsoft.com/office/drawing/2014/main" id="{59576528-BDCE-4B4B-AAAC-96DA04EE5EA0}"/>
+              </a:ext>
+            </a:extLst>
+          </p:cNvPr>
+          <p:cNvSpPr txBox="1"/>
+          <p:nvPr/>
+        </p:nvSpPr>
+        <p:spPr>
+          <a:xfrm>
+            <a:off x="838200" y="130609"/>
+            <a:ext cx="2074069" cy="261610"/>
+          </a:xfrm>
+          <a:prstGeom prst="rect">
+            <a:avLst/>
+          </a:prstGeom>
+          <a:noFill/>
+        </p:spPr>
+        <p:txBody>
+          <a:bodyPr wrap="square" rtlCol="0">
+            <a:spAutoFit/>
+          </a:bodyPr>
+          <a:lstStyle/>
+          <a:p>
+            <a:pPr algn="ctr"/>
+            <a:r>
+              <a:rPr lang="de-DE" sz="1100" dirty="0">
+                <a:solidFill>
+                  <a:srgbClr val="009EE6"/>
+                </a:solidFill>
+                <a:latin typeface="Meta Std Normal" panose="020B0504030101020102" pitchFamily="34" charset="0"/>
+              </a:rPr>
+              <a:t>Ursprung</a:t>
+            </a:r>
+            <a:r>
+              <a:rPr lang="de-DE" sz="1100" dirty="0">
+                <a:solidFill>
+                  <a:schemeClr val="tx1">
+                    <a:lumMod val="50000"/>
+                    <a:lumOff val="50000"/>
+                  </a:schemeClr>
+                </a:solidFill>
+                <a:latin typeface="Meta Std Normal" panose="020B0504030101020102" pitchFamily="34" charset="0"/>
+              </a:rPr>
+              <a:t> &amp; Umgebung</a:t>
+            </a:r>
+          </a:p>
+        </p:txBody>
+      </p:sp>
+      <p:sp>
+        <p:nvSpPr>
+          <p:cNvPr id="15" name="Textfeld 14">
+            <a:extLst>
+              <a:ext uri="{FF2B5EF4-FFF2-40B4-BE49-F238E27FC236}">
+                <a16:creationId xmlns:a16="http://schemas.microsoft.com/office/drawing/2014/main" id="{A78CFF66-02E0-4579-9AB3-1C2714806374}"/>
+              </a:ext>
+            </a:extLst>
+          </p:cNvPr>
+          <p:cNvSpPr txBox="1"/>
+          <p:nvPr/>
+        </p:nvSpPr>
+        <p:spPr>
+          <a:xfrm>
+            <a:off x="3581400" y="130609"/>
+            <a:ext cx="2074069" cy="261610"/>
+          </a:xfrm>
+          <a:prstGeom prst="rect">
+            <a:avLst/>
+          </a:prstGeom>
+          <a:noFill/>
+        </p:spPr>
+        <p:txBody>
+          <a:bodyPr wrap="square" rtlCol="0">
+            <a:spAutoFit/>
+          </a:bodyPr>
+          <a:lstStyle/>
+          <a:p>
+            <a:pPr algn="ctr"/>
+            <a:r>
+              <a:rPr lang="de-DE" sz="1100" dirty="0">
+                <a:solidFill>
+                  <a:schemeClr val="tx1">
+                    <a:lumMod val="50000"/>
+                    <a:lumOff val="50000"/>
+                  </a:schemeClr>
+                </a:solidFill>
+                <a:latin typeface="Meta Std Normal" panose="020B0504030101020102" pitchFamily="34" charset="0"/>
+              </a:rPr>
+              <a:t>Realisierung</a:t>
+            </a:r>
+          </a:p>
+        </p:txBody>
+      </p:sp>
+      <p:sp>
+        <p:nvSpPr>
+          <p:cNvPr id="21" name="Textfeld 20">
+            <a:extLst>
+              <a:ext uri="{FF2B5EF4-FFF2-40B4-BE49-F238E27FC236}">
+                <a16:creationId xmlns:a16="http://schemas.microsoft.com/office/drawing/2014/main" id="{7CD28F71-6880-44F4-9EC4-6F1897DFE100}"/>
+              </a:ext>
+            </a:extLst>
+          </p:cNvPr>
+          <p:cNvSpPr txBox="1"/>
+          <p:nvPr/>
+        </p:nvSpPr>
+        <p:spPr>
+          <a:xfrm>
+            <a:off x="6430565" y="130609"/>
+            <a:ext cx="2074069" cy="261610"/>
+          </a:xfrm>
+          <a:prstGeom prst="rect">
+            <a:avLst/>
+          </a:prstGeom>
+          <a:noFill/>
+        </p:spPr>
+        <p:txBody>
+          <a:bodyPr wrap="square" rtlCol="0">
+            <a:spAutoFit/>
+          </a:bodyPr>
+          <a:lstStyle/>
+          <a:p>
+            <a:pPr algn="ctr"/>
+            <a:r>
+              <a:rPr lang="de-DE" sz="1100" dirty="0">
+                <a:solidFill>
+                  <a:schemeClr val="tx1">
+                    <a:lumMod val="50000"/>
+                    <a:lumOff val="50000"/>
+                  </a:schemeClr>
+                </a:solidFill>
+                <a:latin typeface="Meta Std Normal" panose="020B0504030101020102" pitchFamily="34" charset="0"/>
+              </a:rPr>
+              <a:t>Resultat</a:t>
+            </a:r>
+          </a:p>
+        </p:txBody>
+      </p:sp>
+      <p:sp>
+        <p:nvSpPr>
+          <p:cNvPr id="23" name="Textfeld 22">
+            <a:extLst>
+              <a:ext uri="{FF2B5EF4-FFF2-40B4-BE49-F238E27FC236}">
+                <a16:creationId xmlns:a16="http://schemas.microsoft.com/office/drawing/2014/main" id="{50BA6159-800C-409E-9350-B7DBA9E76E62}"/>
+              </a:ext>
+            </a:extLst>
+          </p:cNvPr>
+          <p:cNvSpPr txBox="1"/>
+          <p:nvPr/>
+        </p:nvSpPr>
+        <p:spPr>
+          <a:xfrm>
+            <a:off x="9279731" y="130609"/>
+            <a:ext cx="2074069" cy="261610"/>
+          </a:xfrm>
+          <a:prstGeom prst="rect">
+            <a:avLst/>
+          </a:prstGeom>
+          <a:noFill/>
+        </p:spPr>
+        <p:txBody>
+          <a:bodyPr wrap="square" rtlCol="0">
+            <a:spAutoFit/>
+          </a:bodyPr>
+          <a:lstStyle/>
+          <a:p>
+            <a:pPr algn="ctr"/>
+            <a:r>
+              <a:rPr lang="de-DE" sz="1100" dirty="0">
+                <a:solidFill>
+                  <a:schemeClr val="tx1">
+                    <a:lumMod val="50000"/>
+                    <a:lumOff val="50000"/>
+                  </a:schemeClr>
+                </a:solidFill>
+                <a:latin typeface="Meta Std Normal" panose="020B0504030101020102" pitchFamily="34" charset="0"/>
+              </a:rPr>
+              <a:t>Evaluierung</a:t>
+            </a:r>
+          </a:p>
+        </p:txBody>
+      </p:sp>
+      <p:pic>
+        <p:nvPicPr>
+          <p:cNvPr id="5" name="Grafik 4">
+            <a:extLst>
+              <a:ext uri="{FF2B5EF4-FFF2-40B4-BE49-F238E27FC236}">
+                <a16:creationId xmlns:a16="http://schemas.microsoft.com/office/drawing/2014/main" id="{FB32A7BF-DE7D-4E3F-856E-68D919A51475}"/>
+              </a:ext>
+            </a:extLst>
+          </p:cNvPr>
+          <p:cNvPicPr>
+            <a:picLocks noChangeAspect="1"/>
+          </p:cNvPicPr>
+          <p:nvPr/>
+        </p:nvPicPr>
+        <p:blipFill>
+          <a:blip r:embed="rId4">
+            <a:grayscl/>
+            <a:extLst>
+              <a:ext uri="{28A0092B-C50C-407E-A947-70E740481C1C}">
+                <a14:useLocalDpi xmlns:a14="http://schemas.microsoft.com/office/drawing/2010/main" val="0"/>
+              </a:ext>
+            </a:extLst>
+          </a:blip>
+          <a:stretch>
+            <a:fillRect/>
+          </a:stretch>
+        </p:blipFill>
+        <p:spPr>
+          <a:xfrm>
+            <a:off x="7467599" y="1562139"/>
+            <a:ext cx="3858719" cy="3858719"/>
+          </a:xfrm>
+          <a:prstGeom prst="rect">
+            <a:avLst/>
+          </a:prstGeom>
+        </p:spPr>
+      </p:pic>
+      <p:pic>
+        <p:nvPicPr>
+          <p:cNvPr id="13" name="Grafik 12">
+            <a:extLst>
+              <a:ext uri="{FF2B5EF4-FFF2-40B4-BE49-F238E27FC236}">
+                <a16:creationId xmlns:a16="http://schemas.microsoft.com/office/drawing/2014/main" id="{D93D8BB0-A9B8-4296-B488-D93F7D4879DA}"/>
+              </a:ext>
+            </a:extLst>
+          </p:cNvPr>
+          <p:cNvPicPr>
+            <a:picLocks noChangeAspect="1"/>
+          </p:cNvPicPr>
+          <p:nvPr/>
+        </p:nvPicPr>
+        <p:blipFill rotWithShape="1">
+          <a:blip r:embed="rId5">
+            <a:extLst>
+              <a:ext uri="{28A0092B-C50C-407E-A947-70E740481C1C}">
+                <a14:useLocalDpi xmlns:a14="http://schemas.microsoft.com/office/drawing/2010/main" val="0"/>
+              </a:ext>
+            </a:extLst>
+          </a:blip>
+          <a:srcRect r="66180"/>
+          <a:stretch/>
+        </p:blipFill>
+        <p:spPr>
+          <a:xfrm>
+            <a:off x="1100139" y="1562139"/>
+            <a:ext cx="3858719" cy="3858719"/>
+          </a:xfrm>
+          <a:prstGeom prst="rect">
+            <a:avLst/>
+          </a:prstGeom>
+        </p:spPr>
+      </p:pic>
+      <p:cxnSp>
+        <p:nvCxnSpPr>
+          <p:cNvPr id="3" name="Gerade Verbindung mit Pfeil 2">
+            <a:extLst>
+              <a:ext uri="{FF2B5EF4-FFF2-40B4-BE49-F238E27FC236}">
+                <a16:creationId xmlns:a16="http://schemas.microsoft.com/office/drawing/2014/main" id="{1844E3D8-57C8-47DF-AA01-5F3E6475E502}"/>
+              </a:ext>
+            </a:extLst>
+          </p:cNvPr>
+          <p:cNvCxnSpPr/>
+          <p:nvPr/>
+        </p:nvCxnSpPr>
+        <p:spPr>
+          <a:xfrm>
+            <a:off x="5349628" y="3529598"/>
+            <a:ext cx="1944000" cy="0"/>
+          </a:xfrm>
+          <a:prstGeom prst="straightConnector1">
+            <a:avLst/>
+          </a:prstGeom>
+          <a:ln w="76200">
+            <a:solidFill>
+              <a:srgbClr val="009EE6"/>
+            </a:solidFill>
+            <a:tailEnd type="triangle"/>
+          </a:ln>
+        </p:spPr>
+        <p:style>
+          <a:lnRef idx="1">
+            <a:schemeClr val="accent1"/>
+          </a:lnRef>
+          <a:fillRef idx="0">
+            <a:schemeClr val="accent1"/>
+          </a:fillRef>
+          <a:effectRef idx="0">
+            <a:schemeClr val="accent1"/>
+          </a:effectRef>
+          <a:fontRef idx="minor">
+            <a:schemeClr val="tx1"/>
+          </a:fontRef>
+        </p:style>
+      </p:cxnSp>
+      <p:sp>
+        <p:nvSpPr>
+          <p:cNvPr id="16" name="Textfeld 15">
+            <a:extLst>
+              <a:ext uri="{FF2B5EF4-FFF2-40B4-BE49-F238E27FC236}">
+                <a16:creationId xmlns:a16="http://schemas.microsoft.com/office/drawing/2014/main" id="{429BC547-90F4-4B6B-A1F8-5B7B1F65DCB9}"/>
+              </a:ext>
+            </a:extLst>
+          </p:cNvPr>
+          <p:cNvSpPr txBox="1"/>
+          <p:nvPr/>
+        </p:nvSpPr>
+        <p:spPr>
+          <a:xfrm>
+            <a:off x="1433641" y="830554"/>
+            <a:ext cx="3191711" cy="646331"/>
+          </a:xfrm>
+          <a:prstGeom prst="rect">
+            <a:avLst/>
+          </a:prstGeom>
+          <a:noFill/>
+        </p:spPr>
+        <p:txBody>
+          <a:bodyPr wrap="square" rtlCol="0">
+            <a:spAutoFit/>
+          </a:bodyPr>
+          <a:lstStyle/>
+          <a:p>
+            <a:pPr algn="ctr"/>
+            <a:r>
+              <a:rPr lang="de-CH" sz="3600" kern="1400" spc="-50" dirty="0">
+                <a:solidFill>
+                  <a:srgbClr val="003399"/>
+                </a:solidFill>
+                <a:latin typeface="Meta Std Normal" panose="020B0504030101020102" pitchFamily="34" charset="0"/>
+                <a:ea typeface="Times New Roman" panose="02020603050405020304" pitchFamily="18" charset="0"/>
+                <a:cs typeface="Times New Roman" panose="02020603050405020304" pitchFamily="18" charset="0"/>
+              </a:rPr>
+              <a:t>Ausgangslage</a:t>
+            </a:r>
+            <a:endParaRPr lang="de-CH" sz="3600" dirty="0">
+              <a:solidFill>
+                <a:srgbClr val="003399"/>
+              </a:solidFill>
+              <a:latin typeface="Meta Std Normal" panose="020B0504030101020102" pitchFamily="34" charset="0"/>
+            </a:endParaRPr>
+          </a:p>
+        </p:txBody>
+      </p:sp>
+      <p:sp>
+        <p:nvSpPr>
+          <p:cNvPr id="17" name="Textfeld 16">
+            <a:extLst>
+              <a:ext uri="{FF2B5EF4-FFF2-40B4-BE49-F238E27FC236}">
+                <a16:creationId xmlns:a16="http://schemas.microsoft.com/office/drawing/2014/main" id="{1F5B40AD-0A48-49E7-8CBD-DE693B74F704}"/>
+              </a:ext>
+            </a:extLst>
+          </p:cNvPr>
+          <p:cNvSpPr txBox="1"/>
+          <p:nvPr/>
+        </p:nvSpPr>
+        <p:spPr>
+          <a:xfrm>
+            <a:off x="7801102" y="827342"/>
+            <a:ext cx="3191711" cy="646331"/>
+          </a:xfrm>
+          <a:prstGeom prst="rect">
+            <a:avLst/>
+          </a:prstGeom>
+          <a:noFill/>
+        </p:spPr>
+        <p:txBody>
+          <a:bodyPr wrap="square" rtlCol="0">
+            <a:spAutoFit/>
+          </a:bodyPr>
+          <a:lstStyle/>
+          <a:p>
+            <a:pPr algn="ctr"/>
+            <a:r>
+              <a:rPr lang="de-CH" sz="3600" kern="1400" spc="-50" dirty="0">
+                <a:solidFill>
+                  <a:srgbClr val="009EE6"/>
+                </a:solidFill>
+                <a:latin typeface="Meta Std Medium" panose="020B0604030101020102" pitchFamily="34" charset="0"/>
+                <a:ea typeface="Times New Roman" panose="02020603050405020304" pitchFamily="18" charset="0"/>
+                <a:cs typeface="Times New Roman" panose="02020603050405020304" pitchFamily="18" charset="0"/>
+              </a:rPr>
+              <a:t>Zielsetzung</a:t>
+            </a:r>
+            <a:endParaRPr lang="de-CH" sz="3600" dirty="0">
+              <a:solidFill>
+                <a:srgbClr val="009EE6"/>
+              </a:solidFill>
+              <a:latin typeface="Meta Std Medium" panose="020B0604030101020102" pitchFamily="34" charset="0"/>
+            </a:endParaRPr>
+          </a:p>
+        </p:txBody>
+      </p:sp>
+    </p:spTree>
+    <p:extLst>
+      <p:ext uri="{BB962C8B-B14F-4D97-AF65-F5344CB8AC3E}">
+        <p14:creationId xmlns:p14="http://schemas.microsoft.com/office/powerpoint/2010/main" val="1707277385"/>
+      </p:ext>
+    </p:extLst>
+  </p:cSld>
+  <p:clrMapOvr>
+    <a:masterClrMapping/>
+  </p:clrMapOvr>
+  <mc:AlternateContent xmlns:mc="http://schemas.openxmlformats.org/markup-compatibility/2006">
+    <mc:Choice xmlns:p159="http://schemas.microsoft.com/office/powerpoint/2015/09/main" Requires="p159">
+      <p:transition>
+        <p159:morph option="byObject"/>
+      </p:transition>
+    </mc:Choice>
+    <mc:Fallback>
+      <p:transition>
+        <p:fade/>
+      </p:transition>
+    </mc:Fallback>
+  </mc:AlternateContent>
+</p:sld>
+</file>
+
+<file path=ppt/slides/slide6.xml><?xml version="1.0" encoding="utf-8"?>
+<p:sld xmlns:a="http://schemas.openxmlformats.org/drawingml/2006/main" xmlns:r="http://schemas.openxmlformats.org/officeDocument/2006/relationships" xmlns:p="http://schemas.openxmlformats.org/presentationml/2006/main">
+  <p:cSld>
+    <p:spTree>
+      <p:nvGrpSpPr>
+        <p:cNvPr id="1" name=""/>
+        <p:cNvGrpSpPr/>
+        <p:nvPr/>
+      </p:nvGrpSpPr>
+      <p:grpSpPr>
+        <a:xfrm>
+          <a:off x="0" y="0"/>
+          <a:ext cx="0" cy="0"/>
+          <a:chOff x="0" y="0"/>
+          <a:chExt cx="0" cy="0"/>
+        </a:xfrm>
+      </p:grpSpPr>
+      <p:pic>
+        <p:nvPicPr>
+          <p:cNvPr id="8" name="Grafik 7">
+            <a:extLst>
+              <a:ext uri="{FF2B5EF4-FFF2-40B4-BE49-F238E27FC236}">
+                <a16:creationId xmlns:a16="http://schemas.microsoft.com/office/drawing/2014/main" id="{ADCD8697-1FCF-47EA-81CF-51DDEAABDF03}"/>
+              </a:ext>
+            </a:extLst>
+          </p:cNvPr>
+          <p:cNvPicPr/>
+          <p:nvPr/>
+        </p:nvPicPr>
+        <p:blipFill rotWithShape="1">
+          <a:blip r:embed="rId2">
+            <a:extLst>
+              <a:ext uri="{28A0092B-C50C-407E-A947-70E740481C1C}">
+                <a14:useLocalDpi xmlns:a14="http://schemas.microsoft.com/office/drawing/2010/main" val="0"/>
+              </a:ext>
+            </a:extLst>
+          </a:blip>
+          <a:srcRect l="3810" r="4580" b="40683"/>
+          <a:stretch/>
+        </p:blipFill>
+        <p:spPr bwMode="auto">
+          <a:xfrm>
+            <a:off x="0" y="6711949"/>
+            <a:ext cx="12192000" cy="146051"/>
+          </a:xfrm>
+          <a:prstGeom prst="rect">
+            <a:avLst/>
+          </a:prstGeom>
+          <a:noFill/>
+          <a:ln>
+            <a:noFill/>
+          </a:ln>
+        </p:spPr>
+      </p:pic>
+      <p:pic>
+        <p:nvPicPr>
+          <p:cNvPr id="12" name="Grafik 11">
+            <a:extLst>
+              <a:ext uri="{FF2B5EF4-FFF2-40B4-BE49-F238E27FC236}">
+                <a16:creationId xmlns:a16="http://schemas.microsoft.com/office/drawing/2014/main" id="{4277F3D5-167F-4BA2-BDEE-7FBC2BEF527D}"/>
+              </a:ext>
+            </a:extLst>
+          </p:cNvPr>
+          <p:cNvPicPr>
+            <a:picLocks noChangeAspect="1"/>
+          </p:cNvPicPr>
+          <p:nvPr/>
+        </p:nvPicPr>
+        <p:blipFill>
+          <a:blip r:embed="rId3">
+            <a:extLst>
+              <a:ext uri="{28A0092B-C50C-407E-A947-70E740481C1C}">
+                <a14:useLocalDpi xmlns:a14="http://schemas.microsoft.com/office/drawing/2010/main" val="0"/>
+              </a:ext>
+            </a:extLst>
+          </a:blip>
+          <a:stretch>
+            <a:fillRect/>
+          </a:stretch>
+        </p:blipFill>
+        <p:spPr>
+          <a:xfrm>
+            <a:off x="9926611" y="5968478"/>
+            <a:ext cx="1912571" cy="503308"/>
+          </a:xfrm>
+          <a:prstGeom prst="rect">
+            <a:avLst/>
+          </a:prstGeom>
+        </p:spPr>
+      </p:pic>
+      <p:sp>
+        <p:nvSpPr>
+          <p:cNvPr id="4" name="Textfeld 3">
+            <a:extLst>
+              <a:ext uri="{FF2B5EF4-FFF2-40B4-BE49-F238E27FC236}">
+                <a16:creationId xmlns:a16="http://schemas.microsoft.com/office/drawing/2014/main" id="{59576528-BDCE-4B4B-AAAC-96DA04EE5EA0}"/>
+              </a:ext>
+            </a:extLst>
+          </p:cNvPr>
+          <p:cNvSpPr txBox="1"/>
+          <p:nvPr/>
+        </p:nvSpPr>
+        <p:spPr>
+          <a:xfrm>
+            <a:off x="838200" y="130609"/>
+            <a:ext cx="2074069" cy="261610"/>
+          </a:xfrm>
+          <a:prstGeom prst="rect">
+            <a:avLst/>
+          </a:prstGeom>
+          <a:noFill/>
+        </p:spPr>
+        <p:txBody>
+          <a:bodyPr wrap="square" rtlCol="0">
+            <a:spAutoFit/>
+          </a:bodyPr>
+          <a:lstStyle/>
+          <a:p>
+            <a:pPr algn="ctr"/>
+            <a:r>
+              <a:rPr lang="de-DE" sz="1100" dirty="0">
+                <a:solidFill>
+                  <a:schemeClr val="tx1">
+                    <a:lumMod val="50000"/>
+                    <a:lumOff val="50000"/>
+                  </a:schemeClr>
+                </a:solidFill>
+                <a:latin typeface="Meta Std Normal" panose="020B0504030101020102" pitchFamily="34" charset="0"/>
+              </a:rPr>
+              <a:t>Ursprung &amp; </a:t>
+            </a:r>
+            <a:r>
+              <a:rPr lang="de-DE" sz="1100" dirty="0">
+                <a:solidFill>
+                  <a:srgbClr val="009EE6"/>
+                </a:solidFill>
+                <a:latin typeface="Meta Std Normal" panose="020B0504030101020102" pitchFamily="34" charset="0"/>
+              </a:rPr>
+              <a:t>Umgebung</a:t>
+            </a:r>
+          </a:p>
+        </p:txBody>
+      </p:sp>
+      <p:sp>
+        <p:nvSpPr>
+          <p:cNvPr id="15" name="Textfeld 14">
+            <a:extLst>
+              <a:ext uri="{FF2B5EF4-FFF2-40B4-BE49-F238E27FC236}">
+                <a16:creationId xmlns:a16="http://schemas.microsoft.com/office/drawing/2014/main" id="{A78CFF66-02E0-4579-9AB3-1C2714806374}"/>
+              </a:ext>
+            </a:extLst>
+          </p:cNvPr>
+          <p:cNvSpPr txBox="1"/>
+          <p:nvPr/>
+        </p:nvSpPr>
+        <p:spPr>
+          <a:xfrm>
+            <a:off x="3581400" y="130609"/>
+            <a:ext cx="2074069" cy="261610"/>
+          </a:xfrm>
+          <a:prstGeom prst="rect">
+            <a:avLst/>
+          </a:prstGeom>
+          <a:noFill/>
+        </p:spPr>
+        <p:txBody>
+          <a:bodyPr wrap="square" rtlCol="0">
+            <a:spAutoFit/>
+          </a:bodyPr>
+          <a:lstStyle/>
+          <a:p>
+            <a:pPr algn="ctr"/>
+            <a:r>
+              <a:rPr lang="de-DE" sz="1100" dirty="0">
+                <a:solidFill>
+                  <a:schemeClr val="tx1">
+                    <a:lumMod val="50000"/>
+                    <a:lumOff val="50000"/>
+                  </a:schemeClr>
+                </a:solidFill>
+                <a:latin typeface="Meta Std Normal" panose="020B0504030101020102" pitchFamily="34" charset="0"/>
+              </a:rPr>
+              <a:t>Realisierung</a:t>
+            </a:r>
+          </a:p>
+        </p:txBody>
+      </p:sp>
+      <p:sp>
+        <p:nvSpPr>
+          <p:cNvPr id="21" name="Textfeld 20">
+            <a:extLst>
+              <a:ext uri="{FF2B5EF4-FFF2-40B4-BE49-F238E27FC236}">
+                <a16:creationId xmlns:a16="http://schemas.microsoft.com/office/drawing/2014/main" id="{7CD28F71-6880-44F4-9EC4-6F1897DFE100}"/>
+              </a:ext>
+            </a:extLst>
+          </p:cNvPr>
+          <p:cNvSpPr txBox="1"/>
+          <p:nvPr/>
+        </p:nvSpPr>
+        <p:spPr>
+          <a:xfrm>
+            <a:off x="6430565" y="130609"/>
+            <a:ext cx="2074069" cy="261610"/>
+          </a:xfrm>
+          <a:prstGeom prst="rect">
+            <a:avLst/>
+          </a:prstGeom>
+          <a:noFill/>
+        </p:spPr>
+        <p:txBody>
+          <a:bodyPr wrap="square" rtlCol="0">
+            <a:spAutoFit/>
+          </a:bodyPr>
+          <a:lstStyle/>
+          <a:p>
+            <a:pPr algn="ctr"/>
+            <a:r>
+              <a:rPr lang="de-DE" sz="1100" dirty="0">
+                <a:solidFill>
+                  <a:schemeClr val="tx1">
+                    <a:lumMod val="50000"/>
+                    <a:lumOff val="50000"/>
+                  </a:schemeClr>
+                </a:solidFill>
+                <a:latin typeface="Meta Std Normal" panose="020B0504030101020102" pitchFamily="34" charset="0"/>
+              </a:rPr>
+              <a:t>Resultat</a:t>
+            </a:r>
+          </a:p>
+        </p:txBody>
+      </p:sp>
+      <p:sp>
+        <p:nvSpPr>
+          <p:cNvPr id="23" name="Textfeld 22">
+            <a:extLst>
+              <a:ext uri="{FF2B5EF4-FFF2-40B4-BE49-F238E27FC236}">
+                <a16:creationId xmlns:a16="http://schemas.microsoft.com/office/drawing/2014/main" id="{50BA6159-800C-409E-9350-B7DBA9E76E62}"/>
+              </a:ext>
+            </a:extLst>
+          </p:cNvPr>
+          <p:cNvSpPr txBox="1"/>
+          <p:nvPr/>
+        </p:nvSpPr>
+        <p:spPr>
+          <a:xfrm>
+            <a:off x="9279731" y="130609"/>
+            <a:ext cx="2074069" cy="261610"/>
+          </a:xfrm>
+          <a:prstGeom prst="rect">
+            <a:avLst/>
+          </a:prstGeom>
+          <a:noFill/>
+        </p:spPr>
+        <p:txBody>
+          <a:bodyPr wrap="square" rtlCol="0">
+            <a:spAutoFit/>
+          </a:bodyPr>
+          <a:lstStyle/>
+          <a:p>
+            <a:pPr algn="ctr"/>
+            <a:r>
+              <a:rPr lang="de-DE" sz="1100" dirty="0">
+                <a:solidFill>
+                  <a:schemeClr val="tx1">
+                    <a:lumMod val="50000"/>
+                    <a:lumOff val="50000"/>
+                  </a:schemeClr>
+                </a:solidFill>
+                <a:latin typeface="Meta Std Normal" panose="020B0504030101020102" pitchFamily="34" charset="0"/>
+              </a:rPr>
+              <a:t>Evaluierung</a:t>
+            </a:r>
+          </a:p>
+        </p:txBody>
+      </p:sp>
+      <p:sp>
+        <p:nvSpPr>
+          <p:cNvPr id="25" name="Textfeld 24">
+            <a:extLst>
+              <a:ext uri="{FF2B5EF4-FFF2-40B4-BE49-F238E27FC236}">
+                <a16:creationId xmlns:a16="http://schemas.microsoft.com/office/drawing/2014/main" id="{E4E120F9-A2D3-4C29-B52B-3EA6B3D357C6}"/>
+              </a:ext>
+            </a:extLst>
+          </p:cNvPr>
+          <p:cNvSpPr txBox="1"/>
+          <p:nvPr/>
+        </p:nvSpPr>
+        <p:spPr>
+          <a:xfrm>
+            <a:off x="529389" y="453347"/>
+            <a:ext cx="5566611" cy="707886"/>
+          </a:xfrm>
+          <a:prstGeom prst="rect">
+            <a:avLst/>
+          </a:prstGeom>
+          <a:noFill/>
+        </p:spPr>
+        <p:txBody>
+          <a:bodyPr wrap="square" rtlCol="0">
+            <a:spAutoFit/>
+          </a:bodyPr>
+          <a:lstStyle/>
+          <a:p>
+            <a:r>
+              <a:rPr lang="de-CH" sz="4000" kern="1400" spc="-50" dirty="0">
+                <a:solidFill>
+                  <a:srgbClr val="003399"/>
+                </a:solidFill>
+                <a:latin typeface="Meta Std Normal" panose="020B0504030101020102" pitchFamily="34" charset="0"/>
+                <a:ea typeface="Times New Roman" panose="02020603050405020304" pitchFamily="18" charset="0"/>
+                <a:cs typeface="Times New Roman" panose="02020603050405020304" pitchFamily="18" charset="0"/>
+              </a:rPr>
+              <a:t>Infrastruktur</a:t>
+            </a:r>
+            <a:endParaRPr lang="de-CH" sz="4000" dirty="0">
+              <a:solidFill>
+                <a:srgbClr val="003399"/>
+              </a:solidFill>
+              <a:latin typeface="Meta Std Normal" panose="020B0504030101020102" pitchFamily="34" charset="0"/>
+            </a:endParaRPr>
+          </a:p>
+        </p:txBody>
+      </p:sp>
+      <p:pic>
+        <p:nvPicPr>
+          <p:cNvPr id="5" name="Grafik 4">
+            <a:extLst>
+              <a:ext uri="{FF2B5EF4-FFF2-40B4-BE49-F238E27FC236}">
+                <a16:creationId xmlns:a16="http://schemas.microsoft.com/office/drawing/2014/main" id="{FE558B86-75F6-48D5-B2F8-D0D7CB514FFB}"/>
+              </a:ext>
+            </a:extLst>
+          </p:cNvPr>
+          <p:cNvPicPr>
+            <a:picLocks noChangeAspect="1"/>
+          </p:cNvPicPr>
+          <p:nvPr/>
+        </p:nvPicPr>
+        <p:blipFill>
+          <a:blip r:embed="rId4">
+            <a:extLst>
+              <a:ext uri="{28A0092B-C50C-407E-A947-70E740481C1C}">
+                <a14:useLocalDpi xmlns:a14="http://schemas.microsoft.com/office/drawing/2010/main" val="0"/>
+              </a:ext>
+            </a:extLst>
+          </a:blip>
+          <a:stretch>
+            <a:fillRect/>
+          </a:stretch>
+        </p:blipFill>
+        <p:spPr>
+          <a:xfrm>
+            <a:off x="2051050" y="1401396"/>
+            <a:ext cx="7702549" cy="4015377"/>
+          </a:xfrm>
+          <a:prstGeom prst="rect">
+            <a:avLst/>
+          </a:prstGeom>
+        </p:spPr>
+      </p:pic>
+      <p:pic>
+        <p:nvPicPr>
+          <p:cNvPr id="18" name="Grafik 17">
+            <a:extLst>
+              <a:ext uri="{FF2B5EF4-FFF2-40B4-BE49-F238E27FC236}">
+                <a16:creationId xmlns:a16="http://schemas.microsoft.com/office/drawing/2014/main" id="{EEF249C3-F21B-489F-849F-4545A50250B1}"/>
+              </a:ext>
+            </a:extLst>
+          </p:cNvPr>
+          <p:cNvPicPr>
+            <a:picLocks noChangeAspect="1"/>
+          </p:cNvPicPr>
+          <p:nvPr/>
+        </p:nvPicPr>
+        <p:blipFill>
+          <a:blip r:embed="rId5">
+            <a:grayscl/>
+            <a:extLst>
+              <a:ext uri="{28A0092B-C50C-407E-A947-70E740481C1C}">
+                <a14:useLocalDpi xmlns:a14="http://schemas.microsoft.com/office/drawing/2010/main" val="0"/>
+              </a:ext>
+            </a:extLst>
+          </a:blip>
+          <a:stretch>
+            <a:fillRect/>
+          </a:stretch>
+        </p:blipFill>
+        <p:spPr>
+          <a:xfrm>
+            <a:off x="7318225" y="1809790"/>
+            <a:ext cx="2372818" cy="2372818"/>
+          </a:xfrm>
+          <a:prstGeom prst="rect">
+            <a:avLst/>
+          </a:prstGeom>
+        </p:spPr>
+      </p:pic>
+      <p:sp>
+        <p:nvSpPr>
+          <p:cNvPr id="19" name="Textfeld 18">
+            <a:extLst>
+              <a:ext uri="{FF2B5EF4-FFF2-40B4-BE49-F238E27FC236}">
+                <a16:creationId xmlns:a16="http://schemas.microsoft.com/office/drawing/2014/main" id="{034A7714-CB42-46AC-9C86-21925B2B9F2F}"/>
+              </a:ext>
+            </a:extLst>
+          </p:cNvPr>
+          <p:cNvSpPr txBox="1"/>
+          <p:nvPr/>
+        </p:nvSpPr>
+        <p:spPr>
+          <a:xfrm>
+            <a:off x="529389" y="991956"/>
+            <a:ext cx="5566612" cy="338554"/>
+          </a:xfrm>
+          <a:prstGeom prst="rect">
+            <a:avLst/>
+          </a:prstGeom>
+          <a:noFill/>
+        </p:spPr>
+        <p:txBody>
+          <a:bodyPr wrap="square" rtlCol="0">
+            <a:spAutoFit/>
+          </a:bodyPr>
+          <a:lstStyle/>
+          <a:p>
+            <a:r>
+              <a:rPr lang="de-DE" sz="1600" kern="1400" spc="-50" dirty="0">
+                <a:solidFill>
+                  <a:srgbClr val="009EE6"/>
+                </a:solidFill>
+                <a:latin typeface="Meta Std Normal" panose="020B0504030101020102" pitchFamily="34" charset="0"/>
+                <a:cs typeface="Times New Roman" panose="02020603050405020304" pitchFamily="18" charset="0"/>
+              </a:rPr>
+              <a:t>1. Fundament</a:t>
+            </a:r>
+            <a:endParaRPr lang="de-CH" sz="1600" dirty="0">
+              <a:solidFill>
+                <a:srgbClr val="009EE6"/>
+              </a:solidFill>
+              <a:latin typeface="Meta Std Normal" panose="020B0504030101020102" pitchFamily="34" charset="0"/>
+            </a:endParaRPr>
+          </a:p>
+        </p:txBody>
+      </p:sp>
+    </p:spTree>
+    <p:extLst>
+      <p:ext uri="{BB962C8B-B14F-4D97-AF65-F5344CB8AC3E}">
+        <p14:creationId xmlns:p14="http://schemas.microsoft.com/office/powerpoint/2010/main" val="3105374953"/>
+      </p:ext>
+    </p:extLst>
+  </p:cSld>
+  <p:clrMapOvr>
+    <a:masterClrMapping/>
+  </p:clrMapOvr>
+  <mc:AlternateContent xmlns:mc="http://schemas.openxmlformats.org/markup-compatibility/2006">
+    <mc:Choice xmlns:p159="http://schemas.microsoft.com/office/powerpoint/2015/09/main" Requires="p159">
+      <p:transition xmlns:p14="http://schemas.microsoft.com/office/powerpoint/2010/main" p14:dur="250">
+        <p159:morph option="byObject"/>
+      </p:transition>
+    </mc:Choice>
+    <mc:Fallback>
+      <p:transition>
+        <p:fade/>
+      </p:transition>
+    </mc:Fallback>
+  </mc:AlternateContent>
+</p:sld>
+</file>
+
+<file path=ppt/slides/slide7.xml><?xml version="1.0" encoding="utf-8"?>
+<p:sld xmlns:a="http://schemas.openxmlformats.org/drawingml/2006/main" xmlns:r="http://schemas.openxmlformats.org/officeDocument/2006/relationships" xmlns:p="http://schemas.openxmlformats.org/presentationml/2006/main">
+  <p:cSld>
+    <p:spTree>
+      <p:nvGrpSpPr>
+        <p:cNvPr id="1" name=""/>
+        <p:cNvGrpSpPr/>
+        <p:nvPr/>
+      </p:nvGrpSpPr>
+      <p:grpSpPr>
+        <a:xfrm>
+          <a:off x="0" y="0"/>
+          <a:ext cx="0" cy="0"/>
+          <a:chOff x="0" y="0"/>
+          <a:chExt cx="0" cy="0"/>
+        </a:xfrm>
+      </p:grpSpPr>
+      <p:pic>
+        <p:nvPicPr>
+          <p:cNvPr id="8" name="Grafik 7">
+            <a:extLst>
+              <a:ext uri="{FF2B5EF4-FFF2-40B4-BE49-F238E27FC236}">
+                <a16:creationId xmlns:a16="http://schemas.microsoft.com/office/drawing/2014/main" id="{ADCD8697-1FCF-47EA-81CF-51DDEAABDF03}"/>
+              </a:ext>
+            </a:extLst>
+          </p:cNvPr>
+          <p:cNvPicPr/>
+          <p:nvPr/>
+        </p:nvPicPr>
+        <p:blipFill rotWithShape="1">
+          <a:blip r:embed="rId2">
+            <a:extLst>
+              <a:ext uri="{28A0092B-C50C-407E-A947-70E740481C1C}">
+                <a14:useLocalDpi xmlns:a14="http://schemas.microsoft.com/office/drawing/2010/main" val="0"/>
+              </a:ext>
+            </a:extLst>
+          </a:blip>
+          <a:srcRect l="3810" r="4580" b="40683"/>
+          <a:stretch/>
+        </p:blipFill>
+        <p:spPr bwMode="auto">
+          <a:xfrm>
+            <a:off x="0" y="6711949"/>
+            <a:ext cx="12192000" cy="146051"/>
+          </a:xfrm>
+          <a:prstGeom prst="rect">
+            <a:avLst/>
+          </a:prstGeom>
+          <a:noFill/>
+          <a:ln>
+            <a:noFill/>
+          </a:ln>
+        </p:spPr>
+      </p:pic>
+      <p:pic>
+        <p:nvPicPr>
+          <p:cNvPr id="12" name="Grafik 11">
+            <a:extLst>
+              <a:ext uri="{FF2B5EF4-FFF2-40B4-BE49-F238E27FC236}">
+                <a16:creationId xmlns:a16="http://schemas.microsoft.com/office/drawing/2014/main" id="{4277F3D5-167F-4BA2-BDEE-7FBC2BEF527D}"/>
+              </a:ext>
+            </a:extLst>
+          </p:cNvPr>
+          <p:cNvPicPr>
+            <a:picLocks noChangeAspect="1"/>
+          </p:cNvPicPr>
+          <p:nvPr/>
+        </p:nvPicPr>
+        <p:blipFill>
+          <a:blip r:embed="rId3">
+            <a:extLst>
+              <a:ext uri="{28A0092B-C50C-407E-A947-70E740481C1C}">
+                <a14:useLocalDpi xmlns:a14="http://schemas.microsoft.com/office/drawing/2010/main" val="0"/>
+              </a:ext>
+            </a:extLst>
+          </a:blip>
+          <a:stretch>
+            <a:fillRect/>
+          </a:stretch>
+        </p:blipFill>
+        <p:spPr>
+          <a:xfrm>
+            <a:off x="9926611" y="5968478"/>
+            <a:ext cx="1912571" cy="503308"/>
+          </a:xfrm>
+          <a:prstGeom prst="rect">
+            <a:avLst/>
+          </a:prstGeom>
+        </p:spPr>
+      </p:pic>
+      <p:sp>
+        <p:nvSpPr>
+          <p:cNvPr id="4" name="Textfeld 3">
+            <a:extLst>
+              <a:ext uri="{FF2B5EF4-FFF2-40B4-BE49-F238E27FC236}">
+                <a16:creationId xmlns:a16="http://schemas.microsoft.com/office/drawing/2014/main" id="{59576528-BDCE-4B4B-AAAC-96DA04EE5EA0}"/>
+              </a:ext>
+            </a:extLst>
+          </p:cNvPr>
+          <p:cNvSpPr txBox="1"/>
+          <p:nvPr/>
+        </p:nvSpPr>
+        <p:spPr>
+          <a:xfrm>
+            <a:off x="838200" y="130609"/>
+            <a:ext cx="2074069" cy="261610"/>
+          </a:xfrm>
+          <a:prstGeom prst="rect">
+            <a:avLst/>
+          </a:prstGeom>
+          <a:noFill/>
+        </p:spPr>
+        <p:txBody>
+          <a:bodyPr wrap="square" rtlCol="0">
+            <a:spAutoFit/>
+          </a:bodyPr>
+          <a:lstStyle/>
+          <a:p>
+            <a:pPr algn="ctr"/>
+            <a:r>
+              <a:rPr lang="de-DE" sz="1100" dirty="0">
+                <a:solidFill>
+                  <a:schemeClr val="tx1">
+                    <a:lumMod val="50000"/>
+                    <a:lumOff val="50000"/>
+                  </a:schemeClr>
+                </a:solidFill>
+                <a:latin typeface="Meta Std Normal" panose="020B0504030101020102" pitchFamily="34" charset="0"/>
+              </a:rPr>
+              <a:t>Ursprung &amp; </a:t>
+            </a:r>
+            <a:r>
+              <a:rPr lang="de-DE" sz="1100" dirty="0">
+                <a:solidFill>
+                  <a:srgbClr val="009EE6"/>
+                </a:solidFill>
+                <a:latin typeface="Meta Std Normal" panose="020B0504030101020102" pitchFamily="34" charset="0"/>
+              </a:rPr>
+              <a:t>Umgebung</a:t>
+            </a:r>
+          </a:p>
+        </p:txBody>
+      </p:sp>
+      <p:sp>
+        <p:nvSpPr>
+          <p:cNvPr id="15" name="Textfeld 14">
+            <a:extLst>
+              <a:ext uri="{FF2B5EF4-FFF2-40B4-BE49-F238E27FC236}">
+                <a16:creationId xmlns:a16="http://schemas.microsoft.com/office/drawing/2014/main" id="{A78CFF66-02E0-4579-9AB3-1C2714806374}"/>
+              </a:ext>
+            </a:extLst>
+          </p:cNvPr>
+          <p:cNvSpPr txBox="1"/>
+          <p:nvPr/>
+        </p:nvSpPr>
+        <p:spPr>
+          <a:xfrm>
+            <a:off x="3581400" y="130609"/>
+            <a:ext cx="2074069" cy="261610"/>
+          </a:xfrm>
+          <a:prstGeom prst="rect">
+            <a:avLst/>
+          </a:prstGeom>
+          <a:noFill/>
+        </p:spPr>
+        <p:txBody>
+          <a:bodyPr wrap="square" rtlCol="0">
+            <a:spAutoFit/>
+          </a:bodyPr>
+          <a:lstStyle/>
+          <a:p>
+            <a:pPr algn="ctr"/>
+            <a:r>
+              <a:rPr lang="de-DE" sz="1100" dirty="0">
+                <a:solidFill>
+                  <a:schemeClr val="tx1">
+                    <a:lumMod val="50000"/>
+                    <a:lumOff val="50000"/>
+                  </a:schemeClr>
+                </a:solidFill>
+                <a:latin typeface="Meta Std Normal" panose="020B0504030101020102" pitchFamily="34" charset="0"/>
+              </a:rPr>
+              <a:t>Realisierung</a:t>
+            </a:r>
+          </a:p>
+        </p:txBody>
+      </p:sp>
+      <p:sp>
+        <p:nvSpPr>
+          <p:cNvPr id="21" name="Textfeld 20">
+            <a:extLst>
+              <a:ext uri="{FF2B5EF4-FFF2-40B4-BE49-F238E27FC236}">
+                <a16:creationId xmlns:a16="http://schemas.microsoft.com/office/drawing/2014/main" id="{7CD28F71-6880-44F4-9EC4-6F1897DFE100}"/>
+              </a:ext>
+            </a:extLst>
+          </p:cNvPr>
+          <p:cNvSpPr txBox="1"/>
+          <p:nvPr/>
+        </p:nvSpPr>
+        <p:spPr>
+          <a:xfrm>
+            <a:off x="6430565" y="130609"/>
+            <a:ext cx="2074069" cy="261610"/>
+          </a:xfrm>
+          <a:prstGeom prst="rect">
+            <a:avLst/>
+          </a:prstGeom>
+          <a:noFill/>
+        </p:spPr>
+        <p:txBody>
+          <a:bodyPr wrap="square" rtlCol="0">
+            <a:spAutoFit/>
+          </a:bodyPr>
+          <a:lstStyle/>
+          <a:p>
+            <a:pPr algn="ctr"/>
+            <a:r>
+              <a:rPr lang="de-DE" sz="1100" dirty="0">
+                <a:solidFill>
+                  <a:schemeClr val="tx1">
+                    <a:lumMod val="50000"/>
+                    <a:lumOff val="50000"/>
+                  </a:schemeClr>
+                </a:solidFill>
+                <a:latin typeface="Meta Std Normal" panose="020B0504030101020102" pitchFamily="34" charset="0"/>
+              </a:rPr>
+              <a:t>Resultat</a:t>
+            </a:r>
+          </a:p>
+        </p:txBody>
+      </p:sp>
+      <p:sp>
+        <p:nvSpPr>
+          <p:cNvPr id="23" name="Textfeld 22">
+            <a:extLst>
+              <a:ext uri="{FF2B5EF4-FFF2-40B4-BE49-F238E27FC236}">
+                <a16:creationId xmlns:a16="http://schemas.microsoft.com/office/drawing/2014/main" id="{50BA6159-800C-409E-9350-B7DBA9E76E62}"/>
+              </a:ext>
+            </a:extLst>
+          </p:cNvPr>
+          <p:cNvSpPr txBox="1"/>
+          <p:nvPr/>
+        </p:nvSpPr>
+        <p:spPr>
+          <a:xfrm>
+            <a:off x="9279731" y="130609"/>
+            <a:ext cx="2074069" cy="261610"/>
+          </a:xfrm>
+          <a:prstGeom prst="rect">
+            <a:avLst/>
+          </a:prstGeom>
+          <a:noFill/>
+        </p:spPr>
+        <p:txBody>
+          <a:bodyPr wrap="square" rtlCol="0">
+            <a:spAutoFit/>
+          </a:bodyPr>
+          <a:lstStyle/>
+          <a:p>
+            <a:pPr algn="ctr"/>
+            <a:r>
+              <a:rPr lang="de-DE" sz="1100" dirty="0">
+                <a:solidFill>
+                  <a:schemeClr val="tx1">
+                    <a:lumMod val="50000"/>
+                    <a:lumOff val="50000"/>
+                  </a:schemeClr>
+                </a:solidFill>
+                <a:latin typeface="Meta Std Normal" panose="020B0504030101020102" pitchFamily="34" charset="0"/>
+              </a:rPr>
+              <a:t>Evaluierung</a:t>
+            </a:r>
+          </a:p>
+        </p:txBody>
+      </p:sp>
+      <p:sp>
+        <p:nvSpPr>
+          <p:cNvPr id="25" name="Textfeld 24">
+            <a:extLst>
+              <a:ext uri="{FF2B5EF4-FFF2-40B4-BE49-F238E27FC236}">
+                <a16:creationId xmlns:a16="http://schemas.microsoft.com/office/drawing/2014/main" id="{E4E120F9-A2D3-4C29-B52B-3EA6B3D357C6}"/>
+              </a:ext>
+            </a:extLst>
+          </p:cNvPr>
+          <p:cNvSpPr txBox="1"/>
+          <p:nvPr/>
+        </p:nvSpPr>
+        <p:spPr>
+          <a:xfrm>
+            <a:off x="529389" y="453347"/>
+            <a:ext cx="5566611" cy="707886"/>
+          </a:xfrm>
+          <a:prstGeom prst="rect">
+            <a:avLst/>
+          </a:prstGeom>
+          <a:noFill/>
+        </p:spPr>
+        <p:txBody>
+          <a:bodyPr wrap="square" rtlCol="0">
+            <a:spAutoFit/>
+          </a:bodyPr>
+          <a:lstStyle/>
+          <a:p>
+            <a:r>
+              <a:rPr lang="de-CH" sz="4000" kern="1400" spc="-50" dirty="0">
+                <a:solidFill>
+                  <a:srgbClr val="003399"/>
+                </a:solidFill>
+                <a:latin typeface="Meta Std Normal" panose="020B0504030101020102" pitchFamily="34" charset="0"/>
+                <a:ea typeface="Times New Roman" panose="02020603050405020304" pitchFamily="18" charset="0"/>
+                <a:cs typeface="Times New Roman" panose="02020603050405020304" pitchFamily="18" charset="0"/>
+              </a:rPr>
+              <a:t>Infrastruktur</a:t>
+            </a:r>
+            <a:endParaRPr lang="de-CH" sz="4000" dirty="0">
+              <a:solidFill>
+                <a:srgbClr val="003399"/>
+              </a:solidFill>
+              <a:latin typeface="Meta Std Normal" panose="020B0504030101020102" pitchFamily="34" charset="0"/>
+            </a:endParaRPr>
+          </a:p>
+        </p:txBody>
+      </p:sp>
+      <p:pic>
+        <p:nvPicPr>
+          <p:cNvPr id="5" name="Grafik 4">
+            <a:extLst>
+              <a:ext uri="{FF2B5EF4-FFF2-40B4-BE49-F238E27FC236}">
+                <a16:creationId xmlns:a16="http://schemas.microsoft.com/office/drawing/2014/main" id="{FE558B86-75F6-48D5-B2F8-D0D7CB514FFB}"/>
+              </a:ext>
+            </a:extLst>
+          </p:cNvPr>
+          <p:cNvPicPr>
+            <a:picLocks noChangeAspect="1"/>
+          </p:cNvPicPr>
+          <p:nvPr/>
+        </p:nvPicPr>
+        <p:blipFill>
+          <a:blip r:embed="rId4">
+            <a:extLst>
+              <a:ext uri="{28A0092B-C50C-407E-A947-70E740481C1C}">
+                <a14:useLocalDpi xmlns:a14="http://schemas.microsoft.com/office/drawing/2010/main" val="0"/>
+              </a:ext>
+            </a:extLst>
+          </a:blip>
+          <a:stretch>
+            <a:fillRect/>
+          </a:stretch>
+        </p:blipFill>
+        <p:spPr>
+          <a:xfrm>
+            <a:off x="2051050" y="1401396"/>
+            <a:ext cx="7702549" cy="4015376"/>
+          </a:xfrm>
+          <a:prstGeom prst="rect">
+            <a:avLst/>
+          </a:prstGeom>
+        </p:spPr>
+      </p:pic>
+      <p:pic>
+        <p:nvPicPr>
+          <p:cNvPr id="13" name="Grafik 12">
+            <a:extLst>
+              <a:ext uri="{FF2B5EF4-FFF2-40B4-BE49-F238E27FC236}">
+                <a16:creationId xmlns:a16="http://schemas.microsoft.com/office/drawing/2014/main" id="{CEF29DBB-117E-4BC7-AF90-94F56068DBFB}"/>
+              </a:ext>
+            </a:extLst>
+          </p:cNvPr>
+          <p:cNvPicPr>
+            <a:picLocks noChangeAspect="1"/>
+          </p:cNvPicPr>
+          <p:nvPr/>
+        </p:nvPicPr>
+        <p:blipFill>
+          <a:blip r:embed="rId5">
+            <a:grayscl/>
+            <a:extLst>
+              <a:ext uri="{28A0092B-C50C-407E-A947-70E740481C1C}">
+                <a14:useLocalDpi xmlns:a14="http://schemas.microsoft.com/office/drawing/2010/main" val="0"/>
+              </a:ext>
+            </a:extLst>
+          </a:blip>
+          <a:stretch>
+            <a:fillRect/>
+          </a:stretch>
+        </p:blipFill>
+        <p:spPr>
+          <a:xfrm>
+            <a:off x="5015715" y="3945823"/>
+            <a:ext cx="1025507" cy="1025507"/>
+          </a:xfrm>
+          <a:prstGeom prst="rect">
+            <a:avLst/>
+          </a:prstGeom>
+        </p:spPr>
+      </p:pic>
+      <p:sp>
+        <p:nvSpPr>
+          <p:cNvPr id="17" name="Textfeld 16">
+            <a:extLst>
+              <a:ext uri="{FF2B5EF4-FFF2-40B4-BE49-F238E27FC236}">
+                <a16:creationId xmlns:a16="http://schemas.microsoft.com/office/drawing/2014/main" id="{BB9458D9-2097-402A-9CF0-3013B3FE9986}"/>
+              </a:ext>
+            </a:extLst>
+          </p:cNvPr>
+          <p:cNvSpPr txBox="1"/>
+          <p:nvPr/>
+        </p:nvSpPr>
+        <p:spPr>
+          <a:xfrm>
+            <a:off x="529389" y="991956"/>
+            <a:ext cx="5566612" cy="338554"/>
+          </a:xfrm>
+          <a:prstGeom prst="rect">
+            <a:avLst/>
+          </a:prstGeom>
+          <a:noFill/>
+        </p:spPr>
+        <p:txBody>
+          <a:bodyPr wrap="square" rtlCol="0">
+            <a:spAutoFit/>
+          </a:bodyPr>
+          <a:lstStyle/>
+          <a:p>
+            <a:r>
+              <a:rPr lang="de-DE" sz="1600" kern="1400" spc="-50" dirty="0">
+                <a:solidFill>
+                  <a:srgbClr val="009EE6"/>
+                </a:solidFill>
+                <a:latin typeface="Meta Std Normal" panose="020B0504030101020102" pitchFamily="34" charset="0"/>
+                <a:cs typeface="Times New Roman" panose="02020603050405020304" pitchFamily="18" charset="0"/>
+              </a:rPr>
+              <a:t>2. Umgebung &amp; Ressourcen</a:t>
+            </a:r>
+            <a:endParaRPr lang="de-CH" sz="1600" dirty="0">
+              <a:solidFill>
+                <a:srgbClr val="009EE6"/>
+              </a:solidFill>
+              <a:latin typeface="Meta Std Normal" panose="020B0504030101020102" pitchFamily="34" charset="0"/>
+            </a:endParaRPr>
+          </a:p>
+        </p:txBody>
+      </p:sp>
+    </p:spTree>
+    <p:extLst>
+      <p:ext uri="{BB962C8B-B14F-4D97-AF65-F5344CB8AC3E}">
+        <p14:creationId xmlns:p14="http://schemas.microsoft.com/office/powerpoint/2010/main" val="1544647989"/>
+      </p:ext>
+    </p:extLst>
+  </p:cSld>
+  <p:clrMapOvr>
+    <a:masterClrMapping/>
+  </p:clrMapOvr>
+  <mc:AlternateContent xmlns:mc="http://schemas.openxmlformats.org/markup-compatibility/2006">
+    <mc:Choice xmlns:p14="http://schemas.microsoft.com/office/powerpoint/2010/main" Requires="p14">
+      <p:transition p14:dur="250">
+        <p:fade/>
+      </p:transition>
+    </mc:Choice>
+    <mc:Fallback>
+      <p:transition>
+        <p:fade/>
+      </p:transition>
+    </mc:Fallback>
+  </mc:AlternateContent>
+</p:sld>
+</file>
+
+<file path=ppt/slides/slide8.xml><?xml version="1.0" encoding="utf-8"?>
+<p:sld xmlns:a="http://schemas.openxmlformats.org/drawingml/2006/main" xmlns:r="http://schemas.openxmlformats.org/officeDocument/2006/relationships" xmlns:p="http://schemas.openxmlformats.org/presentationml/2006/main">
+  <p:cSld>
+    <p:spTree>
+      <p:nvGrpSpPr>
+        <p:cNvPr id="1" name=""/>
+        <p:cNvGrpSpPr/>
+        <p:nvPr/>
+      </p:nvGrpSpPr>
+      <p:grpSpPr>
+        <a:xfrm>
+          <a:off x="0" y="0"/>
+          <a:ext cx="0" cy="0"/>
+          <a:chOff x="0" y="0"/>
+          <a:chExt cx="0" cy="0"/>
+        </a:xfrm>
+      </p:grpSpPr>
+      <p:pic>
+        <p:nvPicPr>
+          <p:cNvPr id="8" name="Grafik 7">
+            <a:extLst>
+              <a:ext uri="{FF2B5EF4-FFF2-40B4-BE49-F238E27FC236}">
+                <a16:creationId xmlns:a16="http://schemas.microsoft.com/office/drawing/2014/main" id="{ADCD8697-1FCF-47EA-81CF-51DDEAABDF03}"/>
+              </a:ext>
+            </a:extLst>
+          </p:cNvPr>
+          <p:cNvPicPr/>
+          <p:nvPr/>
+        </p:nvPicPr>
+        <p:blipFill rotWithShape="1">
+          <a:blip r:embed="rId2">
+            <a:extLst>
+              <a:ext uri="{28A0092B-C50C-407E-A947-70E740481C1C}">
+                <a14:useLocalDpi xmlns:a14="http://schemas.microsoft.com/office/drawing/2010/main" val="0"/>
+              </a:ext>
+            </a:extLst>
+          </a:blip>
+          <a:srcRect l="3810" r="4580" b="40683"/>
+          <a:stretch/>
+        </p:blipFill>
+        <p:spPr bwMode="auto">
+          <a:xfrm>
+            <a:off x="0" y="6711949"/>
+            <a:ext cx="12192000" cy="146051"/>
+          </a:xfrm>
+          <a:prstGeom prst="rect">
+            <a:avLst/>
+          </a:prstGeom>
+          <a:noFill/>
+          <a:ln>
+            <a:noFill/>
+          </a:ln>
+        </p:spPr>
+      </p:pic>
+      <p:pic>
+        <p:nvPicPr>
+          <p:cNvPr id="12" name="Grafik 11">
+            <a:extLst>
+              <a:ext uri="{FF2B5EF4-FFF2-40B4-BE49-F238E27FC236}">
+                <a16:creationId xmlns:a16="http://schemas.microsoft.com/office/drawing/2014/main" id="{4277F3D5-167F-4BA2-BDEE-7FBC2BEF527D}"/>
+              </a:ext>
+            </a:extLst>
+          </p:cNvPr>
+          <p:cNvPicPr>
+            <a:picLocks noChangeAspect="1"/>
+          </p:cNvPicPr>
+          <p:nvPr/>
+        </p:nvPicPr>
+        <p:blipFill>
+          <a:blip r:embed="rId3">
+            <a:extLst>
+              <a:ext uri="{28A0092B-C50C-407E-A947-70E740481C1C}">
+                <a14:useLocalDpi xmlns:a14="http://schemas.microsoft.com/office/drawing/2010/main" val="0"/>
+              </a:ext>
+            </a:extLst>
+          </a:blip>
+          <a:stretch>
+            <a:fillRect/>
+          </a:stretch>
+        </p:blipFill>
+        <p:spPr>
+          <a:xfrm>
+            <a:off x="9926611" y="5968478"/>
+            <a:ext cx="1912571" cy="503308"/>
+          </a:xfrm>
+          <a:prstGeom prst="rect">
+            <a:avLst/>
+          </a:prstGeom>
+        </p:spPr>
+      </p:pic>
+      <p:sp>
+        <p:nvSpPr>
+          <p:cNvPr id="4" name="Textfeld 3">
+            <a:extLst>
+              <a:ext uri="{FF2B5EF4-FFF2-40B4-BE49-F238E27FC236}">
+                <a16:creationId xmlns:a16="http://schemas.microsoft.com/office/drawing/2014/main" id="{59576528-BDCE-4B4B-AAAC-96DA04EE5EA0}"/>
+              </a:ext>
+            </a:extLst>
+          </p:cNvPr>
+          <p:cNvSpPr txBox="1"/>
+          <p:nvPr/>
+        </p:nvSpPr>
+        <p:spPr>
+          <a:xfrm>
+            <a:off x="838200" y="130609"/>
+            <a:ext cx="2074069" cy="261610"/>
+          </a:xfrm>
+          <a:prstGeom prst="rect">
+            <a:avLst/>
+          </a:prstGeom>
+          <a:noFill/>
+        </p:spPr>
+        <p:txBody>
+          <a:bodyPr wrap="square" rtlCol="0">
+            <a:spAutoFit/>
+          </a:bodyPr>
+          <a:lstStyle/>
+          <a:p>
+            <a:pPr algn="ctr"/>
+            <a:r>
+              <a:rPr lang="de-DE" sz="1100" dirty="0">
+                <a:solidFill>
+                  <a:schemeClr val="tx1">
+                    <a:lumMod val="50000"/>
+                    <a:lumOff val="50000"/>
+                  </a:schemeClr>
+                </a:solidFill>
+                <a:latin typeface="Meta Std Normal" panose="020B0504030101020102" pitchFamily="34" charset="0"/>
+              </a:rPr>
+              <a:t>Ursprung &amp; </a:t>
+            </a:r>
+            <a:r>
+              <a:rPr lang="de-DE" sz="1100" dirty="0">
+                <a:solidFill>
+                  <a:srgbClr val="009EE6"/>
+                </a:solidFill>
+                <a:latin typeface="Meta Std Normal" panose="020B0504030101020102" pitchFamily="34" charset="0"/>
+              </a:rPr>
+              <a:t>Umgebung</a:t>
+            </a:r>
+          </a:p>
+        </p:txBody>
+      </p:sp>
+      <p:sp>
+        <p:nvSpPr>
+          <p:cNvPr id="15" name="Textfeld 14">
+            <a:extLst>
+              <a:ext uri="{FF2B5EF4-FFF2-40B4-BE49-F238E27FC236}">
+                <a16:creationId xmlns:a16="http://schemas.microsoft.com/office/drawing/2014/main" id="{A78CFF66-02E0-4579-9AB3-1C2714806374}"/>
+              </a:ext>
+            </a:extLst>
+          </p:cNvPr>
+          <p:cNvSpPr txBox="1"/>
+          <p:nvPr/>
+        </p:nvSpPr>
+        <p:spPr>
+          <a:xfrm>
+            <a:off x="3581400" y="130609"/>
+            <a:ext cx="2074069" cy="261610"/>
+          </a:xfrm>
+          <a:prstGeom prst="rect">
+            <a:avLst/>
+          </a:prstGeom>
+          <a:noFill/>
+        </p:spPr>
+        <p:txBody>
+          <a:bodyPr wrap="square" rtlCol="0">
+            <a:spAutoFit/>
+          </a:bodyPr>
+          <a:lstStyle/>
+          <a:p>
+            <a:pPr algn="ctr"/>
+            <a:r>
+              <a:rPr lang="de-DE" sz="1100" dirty="0">
+                <a:solidFill>
+                  <a:schemeClr val="tx1">
+                    <a:lumMod val="50000"/>
+                    <a:lumOff val="50000"/>
+                  </a:schemeClr>
+                </a:solidFill>
+                <a:latin typeface="Meta Std Normal" panose="020B0504030101020102" pitchFamily="34" charset="0"/>
+              </a:rPr>
+              <a:t>Realisierung</a:t>
+            </a:r>
+          </a:p>
+        </p:txBody>
+      </p:sp>
+      <p:sp>
+        <p:nvSpPr>
+          <p:cNvPr id="21" name="Textfeld 20">
+            <a:extLst>
+              <a:ext uri="{FF2B5EF4-FFF2-40B4-BE49-F238E27FC236}">
+                <a16:creationId xmlns:a16="http://schemas.microsoft.com/office/drawing/2014/main" id="{7CD28F71-6880-44F4-9EC4-6F1897DFE100}"/>
+              </a:ext>
+            </a:extLst>
+          </p:cNvPr>
+          <p:cNvSpPr txBox="1"/>
+          <p:nvPr/>
+        </p:nvSpPr>
+        <p:spPr>
+          <a:xfrm>
+            <a:off x="6430565" y="130609"/>
+            <a:ext cx="2074069" cy="261610"/>
+          </a:xfrm>
+          <a:prstGeom prst="rect">
+            <a:avLst/>
+          </a:prstGeom>
+          <a:noFill/>
+        </p:spPr>
+        <p:txBody>
+          <a:bodyPr wrap="square" rtlCol="0">
+            <a:spAutoFit/>
+          </a:bodyPr>
+          <a:lstStyle/>
+          <a:p>
+            <a:pPr algn="ctr"/>
+            <a:r>
+              <a:rPr lang="de-DE" sz="1100" dirty="0">
+                <a:solidFill>
+                  <a:schemeClr val="tx1">
+                    <a:lumMod val="50000"/>
+                    <a:lumOff val="50000"/>
+                  </a:schemeClr>
+                </a:solidFill>
+                <a:latin typeface="Meta Std Normal" panose="020B0504030101020102" pitchFamily="34" charset="0"/>
+              </a:rPr>
+              <a:t>Resultat</a:t>
+            </a:r>
+          </a:p>
+        </p:txBody>
+      </p:sp>
+      <p:sp>
+        <p:nvSpPr>
+          <p:cNvPr id="23" name="Textfeld 22">
+            <a:extLst>
+              <a:ext uri="{FF2B5EF4-FFF2-40B4-BE49-F238E27FC236}">
+                <a16:creationId xmlns:a16="http://schemas.microsoft.com/office/drawing/2014/main" id="{50BA6159-800C-409E-9350-B7DBA9E76E62}"/>
+              </a:ext>
+            </a:extLst>
+          </p:cNvPr>
+          <p:cNvSpPr txBox="1"/>
+          <p:nvPr/>
+        </p:nvSpPr>
+        <p:spPr>
+          <a:xfrm>
+            <a:off x="9279731" y="130609"/>
+            <a:ext cx="2074069" cy="261610"/>
+          </a:xfrm>
+          <a:prstGeom prst="rect">
+            <a:avLst/>
+          </a:prstGeom>
+          <a:noFill/>
+        </p:spPr>
+        <p:txBody>
+          <a:bodyPr wrap="square" rtlCol="0">
+            <a:spAutoFit/>
+          </a:bodyPr>
+          <a:lstStyle/>
+          <a:p>
+            <a:pPr algn="ctr"/>
+            <a:r>
+              <a:rPr lang="de-DE" sz="1100" dirty="0">
+                <a:solidFill>
+                  <a:schemeClr val="tx1">
+                    <a:lumMod val="50000"/>
+                    <a:lumOff val="50000"/>
+                  </a:schemeClr>
+                </a:solidFill>
+                <a:latin typeface="Meta Std Normal" panose="020B0504030101020102" pitchFamily="34" charset="0"/>
+              </a:rPr>
+              <a:t>Evaluierung</a:t>
+            </a:r>
+          </a:p>
+        </p:txBody>
+      </p:sp>
+      <p:sp>
+        <p:nvSpPr>
+          <p:cNvPr id="25" name="Textfeld 24">
+            <a:extLst>
+              <a:ext uri="{FF2B5EF4-FFF2-40B4-BE49-F238E27FC236}">
+                <a16:creationId xmlns:a16="http://schemas.microsoft.com/office/drawing/2014/main" id="{E4E120F9-A2D3-4C29-B52B-3EA6B3D357C6}"/>
+              </a:ext>
+            </a:extLst>
+          </p:cNvPr>
+          <p:cNvSpPr txBox="1"/>
+          <p:nvPr/>
+        </p:nvSpPr>
+        <p:spPr>
+          <a:xfrm>
+            <a:off x="529389" y="453347"/>
+            <a:ext cx="5566611" cy="707886"/>
+          </a:xfrm>
+          <a:prstGeom prst="rect">
+            <a:avLst/>
+          </a:prstGeom>
+          <a:noFill/>
+        </p:spPr>
+        <p:txBody>
+          <a:bodyPr wrap="square" rtlCol="0">
+            <a:spAutoFit/>
+          </a:bodyPr>
+          <a:lstStyle/>
+          <a:p>
+            <a:r>
+              <a:rPr lang="de-CH" sz="4000" kern="1400" spc="-50" dirty="0">
+                <a:solidFill>
+                  <a:srgbClr val="003399"/>
+                </a:solidFill>
+                <a:latin typeface="Meta Std Normal" panose="020B0504030101020102" pitchFamily="34" charset="0"/>
+                <a:ea typeface="Times New Roman" panose="02020603050405020304" pitchFamily="18" charset="0"/>
+                <a:cs typeface="Times New Roman" panose="02020603050405020304" pitchFamily="18" charset="0"/>
+              </a:rPr>
+              <a:t>Infrastruktur</a:t>
+            </a:r>
+            <a:endParaRPr lang="de-CH" sz="4000" dirty="0">
+              <a:solidFill>
+                <a:srgbClr val="003399"/>
+              </a:solidFill>
+              <a:latin typeface="Meta Std Normal" panose="020B0504030101020102" pitchFamily="34" charset="0"/>
+            </a:endParaRPr>
+          </a:p>
+        </p:txBody>
+      </p:sp>
+      <p:pic>
+        <p:nvPicPr>
+          <p:cNvPr id="5" name="Grafik 4">
+            <a:extLst>
+              <a:ext uri="{FF2B5EF4-FFF2-40B4-BE49-F238E27FC236}">
+                <a16:creationId xmlns:a16="http://schemas.microsoft.com/office/drawing/2014/main" id="{FE558B86-75F6-48D5-B2F8-D0D7CB514FFB}"/>
+              </a:ext>
+            </a:extLst>
+          </p:cNvPr>
+          <p:cNvPicPr>
+            <a:picLocks noChangeAspect="1"/>
+          </p:cNvPicPr>
+          <p:nvPr/>
+        </p:nvPicPr>
+        <p:blipFill>
+          <a:blip r:embed="rId4">
+            <a:extLst>
+              <a:ext uri="{28A0092B-C50C-407E-A947-70E740481C1C}">
+                <a14:useLocalDpi xmlns:a14="http://schemas.microsoft.com/office/drawing/2010/main" val="0"/>
+              </a:ext>
+            </a:extLst>
+          </a:blip>
+          <a:stretch>
+            <a:fillRect/>
+          </a:stretch>
+        </p:blipFill>
+        <p:spPr>
+          <a:xfrm>
+            <a:off x="2051051" y="1401396"/>
+            <a:ext cx="7702547" cy="4015376"/>
+          </a:xfrm>
+          <a:prstGeom prst="rect">
+            <a:avLst/>
+          </a:prstGeom>
+        </p:spPr>
+      </p:pic>
+      <p:pic>
+        <p:nvPicPr>
+          <p:cNvPr id="11" name="Grafik 10">
+            <a:extLst>
+              <a:ext uri="{FF2B5EF4-FFF2-40B4-BE49-F238E27FC236}">
+                <a16:creationId xmlns:a16="http://schemas.microsoft.com/office/drawing/2014/main" id="{9E0154E7-FB0A-4784-A6EC-1AC656DB978F}"/>
+              </a:ext>
+            </a:extLst>
+          </p:cNvPr>
+          <p:cNvPicPr>
+            <a:picLocks noChangeAspect="1"/>
+          </p:cNvPicPr>
+          <p:nvPr/>
+        </p:nvPicPr>
+        <p:blipFill>
+          <a:blip r:embed="rId5">
+            <a:grayscl/>
+            <a:extLst>
+              <a:ext uri="{28A0092B-C50C-407E-A947-70E740481C1C}">
+                <a14:useLocalDpi xmlns:a14="http://schemas.microsoft.com/office/drawing/2010/main" val="0"/>
+              </a:ext>
+            </a:extLst>
+          </a:blip>
+          <a:stretch>
+            <a:fillRect/>
+          </a:stretch>
+        </p:blipFill>
+        <p:spPr>
+          <a:xfrm>
+            <a:off x="5015715" y="3945823"/>
+            <a:ext cx="1025507" cy="1025507"/>
+          </a:xfrm>
+          <a:prstGeom prst="rect">
+            <a:avLst/>
+          </a:prstGeom>
+        </p:spPr>
+      </p:pic>
+      <p:sp>
+        <p:nvSpPr>
+          <p:cNvPr id="14" name="Textfeld 13">
+            <a:extLst>
+              <a:ext uri="{FF2B5EF4-FFF2-40B4-BE49-F238E27FC236}">
+                <a16:creationId xmlns:a16="http://schemas.microsoft.com/office/drawing/2014/main" id="{CD9D2DFD-4E9F-4709-BBEF-0085E2F42D95}"/>
+              </a:ext>
+            </a:extLst>
+          </p:cNvPr>
+          <p:cNvSpPr txBox="1"/>
+          <p:nvPr/>
+        </p:nvSpPr>
+        <p:spPr>
+          <a:xfrm>
+            <a:off x="529389" y="991956"/>
+            <a:ext cx="5566612" cy="338554"/>
+          </a:xfrm>
+          <a:prstGeom prst="rect">
+            <a:avLst/>
+          </a:prstGeom>
+          <a:noFill/>
+        </p:spPr>
+        <p:txBody>
+          <a:bodyPr wrap="square" rtlCol="0">
+            <a:spAutoFit/>
+          </a:bodyPr>
+          <a:lstStyle/>
+          <a:p>
+            <a:r>
+              <a:rPr lang="de-DE" sz="1600" kern="1400" spc="-50" dirty="0">
+                <a:solidFill>
+                  <a:srgbClr val="009EE6"/>
+                </a:solidFill>
+                <a:latin typeface="Meta Std Normal" panose="020B0504030101020102" pitchFamily="34" charset="0"/>
+                <a:cs typeface="Times New Roman" panose="02020603050405020304" pitchFamily="18" charset="0"/>
+              </a:rPr>
+              <a:t>3. Soll-Zustand</a:t>
+            </a:r>
+            <a:endParaRPr lang="de-CH" sz="1600" dirty="0">
+              <a:solidFill>
+                <a:srgbClr val="009EE6"/>
+              </a:solidFill>
+              <a:latin typeface="Meta Std Normal" panose="020B0504030101020102" pitchFamily="34" charset="0"/>
+            </a:endParaRPr>
+          </a:p>
+        </p:txBody>
+      </p:sp>
+    </p:spTree>
+    <p:extLst>
+      <p:ext uri="{BB962C8B-B14F-4D97-AF65-F5344CB8AC3E}">
+        <p14:creationId xmlns:p14="http://schemas.microsoft.com/office/powerpoint/2010/main" val="4031349764"/>
+      </p:ext>
+    </p:extLst>
+  </p:cSld>
+  <p:clrMapOvr>
+    <a:masterClrMapping/>
+  </p:clrMapOvr>
+  <mc:AlternateContent xmlns:mc="http://schemas.openxmlformats.org/markup-compatibility/2006">
+    <mc:Choice xmlns:p14="http://schemas.microsoft.com/office/powerpoint/2010/main" Requires="p14">
+      <p:transition p14:dur="250">
+        <p:fade/>
+      </p:transition>
+    </mc:Choice>
+    <mc:Fallback>
+      <p:transition>
+        <p:fade/>
+      </p:transition>
+    </mc:Fallback>
+  </mc:AlternateContent>
+</p:sld>
+</file>
+
+<file path=ppt/slides/slide9.xml><?xml version="1.0" encoding="utf-8"?>
+<p:sld xmlns:a="http://schemas.openxmlformats.org/drawingml/2006/main" xmlns:r="http://schemas.openxmlformats.org/officeDocument/2006/relationships" xmlns:p="http://schemas.openxmlformats.org/presentationml/2006/main">
+  <p:cSld>
+    <p:spTree>
+      <p:nvGrpSpPr>
+        <p:cNvPr id="1" name=""/>
+        <p:cNvGrpSpPr/>
+        <p:nvPr/>
+      </p:nvGrpSpPr>
+      <p:grpSpPr>
+        <a:xfrm>
+          <a:off x="0" y="0"/>
+          <a:ext cx="0" cy="0"/>
+          <a:chOff x="0" y="0"/>
+          <a:chExt cx="0" cy="0"/>
+        </a:xfrm>
+      </p:grpSpPr>
+      <p:pic>
+        <p:nvPicPr>
+          <p:cNvPr id="8" name="Grafik 7">
+            <a:extLst>
+              <a:ext uri="{FF2B5EF4-FFF2-40B4-BE49-F238E27FC236}">
+                <a16:creationId xmlns:a16="http://schemas.microsoft.com/office/drawing/2014/main" id="{ADCD8697-1FCF-47EA-81CF-51DDEAABDF03}"/>
+              </a:ext>
+            </a:extLst>
+          </p:cNvPr>
+          <p:cNvPicPr/>
+          <p:nvPr/>
+        </p:nvPicPr>
+        <p:blipFill rotWithShape="1">
+          <a:blip r:embed="rId2">
+            <a:extLst>
+              <a:ext uri="{28A0092B-C50C-407E-A947-70E740481C1C}">
+                <a14:useLocalDpi xmlns:a14="http://schemas.microsoft.com/office/drawing/2010/main" val="0"/>
+              </a:ext>
+            </a:extLst>
+          </a:blip>
+          <a:srcRect l="3810" r="4580" b="40683"/>
+          <a:stretch/>
+        </p:blipFill>
+        <p:spPr bwMode="auto">
+          <a:xfrm>
+            <a:off x="0" y="6711949"/>
+            <a:ext cx="12192000" cy="146051"/>
+          </a:xfrm>
+          <a:prstGeom prst="rect">
+            <a:avLst/>
+          </a:prstGeom>
+          <a:noFill/>
+          <a:ln>
+            <a:noFill/>
+          </a:ln>
+        </p:spPr>
+      </p:pic>
+      <p:pic>
+        <p:nvPicPr>
+          <p:cNvPr id="12" name="Grafik 11">
+            <a:extLst>
+              <a:ext uri="{FF2B5EF4-FFF2-40B4-BE49-F238E27FC236}">
+                <a16:creationId xmlns:a16="http://schemas.microsoft.com/office/drawing/2014/main" id="{4277F3D5-167F-4BA2-BDEE-7FBC2BEF527D}"/>
+              </a:ext>
+            </a:extLst>
+          </p:cNvPr>
+          <p:cNvPicPr>
+            <a:picLocks noChangeAspect="1"/>
+          </p:cNvPicPr>
+          <p:nvPr/>
+        </p:nvPicPr>
+        <p:blipFill>
+          <a:blip r:embed="rId3">
+            <a:extLst>
+              <a:ext uri="{28A0092B-C50C-407E-A947-70E740481C1C}">
+                <a14:useLocalDpi xmlns:a14="http://schemas.microsoft.com/office/drawing/2010/main" val="0"/>
+              </a:ext>
+            </a:extLst>
+          </a:blip>
+          <a:stretch>
+            <a:fillRect/>
+          </a:stretch>
+        </p:blipFill>
+        <p:spPr>
+          <a:xfrm>
+            <a:off x="9926611" y="5968478"/>
+            <a:ext cx="1912571" cy="503308"/>
+          </a:xfrm>
+          <a:prstGeom prst="rect">
+            <a:avLst/>
+          </a:prstGeom>
+        </p:spPr>
+      </p:pic>
+      <p:sp>
+        <p:nvSpPr>
+          <p:cNvPr id="4" name="Textfeld 3">
+            <a:extLst>
+              <a:ext uri="{FF2B5EF4-FFF2-40B4-BE49-F238E27FC236}">
+                <a16:creationId xmlns:a16="http://schemas.microsoft.com/office/drawing/2014/main" id="{59576528-BDCE-4B4B-AAAC-96DA04EE5EA0}"/>
+              </a:ext>
+            </a:extLst>
+          </p:cNvPr>
+          <p:cNvSpPr txBox="1"/>
+          <p:nvPr/>
+        </p:nvSpPr>
+        <p:spPr>
+          <a:xfrm>
+            <a:off x="838200" y="130609"/>
+            <a:ext cx="2074069" cy="261610"/>
+          </a:xfrm>
+          <a:prstGeom prst="rect">
+            <a:avLst/>
+          </a:prstGeom>
+          <a:noFill/>
+        </p:spPr>
+        <p:txBody>
+          <a:bodyPr wrap="square" rtlCol="0">
+            <a:spAutoFit/>
+          </a:bodyPr>
+          <a:lstStyle/>
+          <a:p>
+            <a:pPr algn="ctr"/>
+            <a:r>
+              <a:rPr lang="de-DE" sz="1100" dirty="0">
+                <a:solidFill>
+                  <a:schemeClr val="tx1">
+                    <a:lumMod val="50000"/>
+                    <a:lumOff val="50000"/>
+                  </a:schemeClr>
+                </a:solidFill>
+                <a:latin typeface="Meta Std Normal" panose="020B0504030101020102" pitchFamily="34" charset="0"/>
+              </a:rPr>
+              <a:t>Ursprung &amp; Umgebung</a:t>
+            </a:r>
+          </a:p>
+        </p:txBody>
+      </p:sp>
+      <p:sp>
+        <p:nvSpPr>
+          <p:cNvPr id="15" name="Textfeld 14">
+            <a:extLst>
+              <a:ext uri="{FF2B5EF4-FFF2-40B4-BE49-F238E27FC236}">
+                <a16:creationId xmlns:a16="http://schemas.microsoft.com/office/drawing/2014/main" id="{A78CFF66-02E0-4579-9AB3-1C2714806374}"/>
+              </a:ext>
+            </a:extLst>
+          </p:cNvPr>
+          <p:cNvSpPr txBox="1"/>
+          <p:nvPr/>
+        </p:nvSpPr>
+        <p:spPr>
+          <a:xfrm>
+            <a:off x="3581400" y="130609"/>
+            <a:ext cx="2074069" cy="261610"/>
+          </a:xfrm>
+          <a:prstGeom prst="rect">
+            <a:avLst/>
+          </a:prstGeom>
+          <a:noFill/>
+        </p:spPr>
+        <p:txBody>
+          <a:bodyPr wrap="square" rtlCol="0">
+            <a:spAutoFit/>
+          </a:bodyPr>
+          <a:lstStyle/>
+          <a:p>
+            <a:pPr algn="ctr"/>
+            <a:r>
+              <a:rPr lang="de-DE" sz="1100" dirty="0">
+                <a:solidFill>
+                  <a:srgbClr val="009EE6"/>
+                </a:solidFill>
+                <a:latin typeface="Meta Std Normal" panose="020B0504030101020102" pitchFamily="34" charset="0"/>
+              </a:rPr>
+              <a:t>Realisierung</a:t>
+            </a:r>
+          </a:p>
+        </p:txBody>
+      </p:sp>
+      <p:sp>
+        <p:nvSpPr>
+          <p:cNvPr id="21" name="Textfeld 20">
+            <a:extLst>
+              <a:ext uri="{FF2B5EF4-FFF2-40B4-BE49-F238E27FC236}">
+                <a16:creationId xmlns:a16="http://schemas.microsoft.com/office/drawing/2014/main" id="{7CD28F71-6880-44F4-9EC4-6F1897DFE100}"/>
+              </a:ext>
+            </a:extLst>
+          </p:cNvPr>
+          <p:cNvSpPr txBox="1"/>
+          <p:nvPr/>
+        </p:nvSpPr>
+        <p:spPr>
+          <a:xfrm>
+            <a:off x="6430565" y="130609"/>
+            <a:ext cx="2074069" cy="261610"/>
+          </a:xfrm>
+          <a:prstGeom prst="rect">
+            <a:avLst/>
+          </a:prstGeom>
+          <a:noFill/>
+        </p:spPr>
+        <p:txBody>
+          <a:bodyPr wrap="square" rtlCol="0">
+            <a:spAutoFit/>
+          </a:bodyPr>
+          <a:lstStyle/>
+          <a:p>
+            <a:pPr algn="ctr"/>
+            <a:r>
+              <a:rPr lang="de-DE" sz="1100" dirty="0">
+                <a:solidFill>
+                  <a:schemeClr val="tx1">
+                    <a:lumMod val="50000"/>
+                    <a:lumOff val="50000"/>
+                  </a:schemeClr>
+                </a:solidFill>
+                <a:latin typeface="Meta Std Normal" panose="020B0504030101020102" pitchFamily="34" charset="0"/>
+              </a:rPr>
+              <a:t>Resultat</a:t>
+            </a:r>
+          </a:p>
+        </p:txBody>
+      </p:sp>
+      <p:sp>
+        <p:nvSpPr>
+          <p:cNvPr id="23" name="Textfeld 22">
+            <a:extLst>
+              <a:ext uri="{FF2B5EF4-FFF2-40B4-BE49-F238E27FC236}">
+                <a16:creationId xmlns:a16="http://schemas.microsoft.com/office/drawing/2014/main" id="{50BA6159-800C-409E-9350-B7DBA9E76E62}"/>
+              </a:ext>
+            </a:extLst>
+          </p:cNvPr>
+          <p:cNvSpPr txBox="1"/>
+          <p:nvPr/>
+        </p:nvSpPr>
+        <p:spPr>
+          <a:xfrm>
+            <a:off x="9279731" y="130609"/>
+            <a:ext cx="2074069" cy="261610"/>
+          </a:xfrm>
+          <a:prstGeom prst="rect">
+            <a:avLst/>
+          </a:prstGeom>
+          <a:noFill/>
+        </p:spPr>
+        <p:txBody>
+          <a:bodyPr wrap="square" rtlCol="0">
+            <a:spAutoFit/>
+          </a:bodyPr>
+          <a:lstStyle/>
+          <a:p>
+            <a:pPr algn="ctr"/>
+            <a:r>
+              <a:rPr lang="de-DE" sz="1100" dirty="0">
+                <a:solidFill>
+                  <a:schemeClr val="tx1">
+                    <a:lumMod val="50000"/>
+                    <a:lumOff val="50000"/>
+                  </a:schemeClr>
+                </a:solidFill>
+                <a:latin typeface="Meta Std Normal" panose="020B0504030101020102" pitchFamily="34" charset="0"/>
+              </a:rPr>
+              <a:t>Evaluierung</a:t>
+            </a:r>
+          </a:p>
+        </p:txBody>
+      </p:sp>
+      <p:sp>
+        <p:nvSpPr>
+          <p:cNvPr id="25" name="Textfeld 24">
+            <a:extLst>
+              <a:ext uri="{FF2B5EF4-FFF2-40B4-BE49-F238E27FC236}">
+                <a16:creationId xmlns:a16="http://schemas.microsoft.com/office/drawing/2014/main" id="{E4E120F9-A2D3-4C29-B52B-3EA6B3D357C6}"/>
+              </a:ext>
+            </a:extLst>
+          </p:cNvPr>
+          <p:cNvSpPr txBox="1"/>
+          <p:nvPr/>
+        </p:nvSpPr>
+        <p:spPr>
+          <a:xfrm>
+            <a:off x="529389" y="453347"/>
+            <a:ext cx="5566611" cy="707886"/>
+          </a:xfrm>
+          <a:prstGeom prst="rect">
+            <a:avLst/>
+          </a:prstGeom>
+          <a:noFill/>
+        </p:spPr>
+        <p:txBody>
+          <a:bodyPr wrap="square" rtlCol="0">
+            <a:spAutoFit/>
+          </a:bodyPr>
+          <a:lstStyle/>
+          <a:p>
+            <a:r>
+              <a:rPr lang="de-CH" sz="4000" kern="1400" spc="-50" dirty="0">
+                <a:solidFill>
+                  <a:srgbClr val="003399"/>
+                </a:solidFill>
+                <a:latin typeface="Meta Std Normal" panose="020B0504030101020102" pitchFamily="34" charset="0"/>
+                <a:ea typeface="Times New Roman" panose="02020603050405020304" pitchFamily="18" charset="0"/>
+                <a:cs typeface="Times New Roman" panose="02020603050405020304" pitchFamily="18" charset="0"/>
+              </a:rPr>
+              <a:t>Infrastruktur</a:t>
+            </a:r>
+            <a:endParaRPr lang="de-CH" sz="4000" dirty="0">
+              <a:solidFill>
+                <a:srgbClr val="003399"/>
+              </a:solidFill>
+              <a:latin typeface="Meta Std Normal" panose="020B0504030101020102" pitchFamily="34" charset="0"/>
+            </a:endParaRPr>
+          </a:p>
+        </p:txBody>
+      </p:sp>
+      <p:pic>
+        <p:nvPicPr>
+          <p:cNvPr id="5" name="Grafik 4">
+            <a:extLst>
+              <a:ext uri="{FF2B5EF4-FFF2-40B4-BE49-F238E27FC236}">
+                <a16:creationId xmlns:a16="http://schemas.microsoft.com/office/drawing/2014/main" id="{FE558B86-75F6-48D5-B2F8-D0D7CB514FFB}"/>
+              </a:ext>
+            </a:extLst>
+          </p:cNvPr>
+          <p:cNvPicPr>
+            <a:picLocks noChangeAspect="1"/>
+          </p:cNvPicPr>
+          <p:nvPr/>
+        </p:nvPicPr>
+        <p:blipFill>
+          <a:blip r:embed="rId4">
+            <a:extLst>
+              <a:ext uri="{28A0092B-C50C-407E-A947-70E740481C1C}">
+                <a14:useLocalDpi xmlns:a14="http://schemas.microsoft.com/office/drawing/2010/main" val="0"/>
+              </a:ext>
+            </a:extLst>
+          </a:blip>
+          <a:stretch>
+            <a:fillRect/>
+          </a:stretch>
+        </p:blipFill>
+        <p:spPr>
+          <a:xfrm>
+            <a:off x="2051051" y="1401396"/>
+            <a:ext cx="7702547" cy="4015375"/>
+          </a:xfrm>
+          <a:prstGeom prst="rect">
+            <a:avLst/>
+          </a:prstGeom>
+        </p:spPr>
+      </p:pic>
+      <p:sp>
+        <p:nvSpPr>
+          <p:cNvPr id="14" name="Textfeld 13">
+            <a:extLst>
+              <a:ext uri="{FF2B5EF4-FFF2-40B4-BE49-F238E27FC236}">
+                <a16:creationId xmlns:a16="http://schemas.microsoft.com/office/drawing/2014/main" id="{1CC2B46A-A5A7-4562-B057-EC97188D6C28}"/>
+              </a:ext>
+            </a:extLst>
+          </p:cNvPr>
+          <p:cNvSpPr txBox="1"/>
+          <p:nvPr/>
+        </p:nvSpPr>
+        <p:spPr>
+          <a:xfrm>
+            <a:off x="529389" y="991956"/>
+            <a:ext cx="5566612" cy="338554"/>
+          </a:xfrm>
+          <a:prstGeom prst="rect">
+            <a:avLst/>
+          </a:prstGeom>
+          <a:noFill/>
+        </p:spPr>
+        <p:txBody>
+          <a:bodyPr wrap="square" rtlCol="0">
+            <a:spAutoFit/>
+          </a:bodyPr>
+          <a:lstStyle/>
+          <a:p>
+            <a:r>
+              <a:rPr lang="de-DE" sz="1600" kern="1400" spc="-50" dirty="0">
+                <a:solidFill>
+                  <a:srgbClr val="009EE6"/>
+                </a:solidFill>
+                <a:latin typeface="Meta Std Normal" panose="020B0504030101020102" pitchFamily="34" charset="0"/>
+                <a:cs typeface="Times New Roman" panose="02020603050405020304" pitchFamily="18" charset="0"/>
+              </a:rPr>
+              <a:t>4. </a:t>
+            </a:r>
+            <a:endParaRPr lang="de-CH" sz="1600" dirty="0">
+              <a:solidFill>
+                <a:srgbClr val="009EE6"/>
+              </a:solidFill>
+              <a:latin typeface="Meta Std Normal" panose="020B0504030101020102" pitchFamily="34" charset="0"/>
+            </a:endParaRPr>
+          </a:p>
+        </p:txBody>
+      </p:sp>
+      <p:sp>
+        <p:nvSpPr>
+          <p:cNvPr id="17" name="Textfeld 16">
+            <a:extLst>
+              <a:ext uri="{FF2B5EF4-FFF2-40B4-BE49-F238E27FC236}">
+                <a16:creationId xmlns:a16="http://schemas.microsoft.com/office/drawing/2014/main" id="{3DF457D7-637C-45F1-B2B4-C8D74F7EB967}"/>
+              </a:ext>
+            </a:extLst>
+          </p:cNvPr>
+          <p:cNvSpPr txBox="1"/>
+          <p:nvPr/>
+        </p:nvSpPr>
+        <p:spPr>
+          <a:xfrm>
+            <a:off x="529388" y="991956"/>
+            <a:ext cx="5566612" cy="338554"/>
+          </a:xfrm>
+          <a:prstGeom prst="rect">
+            <a:avLst/>
+          </a:prstGeom>
+          <a:noFill/>
+        </p:spPr>
+        <p:txBody>
+          <a:bodyPr wrap="square" rtlCol="0">
+            <a:spAutoFit/>
+          </a:bodyPr>
+          <a:lstStyle/>
+          <a:p>
+            <a:r>
+              <a:rPr lang="de-DE" sz="1600" kern="1400" spc="-50" dirty="0">
+                <a:solidFill>
+                  <a:srgbClr val="009EE6"/>
+                </a:solidFill>
+                <a:latin typeface="Meta Std Normal" panose="020B0504030101020102" pitchFamily="34" charset="0"/>
+                <a:cs typeface="Times New Roman" panose="02020603050405020304" pitchFamily="18" charset="0"/>
+              </a:rPr>
+              <a:t>     Aufgabenstellung</a:t>
+            </a:r>
+            <a:endParaRPr lang="de-CH" sz="1600" dirty="0">
+              <a:solidFill>
+                <a:srgbClr val="009EE6"/>
+              </a:solidFill>
+              <a:latin typeface="Meta Std Normal" panose="020B0504030101020102" pitchFamily="34" charset="0"/>
+            </a:endParaRPr>
+          </a:p>
+        </p:txBody>
+      </p:sp>
+    </p:spTree>
+    <p:extLst>
+      <p:ext uri="{BB962C8B-B14F-4D97-AF65-F5344CB8AC3E}">
+        <p14:creationId xmlns:p14="http://schemas.microsoft.com/office/powerpoint/2010/main" val="4069494376"/>
+      </p:ext>
+    </p:extLst>
+  </p:cSld>
+  <p:clrMapOvr>
+    <a:masterClrMapping/>
+  </p:clrMapOvr>
+  <mc:AlternateContent xmlns:mc="http://schemas.openxmlformats.org/markup-compatibility/2006">
+    <mc:Choice xmlns:p14="http://schemas.microsoft.com/office/powerpoint/2010/main" Requires="p14">
+      <p:transition p14:dur="250">
+        <p:fade/>
       </p:transition>
     </mc:Choice>
     <mc:Fallback>

--- a/docs/IPA/Präsentation/Präsentation.pptx
+++ b/docs/IPA/Präsentation/Präsentation.pptx
@@ -21,6 +21,7 @@
     <p:sldId id="269" r:id="rId15"/>
     <p:sldId id="270" r:id="rId16"/>
     <p:sldId id="271" r:id="rId17"/>
+    <p:sldId id="272" r:id="rId18"/>
   </p:sldIdLst>
   <p:sldSz cx="12192000" cy="6858000"/>
   <p:notesSz cx="6858000" cy="9144000"/>
@@ -276,7 +277,7 @@
           <a:p>
             <a:fld id="{3A949B14-3F51-4917-93A4-6219A65151BB}" type="datetimeFigureOut">
               <a:rPr lang="de-CH" smtClean="0"/>
-              <a:t>11.05.2019</a:t>
+              <a:t>12.05.2019</a:t>
             </a:fld>
             <a:endParaRPr lang="de-CH"/>
           </a:p>
@@ -476,7 +477,7 @@
           <a:p>
             <a:fld id="{3A949B14-3F51-4917-93A4-6219A65151BB}" type="datetimeFigureOut">
               <a:rPr lang="de-CH" smtClean="0"/>
-              <a:t>11.05.2019</a:t>
+              <a:t>12.05.2019</a:t>
             </a:fld>
             <a:endParaRPr lang="de-CH"/>
           </a:p>
@@ -686,7 +687,7 @@
           <a:p>
             <a:fld id="{3A949B14-3F51-4917-93A4-6219A65151BB}" type="datetimeFigureOut">
               <a:rPr lang="de-CH" smtClean="0"/>
-              <a:t>11.05.2019</a:t>
+              <a:t>12.05.2019</a:t>
             </a:fld>
             <a:endParaRPr lang="de-CH"/>
           </a:p>
@@ -886,7 +887,7 @@
           <a:p>
             <a:fld id="{3A949B14-3F51-4917-93A4-6219A65151BB}" type="datetimeFigureOut">
               <a:rPr lang="de-CH" smtClean="0"/>
-              <a:t>11.05.2019</a:t>
+              <a:t>12.05.2019</a:t>
             </a:fld>
             <a:endParaRPr lang="de-CH"/>
           </a:p>
@@ -1162,7 +1163,7 @@
           <a:p>
             <a:fld id="{3A949B14-3F51-4917-93A4-6219A65151BB}" type="datetimeFigureOut">
               <a:rPr lang="de-CH" smtClean="0"/>
-              <a:t>11.05.2019</a:t>
+              <a:t>12.05.2019</a:t>
             </a:fld>
             <a:endParaRPr lang="de-CH"/>
           </a:p>
@@ -1430,7 +1431,7 @@
           <a:p>
             <a:fld id="{3A949B14-3F51-4917-93A4-6219A65151BB}" type="datetimeFigureOut">
               <a:rPr lang="de-CH" smtClean="0"/>
-              <a:t>11.05.2019</a:t>
+              <a:t>12.05.2019</a:t>
             </a:fld>
             <a:endParaRPr lang="de-CH"/>
           </a:p>
@@ -1845,7 +1846,7 @@
           <a:p>
             <a:fld id="{3A949B14-3F51-4917-93A4-6219A65151BB}" type="datetimeFigureOut">
               <a:rPr lang="de-CH" smtClean="0"/>
-              <a:t>11.05.2019</a:t>
+              <a:t>12.05.2019</a:t>
             </a:fld>
             <a:endParaRPr lang="de-CH"/>
           </a:p>
@@ -1987,7 +1988,7 @@
           <a:p>
             <a:fld id="{3A949B14-3F51-4917-93A4-6219A65151BB}" type="datetimeFigureOut">
               <a:rPr lang="de-CH" smtClean="0"/>
-              <a:t>11.05.2019</a:t>
+              <a:t>12.05.2019</a:t>
             </a:fld>
             <a:endParaRPr lang="de-CH"/>
           </a:p>
@@ -2100,7 +2101,7 @@
           <a:p>
             <a:fld id="{3A949B14-3F51-4917-93A4-6219A65151BB}" type="datetimeFigureOut">
               <a:rPr lang="de-CH" smtClean="0"/>
-              <a:t>11.05.2019</a:t>
+              <a:t>12.05.2019</a:t>
             </a:fld>
             <a:endParaRPr lang="de-CH"/>
           </a:p>
@@ -2413,7 +2414,7 @@
           <a:p>
             <a:fld id="{3A949B14-3F51-4917-93A4-6219A65151BB}" type="datetimeFigureOut">
               <a:rPr lang="de-CH" smtClean="0"/>
-              <a:t>11.05.2019</a:t>
+              <a:t>12.05.2019</a:t>
             </a:fld>
             <a:endParaRPr lang="de-CH"/>
           </a:p>
@@ -2702,7 +2703,7 @@
           <a:p>
             <a:fld id="{3A949B14-3F51-4917-93A4-6219A65151BB}" type="datetimeFigureOut">
               <a:rPr lang="de-CH" smtClean="0"/>
-              <a:t>11.05.2019</a:t>
+              <a:t>12.05.2019</a:t>
             </a:fld>
             <a:endParaRPr lang="de-CH"/>
           </a:p>
@@ -2945,7 +2946,7 @@
           <a:p>
             <a:fld id="{3A949B14-3F51-4917-93A4-6219A65151BB}" type="datetimeFigureOut">
               <a:rPr lang="de-CH" smtClean="0"/>
-              <a:t>11.05.2019</a:t>
+              <a:t>12.05.2019</a:t>
             </a:fld>
             <a:endParaRPr lang="de-CH"/>
           </a:p>
@@ -3519,7 +3520,7 @@
               <a:rPr lang="de-DE" sz="1200" smtClean="0">
                 <a:latin typeface="MetaPro-Light" panose="020B0600050302020204" pitchFamily="34" charset="0"/>
               </a:rPr>
-              <a:t>11.05.2019</a:t>
+              <a:t>12.05.2019</a:t>
             </a:fld>
             <a:endParaRPr lang="de-CH" sz="1200" dirty="0">
               <a:latin typeface="MetaPro-Light" panose="020B0600050302020204" pitchFamily="34" charset="0"/>
@@ -4490,13 +4491,13 @@
   <p:clrMapOvr>
     <a:masterClrMapping/>
   </p:clrMapOvr>
-  <mc:AlternateContent xmlns:mc="http://schemas.openxmlformats.org/markup-compatibility/2006">
-    <mc:Choice xmlns:p159="http://schemas.microsoft.com/office/powerpoint/2015/09/main" Requires="p159">
+  <mc:AlternateContent xmlns:mc="http://schemas.openxmlformats.org/markup-compatibility/2006" xmlns:p159="http://schemas.microsoft.com/office/powerpoint/2015/09/main">
+    <mc:Choice Requires="p159">
       <p:transition spd="med">
         <p159:morph option="byWord"/>
       </p:transition>
     </mc:Choice>
-    <mc:Fallback>
+    <mc:Fallback xmlns="">
       <p:transition spd="med">
         <p:fade/>
       </p:transition>
@@ -5340,13 +5341,13 @@
   <p:clrMapOvr>
     <a:masterClrMapping/>
   </p:clrMapOvr>
-  <mc:AlternateContent xmlns:mc="http://schemas.openxmlformats.org/markup-compatibility/2006">
-    <mc:Choice xmlns:p159="http://schemas.microsoft.com/office/powerpoint/2015/09/main" Requires="p159">
+  <mc:AlternateContent xmlns:mc="http://schemas.openxmlformats.org/markup-compatibility/2006" xmlns:p159="http://schemas.microsoft.com/office/powerpoint/2015/09/main">
+    <mc:Choice Requires="p159">
       <p:transition spd="med">
         <p159:morph option="byObject"/>
       </p:transition>
     </mc:Choice>
-    <mc:Fallback>
+    <mc:Fallback xmlns="">
       <p:transition spd="med">
         <p:fade/>
       </p:transition>
@@ -6104,13 +6105,13 @@
   <p:clrMapOvr>
     <a:masterClrMapping/>
   </p:clrMapOvr>
-  <mc:AlternateContent xmlns:mc="http://schemas.openxmlformats.org/markup-compatibility/2006">
-    <mc:Choice xmlns:p159="http://schemas.microsoft.com/office/powerpoint/2015/09/main" Requires="p159">
+  <mc:AlternateContent xmlns:mc="http://schemas.openxmlformats.org/markup-compatibility/2006" xmlns:p159="http://schemas.microsoft.com/office/powerpoint/2015/09/main">
+    <mc:Choice Requires="p159">
       <p:transition>
         <p159:morph option="byObject"/>
       </p:transition>
     </mc:Choice>
-    <mc:Fallback>
+    <mc:Fallback xmlns="">
       <p:transition>
         <p:fade/>
       </p:transition>
@@ -7371,13 +7372,13 @@
   <p:clrMapOvr>
     <a:masterClrMapping/>
   </p:clrMapOvr>
-  <mc:AlternateContent xmlns:mc="http://schemas.openxmlformats.org/markup-compatibility/2006">
-    <mc:Choice xmlns:p159="http://schemas.microsoft.com/office/powerpoint/2015/09/main" Requires="p159">
+  <mc:AlternateContent xmlns:mc="http://schemas.openxmlformats.org/markup-compatibility/2006" xmlns:p159="http://schemas.microsoft.com/office/powerpoint/2015/09/main">
+    <mc:Choice Requires="p159">
       <p:transition xmlns:p14="http://schemas.microsoft.com/office/powerpoint/2010/main" spd="slow" p14:dur="2000">
         <p159:morph option="byObject"/>
       </p:transition>
     </mc:Choice>
-    <mc:Fallback>
+    <mc:Fallback xmlns="">
       <p:transition spd="slow">
         <p:fade/>
       </p:transition>
@@ -9344,13 +9345,13 @@
   <p:clrMapOvr>
     <a:masterClrMapping/>
   </p:clrMapOvr>
-  <mc:AlternateContent xmlns:mc="http://schemas.openxmlformats.org/markup-compatibility/2006">
-    <mc:Choice xmlns:p159="http://schemas.microsoft.com/office/powerpoint/2015/09/main" Requires="p159">
+  <mc:AlternateContent xmlns:mc="http://schemas.openxmlformats.org/markup-compatibility/2006" xmlns:p159="http://schemas.microsoft.com/office/powerpoint/2015/09/main">
+    <mc:Choice Requires="p159">
       <p:transition>
         <p159:morph option="byObject"/>
       </p:transition>
     </mc:Choice>
-    <mc:Fallback>
+    <mc:Fallback xmlns="">
       <p:transition>
         <p:fade/>
       </p:transition>
@@ -9760,13 +9761,13 @@
   <p:clrMapOvr>
     <a:masterClrMapping/>
   </p:clrMapOvr>
-  <mc:AlternateContent xmlns:mc="http://schemas.openxmlformats.org/markup-compatibility/2006">
-    <mc:Choice xmlns:p159="http://schemas.microsoft.com/office/powerpoint/2015/09/main" Requires="p159">
+  <mc:AlternateContent xmlns:mc="http://schemas.openxmlformats.org/markup-compatibility/2006" xmlns:p159="http://schemas.microsoft.com/office/powerpoint/2015/09/main">
+    <mc:Choice Requires="p159">
       <p:transition spd="med">
         <p159:morph option="byObject"/>
       </p:transition>
     </mc:Choice>
-    <mc:Fallback>
+    <mc:Fallback xmlns="">
       <p:transition spd="med">
         <p:fade/>
       </p:transition>
@@ -9821,14 +9822,13 @@
           <a:lstStyle/>
           <a:p>
             <a:r>
-              <a:rPr lang="de-DE" sz="4000" kern="1400" spc="-50" dirty="0">
+              <a:rPr lang="de-DE" sz="4000" dirty="0">
                 <a:solidFill>
                   <a:srgbClr val="003399"/>
                 </a:solidFill>
                 <a:latin typeface="Meta Std Normal" panose="020B0504030101020102" pitchFamily="34" charset="0"/>
-                <a:cs typeface="Times New Roman" panose="02020603050405020304" pitchFamily="18" charset="0"/>
-              </a:rPr>
-              <a:t>Demo</a:t>
+              </a:rPr>
+              <a:t>Visualisierung</a:t>
             </a:r>
             <a:endParaRPr lang="de-CH" sz="4000" dirty="0">
               <a:solidFill>
@@ -10081,6 +10081,51 @@
                 <a:latin typeface="Meta Std Normal" panose="020B0504030101020102" pitchFamily="34" charset="0"/>
               </a:rPr>
               <a:t>Evaluierung</a:t>
+            </a:r>
+          </a:p>
+        </p:txBody>
+      </p:sp>
+      <p:sp>
+        <p:nvSpPr>
+          <p:cNvPr id="9" name="Textfeld 8">
+            <a:extLst>
+              <a:ext uri="{FF2B5EF4-FFF2-40B4-BE49-F238E27FC236}">
+                <a16:creationId xmlns:a16="http://schemas.microsoft.com/office/drawing/2014/main" id="{27B942E5-3A8D-41A4-B521-2AD924676FF7}"/>
+              </a:ext>
+            </a:extLst>
+          </p:cNvPr>
+          <p:cNvSpPr txBox="1"/>
+          <p:nvPr/>
+        </p:nvSpPr>
+        <p:spPr>
+          <a:xfrm>
+            <a:off x="529387" y="993862"/>
+            <a:ext cx="4427624" cy="506870"/>
+          </a:xfrm>
+          <a:prstGeom prst="rect">
+            <a:avLst/>
+          </a:prstGeom>
+          <a:noFill/>
+        </p:spPr>
+        <p:txBody>
+          <a:bodyPr wrap="square" rtlCol="0">
+            <a:spAutoFit/>
+          </a:bodyPr>
+          <a:lstStyle/>
+          <a:p>
+            <a:pPr>
+              <a:lnSpc>
+                <a:spcPct val="200000"/>
+              </a:lnSpc>
+            </a:pPr>
+            <a:r>
+              <a:rPr lang="de-DE" sz="1600" dirty="0">
+                <a:solidFill>
+                  <a:srgbClr val="009EE6"/>
+                </a:solidFill>
+                <a:latin typeface="Meta Std Normal" panose="020B0504030101020102" pitchFamily="34" charset="0"/>
+              </a:rPr>
+              <a:t>Verlauf der Daten während der IPA</a:t>
             </a:r>
           </a:p>
         </p:txBody>
@@ -10095,13 +10140,392 @@
   <p:clrMapOvr>
     <a:masterClrMapping/>
   </p:clrMapOvr>
-  <mc:AlternateContent xmlns:mc="http://schemas.openxmlformats.org/markup-compatibility/2006">
-    <mc:Choice xmlns:p159="http://schemas.microsoft.com/office/powerpoint/2015/09/main" Requires="p159">
+  <mc:AlternateContent xmlns:mc="http://schemas.openxmlformats.org/markup-compatibility/2006" xmlns:p159="http://schemas.microsoft.com/office/powerpoint/2015/09/main">
+    <mc:Choice Requires="p159">
       <p:transition spd="med">
         <p159:morph option="byObject"/>
       </p:transition>
     </mc:Choice>
-    <mc:Fallback>
+    <mc:Fallback xmlns="">
+      <p:transition spd="med">
+        <p:fade/>
+      </p:transition>
+    </mc:Fallback>
+  </mc:AlternateContent>
+</p:sld>
+</file>
+
+<file path=ppt/slides/slide17.xml><?xml version="1.0" encoding="utf-8"?>
+<p:sld xmlns:a="http://schemas.openxmlformats.org/drawingml/2006/main" xmlns:r="http://schemas.openxmlformats.org/officeDocument/2006/relationships" xmlns:p="http://schemas.openxmlformats.org/presentationml/2006/main">
+  <p:cSld>
+    <p:spTree>
+      <p:nvGrpSpPr>
+        <p:cNvPr id="1" name=""/>
+        <p:cNvGrpSpPr/>
+        <p:nvPr/>
+      </p:nvGrpSpPr>
+      <p:grpSpPr>
+        <a:xfrm>
+          <a:off x="0" y="0"/>
+          <a:ext cx="0" cy="0"/>
+          <a:chOff x="0" y="0"/>
+          <a:chExt cx="0" cy="0"/>
+        </a:xfrm>
+      </p:grpSpPr>
+      <p:sp>
+        <p:nvSpPr>
+          <p:cNvPr id="17" name="Textfeld 16">
+            <a:extLst>
+              <a:ext uri="{FF2B5EF4-FFF2-40B4-BE49-F238E27FC236}">
+                <a16:creationId xmlns:a16="http://schemas.microsoft.com/office/drawing/2014/main" id="{3DF457D7-637C-45F1-B2B4-C8D74F7EB967}"/>
+              </a:ext>
+            </a:extLst>
+          </p:cNvPr>
+          <p:cNvSpPr txBox="1"/>
+          <p:nvPr/>
+        </p:nvSpPr>
+        <p:spPr>
+          <a:xfrm>
+            <a:off x="529389" y="465815"/>
+            <a:ext cx="6707606" cy="707886"/>
+          </a:xfrm>
+          <a:prstGeom prst="rect">
+            <a:avLst/>
+          </a:prstGeom>
+          <a:noFill/>
+        </p:spPr>
+        <p:txBody>
+          <a:bodyPr wrap="square" rtlCol="0">
+            <a:spAutoFit/>
+          </a:bodyPr>
+          <a:lstStyle/>
+          <a:p>
+            <a:r>
+              <a:rPr lang="de-DE" sz="4000" dirty="0">
+                <a:solidFill>
+                  <a:srgbClr val="003399"/>
+                </a:solidFill>
+                <a:latin typeface="Meta Std Normal" panose="020B0504030101020102" pitchFamily="34" charset="0"/>
+              </a:rPr>
+              <a:t>Performance</a:t>
+            </a:r>
+            <a:endParaRPr lang="de-CH" sz="4000" dirty="0">
+              <a:solidFill>
+                <a:srgbClr val="003399"/>
+              </a:solidFill>
+              <a:latin typeface="Meta Std Normal" panose="020B0504030101020102" pitchFamily="34" charset="0"/>
+            </a:endParaRPr>
+          </a:p>
+        </p:txBody>
+      </p:sp>
+      <p:pic>
+        <p:nvPicPr>
+          <p:cNvPr id="8" name="Grafik 7">
+            <a:extLst>
+              <a:ext uri="{FF2B5EF4-FFF2-40B4-BE49-F238E27FC236}">
+                <a16:creationId xmlns:a16="http://schemas.microsoft.com/office/drawing/2014/main" id="{ADCD8697-1FCF-47EA-81CF-51DDEAABDF03}"/>
+              </a:ext>
+            </a:extLst>
+          </p:cNvPr>
+          <p:cNvPicPr/>
+          <p:nvPr/>
+        </p:nvPicPr>
+        <p:blipFill rotWithShape="1">
+          <a:blip r:embed="rId2">
+            <a:extLst>
+              <a:ext uri="{28A0092B-C50C-407E-A947-70E740481C1C}">
+                <a14:useLocalDpi xmlns:a14="http://schemas.microsoft.com/office/drawing/2010/main" val="0"/>
+              </a:ext>
+            </a:extLst>
+          </a:blip>
+          <a:srcRect l="3810" r="4580" b="40683"/>
+          <a:stretch/>
+        </p:blipFill>
+        <p:spPr bwMode="auto">
+          <a:xfrm>
+            <a:off x="0" y="6711949"/>
+            <a:ext cx="12192000" cy="146051"/>
+          </a:xfrm>
+          <a:prstGeom prst="rect">
+            <a:avLst/>
+          </a:prstGeom>
+          <a:noFill/>
+          <a:ln>
+            <a:noFill/>
+          </a:ln>
+        </p:spPr>
+      </p:pic>
+      <p:pic>
+        <p:nvPicPr>
+          <p:cNvPr id="12" name="Grafik 11">
+            <a:extLst>
+              <a:ext uri="{FF2B5EF4-FFF2-40B4-BE49-F238E27FC236}">
+                <a16:creationId xmlns:a16="http://schemas.microsoft.com/office/drawing/2014/main" id="{4277F3D5-167F-4BA2-BDEE-7FBC2BEF527D}"/>
+              </a:ext>
+            </a:extLst>
+          </p:cNvPr>
+          <p:cNvPicPr>
+            <a:picLocks noChangeAspect="1"/>
+          </p:cNvPicPr>
+          <p:nvPr/>
+        </p:nvPicPr>
+        <p:blipFill>
+          <a:blip r:embed="rId3">
+            <a:extLst>
+              <a:ext uri="{28A0092B-C50C-407E-A947-70E740481C1C}">
+                <a14:useLocalDpi xmlns:a14="http://schemas.microsoft.com/office/drawing/2010/main" val="0"/>
+              </a:ext>
+            </a:extLst>
+          </a:blip>
+          <a:stretch>
+            <a:fillRect/>
+          </a:stretch>
+        </p:blipFill>
+        <p:spPr>
+          <a:xfrm>
+            <a:off x="9926611" y="5968478"/>
+            <a:ext cx="1912571" cy="503308"/>
+          </a:xfrm>
+          <a:prstGeom prst="rect">
+            <a:avLst/>
+          </a:prstGeom>
+        </p:spPr>
+      </p:pic>
+      <p:sp>
+        <p:nvSpPr>
+          <p:cNvPr id="4" name="Textfeld 3">
+            <a:extLst>
+              <a:ext uri="{FF2B5EF4-FFF2-40B4-BE49-F238E27FC236}">
+                <a16:creationId xmlns:a16="http://schemas.microsoft.com/office/drawing/2014/main" id="{59576528-BDCE-4B4B-AAAC-96DA04EE5EA0}"/>
+              </a:ext>
+            </a:extLst>
+          </p:cNvPr>
+          <p:cNvSpPr txBox="1"/>
+          <p:nvPr/>
+        </p:nvSpPr>
+        <p:spPr>
+          <a:xfrm>
+            <a:off x="838200" y="130609"/>
+            <a:ext cx="2074069" cy="261610"/>
+          </a:xfrm>
+          <a:prstGeom prst="rect">
+            <a:avLst/>
+          </a:prstGeom>
+          <a:noFill/>
+        </p:spPr>
+        <p:txBody>
+          <a:bodyPr wrap="square" rtlCol="0">
+            <a:spAutoFit/>
+          </a:bodyPr>
+          <a:lstStyle/>
+          <a:p>
+            <a:pPr algn="ctr"/>
+            <a:r>
+              <a:rPr lang="de-DE" sz="1100" dirty="0">
+                <a:solidFill>
+                  <a:schemeClr val="tx1">
+                    <a:lumMod val="50000"/>
+                    <a:lumOff val="50000"/>
+                  </a:schemeClr>
+                </a:solidFill>
+                <a:latin typeface="Meta Std Normal" panose="020B0504030101020102" pitchFamily="34" charset="0"/>
+              </a:rPr>
+              <a:t>Ursprung &amp; Umgebung</a:t>
+            </a:r>
+          </a:p>
+        </p:txBody>
+      </p:sp>
+      <p:sp>
+        <p:nvSpPr>
+          <p:cNvPr id="15" name="Textfeld 14">
+            <a:extLst>
+              <a:ext uri="{FF2B5EF4-FFF2-40B4-BE49-F238E27FC236}">
+                <a16:creationId xmlns:a16="http://schemas.microsoft.com/office/drawing/2014/main" id="{A78CFF66-02E0-4579-9AB3-1C2714806374}"/>
+              </a:ext>
+            </a:extLst>
+          </p:cNvPr>
+          <p:cNvSpPr txBox="1"/>
+          <p:nvPr/>
+        </p:nvSpPr>
+        <p:spPr>
+          <a:xfrm>
+            <a:off x="3581400" y="130609"/>
+            <a:ext cx="2074069" cy="261610"/>
+          </a:xfrm>
+          <a:prstGeom prst="rect">
+            <a:avLst/>
+          </a:prstGeom>
+          <a:noFill/>
+        </p:spPr>
+        <p:txBody>
+          <a:bodyPr wrap="square" rtlCol="0">
+            <a:spAutoFit/>
+          </a:bodyPr>
+          <a:lstStyle/>
+          <a:p>
+            <a:pPr algn="ctr"/>
+            <a:r>
+              <a:rPr lang="de-DE" sz="1100" dirty="0">
+                <a:solidFill>
+                  <a:schemeClr val="tx1">
+                    <a:lumMod val="50000"/>
+                    <a:lumOff val="50000"/>
+                  </a:schemeClr>
+                </a:solidFill>
+                <a:latin typeface="Meta Std Normal" panose="020B0504030101020102" pitchFamily="34" charset="0"/>
+              </a:rPr>
+              <a:t>Realisierung</a:t>
+            </a:r>
+          </a:p>
+        </p:txBody>
+      </p:sp>
+      <p:sp>
+        <p:nvSpPr>
+          <p:cNvPr id="21" name="Textfeld 20">
+            <a:extLst>
+              <a:ext uri="{FF2B5EF4-FFF2-40B4-BE49-F238E27FC236}">
+                <a16:creationId xmlns:a16="http://schemas.microsoft.com/office/drawing/2014/main" id="{7CD28F71-6880-44F4-9EC4-6F1897DFE100}"/>
+              </a:ext>
+            </a:extLst>
+          </p:cNvPr>
+          <p:cNvSpPr txBox="1"/>
+          <p:nvPr/>
+        </p:nvSpPr>
+        <p:spPr>
+          <a:xfrm>
+            <a:off x="6430565" y="130609"/>
+            <a:ext cx="2074069" cy="261610"/>
+          </a:xfrm>
+          <a:prstGeom prst="rect">
+            <a:avLst/>
+          </a:prstGeom>
+          <a:noFill/>
+        </p:spPr>
+        <p:txBody>
+          <a:bodyPr wrap="square" rtlCol="0">
+            <a:spAutoFit/>
+          </a:bodyPr>
+          <a:lstStyle/>
+          <a:p>
+            <a:pPr algn="ctr"/>
+            <a:r>
+              <a:rPr lang="de-DE" sz="1100" dirty="0">
+                <a:solidFill>
+                  <a:schemeClr val="tx1">
+                    <a:lumMod val="50000"/>
+                    <a:lumOff val="50000"/>
+                  </a:schemeClr>
+                </a:solidFill>
+                <a:latin typeface="Meta Std Normal" panose="020B0504030101020102" pitchFamily="34" charset="0"/>
+              </a:rPr>
+              <a:t>Resultat</a:t>
+            </a:r>
+          </a:p>
+        </p:txBody>
+      </p:sp>
+      <p:sp>
+        <p:nvSpPr>
+          <p:cNvPr id="23" name="Textfeld 22">
+            <a:extLst>
+              <a:ext uri="{FF2B5EF4-FFF2-40B4-BE49-F238E27FC236}">
+                <a16:creationId xmlns:a16="http://schemas.microsoft.com/office/drawing/2014/main" id="{50BA6159-800C-409E-9350-B7DBA9E76E62}"/>
+              </a:ext>
+            </a:extLst>
+          </p:cNvPr>
+          <p:cNvSpPr txBox="1"/>
+          <p:nvPr/>
+        </p:nvSpPr>
+        <p:spPr>
+          <a:xfrm>
+            <a:off x="9279731" y="130609"/>
+            <a:ext cx="2074069" cy="261610"/>
+          </a:xfrm>
+          <a:prstGeom prst="rect">
+            <a:avLst/>
+          </a:prstGeom>
+          <a:noFill/>
+        </p:spPr>
+        <p:txBody>
+          <a:bodyPr wrap="square" rtlCol="0">
+            <a:spAutoFit/>
+          </a:bodyPr>
+          <a:lstStyle/>
+          <a:p>
+            <a:pPr algn="ctr"/>
+            <a:r>
+              <a:rPr lang="de-DE" sz="1100" dirty="0">
+                <a:solidFill>
+                  <a:srgbClr val="009EE6"/>
+                </a:solidFill>
+                <a:latin typeface="Meta Std Normal" panose="020B0504030101020102" pitchFamily="34" charset="0"/>
+              </a:rPr>
+              <a:t>Evaluierung</a:t>
+            </a:r>
+          </a:p>
+        </p:txBody>
+      </p:sp>
+      <p:sp>
+        <p:nvSpPr>
+          <p:cNvPr id="9" name="Textfeld 8">
+            <a:extLst>
+              <a:ext uri="{FF2B5EF4-FFF2-40B4-BE49-F238E27FC236}">
+                <a16:creationId xmlns:a16="http://schemas.microsoft.com/office/drawing/2014/main" id="{27B942E5-3A8D-41A4-B521-2AD924676FF7}"/>
+              </a:ext>
+            </a:extLst>
+          </p:cNvPr>
+          <p:cNvSpPr txBox="1"/>
+          <p:nvPr/>
+        </p:nvSpPr>
+        <p:spPr>
+          <a:xfrm>
+            <a:off x="529387" y="993862"/>
+            <a:ext cx="4427624" cy="506870"/>
+          </a:xfrm>
+          <a:prstGeom prst="rect">
+            <a:avLst/>
+          </a:prstGeom>
+          <a:noFill/>
+        </p:spPr>
+        <p:txBody>
+          <a:bodyPr wrap="square" rtlCol="0">
+            <a:spAutoFit/>
+          </a:bodyPr>
+          <a:lstStyle/>
+          <a:p>
+            <a:pPr>
+              <a:lnSpc>
+                <a:spcPct val="200000"/>
+              </a:lnSpc>
+            </a:pPr>
+            <a:r>
+              <a:rPr lang="de-DE" sz="1600" dirty="0">
+                <a:solidFill>
+                  <a:srgbClr val="009EE6"/>
+                </a:solidFill>
+                <a:latin typeface="Meta Std Normal" panose="020B0504030101020102" pitchFamily="34" charset="0"/>
+              </a:rPr>
+              <a:t>Auswertung der Akzeptanz von Pelan</a:t>
+            </a:r>
+          </a:p>
+        </p:txBody>
+      </p:sp>
+    </p:spTree>
+    <p:extLst>
+      <p:ext uri="{BB962C8B-B14F-4D97-AF65-F5344CB8AC3E}">
+        <p14:creationId xmlns:p14="http://schemas.microsoft.com/office/powerpoint/2010/main" val="3271220729"/>
+      </p:ext>
+    </p:extLst>
+  </p:cSld>
+  <p:clrMapOvr>
+    <a:masterClrMapping/>
+  </p:clrMapOvr>
+  <mc:AlternateContent xmlns:mc="http://schemas.openxmlformats.org/markup-compatibility/2006" xmlns:p159="http://schemas.microsoft.com/office/powerpoint/2015/09/main">
+    <mc:Choice Requires="p159">
+      <p:transition spd="med">
+        <p159:morph option="byObject"/>
+      </p:transition>
+    </mc:Choice>
+    <mc:Fallback xmlns="">
       <p:transition spd="med">
         <p:fade/>
       </p:transition>
@@ -10702,13 +11126,13 @@
   <p:clrMapOvr>
     <a:masterClrMapping/>
   </p:clrMapOvr>
-  <mc:AlternateContent xmlns:mc="http://schemas.openxmlformats.org/markup-compatibility/2006">
-    <mc:Choice xmlns:p14="http://schemas.microsoft.com/office/powerpoint/2010/main" Requires="p14">
+  <mc:AlternateContent xmlns:mc="http://schemas.openxmlformats.org/markup-compatibility/2006" xmlns:p14="http://schemas.microsoft.com/office/powerpoint/2010/main">
+    <mc:Choice Requires="p14">
       <p:transition p14:dur="250">
         <p:fade/>
       </p:transition>
     </mc:Choice>
-    <mc:Fallback>
+    <mc:Fallback xmlns="">
       <p:transition>
         <p:fade/>
       </p:transition>
@@ -11443,13 +11867,13 @@
   <p:clrMapOvr>
     <a:masterClrMapping/>
   </p:clrMapOvr>
-  <mc:AlternateContent xmlns:mc="http://schemas.openxmlformats.org/markup-compatibility/2006">
-    <mc:Choice xmlns:p159="http://schemas.microsoft.com/office/powerpoint/2015/09/main" Requires="p159">
+  <mc:AlternateContent xmlns:mc="http://schemas.openxmlformats.org/markup-compatibility/2006" xmlns:p159="http://schemas.microsoft.com/office/powerpoint/2015/09/main">
+    <mc:Choice Requires="p159">
       <p:transition>
         <p159:morph option="byObject"/>
       </p:transition>
     </mc:Choice>
-    <mc:Fallback>
+    <mc:Fallback xmlns="">
       <p:transition>
         <p:fade/>
       </p:transition>
@@ -12092,13 +12516,13 @@
   <p:clrMapOvr>
     <a:masterClrMapping/>
   </p:clrMapOvr>
-  <mc:AlternateContent xmlns:mc="http://schemas.openxmlformats.org/markup-compatibility/2006">
-    <mc:Choice xmlns:p159="http://schemas.microsoft.com/office/powerpoint/2015/09/main" Requires="p159">
+  <mc:AlternateContent xmlns:mc="http://schemas.openxmlformats.org/markup-compatibility/2006" xmlns:p159="http://schemas.microsoft.com/office/powerpoint/2015/09/main">
+    <mc:Choice Requires="p159">
       <p:transition xmlns:p14="http://schemas.microsoft.com/office/powerpoint/2010/main" p14:dur="250">
         <p159:morph option="byObject"/>
       </p:transition>
     </mc:Choice>
-    <mc:Fallback>
+    <mc:Fallback xmlns="">
       <p:transition>
         <p:fade/>
       </p:transition>
@@ -12604,13 +13028,13 @@
   <p:clrMapOvr>
     <a:masterClrMapping/>
   </p:clrMapOvr>
-  <mc:AlternateContent xmlns:mc="http://schemas.openxmlformats.org/markup-compatibility/2006">
-    <mc:Choice xmlns:p159="http://schemas.microsoft.com/office/powerpoint/2015/09/main" Requires="p159">
+  <mc:AlternateContent xmlns:mc="http://schemas.openxmlformats.org/markup-compatibility/2006" xmlns:p159="http://schemas.microsoft.com/office/powerpoint/2015/09/main">
+    <mc:Choice Requires="p159">
       <p:transition>
         <p159:morph option="byObject"/>
       </p:transition>
     </mc:Choice>
-    <mc:Fallback>
+    <mc:Fallback xmlns="">
       <p:transition>
         <p:fade/>
       </p:transition>
@@ -13072,13 +13496,13 @@
   <p:clrMapOvr>
     <a:masterClrMapping/>
   </p:clrMapOvr>
-  <mc:AlternateContent xmlns:mc="http://schemas.openxmlformats.org/markup-compatibility/2006">
-    <mc:Choice xmlns:p159="http://schemas.microsoft.com/office/powerpoint/2015/09/main" Requires="p159">
+  <mc:AlternateContent xmlns:mc="http://schemas.openxmlformats.org/markup-compatibility/2006" xmlns:p159="http://schemas.microsoft.com/office/powerpoint/2015/09/main">
+    <mc:Choice Requires="p159">
       <p:transition xmlns:p14="http://schemas.microsoft.com/office/powerpoint/2010/main" p14:dur="250">
         <p159:morph option="byObject"/>
       </p:transition>
     </mc:Choice>
-    <mc:Fallback>
+    <mc:Fallback xmlns="">
       <p:transition>
         <p:fade/>
       </p:transition>
@@ -13540,13 +13964,13 @@
   <p:clrMapOvr>
     <a:masterClrMapping/>
   </p:clrMapOvr>
-  <mc:AlternateContent xmlns:mc="http://schemas.openxmlformats.org/markup-compatibility/2006">
-    <mc:Choice xmlns:p14="http://schemas.microsoft.com/office/powerpoint/2010/main" Requires="p14">
+  <mc:AlternateContent xmlns:mc="http://schemas.openxmlformats.org/markup-compatibility/2006" xmlns:p14="http://schemas.microsoft.com/office/powerpoint/2010/main">
+    <mc:Choice Requires="p14">
       <p:transition p14:dur="250">
         <p:fade/>
       </p:transition>
     </mc:Choice>
-    <mc:Fallback>
+    <mc:Fallback xmlns="">
       <p:transition>
         <p:fade/>
       </p:transition>
@@ -14008,13 +14432,13 @@
   <p:clrMapOvr>
     <a:masterClrMapping/>
   </p:clrMapOvr>
-  <mc:AlternateContent xmlns:mc="http://schemas.openxmlformats.org/markup-compatibility/2006">
-    <mc:Choice xmlns:p14="http://schemas.microsoft.com/office/powerpoint/2010/main" Requires="p14">
+  <mc:AlternateContent xmlns:mc="http://schemas.openxmlformats.org/markup-compatibility/2006" xmlns:p14="http://schemas.microsoft.com/office/powerpoint/2010/main">
+    <mc:Choice Requires="p14">
       <p:transition p14:dur="250">
         <p:fade/>
       </p:transition>
     </mc:Choice>
-    <mc:Fallback>
+    <mc:Fallback xmlns="">
       <p:transition>
         <p:fade/>
       </p:transition>
@@ -14474,13 +14898,13 @@
   <p:clrMapOvr>
     <a:masterClrMapping/>
   </p:clrMapOvr>
-  <mc:AlternateContent xmlns:mc="http://schemas.openxmlformats.org/markup-compatibility/2006">
-    <mc:Choice xmlns:p14="http://schemas.microsoft.com/office/powerpoint/2010/main" Requires="p14">
+  <mc:AlternateContent xmlns:mc="http://schemas.openxmlformats.org/markup-compatibility/2006" xmlns:p14="http://schemas.microsoft.com/office/powerpoint/2010/main">
+    <mc:Choice Requires="p14">
       <p:transition p14:dur="250">
         <p:fade/>
       </p:transition>
     </mc:Choice>
-    <mc:Fallback>
+    <mc:Fallback xmlns="">
       <p:transition>
         <p:fade/>
       </p:transition>

--- a/docs/IPA/Präsentation/Präsentation.pptx
+++ b/docs/IPA/Präsentation/Präsentation.pptx
@@ -21,7 +21,10 @@
     <p:sldId id="269" r:id="rId15"/>
     <p:sldId id="270" r:id="rId16"/>
     <p:sldId id="271" r:id="rId17"/>
-    <p:sldId id="272" r:id="rId18"/>
+    <p:sldId id="273" r:id="rId18"/>
+    <p:sldId id="274" r:id="rId19"/>
+    <p:sldId id="275" r:id="rId20"/>
+    <p:sldId id="276" r:id="rId21"/>
   </p:sldIdLst>
   <p:sldSz cx="12192000" cy="6858000"/>
   <p:notesSz cx="6858000" cy="9144000"/>
@@ -10509,10 +10512,190 @@
           </a:p>
         </p:txBody>
       </p:sp>
+      <p:pic>
+        <p:nvPicPr>
+          <p:cNvPr id="3" name="Grafik 2" descr="Ein Bild, das Screenshot enthält.&#10;&#10;Automatisch generierte Beschreibung">
+            <a:extLst>
+              <a:ext uri="{FF2B5EF4-FFF2-40B4-BE49-F238E27FC236}">
+                <a16:creationId xmlns:a16="http://schemas.microsoft.com/office/drawing/2014/main" id="{959EF16A-0406-40D3-A1CA-64E22F84D572}"/>
+              </a:ext>
+            </a:extLst>
+          </p:cNvPr>
+          <p:cNvPicPr>
+            <a:picLocks noChangeAspect="1"/>
+          </p:cNvPicPr>
+          <p:nvPr/>
+        </p:nvPicPr>
+        <p:blipFill>
+          <a:blip r:embed="rId4">
+            <a:extLst>
+              <a:ext uri="{28A0092B-C50C-407E-A947-70E740481C1C}">
+                <a14:useLocalDpi xmlns:a14="http://schemas.microsoft.com/office/drawing/2010/main" val="0"/>
+              </a:ext>
+            </a:extLst>
+          </a:blip>
+          <a:stretch>
+            <a:fillRect/>
+          </a:stretch>
+        </p:blipFill>
+        <p:spPr>
+          <a:xfrm>
+            <a:off x="8136746" y="958105"/>
+            <a:ext cx="2851304" cy="431192"/>
+          </a:xfrm>
+          <a:prstGeom prst="rect">
+            <a:avLst/>
+          </a:prstGeom>
+        </p:spPr>
+      </p:pic>
+      <p:pic>
+        <p:nvPicPr>
+          <p:cNvPr id="6" name="Grafik 5" descr="Ein Bild, das Vektorgrafiken enthält.&#10;&#10;Automatisch generierte Beschreibung">
+            <a:extLst>
+              <a:ext uri="{FF2B5EF4-FFF2-40B4-BE49-F238E27FC236}">
+                <a16:creationId xmlns:a16="http://schemas.microsoft.com/office/drawing/2014/main" id="{5FC7DB2F-790E-43FA-B5DB-34442FC572DB}"/>
+              </a:ext>
+            </a:extLst>
+          </p:cNvPr>
+          <p:cNvPicPr>
+            <a:picLocks noChangeAspect="1"/>
+          </p:cNvPicPr>
+          <p:nvPr/>
+        </p:nvPicPr>
+        <p:blipFill>
+          <a:blip r:embed="rId5">
+            <a:extLst>
+              <a:ext uri="{28A0092B-C50C-407E-A947-70E740481C1C}">
+                <a14:useLocalDpi xmlns:a14="http://schemas.microsoft.com/office/drawing/2010/main" val="0"/>
+              </a:ext>
+            </a:extLst>
+          </a:blip>
+          <a:stretch>
+            <a:fillRect/>
+          </a:stretch>
+        </p:blipFill>
+        <p:spPr>
+          <a:xfrm>
+            <a:off x="957598" y="2567483"/>
+            <a:ext cx="1973553" cy="1960902"/>
+          </a:xfrm>
+          <a:prstGeom prst="rect">
+            <a:avLst/>
+          </a:prstGeom>
+        </p:spPr>
+      </p:pic>
+      <p:pic>
+        <p:nvPicPr>
+          <p:cNvPr id="10" name="Grafik 9">
+            <a:extLst>
+              <a:ext uri="{FF2B5EF4-FFF2-40B4-BE49-F238E27FC236}">
+                <a16:creationId xmlns:a16="http://schemas.microsoft.com/office/drawing/2014/main" id="{EA27B768-30CB-4D8D-8D23-4EA52DCA3182}"/>
+              </a:ext>
+            </a:extLst>
+          </p:cNvPr>
+          <p:cNvPicPr>
+            <a:picLocks noChangeAspect="1"/>
+          </p:cNvPicPr>
+          <p:nvPr/>
+        </p:nvPicPr>
+        <p:blipFill>
+          <a:blip r:embed="rId6">
+            <a:extLst>
+              <a:ext uri="{28A0092B-C50C-407E-A947-70E740481C1C}">
+                <a14:useLocalDpi xmlns:a14="http://schemas.microsoft.com/office/drawing/2010/main" val="0"/>
+              </a:ext>
+            </a:extLst>
+          </a:blip>
+          <a:stretch>
+            <a:fillRect/>
+          </a:stretch>
+        </p:blipFill>
+        <p:spPr>
+          <a:xfrm>
+            <a:off x="3751056" y="2565796"/>
+            <a:ext cx="1973554" cy="1960903"/>
+          </a:xfrm>
+          <a:prstGeom prst="rect">
+            <a:avLst/>
+          </a:prstGeom>
+        </p:spPr>
+      </p:pic>
+      <p:pic>
+        <p:nvPicPr>
+          <p:cNvPr id="13" name="Grafik 12">
+            <a:extLst>
+              <a:ext uri="{FF2B5EF4-FFF2-40B4-BE49-F238E27FC236}">
+                <a16:creationId xmlns:a16="http://schemas.microsoft.com/office/drawing/2014/main" id="{164AB60C-6556-4091-AD78-32E666D69354}"/>
+              </a:ext>
+            </a:extLst>
+          </p:cNvPr>
+          <p:cNvPicPr>
+            <a:picLocks noChangeAspect="1"/>
+          </p:cNvPicPr>
+          <p:nvPr/>
+        </p:nvPicPr>
+        <p:blipFill>
+          <a:blip r:embed="rId7">
+            <a:extLst>
+              <a:ext uri="{28A0092B-C50C-407E-A947-70E740481C1C}">
+                <a14:useLocalDpi xmlns:a14="http://schemas.microsoft.com/office/drawing/2010/main" val="0"/>
+              </a:ext>
+            </a:extLst>
+          </a:blip>
+          <a:stretch>
+            <a:fillRect/>
+          </a:stretch>
+        </p:blipFill>
+        <p:spPr>
+          <a:xfrm>
+            <a:off x="6544515" y="2565796"/>
+            <a:ext cx="2201272" cy="1960903"/>
+          </a:xfrm>
+          <a:prstGeom prst="rect">
+            <a:avLst/>
+          </a:prstGeom>
+        </p:spPr>
+      </p:pic>
+      <p:pic>
+        <p:nvPicPr>
+          <p:cNvPr id="16" name="Grafik 15">
+            <a:extLst>
+              <a:ext uri="{FF2B5EF4-FFF2-40B4-BE49-F238E27FC236}">
+                <a16:creationId xmlns:a16="http://schemas.microsoft.com/office/drawing/2014/main" id="{47759892-CDA9-4F39-8E94-5D5D1D14FD00}"/>
+              </a:ext>
+            </a:extLst>
+          </p:cNvPr>
+          <p:cNvPicPr>
+            <a:picLocks noChangeAspect="1"/>
+          </p:cNvPicPr>
+          <p:nvPr/>
+        </p:nvPicPr>
+        <p:blipFill>
+          <a:blip r:embed="rId8">
+            <a:extLst>
+              <a:ext uri="{28A0092B-C50C-407E-A947-70E740481C1C}">
+                <a14:useLocalDpi xmlns:a14="http://schemas.microsoft.com/office/drawing/2010/main" val="0"/>
+              </a:ext>
+            </a:extLst>
+          </a:blip>
+          <a:stretch>
+            <a:fillRect/>
+          </a:stretch>
+        </p:blipFill>
+        <p:spPr>
+          <a:xfrm>
+            <a:off x="9565692" y="2558256"/>
+            <a:ext cx="1422358" cy="1968442"/>
+          </a:xfrm>
+          <a:prstGeom prst="rect">
+            <a:avLst/>
+          </a:prstGeom>
+        </p:spPr>
+      </p:pic>
     </p:spTree>
     <p:extLst>
       <p:ext uri="{BB962C8B-B14F-4D97-AF65-F5344CB8AC3E}">
-        <p14:creationId xmlns:p14="http://schemas.microsoft.com/office/powerpoint/2010/main" val="3271220729"/>
+        <p14:creationId xmlns:p14="http://schemas.microsoft.com/office/powerpoint/2010/main" val="3358167218"/>
       </p:ext>
     </p:extLst>
   </p:cSld>
@@ -10521,12 +10704,2322 @@
   </p:clrMapOvr>
   <mc:AlternateContent xmlns:mc="http://schemas.openxmlformats.org/markup-compatibility/2006" xmlns:p159="http://schemas.microsoft.com/office/powerpoint/2015/09/main">
     <mc:Choice Requires="p159">
-      <p:transition spd="med">
+      <p:transition xmlns:p14="http://schemas.microsoft.com/office/powerpoint/2010/main" p14:dur="250">
         <p159:morph option="byObject"/>
       </p:transition>
     </mc:Choice>
     <mc:Fallback xmlns="">
-      <p:transition spd="med">
+      <p:transition>
+        <p:fade/>
+      </p:transition>
+    </mc:Fallback>
+  </mc:AlternateContent>
+</p:sld>
+</file>
+
+<file path=ppt/slides/slide18.xml><?xml version="1.0" encoding="utf-8"?>
+<p:sld xmlns:a="http://schemas.openxmlformats.org/drawingml/2006/main" xmlns:r="http://schemas.openxmlformats.org/officeDocument/2006/relationships" xmlns:p="http://schemas.openxmlformats.org/presentationml/2006/main">
+  <p:cSld>
+    <p:spTree>
+      <p:nvGrpSpPr>
+        <p:cNvPr id="1" name=""/>
+        <p:cNvGrpSpPr/>
+        <p:nvPr/>
+      </p:nvGrpSpPr>
+      <p:grpSpPr>
+        <a:xfrm>
+          <a:off x="0" y="0"/>
+          <a:ext cx="0" cy="0"/>
+          <a:chOff x="0" y="0"/>
+          <a:chExt cx="0" cy="0"/>
+        </a:xfrm>
+      </p:grpSpPr>
+      <p:sp>
+        <p:nvSpPr>
+          <p:cNvPr id="17" name="Textfeld 16">
+            <a:extLst>
+              <a:ext uri="{FF2B5EF4-FFF2-40B4-BE49-F238E27FC236}">
+                <a16:creationId xmlns:a16="http://schemas.microsoft.com/office/drawing/2014/main" id="{3DF457D7-637C-45F1-B2B4-C8D74F7EB967}"/>
+              </a:ext>
+            </a:extLst>
+          </p:cNvPr>
+          <p:cNvSpPr txBox="1"/>
+          <p:nvPr/>
+        </p:nvSpPr>
+        <p:spPr>
+          <a:xfrm>
+            <a:off x="529389" y="465815"/>
+            <a:ext cx="6707606" cy="707886"/>
+          </a:xfrm>
+          <a:prstGeom prst="rect">
+            <a:avLst/>
+          </a:prstGeom>
+          <a:noFill/>
+        </p:spPr>
+        <p:txBody>
+          <a:bodyPr wrap="square" rtlCol="0">
+            <a:spAutoFit/>
+          </a:bodyPr>
+          <a:lstStyle/>
+          <a:p>
+            <a:r>
+              <a:rPr lang="de-DE" sz="4000" dirty="0">
+                <a:solidFill>
+                  <a:srgbClr val="003399"/>
+                </a:solidFill>
+                <a:latin typeface="Meta Std Normal" panose="020B0504030101020102" pitchFamily="34" charset="0"/>
+              </a:rPr>
+              <a:t>Analyse</a:t>
+            </a:r>
+            <a:endParaRPr lang="de-CH" sz="4000" dirty="0">
+              <a:solidFill>
+                <a:srgbClr val="003399"/>
+              </a:solidFill>
+              <a:latin typeface="Meta Std Normal" panose="020B0504030101020102" pitchFamily="34" charset="0"/>
+            </a:endParaRPr>
+          </a:p>
+        </p:txBody>
+      </p:sp>
+      <p:pic>
+        <p:nvPicPr>
+          <p:cNvPr id="8" name="Grafik 7">
+            <a:extLst>
+              <a:ext uri="{FF2B5EF4-FFF2-40B4-BE49-F238E27FC236}">
+                <a16:creationId xmlns:a16="http://schemas.microsoft.com/office/drawing/2014/main" id="{ADCD8697-1FCF-47EA-81CF-51DDEAABDF03}"/>
+              </a:ext>
+            </a:extLst>
+          </p:cNvPr>
+          <p:cNvPicPr/>
+          <p:nvPr/>
+        </p:nvPicPr>
+        <p:blipFill rotWithShape="1">
+          <a:blip r:embed="rId2">
+            <a:extLst>
+              <a:ext uri="{28A0092B-C50C-407E-A947-70E740481C1C}">
+                <a14:useLocalDpi xmlns:a14="http://schemas.microsoft.com/office/drawing/2010/main" val="0"/>
+              </a:ext>
+            </a:extLst>
+          </a:blip>
+          <a:srcRect l="3810" r="4580" b="40683"/>
+          <a:stretch/>
+        </p:blipFill>
+        <p:spPr bwMode="auto">
+          <a:xfrm>
+            <a:off x="0" y="6711949"/>
+            <a:ext cx="12192000" cy="146051"/>
+          </a:xfrm>
+          <a:prstGeom prst="rect">
+            <a:avLst/>
+          </a:prstGeom>
+          <a:noFill/>
+          <a:ln>
+            <a:noFill/>
+          </a:ln>
+        </p:spPr>
+      </p:pic>
+      <p:sp>
+        <p:nvSpPr>
+          <p:cNvPr id="4" name="Textfeld 3">
+            <a:extLst>
+              <a:ext uri="{FF2B5EF4-FFF2-40B4-BE49-F238E27FC236}">
+                <a16:creationId xmlns:a16="http://schemas.microsoft.com/office/drawing/2014/main" id="{59576528-BDCE-4B4B-AAAC-96DA04EE5EA0}"/>
+              </a:ext>
+            </a:extLst>
+          </p:cNvPr>
+          <p:cNvSpPr txBox="1"/>
+          <p:nvPr/>
+        </p:nvSpPr>
+        <p:spPr>
+          <a:xfrm>
+            <a:off x="838200" y="130609"/>
+            <a:ext cx="2074069" cy="261610"/>
+          </a:xfrm>
+          <a:prstGeom prst="rect">
+            <a:avLst/>
+          </a:prstGeom>
+          <a:noFill/>
+        </p:spPr>
+        <p:txBody>
+          <a:bodyPr wrap="square" rtlCol="0">
+            <a:spAutoFit/>
+          </a:bodyPr>
+          <a:lstStyle/>
+          <a:p>
+            <a:pPr algn="ctr"/>
+            <a:r>
+              <a:rPr lang="de-DE" sz="1100" dirty="0">
+                <a:solidFill>
+                  <a:schemeClr val="tx1">
+                    <a:lumMod val="50000"/>
+                    <a:lumOff val="50000"/>
+                  </a:schemeClr>
+                </a:solidFill>
+                <a:latin typeface="Meta Std Normal" panose="020B0504030101020102" pitchFamily="34" charset="0"/>
+              </a:rPr>
+              <a:t>Ursprung &amp; Umgebung</a:t>
+            </a:r>
+          </a:p>
+        </p:txBody>
+      </p:sp>
+      <p:sp>
+        <p:nvSpPr>
+          <p:cNvPr id="15" name="Textfeld 14">
+            <a:extLst>
+              <a:ext uri="{FF2B5EF4-FFF2-40B4-BE49-F238E27FC236}">
+                <a16:creationId xmlns:a16="http://schemas.microsoft.com/office/drawing/2014/main" id="{A78CFF66-02E0-4579-9AB3-1C2714806374}"/>
+              </a:ext>
+            </a:extLst>
+          </p:cNvPr>
+          <p:cNvSpPr txBox="1"/>
+          <p:nvPr/>
+        </p:nvSpPr>
+        <p:spPr>
+          <a:xfrm>
+            <a:off x="3581400" y="130609"/>
+            <a:ext cx="2074069" cy="261610"/>
+          </a:xfrm>
+          <a:prstGeom prst="rect">
+            <a:avLst/>
+          </a:prstGeom>
+          <a:noFill/>
+        </p:spPr>
+        <p:txBody>
+          <a:bodyPr wrap="square" rtlCol="0">
+            <a:spAutoFit/>
+          </a:bodyPr>
+          <a:lstStyle/>
+          <a:p>
+            <a:pPr algn="ctr"/>
+            <a:r>
+              <a:rPr lang="de-DE" sz="1100" dirty="0">
+                <a:solidFill>
+                  <a:schemeClr val="tx1">
+                    <a:lumMod val="50000"/>
+                    <a:lumOff val="50000"/>
+                  </a:schemeClr>
+                </a:solidFill>
+                <a:latin typeface="Meta Std Normal" panose="020B0504030101020102" pitchFamily="34" charset="0"/>
+              </a:rPr>
+              <a:t>Realisierung</a:t>
+            </a:r>
+          </a:p>
+        </p:txBody>
+      </p:sp>
+      <p:sp>
+        <p:nvSpPr>
+          <p:cNvPr id="21" name="Textfeld 20">
+            <a:extLst>
+              <a:ext uri="{FF2B5EF4-FFF2-40B4-BE49-F238E27FC236}">
+                <a16:creationId xmlns:a16="http://schemas.microsoft.com/office/drawing/2014/main" id="{7CD28F71-6880-44F4-9EC4-6F1897DFE100}"/>
+              </a:ext>
+            </a:extLst>
+          </p:cNvPr>
+          <p:cNvSpPr txBox="1"/>
+          <p:nvPr/>
+        </p:nvSpPr>
+        <p:spPr>
+          <a:xfrm>
+            <a:off x="6430565" y="130609"/>
+            <a:ext cx="2074069" cy="261610"/>
+          </a:xfrm>
+          <a:prstGeom prst="rect">
+            <a:avLst/>
+          </a:prstGeom>
+          <a:noFill/>
+        </p:spPr>
+        <p:txBody>
+          <a:bodyPr wrap="square" rtlCol="0">
+            <a:spAutoFit/>
+          </a:bodyPr>
+          <a:lstStyle/>
+          <a:p>
+            <a:pPr algn="ctr"/>
+            <a:r>
+              <a:rPr lang="de-DE" sz="1100" dirty="0">
+                <a:solidFill>
+                  <a:schemeClr val="tx1">
+                    <a:lumMod val="50000"/>
+                    <a:lumOff val="50000"/>
+                  </a:schemeClr>
+                </a:solidFill>
+                <a:latin typeface="Meta Std Normal" panose="020B0504030101020102" pitchFamily="34" charset="0"/>
+              </a:rPr>
+              <a:t>Resultat</a:t>
+            </a:r>
+          </a:p>
+        </p:txBody>
+      </p:sp>
+      <p:sp>
+        <p:nvSpPr>
+          <p:cNvPr id="23" name="Textfeld 22">
+            <a:extLst>
+              <a:ext uri="{FF2B5EF4-FFF2-40B4-BE49-F238E27FC236}">
+                <a16:creationId xmlns:a16="http://schemas.microsoft.com/office/drawing/2014/main" id="{50BA6159-800C-409E-9350-B7DBA9E76E62}"/>
+              </a:ext>
+            </a:extLst>
+          </p:cNvPr>
+          <p:cNvSpPr txBox="1"/>
+          <p:nvPr/>
+        </p:nvSpPr>
+        <p:spPr>
+          <a:xfrm>
+            <a:off x="9279731" y="130609"/>
+            <a:ext cx="2074069" cy="261610"/>
+          </a:xfrm>
+          <a:prstGeom prst="rect">
+            <a:avLst/>
+          </a:prstGeom>
+          <a:noFill/>
+        </p:spPr>
+        <p:txBody>
+          <a:bodyPr wrap="square" rtlCol="0">
+            <a:spAutoFit/>
+          </a:bodyPr>
+          <a:lstStyle/>
+          <a:p>
+            <a:pPr algn="ctr"/>
+            <a:r>
+              <a:rPr lang="de-DE" sz="1100" dirty="0">
+                <a:solidFill>
+                  <a:srgbClr val="009EE6"/>
+                </a:solidFill>
+                <a:latin typeface="Meta Std Normal" panose="020B0504030101020102" pitchFamily="34" charset="0"/>
+              </a:rPr>
+              <a:t>Evaluierung</a:t>
+            </a:r>
+          </a:p>
+        </p:txBody>
+      </p:sp>
+      <p:sp>
+        <p:nvSpPr>
+          <p:cNvPr id="9" name="Textfeld 8">
+            <a:extLst>
+              <a:ext uri="{FF2B5EF4-FFF2-40B4-BE49-F238E27FC236}">
+                <a16:creationId xmlns:a16="http://schemas.microsoft.com/office/drawing/2014/main" id="{27B942E5-3A8D-41A4-B521-2AD924676FF7}"/>
+              </a:ext>
+            </a:extLst>
+          </p:cNvPr>
+          <p:cNvSpPr txBox="1"/>
+          <p:nvPr/>
+        </p:nvSpPr>
+        <p:spPr>
+          <a:xfrm>
+            <a:off x="529387" y="993862"/>
+            <a:ext cx="4427624" cy="506870"/>
+          </a:xfrm>
+          <a:prstGeom prst="rect">
+            <a:avLst/>
+          </a:prstGeom>
+          <a:noFill/>
+        </p:spPr>
+        <p:txBody>
+          <a:bodyPr wrap="square" rtlCol="0">
+            <a:spAutoFit/>
+          </a:bodyPr>
+          <a:lstStyle/>
+          <a:p>
+            <a:pPr>
+              <a:lnSpc>
+                <a:spcPct val="200000"/>
+              </a:lnSpc>
+            </a:pPr>
+            <a:r>
+              <a:rPr lang="de-DE" sz="1600" dirty="0">
+                <a:solidFill>
+                  <a:srgbClr val="009EE6"/>
+                </a:solidFill>
+                <a:latin typeface="Meta Std Normal" panose="020B0504030101020102" pitchFamily="34" charset="0"/>
+              </a:rPr>
+              <a:t>Erfüllung der Anforderungen</a:t>
+            </a:r>
+          </a:p>
+        </p:txBody>
+      </p:sp>
+      <p:sp>
+        <p:nvSpPr>
+          <p:cNvPr id="18" name="Textfeld 17">
+            <a:extLst>
+              <a:ext uri="{FF2B5EF4-FFF2-40B4-BE49-F238E27FC236}">
+                <a16:creationId xmlns:a16="http://schemas.microsoft.com/office/drawing/2014/main" id="{8E34DD7A-D2B5-46A6-A2EA-81673D500EB1}"/>
+              </a:ext>
+            </a:extLst>
+          </p:cNvPr>
+          <p:cNvSpPr txBox="1"/>
+          <p:nvPr/>
+        </p:nvSpPr>
+        <p:spPr>
+          <a:xfrm>
+            <a:off x="529387" y="2367402"/>
+            <a:ext cx="3805201" cy="400110"/>
+          </a:xfrm>
+          <a:prstGeom prst="rect">
+            <a:avLst/>
+          </a:prstGeom>
+          <a:noFill/>
+        </p:spPr>
+        <p:txBody>
+          <a:bodyPr wrap="square" rtlCol="0">
+            <a:spAutoFit/>
+          </a:bodyPr>
+          <a:lstStyle/>
+          <a:p>
+            <a:r>
+              <a:rPr lang="de-DE" sz="2000" dirty="0">
+                <a:solidFill>
+                  <a:schemeClr val="tx1">
+                    <a:lumMod val="95000"/>
+                    <a:lumOff val="5000"/>
+                  </a:schemeClr>
+                </a:solidFill>
+                <a:latin typeface="Meta Std Medium" panose="020B0604030101020102" pitchFamily="34" charset="0"/>
+              </a:rPr>
+              <a:t>Funktionen</a:t>
+            </a:r>
+          </a:p>
+        </p:txBody>
+      </p:sp>
+      <p:pic>
+        <p:nvPicPr>
+          <p:cNvPr id="11" name="Grafik 10">
+            <a:extLst>
+              <a:ext uri="{FF2B5EF4-FFF2-40B4-BE49-F238E27FC236}">
+                <a16:creationId xmlns:a16="http://schemas.microsoft.com/office/drawing/2014/main" id="{D1AF0A46-4D25-4DE8-95D5-41ABEFA6DBDF}"/>
+              </a:ext>
+            </a:extLst>
+          </p:cNvPr>
+          <p:cNvPicPr>
+            <a:picLocks noChangeAspect="1"/>
+          </p:cNvPicPr>
+          <p:nvPr/>
+        </p:nvPicPr>
+        <p:blipFill>
+          <a:blip r:embed="rId3">
+            <a:extLst>
+              <a:ext uri="{28A0092B-C50C-407E-A947-70E740481C1C}">
+                <a14:useLocalDpi xmlns:a14="http://schemas.microsoft.com/office/drawing/2010/main" val="0"/>
+              </a:ext>
+              <a:ext uri="{96DAC541-7B7A-43D3-8B79-37D633B846F1}">
+                <asvg:svgBlip xmlns:asvg="http://schemas.microsoft.com/office/drawing/2016/SVG/main" r:embed="rId4"/>
+              </a:ext>
+            </a:extLst>
+          </a:blip>
+          <a:stretch>
+            <a:fillRect/>
+          </a:stretch>
+        </p:blipFill>
+        <p:spPr>
+          <a:xfrm>
+            <a:off x="632872" y="2840457"/>
+            <a:ext cx="326480" cy="326480"/>
+          </a:xfrm>
+          <a:prstGeom prst="rect">
+            <a:avLst/>
+          </a:prstGeom>
+        </p:spPr>
+      </p:pic>
+      <p:sp>
+        <p:nvSpPr>
+          <p:cNvPr id="26" name="Textfeld 25">
+            <a:extLst>
+              <a:ext uri="{FF2B5EF4-FFF2-40B4-BE49-F238E27FC236}">
+                <a16:creationId xmlns:a16="http://schemas.microsoft.com/office/drawing/2014/main" id="{320443FA-A343-4C3F-AD1D-8F76E90CA818}"/>
+              </a:ext>
+            </a:extLst>
+          </p:cNvPr>
+          <p:cNvSpPr txBox="1"/>
+          <p:nvPr/>
+        </p:nvSpPr>
+        <p:spPr>
+          <a:xfrm>
+            <a:off x="959352" y="2767512"/>
+            <a:ext cx="3375236" cy="2277547"/>
+          </a:xfrm>
+          <a:prstGeom prst="rect">
+            <a:avLst/>
+          </a:prstGeom>
+          <a:noFill/>
+        </p:spPr>
+        <p:txBody>
+          <a:bodyPr wrap="square" rtlCol="0">
+            <a:spAutoFit/>
+          </a:bodyPr>
+          <a:lstStyle/>
+          <a:p>
+            <a:pPr>
+              <a:lnSpc>
+                <a:spcPct val="150000"/>
+              </a:lnSpc>
+            </a:pPr>
+            <a:r>
+              <a:rPr lang="de-DE" sz="1600" dirty="0">
+                <a:solidFill>
+                  <a:schemeClr val="tx1">
+                    <a:lumMod val="95000"/>
+                    <a:lumOff val="5000"/>
+                  </a:schemeClr>
+                </a:solidFill>
+                <a:latin typeface="MetaPro-Normal" panose="02000503040000020004" pitchFamily="2" charset="0"/>
+              </a:rPr>
+              <a:t>Einsatz planen</a:t>
+            </a:r>
+          </a:p>
+          <a:p>
+            <a:pPr>
+              <a:lnSpc>
+                <a:spcPct val="150000"/>
+              </a:lnSpc>
+            </a:pPr>
+            <a:r>
+              <a:rPr lang="de-DE" sz="1600" dirty="0">
+                <a:solidFill>
+                  <a:schemeClr val="tx1">
+                    <a:lumMod val="95000"/>
+                    <a:lumOff val="5000"/>
+                  </a:schemeClr>
+                </a:solidFill>
+                <a:latin typeface="MetaPro-Normal" panose="02000503040000020004" pitchFamily="2" charset="0"/>
+              </a:rPr>
+              <a:t>Einsatz bearbeiten</a:t>
+            </a:r>
+          </a:p>
+          <a:p>
+            <a:pPr>
+              <a:lnSpc>
+                <a:spcPct val="150000"/>
+              </a:lnSpc>
+            </a:pPr>
+            <a:r>
+              <a:rPr lang="de-DE" sz="1600" dirty="0">
+                <a:solidFill>
+                  <a:schemeClr val="tx1">
+                    <a:lumMod val="95000"/>
+                    <a:lumOff val="5000"/>
+                  </a:schemeClr>
+                </a:solidFill>
+                <a:latin typeface="MetaPro-Normal" panose="02000503040000020004" pitchFamily="2" charset="0"/>
+              </a:rPr>
+              <a:t>Einsätze darstellen</a:t>
+            </a:r>
+          </a:p>
+          <a:p>
+            <a:pPr>
+              <a:lnSpc>
+                <a:spcPct val="150000"/>
+              </a:lnSpc>
+            </a:pPr>
+            <a:r>
+              <a:rPr lang="de-DE" sz="1600" dirty="0">
+                <a:solidFill>
+                  <a:schemeClr val="tx1">
+                    <a:lumMod val="95000"/>
+                    <a:lumOff val="5000"/>
+                  </a:schemeClr>
+                </a:solidFill>
+                <a:latin typeface="MetaPro-Normal" panose="02000503040000020004" pitchFamily="2" charset="0"/>
+              </a:rPr>
+              <a:t>Schichten &amp; Tageszeiten bearbeiten</a:t>
+            </a:r>
+          </a:p>
+          <a:p>
+            <a:pPr>
+              <a:lnSpc>
+                <a:spcPct val="150000"/>
+              </a:lnSpc>
+            </a:pPr>
+            <a:r>
+              <a:rPr lang="de-DE" sz="1600" dirty="0">
+                <a:solidFill>
+                  <a:schemeClr val="tx1">
+                    <a:lumMod val="95000"/>
+                    <a:lumOff val="5000"/>
+                  </a:schemeClr>
+                </a:solidFill>
+                <a:latin typeface="MetaPro-Normal" panose="02000503040000020004" pitchFamily="2" charset="0"/>
+              </a:rPr>
+              <a:t>Rollen der Mitglieder bearbeiten</a:t>
+            </a:r>
+          </a:p>
+          <a:p>
+            <a:pPr>
+              <a:lnSpc>
+                <a:spcPct val="150000"/>
+              </a:lnSpc>
+            </a:pPr>
+            <a:r>
+              <a:rPr lang="de-DE" sz="1600" dirty="0">
+                <a:solidFill>
+                  <a:schemeClr val="tx1">
+                    <a:lumMod val="95000"/>
+                    <a:lumOff val="5000"/>
+                  </a:schemeClr>
+                </a:solidFill>
+                <a:latin typeface="MetaPro-Normal" panose="02000503040000020004" pitchFamily="2" charset="0"/>
+              </a:rPr>
+              <a:t>Sprache anpassen</a:t>
+            </a:r>
+          </a:p>
+        </p:txBody>
+      </p:sp>
+      <p:pic>
+        <p:nvPicPr>
+          <p:cNvPr id="32" name="Grafik 31">
+            <a:extLst>
+              <a:ext uri="{FF2B5EF4-FFF2-40B4-BE49-F238E27FC236}">
+                <a16:creationId xmlns:a16="http://schemas.microsoft.com/office/drawing/2014/main" id="{4845AFDB-93D4-4564-A908-D35ED37CAC4E}"/>
+              </a:ext>
+            </a:extLst>
+          </p:cNvPr>
+          <p:cNvPicPr>
+            <a:picLocks noChangeAspect="1"/>
+          </p:cNvPicPr>
+          <p:nvPr/>
+        </p:nvPicPr>
+        <p:blipFill>
+          <a:blip r:embed="rId3">
+            <a:extLst>
+              <a:ext uri="{28A0092B-C50C-407E-A947-70E740481C1C}">
+                <a14:useLocalDpi xmlns:a14="http://schemas.microsoft.com/office/drawing/2010/main" val="0"/>
+              </a:ext>
+              <a:ext uri="{96DAC541-7B7A-43D3-8B79-37D633B846F1}">
+                <asvg:svgBlip xmlns:asvg="http://schemas.microsoft.com/office/drawing/2016/SVG/main" r:embed="rId4"/>
+              </a:ext>
+            </a:extLst>
+          </a:blip>
+          <a:stretch>
+            <a:fillRect/>
+          </a:stretch>
+        </p:blipFill>
+        <p:spPr>
+          <a:xfrm>
+            <a:off x="632872" y="3216376"/>
+            <a:ext cx="326480" cy="326480"/>
+          </a:xfrm>
+          <a:prstGeom prst="rect">
+            <a:avLst/>
+          </a:prstGeom>
+        </p:spPr>
+      </p:pic>
+      <p:pic>
+        <p:nvPicPr>
+          <p:cNvPr id="33" name="Grafik 32">
+            <a:extLst>
+              <a:ext uri="{FF2B5EF4-FFF2-40B4-BE49-F238E27FC236}">
+                <a16:creationId xmlns:a16="http://schemas.microsoft.com/office/drawing/2014/main" id="{216C3C1F-FEE8-43B4-A859-A418A2B828DE}"/>
+              </a:ext>
+            </a:extLst>
+          </p:cNvPr>
+          <p:cNvPicPr>
+            <a:picLocks noChangeAspect="1"/>
+          </p:cNvPicPr>
+          <p:nvPr/>
+        </p:nvPicPr>
+        <p:blipFill>
+          <a:blip r:embed="rId3">
+            <a:extLst>
+              <a:ext uri="{28A0092B-C50C-407E-A947-70E740481C1C}">
+                <a14:useLocalDpi xmlns:a14="http://schemas.microsoft.com/office/drawing/2010/main" val="0"/>
+              </a:ext>
+              <a:ext uri="{96DAC541-7B7A-43D3-8B79-37D633B846F1}">
+                <asvg:svgBlip xmlns:asvg="http://schemas.microsoft.com/office/drawing/2016/SVG/main" r:embed="rId4"/>
+              </a:ext>
+            </a:extLst>
+          </a:blip>
+          <a:stretch>
+            <a:fillRect/>
+          </a:stretch>
+        </p:blipFill>
+        <p:spPr>
+          <a:xfrm>
+            <a:off x="629921" y="3592295"/>
+            <a:ext cx="326480" cy="326480"/>
+          </a:xfrm>
+          <a:prstGeom prst="rect">
+            <a:avLst/>
+          </a:prstGeom>
+        </p:spPr>
+      </p:pic>
+      <p:pic>
+        <p:nvPicPr>
+          <p:cNvPr id="34" name="Grafik 33">
+            <a:extLst>
+              <a:ext uri="{FF2B5EF4-FFF2-40B4-BE49-F238E27FC236}">
+                <a16:creationId xmlns:a16="http://schemas.microsoft.com/office/drawing/2014/main" id="{1B5067FA-19F7-4DE1-9E07-D102FEA00C9E}"/>
+              </a:ext>
+            </a:extLst>
+          </p:cNvPr>
+          <p:cNvPicPr>
+            <a:picLocks noChangeAspect="1"/>
+          </p:cNvPicPr>
+          <p:nvPr/>
+        </p:nvPicPr>
+        <p:blipFill>
+          <a:blip r:embed="rId3">
+            <a:extLst>
+              <a:ext uri="{28A0092B-C50C-407E-A947-70E740481C1C}">
+                <a14:useLocalDpi xmlns:a14="http://schemas.microsoft.com/office/drawing/2010/main" val="0"/>
+              </a:ext>
+              <a:ext uri="{96DAC541-7B7A-43D3-8B79-37D633B846F1}">
+                <asvg:svgBlip xmlns:asvg="http://schemas.microsoft.com/office/drawing/2016/SVG/main" r:embed="rId4"/>
+              </a:ext>
+            </a:extLst>
+          </a:blip>
+          <a:stretch>
+            <a:fillRect/>
+          </a:stretch>
+        </p:blipFill>
+        <p:spPr>
+          <a:xfrm>
+            <a:off x="629921" y="3962838"/>
+            <a:ext cx="326480" cy="326480"/>
+          </a:xfrm>
+          <a:prstGeom prst="rect">
+            <a:avLst/>
+          </a:prstGeom>
+        </p:spPr>
+      </p:pic>
+      <p:pic>
+        <p:nvPicPr>
+          <p:cNvPr id="35" name="Grafik 34">
+            <a:extLst>
+              <a:ext uri="{FF2B5EF4-FFF2-40B4-BE49-F238E27FC236}">
+                <a16:creationId xmlns:a16="http://schemas.microsoft.com/office/drawing/2014/main" id="{EE80D8A4-6507-4E91-8557-F388EE3F2B59}"/>
+              </a:ext>
+            </a:extLst>
+          </p:cNvPr>
+          <p:cNvPicPr>
+            <a:picLocks noChangeAspect="1"/>
+          </p:cNvPicPr>
+          <p:nvPr/>
+        </p:nvPicPr>
+        <p:blipFill>
+          <a:blip r:embed="rId3">
+            <a:extLst>
+              <a:ext uri="{28A0092B-C50C-407E-A947-70E740481C1C}">
+                <a14:useLocalDpi xmlns:a14="http://schemas.microsoft.com/office/drawing/2010/main" val="0"/>
+              </a:ext>
+              <a:ext uri="{96DAC541-7B7A-43D3-8B79-37D633B846F1}">
+                <asvg:svgBlip xmlns:asvg="http://schemas.microsoft.com/office/drawing/2016/SVG/main" r:embed="rId4"/>
+              </a:ext>
+            </a:extLst>
+          </a:blip>
+          <a:stretch>
+            <a:fillRect/>
+          </a:stretch>
+        </p:blipFill>
+        <p:spPr>
+          <a:xfrm>
+            <a:off x="640264" y="4333381"/>
+            <a:ext cx="326480" cy="326480"/>
+          </a:xfrm>
+          <a:prstGeom prst="rect">
+            <a:avLst/>
+          </a:prstGeom>
+        </p:spPr>
+      </p:pic>
+      <p:pic>
+        <p:nvPicPr>
+          <p:cNvPr id="36" name="Grafik 35">
+            <a:extLst>
+              <a:ext uri="{FF2B5EF4-FFF2-40B4-BE49-F238E27FC236}">
+                <a16:creationId xmlns:a16="http://schemas.microsoft.com/office/drawing/2014/main" id="{2BFB0AEC-1CA4-4516-BDE4-372DF5DB11E0}"/>
+              </a:ext>
+            </a:extLst>
+          </p:cNvPr>
+          <p:cNvPicPr>
+            <a:picLocks noChangeAspect="1"/>
+          </p:cNvPicPr>
+          <p:nvPr/>
+        </p:nvPicPr>
+        <p:blipFill>
+          <a:blip r:embed="rId3">
+            <a:extLst>
+              <a:ext uri="{28A0092B-C50C-407E-A947-70E740481C1C}">
+                <a14:useLocalDpi xmlns:a14="http://schemas.microsoft.com/office/drawing/2010/main" val="0"/>
+              </a:ext>
+              <a:ext uri="{96DAC541-7B7A-43D3-8B79-37D633B846F1}">
+                <asvg:svgBlip xmlns:asvg="http://schemas.microsoft.com/office/drawing/2016/SVG/main" r:embed="rId4"/>
+              </a:ext>
+            </a:extLst>
+          </a:blip>
+          <a:stretch>
+            <a:fillRect/>
+          </a:stretch>
+        </p:blipFill>
+        <p:spPr>
+          <a:xfrm>
+            <a:off x="640264" y="4703924"/>
+            <a:ext cx="326480" cy="326480"/>
+          </a:xfrm>
+          <a:prstGeom prst="rect">
+            <a:avLst/>
+          </a:prstGeom>
+        </p:spPr>
+      </p:pic>
+      <p:sp>
+        <p:nvSpPr>
+          <p:cNvPr id="37" name="Textfeld 36">
+            <a:extLst>
+              <a:ext uri="{FF2B5EF4-FFF2-40B4-BE49-F238E27FC236}">
+                <a16:creationId xmlns:a16="http://schemas.microsoft.com/office/drawing/2014/main" id="{95A9D767-856B-4CE1-82D9-A0DC23B18C5F}"/>
+              </a:ext>
+            </a:extLst>
+          </p:cNvPr>
+          <p:cNvSpPr txBox="1"/>
+          <p:nvPr/>
+        </p:nvSpPr>
+        <p:spPr>
+          <a:xfrm>
+            <a:off x="8504634" y="2367402"/>
+            <a:ext cx="3805201" cy="400110"/>
+          </a:xfrm>
+          <a:prstGeom prst="rect">
+            <a:avLst/>
+          </a:prstGeom>
+          <a:noFill/>
+        </p:spPr>
+        <p:txBody>
+          <a:bodyPr wrap="square" rtlCol="0">
+            <a:spAutoFit/>
+          </a:bodyPr>
+          <a:lstStyle/>
+          <a:p>
+            <a:r>
+              <a:rPr lang="de-DE" sz="2000" dirty="0">
+                <a:solidFill>
+                  <a:schemeClr val="tx1">
+                    <a:lumMod val="95000"/>
+                    <a:lumOff val="5000"/>
+                  </a:schemeClr>
+                </a:solidFill>
+                <a:latin typeface="Meta Std Medium" panose="020B0604030101020102" pitchFamily="34" charset="0"/>
+              </a:rPr>
+              <a:t>Weitere Kriterien</a:t>
+            </a:r>
+          </a:p>
+        </p:txBody>
+      </p:sp>
+      <p:pic>
+        <p:nvPicPr>
+          <p:cNvPr id="38" name="Grafik 37">
+            <a:extLst>
+              <a:ext uri="{FF2B5EF4-FFF2-40B4-BE49-F238E27FC236}">
+                <a16:creationId xmlns:a16="http://schemas.microsoft.com/office/drawing/2014/main" id="{DFB45987-26DF-4A22-9717-8A29DF67C7E8}"/>
+              </a:ext>
+            </a:extLst>
+          </p:cNvPr>
+          <p:cNvPicPr>
+            <a:picLocks noChangeAspect="1"/>
+          </p:cNvPicPr>
+          <p:nvPr/>
+        </p:nvPicPr>
+        <p:blipFill>
+          <a:blip r:embed="rId3">
+            <a:extLst>
+              <a:ext uri="{28A0092B-C50C-407E-A947-70E740481C1C}">
+                <a14:useLocalDpi xmlns:a14="http://schemas.microsoft.com/office/drawing/2010/main" val="0"/>
+              </a:ext>
+              <a:ext uri="{96DAC541-7B7A-43D3-8B79-37D633B846F1}">
+                <asvg:svgBlip xmlns:asvg="http://schemas.microsoft.com/office/drawing/2016/SVG/main" r:embed="rId4"/>
+              </a:ext>
+            </a:extLst>
+          </a:blip>
+          <a:stretch>
+            <a:fillRect/>
+          </a:stretch>
+        </p:blipFill>
+        <p:spPr>
+          <a:xfrm>
+            <a:off x="8608119" y="2840457"/>
+            <a:ext cx="326480" cy="326480"/>
+          </a:xfrm>
+          <a:prstGeom prst="rect">
+            <a:avLst/>
+          </a:prstGeom>
+        </p:spPr>
+      </p:pic>
+      <p:sp>
+        <p:nvSpPr>
+          <p:cNvPr id="39" name="Textfeld 38">
+            <a:extLst>
+              <a:ext uri="{FF2B5EF4-FFF2-40B4-BE49-F238E27FC236}">
+                <a16:creationId xmlns:a16="http://schemas.microsoft.com/office/drawing/2014/main" id="{D5E3E276-C27B-4455-A2B3-3A52AA083210}"/>
+              </a:ext>
+            </a:extLst>
+          </p:cNvPr>
+          <p:cNvSpPr txBox="1"/>
+          <p:nvPr/>
+        </p:nvSpPr>
+        <p:spPr>
+          <a:xfrm>
+            <a:off x="8934599" y="2767512"/>
+            <a:ext cx="2998247" cy="2277547"/>
+          </a:xfrm>
+          <a:prstGeom prst="rect">
+            <a:avLst/>
+          </a:prstGeom>
+          <a:noFill/>
+        </p:spPr>
+        <p:txBody>
+          <a:bodyPr wrap="square" rtlCol="0">
+            <a:spAutoFit/>
+          </a:bodyPr>
+          <a:lstStyle/>
+          <a:p>
+            <a:pPr>
+              <a:lnSpc>
+                <a:spcPct val="150000"/>
+              </a:lnSpc>
+            </a:pPr>
+            <a:r>
+              <a:rPr lang="de-DE" sz="1600" dirty="0">
+                <a:solidFill>
+                  <a:schemeClr val="tx1">
+                    <a:lumMod val="95000"/>
+                    <a:lumOff val="5000"/>
+                  </a:schemeClr>
+                </a:solidFill>
+                <a:latin typeface="MetaPro-Normal" panose="02000503040000020004" pitchFamily="2" charset="0"/>
+              </a:rPr>
+              <a:t>Mobile-Fähig</a:t>
+            </a:r>
+          </a:p>
+          <a:p>
+            <a:pPr>
+              <a:lnSpc>
+                <a:spcPct val="150000"/>
+              </a:lnSpc>
+            </a:pPr>
+            <a:r>
+              <a:rPr lang="de-DE" sz="1600" dirty="0">
+                <a:solidFill>
+                  <a:schemeClr val="tx1">
+                    <a:lumMod val="95000"/>
+                    <a:lumOff val="5000"/>
+                  </a:schemeClr>
+                </a:solidFill>
+                <a:latin typeface="MetaPro-Normal" panose="02000503040000020004" pitchFamily="2" charset="0"/>
+              </a:rPr>
+              <a:t>Standards : Farben</a:t>
+            </a:r>
+          </a:p>
+          <a:p>
+            <a:pPr>
+              <a:lnSpc>
+                <a:spcPct val="150000"/>
+              </a:lnSpc>
+            </a:pPr>
+            <a:r>
+              <a:rPr lang="de-DE" sz="1600" dirty="0">
+                <a:solidFill>
+                  <a:schemeClr val="tx1">
+                    <a:lumMod val="95000"/>
+                    <a:lumOff val="5000"/>
+                  </a:schemeClr>
+                </a:solidFill>
+                <a:latin typeface="MetaPro-Normal" panose="02000503040000020004" pitchFamily="2" charset="0"/>
+              </a:rPr>
+              <a:t>Standards : Logos</a:t>
+            </a:r>
+          </a:p>
+          <a:p>
+            <a:pPr>
+              <a:lnSpc>
+                <a:spcPct val="150000"/>
+              </a:lnSpc>
+            </a:pPr>
+            <a:r>
+              <a:rPr lang="de-DE" sz="1600" dirty="0">
+                <a:solidFill>
+                  <a:schemeClr val="tx1">
+                    <a:lumMod val="95000"/>
+                    <a:lumOff val="5000"/>
+                  </a:schemeClr>
+                </a:solidFill>
+                <a:latin typeface="MetaPro-Normal" panose="02000503040000020004" pitchFamily="2" charset="0"/>
+              </a:rPr>
+              <a:t>Standards : Schriftarten</a:t>
+            </a:r>
+          </a:p>
+          <a:p>
+            <a:pPr>
+              <a:lnSpc>
+                <a:spcPct val="150000"/>
+              </a:lnSpc>
+            </a:pPr>
+            <a:r>
+              <a:rPr lang="de-DE" sz="1600" dirty="0">
+                <a:solidFill>
+                  <a:schemeClr val="tx1">
+                    <a:lumMod val="95000"/>
+                    <a:lumOff val="5000"/>
+                  </a:schemeClr>
+                </a:solidFill>
+                <a:latin typeface="MetaPro-Normal" panose="02000503040000020004" pitchFamily="2" charset="0"/>
+              </a:rPr>
+              <a:t>Standards: Formularelemente</a:t>
+            </a:r>
+          </a:p>
+          <a:p>
+            <a:pPr>
+              <a:lnSpc>
+                <a:spcPct val="150000"/>
+              </a:lnSpc>
+            </a:pPr>
+            <a:r>
+              <a:rPr lang="de-DE" sz="1600" dirty="0">
+                <a:solidFill>
+                  <a:schemeClr val="tx1">
+                    <a:lumMod val="95000"/>
+                    <a:lumOff val="5000"/>
+                  </a:schemeClr>
+                </a:solidFill>
+                <a:latin typeface="MetaPro-Normal" panose="02000503040000020004" pitchFamily="2" charset="0"/>
+              </a:rPr>
+              <a:t>Mehrsprachigkeit</a:t>
+            </a:r>
+          </a:p>
+        </p:txBody>
+      </p:sp>
+      <p:pic>
+        <p:nvPicPr>
+          <p:cNvPr id="40" name="Grafik 39">
+            <a:extLst>
+              <a:ext uri="{FF2B5EF4-FFF2-40B4-BE49-F238E27FC236}">
+                <a16:creationId xmlns:a16="http://schemas.microsoft.com/office/drawing/2014/main" id="{670A9555-E693-40BF-9F01-B95E696EC404}"/>
+              </a:ext>
+            </a:extLst>
+          </p:cNvPr>
+          <p:cNvPicPr>
+            <a:picLocks noChangeAspect="1"/>
+          </p:cNvPicPr>
+          <p:nvPr/>
+        </p:nvPicPr>
+        <p:blipFill>
+          <a:blip r:embed="rId3">
+            <a:extLst>
+              <a:ext uri="{28A0092B-C50C-407E-A947-70E740481C1C}">
+                <a14:useLocalDpi xmlns:a14="http://schemas.microsoft.com/office/drawing/2010/main" val="0"/>
+              </a:ext>
+              <a:ext uri="{96DAC541-7B7A-43D3-8B79-37D633B846F1}">
+                <asvg:svgBlip xmlns:asvg="http://schemas.microsoft.com/office/drawing/2016/SVG/main" r:embed="rId4"/>
+              </a:ext>
+            </a:extLst>
+          </a:blip>
+          <a:stretch>
+            <a:fillRect/>
+          </a:stretch>
+        </p:blipFill>
+        <p:spPr>
+          <a:xfrm>
+            <a:off x="8608119" y="3216376"/>
+            <a:ext cx="326480" cy="326480"/>
+          </a:xfrm>
+          <a:prstGeom prst="rect">
+            <a:avLst/>
+          </a:prstGeom>
+        </p:spPr>
+      </p:pic>
+      <p:pic>
+        <p:nvPicPr>
+          <p:cNvPr id="41" name="Grafik 40">
+            <a:extLst>
+              <a:ext uri="{FF2B5EF4-FFF2-40B4-BE49-F238E27FC236}">
+                <a16:creationId xmlns:a16="http://schemas.microsoft.com/office/drawing/2014/main" id="{CB134557-DD07-44B2-B6E7-BD8EAB533AB1}"/>
+              </a:ext>
+            </a:extLst>
+          </p:cNvPr>
+          <p:cNvPicPr>
+            <a:picLocks noChangeAspect="1"/>
+          </p:cNvPicPr>
+          <p:nvPr/>
+        </p:nvPicPr>
+        <p:blipFill>
+          <a:blip r:embed="rId3">
+            <a:extLst>
+              <a:ext uri="{28A0092B-C50C-407E-A947-70E740481C1C}">
+                <a14:useLocalDpi xmlns:a14="http://schemas.microsoft.com/office/drawing/2010/main" val="0"/>
+              </a:ext>
+              <a:ext uri="{96DAC541-7B7A-43D3-8B79-37D633B846F1}">
+                <asvg:svgBlip xmlns:asvg="http://schemas.microsoft.com/office/drawing/2016/SVG/main" r:embed="rId4"/>
+              </a:ext>
+            </a:extLst>
+          </a:blip>
+          <a:stretch>
+            <a:fillRect/>
+          </a:stretch>
+        </p:blipFill>
+        <p:spPr>
+          <a:xfrm>
+            <a:off x="8605168" y="3592295"/>
+            <a:ext cx="326480" cy="326480"/>
+          </a:xfrm>
+          <a:prstGeom prst="rect">
+            <a:avLst/>
+          </a:prstGeom>
+        </p:spPr>
+      </p:pic>
+      <p:pic>
+        <p:nvPicPr>
+          <p:cNvPr id="42" name="Grafik 41">
+            <a:extLst>
+              <a:ext uri="{FF2B5EF4-FFF2-40B4-BE49-F238E27FC236}">
+                <a16:creationId xmlns:a16="http://schemas.microsoft.com/office/drawing/2014/main" id="{058361CA-EC8B-4D9B-99AC-E93A47F76148}"/>
+              </a:ext>
+            </a:extLst>
+          </p:cNvPr>
+          <p:cNvPicPr>
+            <a:picLocks noChangeAspect="1"/>
+          </p:cNvPicPr>
+          <p:nvPr/>
+        </p:nvPicPr>
+        <p:blipFill>
+          <a:blip r:embed="rId3">
+            <a:extLst>
+              <a:ext uri="{28A0092B-C50C-407E-A947-70E740481C1C}">
+                <a14:useLocalDpi xmlns:a14="http://schemas.microsoft.com/office/drawing/2010/main" val="0"/>
+              </a:ext>
+              <a:ext uri="{96DAC541-7B7A-43D3-8B79-37D633B846F1}">
+                <asvg:svgBlip xmlns:asvg="http://schemas.microsoft.com/office/drawing/2016/SVG/main" r:embed="rId4"/>
+              </a:ext>
+            </a:extLst>
+          </a:blip>
+          <a:stretch>
+            <a:fillRect/>
+          </a:stretch>
+        </p:blipFill>
+        <p:spPr>
+          <a:xfrm>
+            <a:off x="8605168" y="3962838"/>
+            <a:ext cx="326480" cy="326480"/>
+          </a:xfrm>
+          <a:prstGeom prst="rect">
+            <a:avLst/>
+          </a:prstGeom>
+        </p:spPr>
+      </p:pic>
+      <p:pic>
+        <p:nvPicPr>
+          <p:cNvPr id="43" name="Grafik 42">
+            <a:extLst>
+              <a:ext uri="{FF2B5EF4-FFF2-40B4-BE49-F238E27FC236}">
+                <a16:creationId xmlns:a16="http://schemas.microsoft.com/office/drawing/2014/main" id="{A870FE9E-2620-4D2D-A27A-8074496A6CF2}"/>
+              </a:ext>
+            </a:extLst>
+          </p:cNvPr>
+          <p:cNvPicPr>
+            <a:picLocks noChangeAspect="1"/>
+          </p:cNvPicPr>
+          <p:nvPr/>
+        </p:nvPicPr>
+        <p:blipFill>
+          <a:blip r:embed="rId3">
+            <a:extLst>
+              <a:ext uri="{28A0092B-C50C-407E-A947-70E740481C1C}">
+                <a14:useLocalDpi xmlns:a14="http://schemas.microsoft.com/office/drawing/2010/main" val="0"/>
+              </a:ext>
+              <a:ext uri="{96DAC541-7B7A-43D3-8B79-37D633B846F1}">
+                <asvg:svgBlip xmlns:asvg="http://schemas.microsoft.com/office/drawing/2016/SVG/main" r:embed="rId4"/>
+              </a:ext>
+            </a:extLst>
+          </a:blip>
+          <a:stretch>
+            <a:fillRect/>
+          </a:stretch>
+        </p:blipFill>
+        <p:spPr>
+          <a:xfrm>
+            <a:off x="8615511" y="4333381"/>
+            <a:ext cx="326480" cy="326480"/>
+          </a:xfrm>
+          <a:prstGeom prst="rect">
+            <a:avLst/>
+          </a:prstGeom>
+        </p:spPr>
+      </p:pic>
+      <p:pic>
+        <p:nvPicPr>
+          <p:cNvPr id="44" name="Grafik 43">
+            <a:extLst>
+              <a:ext uri="{FF2B5EF4-FFF2-40B4-BE49-F238E27FC236}">
+                <a16:creationId xmlns:a16="http://schemas.microsoft.com/office/drawing/2014/main" id="{EF29B5D9-8F73-4502-9B94-029842B7E579}"/>
+              </a:ext>
+            </a:extLst>
+          </p:cNvPr>
+          <p:cNvPicPr>
+            <a:picLocks noChangeAspect="1"/>
+          </p:cNvPicPr>
+          <p:nvPr/>
+        </p:nvPicPr>
+        <p:blipFill>
+          <a:blip r:embed="rId3">
+            <a:extLst>
+              <a:ext uri="{28A0092B-C50C-407E-A947-70E740481C1C}">
+                <a14:useLocalDpi xmlns:a14="http://schemas.microsoft.com/office/drawing/2010/main" val="0"/>
+              </a:ext>
+              <a:ext uri="{96DAC541-7B7A-43D3-8B79-37D633B846F1}">
+                <asvg:svgBlip xmlns:asvg="http://schemas.microsoft.com/office/drawing/2016/SVG/main" r:embed="rId4"/>
+              </a:ext>
+            </a:extLst>
+          </a:blip>
+          <a:stretch>
+            <a:fillRect/>
+          </a:stretch>
+        </p:blipFill>
+        <p:spPr>
+          <a:xfrm>
+            <a:off x="8615511" y="4703924"/>
+            <a:ext cx="326480" cy="326480"/>
+          </a:xfrm>
+          <a:prstGeom prst="rect">
+            <a:avLst/>
+          </a:prstGeom>
+        </p:spPr>
+      </p:pic>
+      <p:sp>
+        <p:nvSpPr>
+          <p:cNvPr id="46" name="Textfeld 45">
+            <a:extLst>
+              <a:ext uri="{FF2B5EF4-FFF2-40B4-BE49-F238E27FC236}">
+                <a16:creationId xmlns:a16="http://schemas.microsoft.com/office/drawing/2014/main" id="{7928D37F-A5B6-4C90-82C3-8166E96DCD0E}"/>
+              </a:ext>
+            </a:extLst>
+          </p:cNvPr>
+          <p:cNvSpPr txBox="1"/>
+          <p:nvPr/>
+        </p:nvSpPr>
+        <p:spPr>
+          <a:xfrm>
+            <a:off x="4370444" y="2367402"/>
+            <a:ext cx="3805201" cy="400110"/>
+          </a:xfrm>
+          <a:prstGeom prst="rect">
+            <a:avLst/>
+          </a:prstGeom>
+          <a:noFill/>
+        </p:spPr>
+        <p:txBody>
+          <a:bodyPr wrap="square" rtlCol="0">
+            <a:spAutoFit/>
+          </a:bodyPr>
+          <a:lstStyle/>
+          <a:p>
+            <a:r>
+              <a:rPr lang="de-DE" sz="2000" dirty="0">
+                <a:solidFill>
+                  <a:schemeClr val="tx1">
+                    <a:lumMod val="95000"/>
+                    <a:lumOff val="5000"/>
+                  </a:schemeClr>
+                </a:solidFill>
+                <a:latin typeface="Meta Std Medium" panose="020B0604030101020102" pitchFamily="34" charset="0"/>
+              </a:rPr>
+              <a:t>Sicherheitskriterien</a:t>
+            </a:r>
+          </a:p>
+        </p:txBody>
+      </p:sp>
+      <p:pic>
+        <p:nvPicPr>
+          <p:cNvPr id="47" name="Grafik 46">
+            <a:extLst>
+              <a:ext uri="{FF2B5EF4-FFF2-40B4-BE49-F238E27FC236}">
+                <a16:creationId xmlns:a16="http://schemas.microsoft.com/office/drawing/2014/main" id="{6C93CC5B-6F3E-42D9-B97A-665493A69480}"/>
+              </a:ext>
+            </a:extLst>
+          </p:cNvPr>
+          <p:cNvPicPr>
+            <a:picLocks noChangeAspect="1"/>
+          </p:cNvPicPr>
+          <p:nvPr/>
+        </p:nvPicPr>
+        <p:blipFill>
+          <a:blip r:embed="rId3">
+            <a:extLst>
+              <a:ext uri="{28A0092B-C50C-407E-A947-70E740481C1C}">
+                <a14:useLocalDpi xmlns:a14="http://schemas.microsoft.com/office/drawing/2010/main" val="0"/>
+              </a:ext>
+              <a:ext uri="{96DAC541-7B7A-43D3-8B79-37D633B846F1}">
+                <asvg:svgBlip xmlns:asvg="http://schemas.microsoft.com/office/drawing/2016/SVG/main" r:embed="rId4"/>
+              </a:ext>
+            </a:extLst>
+          </a:blip>
+          <a:stretch>
+            <a:fillRect/>
+          </a:stretch>
+        </p:blipFill>
+        <p:spPr>
+          <a:xfrm>
+            <a:off x="4473929" y="2840457"/>
+            <a:ext cx="326480" cy="326480"/>
+          </a:xfrm>
+          <a:prstGeom prst="rect">
+            <a:avLst/>
+          </a:prstGeom>
+        </p:spPr>
+      </p:pic>
+      <p:sp>
+        <p:nvSpPr>
+          <p:cNvPr id="48" name="Textfeld 47">
+            <a:extLst>
+              <a:ext uri="{FF2B5EF4-FFF2-40B4-BE49-F238E27FC236}">
+                <a16:creationId xmlns:a16="http://schemas.microsoft.com/office/drawing/2014/main" id="{14D27BC0-A475-489D-B1E1-84AC642666E1}"/>
+              </a:ext>
+            </a:extLst>
+          </p:cNvPr>
+          <p:cNvSpPr txBox="1"/>
+          <p:nvPr/>
+        </p:nvSpPr>
+        <p:spPr>
+          <a:xfrm>
+            <a:off x="4800408" y="2767512"/>
+            <a:ext cx="3956669" cy="1908215"/>
+          </a:xfrm>
+          <a:prstGeom prst="rect">
+            <a:avLst/>
+          </a:prstGeom>
+          <a:noFill/>
+        </p:spPr>
+        <p:txBody>
+          <a:bodyPr wrap="square" rtlCol="0">
+            <a:spAutoFit/>
+          </a:bodyPr>
+          <a:lstStyle/>
+          <a:p>
+            <a:pPr>
+              <a:lnSpc>
+                <a:spcPct val="150000"/>
+              </a:lnSpc>
+            </a:pPr>
+            <a:r>
+              <a:rPr lang="de-DE" sz="1600" dirty="0">
+                <a:solidFill>
+                  <a:schemeClr val="tx1">
+                    <a:lumMod val="95000"/>
+                    <a:lumOff val="5000"/>
+                  </a:schemeClr>
+                </a:solidFill>
+                <a:latin typeface="MetaPro-Normal" panose="02000503040000020004" pitchFamily="2" charset="0"/>
+              </a:rPr>
+              <a:t>A3 - Cross-Site-Scripting</a:t>
+            </a:r>
+          </a:p>
+          <a:p>
+            <a:pPr>
+              <a:lnSpc>
+                <a:spcPct val="150000"/>
+              </a:lnSpc>
+            </a:pPr>
+            <a:r>
+              <a:rPr lang="de-DE" sz="1600" dirty="0">
+                <a:solidFill>
+                  <a:schemeClr val="tx1">
+                    <a:lumMod val="95000"/>
+                    <a:lumOff val="5000"/>
+                  </a:schemeClr>
+                </a:solidFill>
+                <a:latin typeface="MetaPro-Normal" panose="02000503040000020004" pitchFamily="2" charset="0"/>
+              </a:rPr>
+              <a:t>A7 – Fehlerhafte Autorisierung</a:t>
+            </a:r>
+          </a:p>
+          <a:p>
+            <a:pPr>
+              <a:lnSpc>
+                <a:spcPct val="150000"/>
+              </a:lnSpc>
+            </a:pPr>
+            <a:r>
+              <a:rPr lang="de-DE" sz="1600" dirty="0">
+                <a:solidFill>
+                  <a:schemeClr val="tx1">
+                    <a:lumMod val="95000"/>
+                    <a:lumOff val="5000"/>
+                  </a:schemeClr>
+                </a:solidFill>
+                <a:latin typeface="MetaPro-Normal" panose="02000503040000020004" pitchFamily="2" charset="0"/>
+              </a:rPr>
+              <a:t>A8 – Cross-Site-Request-Forgery</a:t>
+            </a:r>
+          </a:p>
+          <a:p>
+            <a:pPr>
+              <a:lnSpc>
+                <a:spcPct val="150000"/>
+              </a:lnSpc>
+            </a:pPr>
+            <a:r>
+              <a:rPr lang="de-DE" sz="1600" dirty="0">
+                <a:solidFill>
+                  <a:schemeClr val="tx1">
+                    <a:lumMod val="95000"/>
+                    <a:lumOff val="5000"/>
+                  </a:schemeClr>
+                </a:solidFill>
+                <a:latin typeface="MetaPro-Normal" panose="02000503040000020004" pitchFamily="2" charset="0"/>
+              </a:rPr>
+              <a:t>A9 – Komponenten mit Schwachstellen</a:t>
+            </a:r>
+          </a:p>
+          <a:p>
+            <a:pPr>
+              <a:lnSpc>
+                <a:spcPct val="150000"/>
+              </a:lnSpc>
+            </a:pPr>
+            <a:r>
+              <a:rPr lang="de-DE" sz="1600" dirty="0">
+                <a:solidFill>
+                  <a:schemeClr val="tx1">
+                    <a:lumMod val="95000"/>
+                    <a:lumOff val="5000"/>
+                  </a:schemeClr>
+                </a:solidFill>
+                <a:latin typeface="MetaPro-Normal" panose="02000503040000020004" pitchFamily="2" charset="0"/>
+              </a:rPr>
+              <a:t>A10 – Um- und Weiterleitungen</a:t>
+            </a:r>
+          </a:p>
+        </p:txBody>
+      </p:sp>
+      <p:pic>
+        <p:nvPicPr>
+          <p:cNvPr id="49" name="Grafik 48">
+            <a:extLst>
+              <a:ext uri="{FF2B5EF4-FFF2-40B4-BE49-F238E27FC236}">
+                <a16:creationId xmlns:a16="http://schemas.microsoft.com/office/drawing/2014/main" id="{7FA4A5F2-CF6B-404C-A459-6F7FD1E12F5E}"/>
+              </a:ext>
+            </a:extLst>
+          </p:cNvPr>
+          <p:cNvPicPr>
+            <a:picLocks noChangeAspect="1"/>
+          </p:cNvPicPr>
+          <p:nvPr/>
+        </p:nvPicPr>
+        <p:blipFill>
+          <a:blip r:embed="rId3">
+            <a:extLst>
+              <a:ext uri="{28A0092B-C50C-407E-A947-70E740481C1C}">
+                <a14:useLocalDpi xmlns:a14="http://schemas.microsoft.com/office/drawing/2010/main" val="0"/>
+              </a:ext>
+              <a:ext uri="{96DAC541-7B7A-43D3-8B79-37D633B846F1}">
+                <asvg:svgBlip xmlns:asvg="http://schemas.microsoft.com/office/drawing/2016/SVG/main" r:embed="rId4"/>
+              </a:ext>
+            </a:extLst>
+          </a:blip>
+          <a:stretch>
+            <a:fillRect/>
+          </a:stretch>
+        </p:blipFill>
+        <p:spPr>
+          <a:xfrm>
+            <a:off x="4473929" y="3216376"/>
+            <a:ext cx="326480" cy="326480"/>
+          </a:xfrm>
+          <a:prstGeom prst="rect">
+            <a:avLst/>
+          </a:prstGeom>
+        </p:spPr>
+      </p:pic>
+      <p:pic>
+        <p:nvPicPr>
+          <p:cNvPr id="50" name="Grafik 49">
+            <a:extLst>
+              <a:ext uri="{FF2B5EF4-FFF2-40B4-BE49-F238E27FC236}">
+                <a16:creationId xmlns:a16="http://schemas.microsoft.com/office/drawing/2014/main" id="{F10CD80E-2155-4D08-BB73-794DB643EA14}"/>
+              </a:ext>
+            </a:extLst>
+          </p:cNvPr>
+          <p:cNvPicPr>
+            <a:picLocks noChangeAspect="1"/>
+          </p:cNvPicPr>
+          <p:nvPr/>
+        </p:nvPicPr>
+        <p:blipFill>
+          <a:blip r:embed="rId3">
+            <a:extLst>
+              <a:ext uri="{28A0092B-C50C-407E-A947-70E740481C1C}">
+                <a14:useLocalDpi xmlns:a14="http://schemas.microsoft.com/office/drawing/2010/main" val="0"/>
+              </a:ext>
+              <a:ext uri="{96DAC541-7B7A-43D3-8B79-37D633B846F1}">
+                <asvg:svgBlip xmlns:asvg="http://schemas.microsoft.com/office/drawing/2016/SVG/main" r:embed="rId4"/>
+              </a:ext>
+            </a:extLst>
+          </a:blip>
+          <a:stretch>
+            <a:fillRect/>
+          </a:stretch>
+        </p:blipFill>
+        <p:spPr>
+          <a:xfrm>
+            <a:off x="4470978" y="3592295"/>
+            <a:ext cx="326480" cy="326480"/>
+          </a:xfrm>
+          <a:prstGeom prst="rect">
+            <a:avLst/>
+          </a:prstGeom>
+        </p:spPr>
+      </p:pic>
+      <p:pic>
+        <p:nvPicPr>
+          <p:cNvPr id="51" name="Grafik 50">
+            <a:extLst>
+              <a:ext uri="{FF2B5EF4-FFF2-40B4-BE49-F238E27FC236}">
+                <a16:creationId xmlns:a16="http://schemas.microsoft.com/office/drawing/2014/main" id="{C04ED838-C3AE-454A-B4E9-78FD61B087BC}"/>
+              </a:ext>
+            </a:extLst>
+          </p:cNvPr>
+          <p:cNvPicPr>
+            <a:picLocks noChangeAspect="1"/>
+          </p:cNvPicPr>
+          <p:nvPr/>
+        </p:nvPicPr>
+        <p:blipFill>
+          <a:blip r:embed="rId3">
+            <a:extLst>
+              <a:ext uri="{28A0092B-C50C-407E-A947-70E740481C1C}">
+                <a14:useLocalDpi xmlns:a14="http://schemas.microsoft.com/office/drawing/2010/main" val="0"/>
+              </a:ext>
+              <a:ext uri="{96DAC541-7B7A-43D3-8B79-37D633B846F1}">
+                <asvg:svgBlip xmlns:asvg="http://schemas.microsoft.com/office/drawing/2016/SVG/main" r:embed="rId4"/>
+              </a:ext>
+            </a:extLst>
+          </a:blip>
+          <a:stretch>
+            <a:fillRect/>
+          </a:stretch>
+        </p:blipFill>
+        <p:spPr>
+          <a:xfrm>
+            <a:off x="4470978" y="3962838"/>
+            <a:ext cx="326480" cy="326480"/>
+          </a:xfrm>
+          <a:prstGeom prst="rect">
+            <a:avLst/>
+          </a:prstGeom>
+        </p:spPr>
+      </p:pic>
+      <p:pic>
+        <p:nvPicPr>
+          <p:cNvPr id="52" name="Grafik 51">
+            <a:extLst>
+              <a:ext uri="{FF2B5EF4-FFF2-40B4-BE49-F238E27FC236}">
+                <a16:creationId xmlns:a16="http://schemas.microsoft.com/office/drawing/2014/main" id="{0435B76F-1BE3-47C6-BBBD-86EC0C045DD0}"/>
+              </a:ext>
+            </a:extLst>
+          </p:cNvPr>
+          <p:cNvPicPr>
+            <a:picLocks noChangeAspect="1"/>
+          </p:cNvPicPr>
+          <p:nvPr/>
+        </p:nvPicPr>
+        <p:blipFill>
+          <a:blip r:embed="rId3">
+            <a:extLst>
+              <a:ext uri="{28A0092B-C50C-407E-A947-70E740481C1C}">
+                <a14:useLocalDpi xmlns:a14="http://schemas.microsoft.com/office/drawing/2010/main" val="0"/>
+              </a:ext>
+              <a:ext uri="{96DAC541-7B7A-43D3-8B79-37D633B846F1}">
+                <asvg:svgBlip xmlns:asvg="http://schemas.microsoft.com/office/drawing/2016/SVG/main" r:embed="rId4"/>
+              </a:ext>
+            </a:extLst>
+          </a:blip>
+          <a:stretch>
+            <a:fillRect/>
+          </a:stretch>
+        </p:blipFill>
+        <p:spPr>
+          <a:xfrm>
+            <a:off x="4481321" y="4333381"/>
+            <a:ext cx="326480" cy="326480"/>
+          </a:xfrm>
+          <a:prstGeom prst="rect">
+            <a:avLst/>
+          </a:prstGeom>
+        </p:spPr>
+      </p:pic>
+      <p:pic>
+        <p:nvPicPr>
+          <p:cNvPr id="54" name="Grafik 53">
+            <a:extLst>
+              <a:ext uri="{FF2B5EF4-FFF2-40B4-BE49-F238E27FC236}">
+                <a16:creationId xmlns:a16="http://schemas.microsoft.com/office/drawing/2014/main" id="{ACD4225E-C347-495F-91B2-CF88EDE2B0D0}"/>
+              </a:ext>
+            </a:extLst>
+          </p:cNvPr>
+          <p:cNvPicPr>
+            <a:picLocks noChangeAspect="1"/>
+          </p:cNvPicPr>
+          <p:nvPr/>
+        </p:nvPicPr>
+        <p:blipFill>
+          <a:blip r:embed="rId5">
+            <a:extLst>
+              <a:ext uri="{28A0092B-C50C-407E-A947-70E740481C1C}">
+                <a14:useLocalDpi xmlns:a14="http://schemas.microsoft.com/office/drawing/2010/main" val="0"/>
+              </a:ext>
+            </a:extLst>
+          </a:blip>
+          <a:stretch>
+            <a:fillRect/>
+          </a:stretch>
+        </p:blipFill>
+        <p:spPr>
+          <a:xfrm>
+            <a:off x="9926611" y="5968478"/>
+            <a:ext cx="1912571" cy="503308"/>
+          </a:xfrm>
+          <a:prstGeom prst="rect">
+            <a:avLst/>
+          </a:prstGeom>
+        </p:spPr>
+      </p:pic>
+    </p:spTree>
+    <p:extLst>
+      <p:ext uri="{BB962C8B-B14F-4D97-AF65-F5344CB8AC3E}">
+        <p14:creationId xmlns:p14="http://schemas.microsoft.com/office/powerpoint/2010/main" val="227273989"/>
+      </p:ext>
+    </p:extLst>
+  </p:cSld>
+  <p:clrMapOvr>
+    <a:masterClrMapping/>
+  </p:clrMapOvr>
+  <mc:AlternateContent xmlns:mc="http://schemas.openxmlformats.org/markup-compatibility/2006" xmlns:p159="http://schemas.microsoft.com/office/powerpoint/2015/09/main">
+    <mc:Choice Requires="p159">
+      <p:transition xmlns:p14="http://schemas.microsoft.com/office/powerpoint/2010/main" p14:dur="250">
+        <p159:morph option="byObject"/>
+      </p:transition>
+    </mc:Choice>
+    <mc:Fallback xmlns="">
+      <p:transition>
+        <p:fade/>
+      </p:transition>
+    </mc:Fallback>
+  </mc:AlternateContent>
+</p:sld>
+</file>
+
+<file path=ppt/slides/slide19.xml><?xml version="1.0" encoding="utf-8"?>
+<p:sld xmlns:a="http://schemas.openxmlformats.org/drawingml/2006/main" xmlns:r="http://schemas.openxmlformats.org/officeDocument/2006/relationships" xmlns:p="http://schemas.openxmlformats.org/presentationml/2006/main">
+  <p:cSld>
+    <p:spTree>
+      <p:nvGrpSpPr>
+        <p:cNvPr id="1" name=""/>
+        <p:cNvGrpSpPr/>
+        <p:nvPr/>
+      </p:nvGrpSpPr>
+      <p:grpSpPr>
+        <a:xfrm>
+          <a:off x="0" y="0"/>
+          <a:ext cx="0" cy="0"/>
+          <a:chOff x="0" y="0"/>
+          <a:chExt cx="0" cy="0"/>
+        </a:xfrm>
+      </p:grpSpPr>
+      <p:sp>
+        <p:nvSpPr>
+          <p:cNvPr id="17" name="Textfeld 16">
+            <a:extLst>
+              <a:ext uri="{FF2B5EF4-FFF2-40B4-BE49-F238E27FC236}">
+                <a16:creationId xmlns:a16="http://schemas.microsoft.com/office/drawing/2014/main" id="{3DF457D7-637C-45F1-B2B4-C8D74F7EB967}"/>
+              </a:ext>
+            </a:extLst>
+          </p:cNvPr>
+          <p:cNvSpPr txBox="1"/>
+          <p:nvPr/>
+        </p:nvSpPr>
+        <p:spPr>
+          <a:xfrm>
+            <a:off x="529389" y="465815"/>
+            <a:ext cx="6707606" cy="707886"/>
+          </a:xfrm>
+          <a:prstGeom prst="rect">
+            <a:avLst/>
+          </a:prstGeom>
+          <a:noFill/>
+        </p:spPr>
+        <p:txBody>
+          <a:bodyPr wrap="square" rtlCol="0">
+            <a:spAutoFit/>
+          </a:bodyPr>
+          <a:lstStyle/>
+          <a:p>
+            <a:r>
+              <a:rPr lang="de-DE" sz="4000" dirty="0">
+                <a:solidFill>
+                  <a:srgbClr val="003399"/>
+                </a:solidFill>
+                <a:latin typeface="Meta Std Normal" panose="020B0504030101020102" pitchFamily="34" charset="0"/>
+              </a:rPr>
+              <a:t>Verbesserungspotential</a:t>
+            </a:r>
+            <a:endParaRPr lang="de-CH" sz="4000" dirty="0">
+              <a:solidFill>
+                <a:srgbClr val="003399"/>
+              </a:solidFill>
+              <a:latin typeface="Meta Std Normal" panose="020B0504030101020102" pitchFamily="34" charset="0"/>
+            </a:endParaRPr>
+          </a:p>
+        </p:txBody>
+      </p:sp>
+      <p:pic>
+        <p:nvPicPr>
+          <p:cNvPr id="8" name="Grafik 7">
+            <a:extLst>
+              <a:ext uri="{FF2B5EF4-FFF2-40B4-BE49-F238E27FC236}">
+                <a16:creationId xmlns:a16="http://schemas.microsoft.com/office/drawing/2014/main" id="{ADCD8697-1FCF-47EA-81CF-51DDEAABDF03}"/>
+              </a:ext>
+            </a:extLst>
+          </p:cNvPr>
+          <p:cNvPicPr/>
+          <p:nvPr/>
+        </p:nvPicPr>
+        <p:blipFill rotWithShape="1">
+          <a:blip r:embed="rId2">
+            <a:extLst>
+              <a:ext uri="{28A0092B-C50C-407E-A947-70E740481C1C}">
+                <a14:useLocalDpi xmlns:a14="http://schemas.microsoft.com/office/drawing/2010/main" val="0"/>
+              </a:ext>
+            </a:extLst>
+          </a:blip>
+          <a:srcRect l="3810" r="4580" b="40683"/>
+          <a:stretch/>
+        </p:blipFill>
+        <p:spPr bwMode="auto">
+          <a:xfrm>
+            <a:off x="0" y="6711949"/>
+            <a:ext cx="12192000" cy="146051"/>
+          </a:xfrm>
+          <a:prstGeom prst="rect">
+            <a:avLst/>
+          </a:prstGeom>
+          <a:noFill/>
+          <a:ln>
+            <a:noFill/>
+          </a:ln>
+        </p:spPr>
+      </p:pic>
+      <p:sp>
+        <p:nvSpPr>
+          <p:cNvPr id="4" name="Textfeld 3">
+            <a:extLst>
+              <a:ext uri="{FF2B5EF4-FFF2-40B4-BE49-F238E27FC236}">
+                <a16:creationId xmlns:a16="http://schemas.microsoft.com/office/drawing/2014/main" id="{59576528-BDCE-4B4B-AAAC-96DA04EE5EA0}"/>
+              </a:ext>
+            </a:extLst>
+          </p:cNvPr>
+          <p:cNvSpPr txBox="1"/>
+          <p:nvPr/>
+        </p:nvSpPr>
+        <p:spPr>
+          <a:xfrm>
+            <a:off x="838200" y="130609"/>
+            <a:ext cx="2074069" cy="261610"/>
+          </a:xfrm>
+          <a:prstGeom prst="rect">
+            <a:avLst/>
+          </a:prstGeom>
+          <a:noFill/>
+        </p:spPr>
+        <p:txBody>
+          <a:bodyPr wrap="square" rtlCol="0">
+            <a:spAutoFit/>
+          </a:bodyPr>
+          <a:lstStyle/>
+          <a:p>
+            <a:pPr algn="ctr"/>
+            <a:r>
+              <a:rPr lang="de-DE" sz="1100" dirty="0">
+                <a:solidFill>
+                  <a:schemeClr val="tx1">
+                    <a:lumMod val="50000"/>
+                    <a:lumOff val="50000"/>
+                  </a:schemeClr>
+                </a:solidFill>
+                <a:latin typeface="Meta Std Normal" panose="020B0504030101020102" pitchFamily="34" charset="0"/>
+              </a:rPr>
+              <a:t>Ursprung &amp; Umgebung</a:t>
+            </a:r>
+          </a:p>
+        </p:txBody>
+      </p:sp>
+      <p:sp>
+        <p:nvSpPr>
+          <p:cNvPr id="15" name="Textfeld 14">
+            <a:extLst>
+              <a:ext uri="{FF2B5EF4-FFF2-40B4-BE49-F238E27FC236}">
+                <a16:creationId xmlns:a16="http://schemas.microsoft.com/office/drawing/2014/main" id="{A78CFF66-02E0-4579-9AB3-1C2714806374}"/>
+              </a:ext>
+            </a:extLst>
+          </p:cNvPr>
+          <p:cNvSpPr txBox="1"/>
+          <p:nvPr/>
+        </p:nvSpPr>
+        <p:spPr>
+          <a:xfrm>
+            <a:off x="3581400" y="130609"/>
+            <a:ext cx="2074069" cy="261610"/>
+          </a:xfrm>
+          <a:prstGeom prst="rect">
+            <a:avLst/>
+          </a:prstGeom>
+          <a:noFill/>
+        </p:spPr>
+        <p:txBody>
+          <a:bodyPr wrap="square" rtlCol="0">
+            <a:spAutoFit/>
+          </a:bodyPr>
+          <a:lstStyle/>
+          <a:p>
+            <a:pPr algn="ctr"/>
+            <a:r>
+              <a:rPr lang="de-DE" sz="1100" dirty="0">
+                <a:solidFill>
+                  <a:schemeClr val="tx1">
+                    <a:lumMod val="50000"/>
+                    <a:lumOff val="50000"/>
+                  </a:schemeClr>
+                </a:solidFill>
+                <a:latin typeface="Meta Std Normal" panose="020B0504030101020102" pitchFamily="34" charset="0"/>
+              </a:rPr>
+              <a:t>Realisierung</a:t>
+            </a:r>
+          </a:p>
+        </p:txBody>
+      </p:sp>
+      <p:sp>
+        <p:nvSpPr>
+          <p:cNvPr id="21" name="Textfeld 20">
+            <a:extLst>
+              <a:ext uri="{FF2B5EF4-FFF2-40B4-BE49-F238E27FC236}">
+                <a16:creationId xmlns:a16="http://schemas.microsoft.com/office/drawing/2014/main" id="{7CD28F71-6880-44F4-9EC4-6F1897DFE100}"/>
+              </a:ext>
+            </a:extLst>
+          </p:cNvPr>
+          <p:cNvSpPr txBox="1"/>
+          <p:nvPr/>
+        </p:nvSpPr>
+        <p:spPr>
+          <a:xfrm>
+            <a:off x="6430565" y="130609"/>
+            <a:ext cx="2074069" cy="261610"/>
+          </a:xfrm>
+          <a:prstGeom prst="rect">
+            <a:avLst/>
+          </a:prstGeom>
+          <a:noFill/>
+        </p:spPr>
+        <p:txBody>
+          <a:bodyPr wrap="square" rtlCol="0">
+            <a:spAutoFit/>
+          </a:bodyPr>
+          <a:lstStyle/>
+          <a:p>
+            <a:pPr algn="ctr"/>
+            <a:r>
+              <a:rPr lang="de-DE" sz="1100" dirty="0">
+                <a:solidFill>
+                  <a:schemeClr val="tx1">
+                    <a:lumMod val="50000"/>
+                    <a:lumOff val="50000"/>
+                  </a:schemeClr>
+                </a:solidFill>
+                <a:latin typeface="Meta Std Normal" panose="020B0504030101020102" pitchFamily="34" charset="0"/>
+              </a:rPr>
+              <a:t>Resultat</a:t>
+            </a:r>
+          </a:p>
+        </p:txBody>
+      </p:sp>
+      <p:sp>
+        <p:nvSpPr>
+          <p:cNvPr id="23" name="Textfeld 22">
+            <a:extLst>
+              <a:ext uri="{FF2B5EF4-FFF2-40B4-BE49-F238E27FC236}">
+                <a16:creationId xmlns:a16="http://schemas.microsoft.com/office/drawing/2014/main" id="{50BA6159-800C-409E-9350-B7DBA9E76E62}"/>
+              </a:ext>
+            </a:extLst>
+          </p:cNvPr>
+          <p:cNvSpPr txBox="1"/>
+          <p:nvPr/>
+        </p:nvSpPr>
+        <p:spPr>
+          <a:xfrm>
+            <a:off x="9279731" y="130609"/>
+            <a:ext cx="2074069" cy="261610"/>
+          </a:xfrm>
+          <a:prstGeom prst="rect">
+            <a:avLst/>
+          </a:prstGeom>
+          <a:noFill/>
+        </p:spPr>
+        <p:txBody>
+          <a:bodyPr wrap="square" rtlCol="0">
+            <a:spAutoFit/>
+          </a:bodyPr>
+          <a:lstStyle/>
+          <a:p>
+            <a:pPr algn="ctr"/>
+            <a:r>
+              <a:rPr lang="de-DE" sz="1100" dirty="0">
+                <a:solidFill>
+                  <a:srgbClr val="009EE6"/>
+                </a:solidFill>
+                <a:latin typeface="Meta Std Normal" panose="020B0504030101020102" pitchFamily="34" charset="0"/>
+              </a:rPr>
+              <a:t>Evaluierung</a:t>
+            </a:r>
+          </a:p>
+        </p:txBody>
+      </p:sp>
+      <p:pic>
+        <p:nvPicPr>
+          <p:cNvPr id="54" name="Grafik 53">
+            <a:extLst>
+              <a:ext uri="{FF2B5EF4-FFF2-40B4-BE49-F238E27FC236}">
+                <a16:creationId xmlns:a16="http://schemas.microsoft.com/office/drawing/2014/main" id="{ACD4225E-C347-495F-91B2-CF88EDE2B0D0}"/>
+              </a:ext>
+            </a:extLst>
+          </p:cNvPr>
+          <p:cNvPicPr>
+            <a:picLocks noChangeAspect="1"/>
+          </p:cNvPicPr>
+          <p:nvPr/>
+        </p:nvPicPr>
+        <p:blipFill>
+          <a:blip r:embed="rId3">
+            <a:extLst>
+              <a:ext uri="{28A0092B-C50C-407E-A947-70E740481C1C}">
+                <a14:useLocalDpi xmlns:a14="http://schemas.microsoft.com/office/drawing/2010/main" val="0"/>
+              </a:ext>
+            </a:extLst>
+          </a:blip>
+          <a:stretch>
+            <a:fillRect/>
+          </a:stretch>
+        </p:blipFill>
+        <p:spPr>
+          <a:xfrm>
+            <a:off x="9926611" y="5968478"/>
+            <a:ext cx="1912571" cy="503308"/>
+          </a:xfrm>
+          <a:prstGeom prst="rect">
+            <a:avLst/>
+          </a:prstGeom>
+        </p:spPr>
+      </p:pic>
+      <p:pic>
+        <p:nvPicPr>
+          <p:cNvPr id="3" name="Grafik 2">
+            <a:extLst>
+              <a:ext uri="{FF2B5EF4-FFF2-40B4-BE49-F238E27FC236}">
+                <a16:creationId xmlns:a16="http://schemas.microsoft.com/office/drawing/2014/main" id="{F6F0056D-947C-4A86-823D-F12491A0859C}"/>
+              </a:ext>
+            </a:extLst>
+          </p:cNvPr>
+          <p:cNvPicPr>
+            <a:picLocks noChangeAspect="1"/>
+          </p:cNvPicPr>
+          <p:nvPr/>
+        </p:nvPicPr>
+        <p:blipFill>
+          <a:blip r:embed="rId4">
+            <a:extLst>
+              <a:ext uri="{28A0092B-C50C-407E-A947-70E740481C1C}">
+                <a14:useLocalDpi xmlns:a14="http://schemas.microsoft.com/office/drawing/2010/main" val="0"/>
+              </a:ext>
+            </a:extLst>
+          </a:blip>
+          <a:stretch>
+            <a:fillRect/>
+          </a:stretch>
+        </p:blipFill>
+        <p:spPr>
+          <a:xfrm>
+            <a:off x="1682932" y="1919922"/>
+            <a:ext cx="1541067" cy="4743596"/>
+          </a:xfrm>
+          <a:prstGeom prst="rect">
+            <a:avLst/>
+          </a:prstGeom>
+        </p:spPr>
+      </p:pic>
+      <p:sp>
+        <p:nvSpPr>
+          <p:cNvPr id="45" name="Textfeld 44">
+            <a:extLst>
+              <a:ext uri="{FF2B5EF4-FFF2-40B4-BE49-F238E27FC236}">
+                <a16:creationId xmlns:a16="http://schemas.microsoft.com/office/drawing/2014/main" id="{C5299A34-5FE8-4E78-A005-D0FB3AE0F36A}"/>
+              </a:ext>
+            </a:extLst>
+          </p:cNvPr>
+          <p:cNvSpPr txBox="1"/>
+          <p:nvPr/>
+        </p:nvSpPr>
+        <p:spPr>
+          <a:xfrm>
+            <a:off x="728455" y="1437078"/>
+            <a:ext cx="3445656" cy="400110"/>
+          </a:xfrm>
+          <a:prstGeom prst="rect">
+            <a:avLst/>
+          </a:prstGeom>
+          <a:noFill/>
+        </p:spPr>
+        <p:txBody>
+          <a:bodyPr wrap="square" rtlCol="0">
+            <a:spAutoFit/>
+          </a:bodyPr>
+          <a:lstStyle/>
+          <a:p>
+            <a:pPr algn="ctr"/>
+            <a:r>
+              <a:rPr lang="de-DE" sz="2000" dirty="0">
+                <a:solidFill>
+                  <a:schemeClr val="tx1">
+                    <a:lumMod val="95000"/>
+                    <a:lumOff val="5000"/>
+                  </a:schemeClr>
+                </a:solidFill>
+                <a:latin typeface="Meta Std Medium" panose="020B0604030101020102" pitchFamily="34" charset="0"/>
+              </a:rPr>
+              <a:t>Weniger Requests</a:t>
+            </a:r>
+          </a:p>
+        </p:txBody>
+      </p:sp>
+      <p:sp>
+        <p:nvSpPr>
+          <p:cNvPr id="53" name="Textfeld 52">
+            <a:extLst>
+              <a:ext uri="{FF2B5EF4-FFF2-40B4-BE49-F238E27FC236}">
+                <a16:creationId xmlns:a16="http://schemas.microsoft.com/office/drawing/2014/main" id="{C4A7289F-31BB-4FD6-AA05-6D68E3818314}"/>
+              </a:ext>
+            </a:extLst>
+          </p:cNvPr>
+          <p:cNvSpPr txBox="1"/>
+          <p:nvPr/>
+        </p:nvSpPr>
+        <p:spPr>
+          <a:xfrm>
+            <a:off x="4373172" y="1437078"/>
+            <a:ext cx="3445656" cy="400110"/>
+          </a:xfrm>
+          <a:prstGeom prst="rect">
+            <a:avLst/>
+          </a:prstGeom>
+          <a:noFill/>
+        </p:spPr>
+        <p:txBody>
+          <a:bodyPr wrap="square" rtlCol="0">
+            <a:spAutoFit/>
+          </a:bodyPr>
+          <a:lstStyle/>
+          <a:p>
+            <a:pPr algn="ctr"/>
+            <a:r>
+              <a:rPr lang="de-DE" sz="2000" dirty="0">
+                <a:solidFill>
+                  <a:schemeClr val="tx1">
+                    <a:lumMod val="95000"/>
+                    <a:lumOff val="5000"/>
+                  </a:schemeClr>
+                </a:solidFill>
+                <a:latin typeface="Meta Std Medium" panose="020B0604030101020102" pitchFamily="34" charset="0"/>
+              </a:rPr>
+              <a:t>Automatisiertes Testing</a:t>
+            </a:r>
+          </a:p>
+        </p:txBody>
+      </p:sp>
+      <p:sp>
+        <p:nvSpPr>
+          <p:cNvPr id="55" name="Textfeld 54">
+            <a:extLst>
+              <a:ext uri="{FF2B5EF4-FFF2-40B4-BE49-F238E27FC236}">
+                <a16:creationId xmlns:a16="http://schemas.microsoft.com/office/drawing/2014/main" id="{BE42DB14-E66A-413E-B87F-3534419F17C9}"/>
+              </a:ext>
+            </a:extLst>
+          </p:cNvPr>
+          <p:cNvSpPr txBox="1"/>
+          <p:nvPr/>
+        </p:nvSpPr>
+        <p:spPr>
+          <a:xfrm>
+            <a:off x="8017889" y="1437078"/>
+            <a:ext cx="3445656" cy="400110"/>
+          </a:xfrm>
+          <a:prstGeom prst="rect">
+            <a:avLst/>
+          </a:prstGeom>
+          <a:noFill/>
+        </p:spPr>
+        <p:txBody>
+          <a:bodyPr wrap="square" rtlCol="0">
+            <a:spAutoFit/>
+          </a:bodyPr>
+          <a:lstStyle/>
+          <a:p>
+            <a:pPr algn="ctr"/>
+            <a:r>
+              <a:rPr lang="de-DE" sz="2000" dirty="0">
+                <a:solidFill>
+                  <a:schemeClr val="tx1">
+                    <a:lumMod val="95000"/>
+                    <a:lumOff val="5000"/>
+                  </a:schemeClr>
+                </a:solidFill>
+                <a:latin typeface="Meta Std Medium" panose="020B0604030101020102" pitchFamily="34" charset="0"/>
+              </a:rPr>
+              <a:t>Serverseitiges Rendern</a:t>
+            </a:r>
+          </a:p>
+        </p:txBody>
+      </p:sp>
+      <p:pic>
+        <p:nvPicPr>
+          <p:cNvPr id="6" name="Grafik 5" descr="Ein Bild, das Vektorgrafiken enthält.&#10;&#10;Automatisch generierte Beschreibung">
+            <a:extLst>
+              <a:ext uri="{FF2B5EF4-FFF2-40B4-BE49-F238E27FC236}">
+                <a16:creationId xmlns:a16="http://schemas.microsoft.com/office/drawing/2014/main" id="{9351E9DA-64E0-4691-B331-494B4545737C}"/>
+              </a:ext>
+            </a:extLst>
+          </p:cNvPr>
+          <p:cNvPicPr>
+            <a:picLocks noChangeAspect="1"/>
+          </p:cNvPicPr>
+          <p:nvPr/>
+        </p:nvPicPr>
+        <p:blipFill>
+          <a:blip r:embed="rId5">
+            <a:extLst>
+              <a:ext uri="{28A0092B-C50C-407E-A947-70E740481C1C}">
+                <a14:useLocalDpi xmlns:a14="http://schemas.microsoft.com/office/drawing/2010/main" val="0"/>
+              </a:ext>
+            </a:extLst>
+          </a:blip>
+          <a:stretch>
+            <a:fillRect/>
+          </a:stretch>
+        </p:blipFill>
+        <p:spPr>
+          <a:xfrm>
+            <a:off x="5351934" y="1919922"/>
+            <a:ext cx="1488131" cy="1488131"/>
+          </a:xfrm>
+          <a:prstGeom prst="rect">
+            <a:avLst/>
+          </a:prstGeom>
+        </p:spPr>
+      </p:pic>
+      <p:pic>
+        <p:nvPicPr>
+          <p:cNvPr id="10" name="Grafik 9" descr="Ein Bild, das Schild, draußen, Ende enthält.&#10;&#10;Automatisch generierte Beschreibung">
+            <a:extLst>
+              <a:ext uri="{FF2B5EF4-FFF2-40B4-BE49-F238E27FC236}">
+                <a16:creationId xmlns:a16="http://schemas.microsoft.com/office/drawing/2014/main" id="{1663B436-B01B-4068-B187-EFC894B60683}"/>
+              </a:ext>
+            </a:extLst>
+          </p:cNvPr>
+          <p:cNvPicPr>
+            <a:picLocks noChangeAspect="1"/>
+          </p:cNvPicPr>
+          <p:nvPr/>
+        </p:nvPicPr>
+        <p:blipFill>
+          <a:blip r:embed="rId6">
+            <a:extLst>
+              <a:ext uri="{28A0092B-C50C-407E-A947-70E740481C1C}">
+                <a14:useLocalDpi xmlns:a14="http://schemas.microsoft.com/office/drawing/2010/main" val="0"/>
+              </a:ext>
+            </a:extLst>
+          </a:blip>
+          <a:stretch>
+            <a:fillRect/>
+          </a:stretch>
+        </p:blipFill>
+        <p:spPr>
+          <a:xfrm>
+            <a:off x="5351934" y="4043662"/>
+            <a:ext cx="1488131" cy="1488131"/>
+          </a:xfrm>
+          <a:prstGeom prst="rect">
+            <a:avLst/>
+          </a:prstGeom>
+        </p:spPr>
+      </p:pic>
+      <p:sp>
+        <p:nvSpPr>
+          <p:cNvPr id="56" name="Textfeld 55">
+            <a:extLst>
+              <a:ext uri="{FF2B5EF4-FFF2-40B4-BE49-F238E27FC236}">
+                <a16:creationId xmlns:a16="http://schemas.microsoft.com/office/drawing/2014/main" id="{1B7F4F19-30AD-4ACA-8D45-D7758A433DAF}"/>
+              </a:ext>
+            </a:extLst>
+          </p:cNvPr>
+          <p:cNvSpPr txBox="1"/>
+          <p:nvPr/>
+        </p:nvSpPr>
+        <p:spPr>
+          <a:xfrm>
+            <a:off x="5522277" y="3490787"/>
+            <a:ext cx="1105565" cy="369332"/>
+          </a:xfrm>
+          <a:prstGeom prst="rect">
+            <a:avLst/>
+          </a:prstGeom>
+          <a:noFill/>
+        </p:spPr>
+        <p:txBody>
+          <a:bodyPr wrap="square" rtlCol="0">
+            <a:spAutoFit/>
+          </a:bodyPr>
+          <a:lstStyle/>
+          <a:p>
+            <a:pPr algn="ctr"/>
+            <a:r>
+              <a:rPr lang="de-DE" dirty="0"/>
+              <a:t>Jest</a:t>
+            </a:r>
+            <a:endParaRPr lang="de-CH" dirty="0"/>
+          </a:p>
+        </p:txBody>
+      </p:sp>
+      <p:sp>
+        <p:nvSpPr>
+          <p:cNvPr id="57" name="Textfeld 56">
+            <a:extLst>
+              <a:ext uri="{FF2B5EF4-FFF2-40B4-BE49-F238E27FC236}">
+                <a16:creationId xmlns:a16="http://schemas.microsoft.com/office/drawing/2014/main" id="{E1D8E247-93BC-425D-94CD-F9E2686ED854}"/>
+              </a:ext>
+            </a:extLst>
+          </p:cNvPr>
+          <p:cNvSpPr txBox="1"/>
+          <p:nvPr/>
+        </p:nvSpPr>
+        <p:spPr>
+          <a:xfrm>
+            <a:off x="5522277" y="5614527"/>
+            <a:ext cx="1105565" cy="369332"/>
+          </a:xfrm>
+          <a:prstGeom prst="rect">
+            <a:avLst/>
+          </a:prstGeom>
+          <a:noFill/>
+        </p:spPr>
+        <p:txBody>
+          <a:bodyPr wrap="square" rtlCol="0">
+            <a:spAutoFit/>
+          </a:bodyPr>
+          <a:lstStyle/>
+          <a:p>
+            <a:pPr algn="ctr"/>
+            <a:r>
+              <a:rPr lang="de-DE" dirty="0"/>
+              <a:t>Mocha</a:t>
+            </a:r>
+            <a:endParaRPr lang="de-CH" dirty="0"/>
+          </a:p>
+        </p:txBody>
+      </p:sp>
+      <p:pic>
+        <p:nvPicPr>
+          <p:cNvPr id="13" name="Grafik 12">
+            <a:extLst>
+              <a:ext uri="{FF2B5EF4-FFF2-40B4-BE49-F238E27FC236}">
+                <a16:creationId xmlns:a16="http://schemas.microsoft.com/office/drawing/2014/main" id="{ADBC8595-8DD1-4968-BB02-75B118B5BC22}"/>
+              </a:ext>
+            </a:extLst>
+          </p:cNvPr>
+          <p:cNvPicPr>
+            <a:picLocks noChangeAspect="1"/>
+          </p:cNvPicPr>
+          <p:nvPr/>
+        </p:nvPicPr>
+        <p:blipFill>
+          <a:blip r:embed="rId7">
+            <a:extLst>
+              <a:ext uri="{28A0092B-C50C-407E-A947-70E740481C1C}">
+                <a14:useLocalDpi xmlns:a14="http://schemas.microsoft.com/office/drawing/2010/main" val="0"/>
+              </a:ext>
+            </a:extLst>
+          </a:blip>
+          <a:stretch>
+            <a:fillRect/>
+          </a:stretch>
+        </p:blipFill>
+        <p:spPr>
+          <a:xfrm>
+            <a:off x="8748125" y="2523080"/>
+            <a:ext cx="2065129" cy="2065129"/>
+          </a:xfrm>
+          <a:prstGeom prst="rect">
+            <a:avLst/>
+          </a:prstGeom>
+        </p:spPr>
+      </p:pic>
+      <p:sp>
+        <p:nvSpPr>
+          <p:cNvPr id="58" name="Textfeld 57">
+            <a:extLst>
+              <a:ext uri="{FF2B5EF4-FFF2-40B4-BE49-F238E27FC236}">
+                <a16:creationId xmlns:a16="http://schemas.microsoft.com/office/drawing/2014/main" id="{D8F0120A-82AA-4050-807B-3C45B3399086}"/>
+              </a:ext>
+            </a:extLst>
+          </p:cNvPr>
+          <p:cNvSpPr txBox="1"/>
+          <p:nvPr/>
+        </p:nvSpPr>
+        <p:spPr>
+          <a:xfrm>
+            <a:off x="529389" y="847474"/>
+            <a:ext cx="4427624" cy="506870"/>
+          </a:xfrm>
+          <a:prstGeom prst="rect">
+            <a:avLst/>
+          </a:prstGeom>
+          <a:noFill/>
+        </p:spPr>
+        <p:txBody>
+          <a:bodyPr wrap="square" rtlCol="0">
+            <a:spAutoFit/>
+          </a:bodyPr>
+          <a:lstStyle/>
+          <a:p>
+            <a:pPr>
+              <a:lnSpc>
+                <a:spcPct val="200000"/>
+              </a:lnSpc>
+            </a:pPr>
+            <a:r>
+              <a:rPr lang="de-DE" sz="1600" dirty="0">
+                <a:solidFill>
+                  <a:srgbClr val="009EE6"/>
+                </a:solidFill>
+                <a:latin typeface="Meta Std Normal" panose="020B0504030101020102" pitchFamily="34" charset="0"/>
+              </a:rPr>
+              <a:t>Bedeutende Optimierungen</a:t>
+            </a:r>
+          </a:p>
+        </p:txBody>
+      </p:sp>
+    </p:spTree>
+    <p:extLst>
+      <p:ext uri="{BB962C8B-B14F-4D97-AF65-F5344CB8AC3E}">
+        <p14:creationId xmlns:p14="http://schemas.microsoft.com/office/powerpoint/2010/main" val="2477339439"/>
+      </p:ext>
+    </p:extLst>
+  </p:cSld>
+  <p:clrMapOvr>
+    <a:masterClrMapping/>
+  </p:clrMapOvr>
+  <mc:AlternateContent xmlns:mc="http://schemas.openxmlformats.org/markup-compatibility/2006" xmlns:p159="http://schemas.microsoft.com/office/powerpoint/2015/09/main">
+    <mc:Choice Requires="p159">
+      <p:transition xmlns:p14="http://schemas.microsoft.com/office/powerpoint/2010/main" p14:dur="250">
+        <p159:morph option="byObject"/>
+      </p:transition>
+    </mc:Choice>
+    <mc:Fallback xmlns="">
+      <p:transition>
         <p:fade/>
       </p:transition>
     </mc:Fallback>
@@ -11130,6 +13623,586 @@
     <mc:Choice Requires="p14">
       <p:transition p14:dur="250">
         <p:fade/>
+      </p:transition>
+    </mc:Choice>
+    <mc:Fallback xmlns="">
+      <p:transition>
+        <p:fade/>
+      </p:transition>
+    </mc:Fallback>
+  </mc:AlternateContent>
+</p:sld>
+</file>
+
+<file path=ppt/slides/slide20.xml><?xml version="1.0" encoding="utf-8"?>
+<p:sld xmlns:a="http://schemas.openxmlformats.org/drawingml/2006/main" xmlns:r="http://schemas.openxmlformats.org/officeDocument/2006/relationships" xmlns:p="http://schemas.openxmlformats.org/presentationml/2006/main">
+  <p:cSld>
+    <p:spTree>
+      <p:nvGrpSpPr>
+        <p:cNvPr id="1" name=""/>
+        <p:cNvGrpSpPr/>
+        <p:nvPr/>
+      </p:nvGrpSpPr>
+      <p:grpSpPr>
+        <a:xfrm>
+          <a:off x="0" y="0"/>
+          <a:ext cx="0" cy="0"/>
+          <a:chOff x="0" y="0"/>
+          <a:chExt cx="0" cy="0"/>
+        </a:xfrm>
+      </p:grpSpPr>
+      <p:sp>
+        <p:nvSpPr>
+          <p:cNvPr id="17" name="Textfeld 16">
+            <a:extLst>
+              <a:ext uri="{FF2B5EF4-FFF2-40B4-BE49-F238E27FC236}">
+                <a16:creationId xmlns:a16="http://schemas.microsoft.com/office/drawing/2014/main" id="{3DF457D7-637C-45F1-B2B4-C8D74F7EB967}"/>
+              </a:ext>
+            </a:extLst>
+          </p:cNvPr>
+          <p:cNvSpPr txBox="1"/>
+          <p:nvPr/>
+        </p:nvSpPr>
+        <p:spPr>
+          <a:xfrm>
+            <a:off x="529389" y="465815"/>
+            <a:ext cx="6707606" cy="707886"/>
+          </a:xfrm>
+          <a:prstGeom prst="rect">
+            <a:avLst/>
+          </a:prstGeom>
+          <a:noFill/>
+        </p:spPr>
+        <p:txBody>
+          <a:bodyPr wrap="square" rtlCol="0">
+            <a:spAutoFit/>
+          </a:bodyPr>
+          <a:lstStyle/>
+          <a:p>
+            <a:r>
+              <a:rPr lang="de-DE" sz="4000" dirty="0">
+                <a:solidFill>
+                  <a:srgbClr val="003399"/>
+                </a:solidFill>
+                <a:latin typeface="Meta Std Normal" panose="020B0504030101020102" pitchFamily="34" charset="0"/>
+              </a:rPr>
+              <a:t>Verbesserungspotential</a:t>
+            </a:r>
+            <a:endParaRPr lang="de-CH" sz="4000" dirty="0">
+              <a:solidFill>
+                <a:srgbClr val="003399"/>
+              </a:solidFill>
+              <a:latin typeface="Meta Std Normal" panose="020B0504030101020102" pitchFamily="34" charset="0"/>
+            </a:endParaRPr>
+          </a:p>
+        </p:txBody>
+      </p:sp>
+      <p:pic>
+        <p:nvPicPr>
+          <p:cNvPr id="8" name="Grafik 7">
+            <a:extLst>
+              <a:ext uri="{FF2B5EF4-FFF2-40B4-BE49-F238E27FC236}">
+                <a16:creationId xmlns:a16="http://schemas.microsoft.com/office/drawing/2014/main" id="{ADCD8697-1FCF-47EA-81CF-51DDEAABDF03}"/>
+              </a:ext>
+            </a:extLst>
+          </p:cNvPr>
+          <p:cNvPicPr/>
+          <p:nvPr/>
+        </p:nvPicPr>
+        <p:blipFill rotWithShape="1">
+          <a:blip r:embed="rId2">
+            <a:extLst>
+              <a:ext uri="{28A0092B-C50C-407E-A947-70E740481C1C}">
+                <a14:useLocalDpi xmlns:a14="http://schemas.microsoft.com/office/drawing/2010/main" val="0"/>
+              </a:ext>
+            </a:extLst>
+          </a:blip>
+          <a:srcRect l="3810" r="4580" b="40683"/>
+          <a:stretch/>
+        </p:blipFill>
+        <p:spPr bwMode="auto">
+          <a:xfrm>
+            <a:off x="0" y="6711949"/>
+            <a:ext cx="12192000" cy="146051"/>
+          </a:xfrm>
+          <a:prstGeom prst="rect">
+            <a:avLst/>
+          </a:prstGeom>
+          <a:noFill/>
+          <a:ln>
+            <a:noFill/>
+          </a:ln>
+        </p:spPr>
+      </p:pic>
+      <p:sp>
+        <p:nvSpPr>
+          <p:cNvPr id="4" name="Textfeld 3">
+            <a:extLst>
+              <a:ext uri="{FF2B5EF4-FFF2-40B4-BE49-F238E27FC236}">
+                <a16:creationId xmlns:a16="http://schemas.microsoft.com/office/drawing/2014/main" id="{59576528-BDCE-4B4B-AAAC-96DA04EE5EA0}"/>
+              </a:ext>
+            </a:extLst>
+          </p:cNvPr>
+          <p:cNvSpPr txBox="1"/>
+          <p:nvPr/>
+        </p:nvSpPr>
+        <p:spPr>
+          <a:xfrm>
+            <a:off x="838200" y="130609"/>
+            <a:ext cx="2074069" cy="261610"/>
+          </a:xfrm>
+          <a:prstGeom prst="rect">
+            <a:avLst/>
+          </a:prstGeom>
+          <a:noFill/>
+        </p:spPr>
+        <p:txBody>
+          <a:bodyPr wrap="square" rtlCol="0">
+            <a:spAutoFit/>
+          </a:bodyPr>
+          <a:lstStyle/>
+          <a:p>
+            <a:pPr algn="ctr"/>
+            <a:r>
+              <a:rPr lang="de-DE" sz="1100" dirty="0">
+                <a:solidFill>
+                  <a:schemeClr val="tx1">
+                    <a:lumMod val="50000"/>
+                    <a:lumOff val="50000"/>
+                  </a:schemeClr>
+                </a:solidFill>
+                <a:latin typeface="Meta Std Normal" panose="020B0504030101020102" pitchFamily="34" charset="0"/>
+              </a:rPr>
+              <a:t>Ursprung &amp; Umgebung</a:t>
+            </a:r>
+          </a:p>
+        </p:txBody>
+      </p:sp>
+      <p:sp>
+        <p:nvSpPr>
+          <p:cNvPr id="15" name="Textfeld 14">
+            <a:extLst>
+              <a:ext uri="{FF2B5EF4-FFF2-40B4-BE49-F238E27FC236}">
+                <a16:creationId xmlns:a16="http://schemas.microsoft.com/office/drawing/2014/main" id="{A78CFF66-02E0-4579-9AB3-1C2714806374}"/>
+              </a:ext>
+            </a:extLst>
+          </p:cNvPr>
+          <p:cNvSpPr txBox="1"/>
+          <p:nvPr/>
+        </p:nvSpPr>
+        <p:spPr>
+          <a:xfrm>
+            <a:off x="3581400" y="130609"/>
+            <a:ext cx="2074069" cy="261610"/>
+          </a:xfrm>
+          <a:prstGeom prst="rect">
+            <a:avLst/>
+          </a:prstGeom>
+          <a:noFill/>
+        </p:spPr>
+        <p:txBody>
+          <a:bodyPr wrap="square" rtlCol="0">
+            <a:spAutoFit/>
+          </a:bodyPr>
+          <a:lstStyle/>
+          <a:p>
+            <a:pPr algn="ctr"/>
+            <a:r>
+              <a:rPr lang="de-DE" sz="1100" dirty="0">
+                <a:solidFill>
+                  <a:schemeClr val="tx1">
+                    <a:lumMod val="50000"/>
+                    <a:lumOff val="50000"/>
+                  </a:schemeClr>
+                </a:solidFill>
+                <a:latin typeface="Meta Std Normal" panose="020B0504030101020102" pitchFamily="34" charset="0"/>
+              </a:rPr>
+              <a:t>Realisierung</a:t>
+            </a:r>
+          </a:p>
+        </p:txBody>
+      </p:sp>
+      <p:sp>
+        <p:nvSpPr>
+          <p:cNvPr id="21" name="Textfeld 20">
+            <a:extLst>
+              <a:ext uri="{FF2B5EF4-FFF2-40B4-BE49-F238E27FC236}">
+                <a16:creationId xmlns:a16="http://schemas.microsoft.com/office/drawing/2014/main" id="{7CD28F71-6880-44F4-9EC4-6F1897DFE100}"/>
+              </a:ext>
+            </a:extLst>
+          </p:cNvPr>
+          <p:cNvSpPr txBox="1"/>
+          <p:nvPr/>
+        </p:nvSpPr>
+        <p:spPr>
+          <a:xfrm>
+            <a:off x="6430565" y="130609"/>
+            <a:ext cx="2074069" cy="261610"/>
+          </a:xfrm>
+          <a:prstGeom prst="rect">
+            <a:avLst/>
+          </a:prstGeom>
+          <a:noFill/>
+        </p:spPr>
+        <p:txBody>
+          <a:bodyPr wrap="square" rtlCol="0">
+            <a:spAutoFit/>
+          </a:bodyPr>
+          <a:lstStyle/>
+          <a:p>
+            <a:pPr algn="ctr"/>
+            <a:r>
+              <a:rPr lang="de-DE" sz="1100" dirty="0">
+                <a:solidFill>
+                  <a:schemeClr val="tx1">
+                    <a:lumMod val="50000"/>
+                    <a:lumOff val="50000"/>
+                  </a:schemeClr>
+                </a:solidFill>
+                <a:latin typeface="Meta Std Normal" panose="020B0504030101020102" pitchFamily="34" charset="0"/>
+              </a:rPr>
+              <a:t>Resultat</a:t>
+            </a:r>
+          </a:p>
+        </p:txBody>
+      </p:sp>
+      <p:sp>
+        <p:nvSpPr>
+          <p:cNvPr id="23" name="Textfeld 22">
+            <a:extLst>
+              <a:ext uri="{FF2B5EF4-FFF2-40B4-BE49-F238E27FC236}">
+                <a16:creationId xmlns:a16="http://schemas.microsoft.com/office/drawing/2014/main" id="{50BA6159-800C-409E-9350-B7DBA9E76E62}"/>
+              </a:ext>
+            </a:extLst>
+          </p:cNvPr>
+          <p:cNvSpPr txBox="1"/>
+          <p:nvPr/>
+        </p:nvSpPr>
+        <p:spPr>
+          <a:xfrm>
+            <a:off x="9279731" y="130609"/>
+            <a:ext cx="2074069" cy="261610"/>
+          </a:xfrm>
+          <a:prstGeom prst="rect">
+            <a:avLst/>
+          </a:prstGeom>
+          <a:noFill/>
+        </p:spPr>
+        <p:txBody>
+          <a:bodyPr wrap="square" rtlCol="0">
+            <a:spAutoFit/>
+          </a:bodyPr>
+          <a:lstStyle/>
+          <a:p>
+            <a:pPr algn="ctr"/>
+            <a:r>
+              <a:rPr lang="de-DE" sz="1100" dirty="0">
+                <a:solidFill>
+                  <a:srgbClr val="009EE6"/>
+                </a:solidFill>
+                <a:latin typeface="Meta Std Normal" panose="020B0504030101020102" pitchFamily="34" charset="0"/>
+              </a:rPr>
+              <a:t>Evaluierung</a:t>
+            </a:r>
+          </a:p>
+        </p:txBody>
+      </p:sp>
+      <p:pic>
+        <p:nvPicPr>
+          <p:cNvPr id="54" name="Grafik 53">
+            <a:extLst>
+              <a:ext uri="{FF2B5EF4-FFF2-40B4-BE49-F238E27FC236}">
+                <a16:creationId xmlns:a16="http://schemas.microsoft.com/office/drawing/2014/main" id="{ACD4225E-C347-495F-91B2-CF88EDE2B0D0}"/>
+              </a:ext>
+            </a:extLst>
+          </p:cNvPr>
+          <p:cNvPicPr>
+            <a:picLocks noChangeAspect="1"/>
+          </p:cNvPicPr>
+          <p:nvPr/>
+        </p:nvPicPr>
+        <p:blipFill>
+          <a:blip r:embed="rId3">
+            <a:extLst>
+              <a:ext uri="{28A0092B-C50C-407E-A947-70E740481C1C}">
+                <a14:useLocalDpi xmlns:a14="http://schemas.microsoft.com/office/drawing/2010/main" val="0"/>
+              </a:ext>
+            </a:extLst>
+          </a:blip>
+          <a:stretch>
+            <a:fillRect/>
+          </a:stretch>
+        </p:blipFill>
+        <p:spPr>
+          <a:xfrm>
+            <a:off x="9926611" y="5968478"/>
+            <a:ext cx="1912571" cy="503308"/>
+          </a:xfrm>
+          <a:prstGeom prst="rect">
+            <a:avLst/>
+          </a:prstGeom>
+        </p:spPr>
+      </p:pic>
+      <p:sp>
+        <p:nvSpPr>
+          <p:cNvPr id="45" name="Textfeld 44">
+            <a:extLst>
+              <a:ext uri="{FF2B5EF4-FFF2-40B4-BE49-F238E27FC236}">
+                <a16:creationId xmlns:a16="http://schemas.microsoft.com/office/drawing/2014/main" id="{C5299A34-5FE8-4E78-A005-D0FB3AE0F36A}"/>
+              </a:ext>
+            </a:extLst>
+          </p:cNvPr>
+          <p:cNvSpPr txBox="1"/>
+          <p:nvPr/>
+        </p:nvSpPr>
+        <p:spPr>
+          <a:xfrm>
+            <a:off x="1858572" y="1580803"/>
+            <a:ext cx="3445656" cy="400110"/>
+          </a:xfrm>
+          <a:prstGeom prst="rect">
+            <a:avLst/>
+          </a:prstGeom>
+          <a:noFill/>
+        </p:spPr>
+        <p:txBody>
+          <a:bodyPr wrap="square" rtlCol="0">
+            <a:spAutoFit/>
+          </a:bodyPr>
+          <a:lstStyle/>
+          <a:p>
+            <a:pPr algn="ctr"/>
+            <a:r>
+              <a:rPr lang="de-DE" sz="2000" dirty="0">
+                <a:solidFill>
+                  <a:schemeClr val="tx1">
+                    <a:lumMod val="95000"/>
+                    <a:lumOff val="5000"/>
+                  </a:schemeClr>
+                </a:solidFill>
+                <a:latin typeface="Meta Std Medium" panose="020B0604030101020102" pitchFamily="34" charset="0"/>
+              </a:rPr>
+              <a:t>Pinsel-Tool</a:t>
+            </a:r>
+          </a:p>
+        </p:txBody>
+      </p:sp>
+      <p:sp>
+        <p:nvSpPr>
+          <p:cNvPr id="53" name="Textfeld 52">
+            <a:extLst>
+              <a:ext uri="{FF2B5EF4-FFF2-40B4-BE49-F238E27FC236}">
+                <a16:creationId xmlns:a16="http://schemas.microsoft.com/office/drawing/2014/main" id="{C4A7289F-31BB-4FD6-AA05-6D68E3818314}"/>
+              </a:ext>
+            </a:extLst>
+          </p:cNvPr>
+          <p:cNvSpPr txBox="1"/>
+          <p:nvPr/>
+        </p:nvSpPr>
+        <p:spPr>
+          <a:xfrm>
+            <a:off x="6887774" y="1580803"/>
+            <a:ext cx="3445656" cy="400110"/>
+          </a:xfrm>
+          <a:prstGeom prst="rect">
+            <a:avLst/>
+          </a:prstGeom>
+          <a:noFill/>
+        </p:spPr>
+        <p:txBody>
+          <a:bodyPr wrap="square" rtlCol="0">
+            <a:spAutoFit/>
+          </a:bodyPr>
+          <a:lstStyle/>
+          <a:p>
+            <a:pPr algn="ctr"/>
+            <a:r>
+              <a:rPr lang="de-DE" sz="2000" dirty="0">
+                <a:solidFill>
+                  <a:schemeClr val="tx1">
+                    <a:lumMod val="95000"/>
+                    <a:lumOff val="5000"/>
+                  </a:schemeClr>
+                </a:solidFill>
+                <a:latin typeface="Meta Std Medium" panose="020B0604030101020102" pitchFamily="34" charset="0"/>
+              </a:rPr>
+              <a:t>Mehrere Teams</a:t>
+            </a:r>
+          </a:p>
+        </p:txBody>
+      </p:sp>
+      <p:sp>
+        <p:nvSpPr>
+          <p:cNvPr id="58" name="Textfeld 57">
+            <a:extLst>
+              <a:ext uri="{FF2B5EF4-FFF2-40B4-BE49-F238E27FC236}">
+                <a16:creationId xmlns:a16="http://schemas.microsoft.com/office/drawing/2014/main" id="{D8F0120A-82AA-4050-807B-3C45B3399086}"/>
+              </a:ext>
+            </a:extLst>
+          </p:cNvPr>
+          <p:cNvSpPr txBox="1"/>
+          <p:nvPr/>
+        </p:nvSpPr>
+        <p:spPr>
+          <a:xfrm>
+            <a:off x="529389" y="847474"/>
+            <a:ext cx="4427624" cy="506870"/>
+          </a:xfrm>
+          <a:prstGeom prst="rect">
+            <a:avLst/>
+          </a:prstGeom>
+          <a:noFill/>
+        </p:spPr>
+        <p:txBody>
+          <a:bodyPr wrap="square" rtlCol="0">
+            <a:spAutoFit/>
+          </a:bodyPr>
+          <a:lstStyle/>
+          <a:p>
+            <a:pPr>
+              <a:lnSpc>
+                <a:spcPct val="200000"/>
+              </a:lnSpc>
+            </a:pPr>
+            <a:r>
+              <a:rPr lang="de-DE" sz="1600" dirty="0">
+                <a:solidFill>
+                  <a:srgbClr val="009EE6"/>
+                </a:solidFill>
+                <a:latin typeface="Meta Std Normal" panose="020B0504030101020102" pitchFamily="34" charset="0"/>
+              </a:rPr>
+              <a:t>Funktionen für die Zukunft</a:t>
+            </a:r>
+          </a:p>
+        </p:txBody>
+      </p:sp>
+      <p:sp>
+        <p:nvSpPr>
+          <p:cNvPr id="2" name="Textfeld 1">
+            <a:extLst>
+              <a:ext uri="{FF2B5EF4-FFF2-40B4-BE49-F238E27FC236}">
+                <a16:creationId xmlns:a16="http://schemas.microsoft.com/office/drawing/2014/main" id="{204DA155-6DA7-4EBC-B88C-3B470F6D1DC5}"/>
+              </a:ext>
+            </a:extLst>
+          </p:cNvPr>
+          <p:cNvSpPr txBox="1"/>
+          <p:nvPr/>
+        </p:nvSpPr>
+        <p:spPr>
+          <a:xfrm>
+            <a:off x="6549781" y="2388015"/>
+            <a:ext cx="4121641" cy="1900520"/>
+          </a:xfrm>
+          <a:prstGeom prst="rect">
+            <a:avLst/>
+          </a:prstGeom>
+          <a:noFill/>
+        </p:spPr>
+        <p:txBody>
+          <a:bodyPr wrap="none" rtlCol="0">
+            <a:spAutoFit/>
+          </a:bodyPr>
+          <a:lstStyle/>
+          <a:p>
+            <a:pPr marL="285750" indent="-285750">
+              <a:lnSpc>
+                <a:spcPct val="150000"/>
+              </a:lnSpc>
+              <a:buFont typeface="Arial" panose="020B0604020202020204" pitchFamily="34" charset="0"/>
+              <a:buChar char="•"/>
+            </a:pPr>
+            <a:r>
+              <a:rPr lang="de-DE" sz="2000" dirty="0">
+                <a:solidFill>
+                  <a:schemeClr val="tx1">
+                    <a:lumMod val="95000"/>
+                    <a:lumOff val="5000"/>
+                  </a:schemeClr>
+                </a:solidFill>
+                <a:latin typeface="MetaPro-Normal" panose="02000503040000020004" pitchFamily="2" charset="0"/>
+              </a:rPr>
+              <a:t>Benutzer einladen</a:t>
+            </a:r>
+          </a:p>
+          <a:p>
+            <a:pPr marL="285750" indent="-285750">
+              <a:lnSpc>
+                <a:spcPct val="150000"/>
+              </a:lnSpc>
+              <a:buFont typeface="Arial" panose="020B0604020202020204" pitchFamily="34" charset="0"/>
+              <a:buChar char="•"/>
+            </a:pPr>
+            <a:r>
+              <a:rPr lang="de-DE" sz="2000" dirty="0">
+                <a:solidFill>
+                  <a:schemeClr val="tx1">
+                    <a:lumMod val="95000"/>
+                    <a:lumOff val="5000"/>
+                  </a:schemeClr>
+                </a:solidFill>
+                <a:latin typeface="MetaPro-Normal" panose="02000503040000020004" pitchFamily="2" charset="0"/>
+              </a:rPr>
+              <a:t>Neues Team erstellen</a:t>
+            </a:r>
+          </a:p>
+          <a:p>
+            <a:pPr marL="285750" indent="-285750">
+              <a:lnSpc>
+                <a:spcPct val="150000"/>
+              </a:lnSpc>
+              <a:buFont typeface="Arial" panose="020B0604020202020204" pitchFamily="34" charset="0"/>
+              <a:buChar char="•"/>
+            </a:pPr>
+            <a:r>
+              <a:rPr lang="de-DE" sz="2000" dirty="0">
+                <a:solidFill>
+                  <a:schemeClr val="tx1">
+                    <a:lumMod val="95000"/>
+                    <a:lumOff val="5000"/>
+                  </a:schemeClr>
+                </a:solidFill>
+                <a:latin typeface="MetaPro-Normal" panose="02000503040000020004" pitchFamily="2" charset="0"/>
+              </a:rPr>
+              <a:t>Bestehendem Team beitreten</a:t>
+            </a:r>
+          </a:p>
+          <a:p>
+            <a:pPr marL="285750" indent="-285750">
+              <a:lnSpc>
+                <a:spcPct val="150000"/>
+              </a:lnSpc>
+              <a:buFont typeface="Arial" panose="020B0604020202020204" pitchFamily="34" charset="0"/>
+              <a:buChar char="•"/>
+            </a:pPr>
+            <a:r>
+              <a:rPr lang="de-DE" sz="2000" dirty="0">
+                <a:solidFill>
+                  <a:schemeClr val="tx1">
+                    <a:lumMod val="95000"/>
+                    <a:lumOff val="5000"/>
+                  </a:schemeClr>
+                </a:solidFill>
+                <a:latin typeface="MetaPro-Normal" panose="02000503040000020004" pitchFamily="2" charset="0"/>
+              </a:rPr>
+              <a:t>Team/Dienstplan veröffentlichen</a:t>
+            </a:r>
+          </a:p>
+        </p:txBody>
+      </p:sp>
+    </p:spTree>
+    <p:extLst>
+      <p:ext uri="{BB962C8B-B14F-4D97-AF65-F5344CB8AC3E}">
+        <p14:creationId xmlns:p14="http://schemas.microsoft.com/office/powerpoint/2010/main" val="2141737256"/>
+      </p:ext>
+    </p:extLst>
+  </p:cSld>
+  <p:clrMapOvr>
+    <a:masterClrMapping/>
+  </p:clrMapOvr>
+  <mc:AlternateContent xmlns:mc="http://schemas.openxmlformats.org/markup-compatibility/2006" xmlns:p159="http://schemas.microsoft.com/office/powerpoint/2015/09/main">
+    <mc:Choice Requires="p159">
+      <p:transition xmlns:p14="http://schemas.microsoft.com/office/powerpoint/2010/main" p14:dur="250">
+        <p159:morph option="byObject"/>
       </p:transition>
     </mc:Choice>
     <mc:Fallback xmlns="">
